--- a/SBM大作业汇报.pptx
+++ b/SBM大作业汇报.pptx
@@ -5,24 +5,25 @@
     <p:sldMasterId id="2147483648" r:id="rId1"/>
   </p:sldMasterIdLst>
   <p:notesMasterIdLst>
-    <p:notesMasterId r:id="rId14"/>
+    <p:notesMasterId r:id="rId15"/>
   </p:notesMasterIdLst>
   <p:handoutMasterIdLst>
-    <p:handoutMasterId r:id="rId15"/>
+    <p:handoutMasterId r:id="rId16"/>
   </p:handoutMasterIdLst>
   <p:sldIdLst>
     <p:sldId id="602" r:id="rId2"/>
     <p:sldId id="258" r:id="rId3"/>
     <p:sldId id="603" r:id="rId4"/>
     <p:sldId id="604" r:id="rId5"/>
-    <p:sldId id="610" r:id="rId6"/>
-    <p:sldId id="611" r:id="rId7"/>
-    <p:sldId id="612" r:id="rId8"/>
-    <p:sldId id="609" r:id="rId9"/>
-    <p:sldId id="613" r:id="rId10"/>
-    <p:sldId id="513" r:id="rId11"/>
-    <p:sldId id="588" r:id="rId12"/>
-    <p:sldId id="263" r:id="rId13"/>
+    <p:sldId id="614" r:id="rId6"/>
+    <p:sldId id="610" r:id="rId7"/>
+    <p:sldId id="611" r:id="rId8"/>
+    <p:sldId id="612" r:id="rId9"/>
+    <p:sldId id="609" r:id="rId10"/>
+    <p:sldId id="615" r:id="rId11"/>
+    <p:sldId id="613" r:id="rId12"/>
+    <p:sldId id="588" r:id="rId13"/>
+    <p:sldId id="263" r:id="rId14"/>
   </p:sldIdLst>
   <p:sldSz cx="12192000" cy="6858000"/>
   <p:notesSz cx="6858000" cy="9144000"/>
@@ -2088,7 +2089,7 @@
           <a:p>
             <a:fld id="{43F5EA6D-DCA6-4E22-B8AE-6488267173A4}" type="datetimeFigureOut">
               <a:rPr lang="zh-CN" altLang="en-US" smtClean="0"/>
-              <a:t>2021/10/31</a:t>
+              <a:t>2021/11/1</a:t>
             </a:fld>
             <a:endParaRPr lang="zh-CN" altLang="en-US"/>
           </a:p>
@@ -2266,7 +2267,7 @@
           <a:p>
             <a:fld id="{22919591-13FE-46AD-947D-5F0468F3FCCD}" type="datetimeFigureOut">
               <a:rPr lang="zh-CN" altLang="en-US" smtClean="0"/>
-              <a:t>2021/10/31</a:t>
+              <a:t>2021/11/1</a:t>
             </a:fld>
             <a:endParaRPr lang="zh-CN" altLang="en-US"/>
           </a:p>
@@ -2929,6 +2930,90 @@
     </p:spTree>
     <p:extLst>
       <p:ext uri="{BB962C8B-B14F-4D97-AF65-F5344CB8AC3E}">
+        <p14:creationId xmlns:p14="http://schemas.microsoft.com/office/powerpoint/2010/main" val="3901768411"/>
+      </p:ext>
+    </p:extLst>
+  </p:cSld>
+  <p:clrMapOvr>
+    <a:masterClrMapping/>
+  </p:clrMapOvr>
+</p:notes>
+</file>
+
+<file path=ppt/notesSlides/notesSlide6.xml><?xml version="1.0" encoding="utf-8"?>
+<p:notes xmlns:a="http://schemas.openxmlformats.org/drawingml/2006/main" xmlns:r="http://schemas.openxmlformats.org/officeDocument/2006/relationships" xmlns:p="http://schemas.openxmlformats.org/presentationml/2006/main">
+  <p:cSld>
+    <p:spTree>
+      <p:nvGrpSpPr>
+        <p:cNvPr id="1" name=""/>
+        <p:cNvGrpSpPr/>
+        <p:nvPr/>
+      </p:nvGrpSpPr>
+      <p:grpSpPr>
+        <a:xfrm>
+          <a:off x="0" y="0"/>
+          <a:ext cx="0" cy="0"/>
+          <a:chOff x="0" y="0"/>
+          <a:chExt cx="0" cy="0"/>
+        </a:xfrm>
+      </p:grpSpPr>
+      <p:sp>
+        <p:nvSpPr>
+          <p:cNvPr id="2" name="幻灯片图像占位符 1"/>
+          <p:cNvSpPr>
+            <a:spLocks noGrp="1" noRot="1" noChangeAspect="1"/>
+          </p:cNvSpPr>
+          <p:nvPr>
+            <p:ph type="sldImg"/>
+          </p:nvPr>
+        </p:nvSpPr>
+        <p:spPr/>
+      </p:sp>
+      <p:sp>
+        <p:nvSpPr>
+          <p:cNvPr id="3" name="备注占位符 2"/>
+          <p:cNvSpPr>
+            <a:spLocks noGrp="1"/>
+          </p:cNvSpPr>
+          <p:nvPr>
+            <p:ph type="body" idx="1"/>
+          </p:nvPr>
+        </p:nvSpPr>
+        <p:spPr/>
+        <p:txBody>
+          <a:bodyPr/>
+          <a:lstStyle/>
+          <a:p>
+            <a:endParaRPr lang="zh-CN" altLang="en-US" dirty="0"/>
+          </a:p>
+        </p:txBody>
+      </p:sp>
+      <p:sp>
+        <p:nvSpPr>
+          <p:cNvPr id="4" name="灯片编号占位符 3"/>
+          <p:cNvSpPr>
+            <a:spLocks noGrp="1"/>
+          </p:cNvSpPr>
+          <p:nvPr>
+            <p:ph type="sldNum" sz="quarter" idx="5"/>
+          </p:nvPr>
+        </p:nvSpPr>
+        <p:spPr/>
+        <p:txBody>
+          <a:bodyPr/>
+          <a:lstStyle/>
+          <a:p>
+            <a:fld id="{07B9BE4B-0E52-413A-B0BB-23EACEE041BD}" type="slidenum">
+              <a:rPr lang="zh-CN" altLang="en-US" smtClean="0"/>
+              <a:t>6</a:t>
+            </a:fld>
+            <a:endParaRPr lang="zh-CN" altLang="en-US"/>
+          </a:p>
+        </p:txBody>
+      </p:sp>
+    </p:spTree>
+    <p:extLst>
+      <p:ext uri="{BB962C8B-B14F-4D97-AF65-F5344CB8AC3E}">
         <p14:creationId xmlns:p14="http://schemas.microsoft.com/office/powerpoint/2010/main" val="3043732939"/>
       </p:ext>
     </p:extLst>
@@ -2939,7 +3024,7 @@
 </p:notes>
 </file>
 
-<file path=ppt/notesSlides/notesSlide6.xml><?xml version="1.0" encoding="utf-8"?>
+<file path=ppt/notesSlides/notesSlide7.xml><?xml version="1.0" encoding="utf-8"?>
 <p:notes xmlns:a="http://schemas.openxmlformats.org/drawingml/2006/main" xmlns:r="http://schemas.openxmlformats.org/officeDocument/2006/relationships" xmlns:p="http://schemas.openxmlformats.org/presentationml/2006/main">
   <p:cSld>
     <p:spTree>
@@ -3004,7 +3089,7 @@
           <a:p>
             <a:fld id="{6C1A38E5-3C97-4458-90F2-DD728A4B81D0}" type="slidenum">
               <a:rPr lang="zh-CN" altLang="en-US" smtClean="0"/>
-              <a:t>12</a:t>
+              <a:t>13</a:t>
             </a:fld>
             <a:endParaRPr lang="zh-CN" altLang="en-US"/>
           </a:p>
@@ -3780,7 +3865,7 @@
 </file>
 
 <file path=ppt/slideLayouts/slideLayout6.xml><?xml version="1.0" encoding="utf-8"?>
-<p:sldLayout xmlns:a="http://schemas.openxmlformats.org/drawingml/2006/main" xmlns:r="http://schemas.openxmlformats.org/officeDocument/2006/relationships" xmlns:p="http://schemas.openxmlformats.org/presentationml/2006/main" type="title">
+<p:sldLayout xmlns:a="http://schemas.openxmlformats.org/drawingml/2006/main" xmlns:r="http://schemas.openxmlformats.org/officeDocument/2006/relationships" xmlns:p="http://schemas.openxmlformats.org/presentationml/2006/main" userDrawn="1">
   <p:cSld name="标题幻灯片">
     <p:spTree>
       <p:nvGrpSpPr>
@@ -3796,37 +3881,6 @@
           <a:chExt cx="0" cy="0"/>
         </a:xfrm>
       </p:grpSpPr>
-      <p:sp>
-        <p:nvSpPr>
-          <p:cNvPr id="2" name="标题 1"/>
-          <p:cNvSpPr>
-            <a:spLocks noGrp="1"/>
-          </p:cNvSpPr>
-          <p:nvPr>
-            <p:ph type="ctrTitle"/>
-          </p:nvPr>
-        </p:nvSpPr>
-        <p:spPr>
-          <a:xfrm>
-            <a:off x="1524000" y="1122363"/>
-            <a:ext cx="9144000" cy="2387600"/>
-          </a:xfrm>
-        </p:spPr>
-        <p:txBody>
-          <a:bodyPr anchor="b"/>
-          <a:lstStyle>
-            <a:lvl1pPr algn="ctr">
-              <a:defRPr sz="6000"/>
-            </a:lvl1pPr>
-          </a:lstStyle>
-          <a:p>
-            <a:r>
-              <a:rPr lang="zh-CN" altLang="en-US"/>
-              <a:t>单击此处编辑母版标题样式</a:t>
-            </a:r>
-          </a:p>
-        </p:txBody>
-      </p:sp>
       <p:sp>
         <p:nvSpPr>
           <p:cNvPr id="3" name="副标题 2"/>
@@ -3893,12 +3947,18 @@
       </p:sp>
       <p:sp>
         <p:nvSpPr>
-          <p:cNvPr id="4" name="日期占位符 3"/>
+          <p:cNvPr id="7" name="标题 6">
+            <a:extLst>
+              <a:ext uri="{FF2B5EF4-FFF2-40B4-BE49-F238E27FC236}">
+                <a16:creationId xmlns:a16="http://schemas.microsoft.com/office/drawing/2014/main" id="{74630943-4492-48DA-9319-4C157B83F15E}"/>
+              </a:ext>
+            </a:extLst>
+          </p:cNvPr>
           <p:cNvSpPr>
             <a:spLocks noGrp="1"/>
           </p:cNvSpPr>
           <p:nvPr>
-            <p:ph type="dt" sz="half" idx="10"/>
+            <p:ph type="title"/>
           </p:nvPr>
         </p:nvSpPr>
         <p:spPr/>
@@ -3906,49 +3966,10 @@
           <a:bodyPr/>
           <a:lstStyle/>
           <a:p>
-            <a:endParaRPr lang="zh-CN" altLang="en-US"/>
-          </a:p>
-        </p:txBody>
-      </p:sp>
-      <p:sp>
-        <p:nvSpPr>
-          <p:cNvPr id="5" name="页脚占位符 4"/>
-          <p:cNvSpPr>
-            <a:spLocks noGrp="1"/>
-          </p:cNvSpPr>
-          <p:nvPr>
-            <p:ph type="ftr" sz="quarter" idx="11"/>
-          </p:nvPr>
-        </p:nvSpPr>
-        <p:spPr/>
-        <p:txBody>
-          <a:bodyPr/>
-          <a:lstStyle/>
-          <a:p>
-            <a:endParaRPr lang="zh-CN" altLang="en-US"/>
-          </a:p>
-        </p:txBody>
-      </p:sp>
-      <p:sp>
-        <p:nvSpPr>
-          <p:cNvPr id="6" name="灯片编号占位符 5"/>
-          <p:cNvSpPr>
-            <a:spLocks noGrp="1"/>
-          </p:cNvSpPr>
-          <p:nvPr>
-            <p:ph type="sldNum" sz="quarter" idx="12"/>
-          </p:nvPr>
-        </p:nvSpPr>
-        <p:spPr/>
-        <p:txBody>
-          <a:bodyPr/>
-          <a:lstStyle/>
-          <a:p>
-            <a:fld id="{565CE74E-AB26-4998-AD42-012C4C1AD076}" type="slidenum">
-              <a:rPr lang="zh-CN" altLang="en-US" smtClean="0"/>
-              <a:t>‹#›</a:t>
-            </a:fld>
-            <a:endParaRPr lang="zh-CN" altLang="en-US"/>
+            <a:r>
+              <a:rPr lang="zh-CN" altLang="en-US"/>
+              <a:t>单击此处编辑母版标题样式</a:t>
+            </a:r>
           </a:p>
         </p:txBody>
       </p:sp>
@@ -5539,7 +5560,7 @@
             <a:lstStyle/>
             <a:p>
               <a:pPr algn="ctr"/>
-              <a:endParaRPr lang="zh-CN" altLang="en-US"/>
+              <a:endParaRPr lang="zh-CN" altLang="en-US" dirty="0"/>
             </a:p>
           </p:txBody>
         </p:sp>
@@ -5869,22 +5890,35 @@
           <a:p>
             <a:pPr algn="ctr"/>
             <a:r>
-              <a:rPr lang="en-US" altLang="zh-CN" sz="4400" b="1" spc="300" dirty="0" err="1">
+              <a:rPr lang="zh-CN" altLang="en-US" sz="4400" b="1" spc="300" dirty="0">
                 <a:solidFill>
                   <a:srgbClr val="1C4372"/>
                 </a:solidFill>
                 <a:latin typeface="微软雅黑" panose="020B0503020204020204" charset="-122"/>
                 <a:ea typeface="微软雅黑" panose="020B0503020204020204" charset="-122"/>
               </a:rPr>
-              <a:t>SBMxxx</a:t>
-            </a:r>
-            <a:endParaRPr lang="zh-CN" altLang="en-US" sz="4400" b="1" spc="300" dirty="0">
-              <a:solidFill>
-                <a:srgbClr val="1C4372"/>
-              </a:solidFill>
-              <a:latin typeface="微软雅黑" panose="020B0503020204020204" charset="-122"/>
-              <a:ea typeface="微软雅黑" panose="020B0503020204020204" charset="-122"/>
-            </a:endParaRPr>
+              <a:t>基于</a:t>
+            </a:r>
+            <a:r>
+              <a:rPr lang="en-US" altLang="zh-CN" sz="4400" b="1" spc="300" dirty="0">
+                <a:solidFill>
+                  <a:srgbClr val="1C4372"/>
+                </a:solidFill>
+                <a:latin typeface="微软雅黑" panose="020B0503020204020204" charset="-122"/>
+                <a:ea typeface="微软雅黑" panose="020B0503020204020204" charset="-122"/>
+              </a:rPr>
+              <a:t>SBM</a:t>
+            </a:r>
+            <a:r>
+              <a:rPr lang="zh-CN" altLang="en-US" sz="4400" b="1" spc="300" dirty="0">
+                <a:solidFill>
+                  <a:srgbClr val="1C4372"/>
+                </a:solidFill>
+                <a:latin typeface="微软雅黑" panose="020B0503020204020204" charset="-122"/>
+                <a:ea typeface="微软雅黑" panose="020B0503020204020204" charset="-122"/>
+              </a:rPr>
+              <a:t>模型的火力发电汽轮机的数据</a:t>
+            </a:r>
           </a:p>
         </p:txBody>
       </p:sp>
@@ -5966,7 +6000,7 @@
         <p:spPr>
           <a:xfrm>
             <a:off x="4269105" y="4385945"/>
-            <a:ext cx="4478655" cy="1027397"/>
+            <a:ext cx="4478655" cy="1156855"/>
           </a:xfrm>
           <a:prstGeom prst="rect">
             <a:avLst/>
@@ -5985,67 +6019,79 @@
               </a:lnSpc>
             </a:pPr>
             <a:r>
-              <a:rPr lang="zh-CN" altLang="en-US" sz="1400" dirty="0">
+              <a:rPr lang="zh-CN" altLang="en-US" sz="1600" dirty="0">
                 <a:solidFill>
                   <a:schemeClr val="tx1">
                     <a:lumMod val="85000"/>
                     <a:lumOff val="15000"/>
                   </a:schemeClr>
                 </a:solidFill>
+                <a:latin typeface="微软雅黑" panose="020B0503020204020204" pitchFamily="34" charset="-122"/>
+                <a:ea typeface="微软雅黑" panose="020B0503020204020204" pitchFamily="34" charset="-122"/>
               </a:rPr>
               <a:t>小组成员：   马哲</a:t>
             </a:r>
             <a:r>
-              <a:rPr lang="en-US" altLang="zh-CN" sz="1400" dirty="0">
+              <a:rPr lang="en-US" altLang="zh-CN" sz="1600" dirty="0">
                 <a:solidFill>
                   <a:schemeClr val="tx1">
                     <a:lumMod val="85000"/>
                     <a:lumOff val="15000"/>
                   </a:schemeClr>
                 </a:solidFill>
+                <a:latin typeface="微软雅黑" panose="020B0503020204020204" pitchFamily="34" charset="-122"/>
+                <a:ea typeface="微软雅黑" panose="020B0503020204020204" pitchFamily="34" charset="-122"/>
               </a:rPr>
               <a:t>	</a:t>
             </a:r>
             <a:r>
-              <a:rPr lang="zh-CN" altLang="en-US" sz="1400" dirty="0">
+              <a:rPr lang="zh-CN" altLang="en-US" sz="1600" dirty="0">
                 <a:solidFill>
                   <a:schemeClr val="tx1">
                     <a:lumMod val="85000"/>
                     <a:lumOff val="15000"/>
                   </a:schemeClr>
                 </a:solidFill>
+                <a:latin typeface="微软雅黑" panose="020B0503020204020204" pitchFamily="34" charset="-122"/>
+                <a:ea typeface="微软雅黑" panose="020B0503020204020204" pitchFamily="34" charset="-122"/>
               </a:rPr>
               <a:t>张子君</a:t>
             </a:r>
             <a:r>
-              <a:rPr lang="en-US" altLang="zh-CN" sz="1400" dirty="0">
+              <a:rPr lang="en-US" altLang="zh-CN" sz="1600" dirty="0">
                 <a:solidFill>
                   <a:schemeClr val="tx1">
                     <a:lumMod val="85000"/>
                     <a:lumOff val="15000"/>
                   </a:schemeClr>
                 </a:solidFill>
+                <a:latin typeface="微软雅黑" panose="020B0503020204020204" pitchFamily="34" charset="-122"/>
+                <a:ea typeface="微软雅黑" panose="020B0503020204020204" pitchFamily="34" charset="-122"/>
               </a:rPr>
               <a:t>	</a:t>
             </a:r>
             <a:r>
-              <a:rPr lang="zh-CN" altLang="en-US" sz="1400" dirty="0">
+              <a:rPr lang="zh-CN" altLang="en-US" sz="1600" dirty="0">
                 <a:solidFill>
                   <a:schemeClr val="tx1">
                     <a:lumMod val="85000"/>
                     <a:lumOff val="15000"/>
                   </a:schemeClr>
                 </a:solidFill>
+                <a:latin typeface="微软雅黑" panose="020B0503020204020204" pitchFamily="34" charset="-122"/>
+                <a:ea typeface="微软雅黑" panose="020B0503020204020204" pitchFamily="34" charset="-122"/>
               </a:rPr>
               <a:t>相嘉慧</a:t>
             </a:r>
-            <a:endParaRPr lang="en-US" altLang="zh-CN" sz="1400" dirty="0">
+            <a:endParaRPr lang="en-US" altLang="zh-CN" sz="1600" dirty="0">
               <a:solidFill>
                 <a:schemeClr val="tx1">
                   <a:lumMod val="85000"/>
                   <a:lumOff val="15000"/>
                 </a:schemeClr>
               </a:solidFill>
+              <a:latin typeface="微软雅黑" panose="020B0503020204020204" pitchFamily="34" charset="-122"/>
+              <a:ea typeface="微软雅黑" panose="020B0503020204020204" pitchFamily="34" charset="-122"/>
             </a:endParaRPr>
           </a:p>
           <a:p>
@@ -6055,13 +6101,15 @@
               </a:lnSpc>
             </a:pPr>
             <a:r>
-              <a:rPr lang="zh-CN" sz="1400" dirty="0">
+              <a:rPr lang="zh-CN" sz="1600" dirty="0">
                 <a:solidFill>
                   <a:schemeClr val="tx1">
                     <a:lumMod val="85000"/>
                     <a:lumOff val="15000"/>
                   </a:schemeClr>
                 </a:solidFill>
+                <a:latin typeface="微软雅黑" panose="020B0503020204020204" pitchFamily="34" charset="-122"/>
+                <a:ea typeface="微软雅黑" panose="020B0503020204020204" pitchFamily="34" charset="-122"/>
               </a:rPr>
               <a:t>汇报人：       </a:t>
             </a:r>
@@ -6073,34 +6121,40 @@
               </a:lnSpc>
             </a:pPr>
             <a:r>
-              <a:rPr lang="zh-CN" altLang="en-US" sz="1400" dirty="0">
+              <a:rPr lang="zh-CN" altLang="en-US" sz="1600" dirty="0">
                 <a:solidFill>
                   <a:schemeClr val="tx1">
                     <a:lumMod val="85000"/>
                     <a:lumOff val="15000"/>
                   </a:schemeClr>
                 </a:solidFill>
+                <a:latin typeface="微软雅黑" panose="020B0503020204020204" pitchFamily="34" charset="-122"/>
+                <a:ea typeface="微软雅黑" panose="020B0503020204020204" pitchFamily="34" charset="-122"/>
               </a:rPr>
               <a:t>汇报日期：  </a:t>
             </a:r>
             <a:r>
-              <a:rPr lang="en-US" altLang="zh-CN" sz="1400" dirty="0">
+              <a:rPr lang="en-US" altLang="zh-CN" sz="1600" dirty="0">
                 <a:solidFill>
                   <a:schemeClr val="tx1">
                     <a:lumMod val="85000"/>
                     <a:lumOff val="15000"/>
                   </a:schemeClr>
                 </a:solidFill>
+                <a:latin typeface="微软雅黑" panose="020B0503020204020204" pitchFamily="34" charset="-122"/>
+                <a:ea typeface="微软雅黑" panose="020B0503020204020204" pitchFamily="34" charset="-122"/>
               </a:rPr>
               <a:t>2021.11.01</a:t>
             </a:r>
-            <a:endParaRPr lang="zh-CN" altLang="en-US" sz="1400" dirty="0">
+            <a:endParaRPr lang="zh-CN" altLang="en-US" sz="1600" dirty="0">
               <a:solidFill>
                 <a:schemeClr val="tx1">
                   <a:lumMod val="85000"/>
                   <a:lumOff val="15000"/>
                 </a:schemeClr>
               </a:solidFill>
+              <a:latin typeface="微软雅黑" panose="020B0503020204020204" pitchFamily="34" charset="-122"/>
+              <a:ea typeface="微软雅黑" panose="020B0503020204020204" pitchFamily="34" charset="-122"/>
             </a:endParaRPr>
           </a:p>
         </p:txBody>
@@ -6118,7 +6172,7 @@
             <a:spLocks noGrp="1"/>
           </p:cNvSpPr>
           <p:nvPr>
-            <p:ph type="ftr" sz="quarter" idx="11"/>
+            <p:ph type="ftr" sz="quarter" idx="4294967295"/>
           </p:nvPr>
         </p:nvSpPr>
         <p:spPr/>
@@ -6126,7 +6180,7 @@
           <a:bodyPr/>
           <a:lstStyle/>
           <a:p>
-            <a:endParaRPr lang="zh-CN" altLang="en-US"/>
+            <a:endParaRPr lang="zh-CN" altLang="en-US" dirty="0"/>
           </a:p>
         </p:txBody>
       </p:sp>
@@ -6310,8 +6364,8 @@
         </p:nvSpPr>
         <p:spPr>
           <a:xfrm>
-            <a:off x="8591808" y="239732"/>
-            <a:ext cx="2747868" cy="523220"/>
+            <a:off x="5446716" y="239732"/>
+            <a:ext cx="5892960" cy="523220"/>
           </a:xfrm>
           <a:prstGeom prst="rect">
             <a:avLst/>
@@ -6427,7 +6481,7 @@
                 <a:ea typeface="微软雅黑" panose="020B0503020204020204" pitchFamily="34" charset="-122"/>
                 <a:cs typeface="Arial" panose="020B0604020202020204"/>
               </a:rPr>
-              <a:t>4. </a:t>
+              <a:t>3. </a:t>
             </a:r>
             <a:r>
               <a:rPr lang="zh-CN" altLang="en-US" sz="2800" dirty="0">
@@ -6438,12 +6492,172 @@
                 <a:ea typeface="微软雅黑" panose="020B0503020204020204" pitchFamily="34" charset="-122"/>
                 <a:cs typeface="Arial" panose="020B0604020202020204"/>
               </a:rPr>
-              <a:t>动态结果展示</a:t>
+              <a:t>状态矩阵</a:t>
+            </a:r>
+            <a:r>
+              <a:rPr lang="en-US" altLang="zh-CN" sz="2800" dirty="0">
+                <a:solidFill>
+                  <a:srgbClr val="005BBB"/>
+                </a:solidFill>
+                <a:latin typeface="微软雅黑" panose="020B0503020204020204" pitchFamily="34" charset="-122"/>
+                <a:ea typeface="微软雅黑" panose="020B0503020204020204" pitchFamily="34" charset="-122"/>
+                <a:cs typeface="Arial" panose="020B0604020202020204"/>
+              </a:rPr>
+              <a:t>D</a:t>
+            </a:r>
+            <a:r>
+              <a:rPr lang="zh-CN" altLang="en-US" sz="2800" dirty="0">
+                <a:solidFill>
+                  <a:srgbClr val="005BBB"/>
+                </a:solidFill>
+                <a:latin typeface="微软雅黑" panose="020B0503020204020204" pitchFamily="34" charset="-122"/>
+                <a:ea typeface="微软雅黑" panose="020B0503020204020204" pitchFamily="34" charset="-122"/>
+                <a:cs typeface="Arial" panose="020B0604020202020204"/>
+              </a:rPr>
+              <a:t>的选取方法及实验结果</a:t>
             </a:r>
           </a:p>
         </p:txBody>
       </p:sp>
+      <p:sp>
+        <p:nvSpPr>
+          <p:cNvPr id="3" name="文本框 2">
+            <a:extLst>
+              <a:ext uri="{FF2B5EF4-FFF2-40B4-BE49-F238E27FC236}">
+                <a16:creationId xmlns:a16="http://schemas.microsoft.com/office/drawing/2014/main" id="{8E83F885-57BA-491B-9E03-132F39A3227F}"/>
+              </a:ext>
+            </a:extLst>
+          </p:cNvPr>
+          <p:cNvSpPr txBox="1"/>
+          <p:nvPr/>
+        </p:nvSpPr>
+        <p:spPr>
+          <a:xfrm>
+            <a:off x="791210" y="1284446"/>
+            <a:ext cx="4003674" cy="400110"/>
+          </a:xfrm>
+          <a:prstGeom prst="rect">
+            <a:avLst/>
+          </a:prstGeom>
+          <a:noFill/>
+        </p:spPr>
+        <p:txBody>
+          <a:bodyPr wrap="square" rtlCol="0">
+            <a:spAutoFit/>
+          </a:bodyPr>
+          <a:lstStyle/>
+          <a:p>
+            <a:r>
+              <a:rPr lang="zh-CN" altLang="en-US" sz="2000" dirty="0">
+                <a:solidFill>
+                  <a:srgbClr val="2B528B"/>
+                </a:solidFill>
+                <a:latin typeface="+mn-ea"/>
+              </a:rPr>
+              <a:t>（</a:t>
+            </a:r>
+            <a:r>
+              <a:rPr lang="en-US" altLang="zh-CN" sz="2000" dirty="0">
+                <a:solidFill>
+                  <a:srgbClr val="2B528B"/>
+                </a:solidFill>
+                <a:latin typeface="+mn-ea"/>
+              </a:rPr>
+              <a:t>4</a:t>
+            </a:r>
+            <a:r>
+              <a:rPr lang="zh-CN" altLang="en-US" sz="2000" dirty="0">
+                <a:solidFill>
+                  <a:srgbClr val="2B528B"/>
+                </a:solidFill>
+                <a:latin typeface="+mn-ea"/>
+              </a:rPr>
+              <a:t>）结果展示</a:t>
+            </a:r>
+            <a:endParaRPr lang="zh-CN" altLang="en-US" sz="2000" dirty="0">
+              <a:solidFill>
+                <a:srgbClr val="2B528B"/>
+              </a:solidFill>
+              <a:latin typeface="微软雅黑" panose="020B0503020204020204" pitchFamily="34" charset="-122"/>
+              <a:ea typeface="微软雅黑" panose="020B0503020204020204" pitchFamily="34" charset="-122"/>
+            </a:endParaRPr>
+          </a:p>
+        </p:txBody>
+      </p:sp>
+      <p:sp>
+        <p:nvSpPr>
+          <p:cNvPr id="2" name="文本框 1">
+            <a:extLst>
+              <a:ext uri="{FF2B5EF4-FFF2-40B4-BE49-F238E27FC236}">
+                <a16:creationId xmlns:a16="http://schemas.microsoft.com/office/drawing/2014/main" id="{CC61AF9B-24A4-48D0-883B-2A0EA2EB0614}"/>
+              </a:ext>
+            </a:extLst>
+          </p:cNvPr>
+          <p:cNvSpPr txBox="1"/>
+          <p:nvPr/>
+        </p:nvSpPr>
+        <p:spPr>
+          <a:xfrm>
+            <a:off x="5324238" y="1371997"/>
+            <a:ext cx="2693038" cy="369332"/>
+          </a:xfrm>
+          <a:prstGeom prst="rect">
+            <a:avLst/>
+          </a:prstGeom>
+          <a:noFill/>
+        </p:spPr>
+        <p:txBody>
+          <a:bodyPr wrap="square" rtlCol="0">
+            <a:spAutoFit/>
+          </a:bodyPr>
+          <a:lstStyle/>
+          <a:p>
+            <a:r>
+              <a:rPr lang="zh-CN" altLang="en-US" dirty="0">
+                <a:latin typeface="微软雅黑" panose="020B0503020204020204" pitchFamily="34" charset="-122"/>
+                <a:ea typeface="微软雅黑" panose="020B0503020204020204" pitchFamily="34" charset="-122"/>
+              </a:rPr>
+              <a:t>测试集结果</a:t>
+            </a:r>
+          </a:p>
+        </p:txBody>
+      </p:sp>
+      <p:pic>
+        <p:nvPicPr>
+          <p:cNvPr id="8" name="图片 7">
+            <a:extLst>
+              <a:ext uri="{FF2B5EF4-FFF2-40B4-BE49-F238E27FC236}">
+                <a16:creationId xmlns:a16="http://schemas.microsoft.com/office/drawing/2014/main" id="{8191132E-A5F0-46D0-A72F-63C2C99EFAB3}"/>
+              </a:ext>
+            </a:extLst>
+          </p:cNvPr>
+          <p:cNvPicPr>
+            <a:picLocks noChangeAspect="1"/>
+          </p:cNvPicPr>
+          <p:nvPr/>
+        </p:nvPicPr>
+        <p:blipFill>
+          <a:blip r:embed="rId2"/>
+          <a:stretch>
+            <a:fillRect/>
+          </a:stretch>
+        </p:blipFill>
+        <p:spPr>
+          <a:xfrm>
+            <a:off x="2161237" y="1804407"/>
+            <a:ext cx="7869526" cy="5053593"/>
+          </a:xfrm>
+          <a:prstGeom prst="rect">
+            <a:avLst/>
+          </a:prstGeom>
+        </p:spPr>
+      </p:pic>
     </p:spTree>
+    <p:extLst>
+      <p:ext uri="{BB962C8B-B14F-4D97-AF65-F5344CB8AC3E}">
+        <p14:creationId xmlns:p14="http://schemas.microsoft.com/office/powerpoint/2010/main" val="3326026489"/>
+      </p:ext>
+    </p:extLst>
   </p:cSld>
   <p:clrMapOvr>
     <a:masterClrMapping/>
@@ -6452,6 +6666,1142 @@
 </file>
 
 <file path=ppt/slides/slide11.xml><?xml version="1.0" encoding="utf-8"?>
+<p:sld xmlns:a="http://schemas.openxmlformats.org/drawingml/2006/main" xmlns:r="http://schemas.openxmlformats.org/officeDocument/2006/relationships" xmlns:p="http://schemas.openxmlformats.org/presentationml/2006/main">
+  <p:cSld>
+    <p:spTree>
+      <p:nvGrpSpPr>
+        <p:cNvPr id="1" name=""/>
+        <p:cNvGrpSpPr/>
+        <p:nvPr/>
+      </p:nvGrpSpPr>
+      <p:grpSpPr>
+        <a:xfrm>
+          <a:off x="0" y="0"/>
+          <a:ext cx="0" cy="0"/>
+          <a:chOff x="0" y="0"/>
+          <a:chExt cx="0" cy="0"/>
+        </a:xfrm>
+      </p:grpSpPr>
+      <p:sp>
+        <p:nvSpPr>
+          <p:cNvPr id="6" name="Rectangle 3"/>
+          <p:cNvSpPr/>
+          <p:nvPr/>
+        </p:nvSpPr>
+        <p:spPr>
+          <a:xfrm>
+            <a:off x="5446716" y="239732"/>
+            <a:ext cx="5892960" cy="523220"/>
+          </a:xfrm>
+          <a:prstGeom prst="rect">
+            <a:avLst/>
+          </a:prstGeom>
+        </p:spPr>
+        <p:txBody>
+          <a:bodyPr wrap="none" anchor="t">
+            <a:spAutoFit/>
+          </a:bodyPr>
+          <a:lstStyle>
+            <a:defPPr>
+              <a:defRPr lang="en-US"/>
+            </a:defPPr>
+            <a:lvl1pPr marL="0" algn="l" defTabSz="914400" rtl="0" eaLnBrk="1" latinLnBrk="0" hangingPunct="1">
+              <a:defRPr sz="1800" kern="1200">
+                <a:solidFill>
+                  <a:schemeClr val="tx1"/>
+                </a:solidFill>
+                <a:latin typeface="+mn-lt"/>
+                <a:ea typeface="+mn-ea"/>
+                <a:cs typeface="+mn-cs"/>
+              </a:defRPr>
+            </a:lvl1pPr>
+            <a:lvl2pPr marL="457200" algn="l" defTabSz="914400" rtl="0" eaLnBrk="1" latinLnBrk="0" hangingPunct="1">
+              <a:defRPr sz="1800" kern="1200">
+                <a:solidFill>
+                  <a:schemeClr val="tx1"/>
+                </a:solidFill>
+                <a:latin typeface="+mn-lt"/>
+                <a:ea typeface="+mn-ea"/>
+                <a:cs typeface="+mn-cs"/>
+              </a:defRPr>
+            </a:lvl2pPr>
+            <a:lvl3pPr marL="914400" algn="l" defTabSz="914400" rtl="0" eaLnBrk="1" latinLnBrk="0" hangingPunct="1">
+              <a:defRPr sz="1800" kern="1200">
+                <a:solidFill>
+                  <a:schemeClr val="tx1"/>
+                </a:solidFill>
+                <a:latin typeface="+mn-lt"/>
+                <a:ea typeface="+mn-ea"/>
+                <a:cs typeface="+mn-cs"/>
+              </a:defRPr>
+            </a:lvl3pPr>
+            <a:lvl4pPr marL="1371600" algn="l" defTabSz="914400" rtl="0" eaLnBrk="1" latinLnBrk="0" hangingPunct="1">
+              <a:defRPr sz="1800" kern="1200">
+                <a:solidFill>
+                  <a:schemeClr val="tx1"/>
+                </a:solidFill>
+                <a:latin typeface="+mn-lt"/>
+                <a:ea typeface="+mn-ea"/>
+                <a:cs typeface="+mn-cs"/>
+              </a:defRPr>
+            </a:lvl4pPr>
+            <a:lvl5pPr marL="1828800" algn="l" defTabSz="914400" rtl="0" eaLnBrk="1" latinLnBrk="0" hangingPunct="1">
+              <a:defRPr sz="1800" kern="1200">
+                <a:solidFill>
+                  <a:schemeClr val="tx1"/>
+                </a:solidFill>
+                <a:latin typeface="+mn-lt"/>
+                <a:ea typeface="+mn-ea"/>
+                <a:cs typeface="+mn-cs"/>
+              </a:defRPr>
+            </a:lvl5pPr>
+            <a:lvl6pPr marL="2286000" algn="l" defTabSz="914400" rtl="0" eaLnBrk="1" latinLnBrk="0" hangingPunct="1">
+              <a:defRPr sz="1800" kern="1200">
+                <a:solidFill>
+                  <a:schemeClr val="tx1"/>
+                </a:solidFill>
+                <a:latin typeface="+mn-lt"/>
+                <a:ea typeface="+mn-ea"/>
+                <a:cs typeface="+mn-cs"/>
+              </a:defRPr>
+            </a:lvl6pPr>
+            <a:lvl7pPr marL="2743200" algn="l" defTabSz="914400" rtl="0" eaLnBrk="1" latinLnBrk="0" hangingPunct="1">
+              <a:defRPr sz="1800" kern="1200">
+                <a:solidFill>
+                  <a:schemeClr val="tx1"/>
+                </a:solidFill>
+                <a:latin typeface="+mn-lt"/>
+                <a:ea typeface="+mn-ea"/>
+                <a:cs typeface="+mn-cs"/>
+              </a:defRPr>
+            </a:lvl7pPr>
+            <a:lvl8pPr marL="3200400" algn="l" defTabSz="914400" rtl="0" eaLnBrk="1" latinLnBrk="0" hangingPunct="1">
+              <a:defRPr sz="1800" kern="1200">
+                <a:solidFill>
+                  <a:schemeClr val="tx1"/>
+                </a:solidFill>
+                <a:latin typeface="+mn-lt"/>
+                <a:ea typeface="+mn-ea"/>
+                <a:cs typeface="+mn-cs"/>
+              </a:defRPr>
+            </a:lvl8pPr>
+            <a:lvl9pPr marL="3657600" algn="l" defTabSz="914400" rtl="0" eaLnBrk="1" latinLnBrk="0" hangingPunct="1">
+              <a:defRPr sz="1800" kern="1200">
+                <a:solidFill>
+                  <a:schemeClr val="tx1"/>
+                </a:solidFill>
+                <a:latin typeface="+mn-lt"/>
+                <a:ea typeface="+mn-ea"/>
+                <a:cs typeface="+mn-cs"/>
+              </a:defRPr>
+            </a:lvl9pPr>
+          </a:lstStyle>
+          <a:p>
+            <a:pPr algn="r"/>
+            <a:r>
+              <a:rPr lang="en-US" altLang="zh-CN" sz="2800" dirty="0">
+                <a:solidFill>
+                  <a:srgbClr val="005BBB"/>
+                </a:solidFill>
+                <a:latin typeface="微软雅黑" panose="020B0503020204020204" pitchFamily="34" charset="-122"/>
+                <a:ea typeface="微软雅黑" panose="020B0503020204020204" pitchFamily="34" charset="-122"/>
+                <a:cs typeface="Arial" panose="020B0604020202020204"/>
+              </a:rPr>
+              <a:t>3. </a:t>
+            </a:r>
+            <a:r>
+              <a:rPr lang="zh-CN" altLang="en-US" sz="2800" dirty="0">
+                <a:solidFill>
+                  <a:srgbClr val="005BBB"/>
+                </a:solidFill>
+                <a:latin typeface="微软雅黑" panose="020B0503020204020204" pitchFamily="34" charset="-122"/>
+                <a:ea typeface="微软雅黑" panose="020B0503020204020204" pitchFamily="34" charset="-122"/>
+                <a:cs typeface="Arial" panose="020B0604020202020204"/>
+              </a:rPr>
+              <a:t>状态矩阵</a:t>
+            </a:r>
+            <a:r>
+              <a:rPr lang="en-US" altLang="zh-CN" sz="2800" dirty="0">
+                <a:solidFill>
+                  <a:srgbClr val="005BBB"/>
+                </a:solidFill>
+                <a:latin typeface="微软雅黑" panose="020B0503020204020204" pitchFamily="34" charset="-122"/>
+                <a:ea typeface="微软雅黑" panose="020B0503020204020204" pitchFamily="34" charset="-122"/>
+                <a:cs typeface="Arial" panose="020B0604020202020204"/>
+              </a:rPr>
+              <a:t>D</a:t>
+            </a:r>
+            <a:r>
+              <a:rPr lang="zh-CN" altLang="en-US" sz="2800" dirty="0">
+                <a:solidFill>
+                  <a:srgbClr val="005BBB"/>
+                </a:solidFill>
+                <a:latin typeface="微软雅黑" panose="020B0503020204020204" pitchFamily="34" charset="-122"/>
+                <a:ea typeface="微软雅黑" panose="020B0503020204020204" pitchFamily="34" charset="-122"/>
+                <a:cs typeface="Arial" panose="020B0604020202020204"/>
+              </a:rPr>
+              <a:t>的选取方法及实验结果</a:t>
+            </a:r>
+          </a:p>
+        </p:txBody>
+      </p:sp>
+      <p:sp>
+        <p:nvSpPr>
+          <p:cNvPr id="3" name="文本框 2">
+            <a:extLst>
+              <a:ext uri="{FF2B5EF4-FFF2-40B4-BE49-F238E27FC236}">
+                <a16:creationId xmlns:a16="http://schemas.microsoft.com/office/drawing/2014/main" id="{8E83F885-57BA-491B-9E03-132F39A3227F}"/>
+              </a:ext>
+            </a:extLst>
+          </p:cNvPr>
+          <p:cNvSpPr txBox="1"/>
+          <p:nvPr/>
+        </p:nvSpPr>
+        <p:spPr>
+          <a:xfrm>
+            <a:off x="791210" y="1284446"/>
+            <a:ext cx="4003674" cy="400110"/>
+          </a:xfrm>
+          <a:prstGeom prst="rect">
+            <a:avLst/>
+          </a:prstGeom>
+          <a:noFill/>
+        </p:spPr>
+        <p:txBody>
+          <a:bodyPr wrap="square" rtlCol="0">
+            <a:spAutoFit/>
+          </a:bodyPr>
+          <a:lstStyle/>
+          <a:p>
+            <a:r>
+              <a:rPr lang="zh-CN" altLang="en-US" sz="2000" dirty="0">
+                <a:solidFill>
+                  <a:srgbClr val="2B528B"/>
+                </a:solidFill>
+                <a:latin typeface="+mn-ea"/>
+              </a:rPr>
+              <a:t>（</a:t>
+            </a:r>
+            <a:r>
+              <a:rPr lang="en-US" altLang="zh-CN" sz="2000" dirty="0">
+                <a:solidFill>
+                  <a:srgbClr val="2B528B"/>
+                </a:solidFill>
+                <a:latin typeface="+mn-ea"/>
+              </a:rPr>
+              <a:t>4</a:t>
+            </a:r>
+            <a:r>
+              <a:rPr lang="zh-CN" altLang="en-US" sz="2000" dirty="0">
+                <a:solidFill>
+                  <a:srgbClr val="2B528B"/>
+                </a:solidFill>
+                <a:latin typeface="+mn-ea"/>
+              </a:rPr>
+              <a:t>）结果展示</a:t>
+            </a:r>
+            <a:endParaRPr lang="zh-CN" altLang="en-US" sz="2000" dirty="0">
+              <a:solidFill>
+                <a:srgbClr val="2B528B"/>
+              </a:solidFill>
+              <a:latin typeface="微软雅黑" panose="020B0503020204020204" pitchFamily="34" charset="-122"/>
+              <a:ea typeface="微软雅黑" panose="020B0503020204020204" pitchFamily="34" charset="-122"/>
+            </a:endParaRPr>
+          </a:p>
+        </p:txBody>
+      </p:sp>
+      <p:pic>
+        <p:nvPicPr>
+          <p:cNvPr id="7" name="图片 6">
+            <a:extLst>
+              <a:ext uri="{FF2B5EF4-FFF2-40B4-BE49-F238E27FC236}">
+                <a16:creationId xmlns:a16="http://schemas.microsoft.com/office/drawing/2014/main" id="{92F0F029-74FE-45E3-93BA-C0F0AB81A140}"/>
+              </a:ext>
+            </a:extLst>
+          </p:cNvPr>
+          <p:cNvPicPr>
+            <a:picLocks noChangeAspect="1"/>
+          </p:cNvPicPr>
+          <p:nvPr/>
+        </p:nvPicPr>
+        <p:blipFill>
+          <a:blip r:embed="rId2"/>
+          <a:stretch>
+            <a:fillRect/>
+          </a:stretch>
+        </p:blipFill>
+        <p:spPr>
+          <a:xfrm>
+            <a:off x="1026160" y="2356217"/>
+            <a:ext cx="10139680" cy="3506639"/>
+          </a:xfrm>
+          <a:prstGeom prst="rect">
+            <a:avLst/>
+          </a:prstGeom>
+        </p:spPr>
+      </p:pic>
+      <p:cxnSp>
+        <p:nvCxnSpPr>
+          <p:cNvPr id="8" name="直接连接符 7">
+            <a:extLst>
+              <a:ext uri="{FF2B5EF4-FFF2-40B4-BE49-F238E27FC236}">
+                <a16:creationId xmlns:a16="http://schemas.microsoft.com/office/drawing/2014/main" id="{38F0E863-EFA5-46D4-B1E5-17D4F8B5B55C}"/>
+              </a:ext>
+            </a:extLst>
+          </p:cNvPr>
+          <p:cNvCxnSpPr>
+            <a:cxnSpLocks/>
+          </p:cNvCxnSpPr>
+          <p:nvPr/>
+        </p:nvCxnSpPr>
+        <p:spPr>
+          <a:xfrm>
+            <a:off x="1635760" y="5445760"/>
+            <a:ext cx="9530080" cy="0"/>
+          </a:xfrm>
+          <a:prstGeom prst="line">
+            <a:avLst/>
+          </a:prstGeom>
+          <a:ln w="19050">
+            <a:solidFill>
+              <a:srgbClr val="FF0000"/>
+            </a:solidFill>
+          </a:ln>
+        </p:spPr>
+        <p:style>
+          <a:lnRef idx="1">
+            <a:schemeClr val="accent1"/>
+          </a:lnRef>
+          <a:fillRef idx="0">
+            <a:schemeClr val="accent1"/>
+          </a:fillRef>
+          <a:effectRef idx="0">
+            <a:schemeClr val="accent1"/>
+          </a:effectRef>
+          <a:fontRef idx="minor">
+            <a:schemeClr val="tx1"/>
+          </a:fontRef>
+        </p:style>
+      </p:cxnSp>
+      <p:cxnSp>
+        <p:nvCxnSpPr>
+          <p:cNvPr id="10" name="直接连接符 9">
+            <a:extLst>
+              <a:ext uri="{FF2B5EF4-FFF2-40B4-BE49-F238E27FC236}">
+                <a16:creationId xmlns:a16="http://schemas.microsoft.com/office/drawing/2014/main" id="{4D2CA6A7-E49D-47A9-9236-8B0C8E6196EB}"/>
+              </a:ext>
+            </a:extLst>
+          </p:cNvPr>
+          <p:cNvCxnSpPr>
+            <a:cxnSpLocks/>
+          </p:cNvCxnSpPr>
+          <p:nvPr/>
+        </p:nvCxnSpPr>
+        <p:spPr>
+          <a:xfrm>
+            <a:off x="1635760" y="5171440"/>
+            <a:ext cx="9530080" cy="0"/>
+          </a:xfrm>
+          <a:prstGeom prst="line">
+            <a:avLst/>
+          </a:prstGeom>
+          <a:ln w="19050">
+            <a:solidFill>
+              <a:srgbClr val="FF0000"/>
+            </a:solidFill>
+          </a:ln>
+        </p:spPr>
+        <p:style>
+          <a:lnRef idx="1">
+            <a:schemeClr val="accent1"/>
+          </a:lnRef>
+          <a:fillRef idx="0">
+            <a:schemeClr val="accent1"/>
+          </a:fillRef>
+          <a:effectRef idx="0">
+            <a:schemeClr val="accent1"/>
+          </a:effectRef>
+          <a:fontRef idx="minor">
+            <a:schemeClr val="tx1"/>
+          </a:fontRef>
+        </p:style>
+      </p:cxnSp>
+      <p:cxnSp>
+        <p:nvCxnSpPr>
+          <p:cNvPr id="11" name="直接连接符 10">
+            <a:extLst>
+              <a:ext uri="{FF2B5EF4-FFF2-40B4-BE49-F238E27FC236}">
+                <a16:creationId xmlns:a16="http://schemas.microsoft.com/office/drawing/2014/main" id="{3CBD66B8-4BB3-4242-9D99-8307ADC4F747}"/>
+              </a:ext>
+            </a:extLst>
+          </p:cNvPr>
+          <p:cNvCxnSpPr>
+            <a:cxnSpLocks/>
+          </p:cNvCxnSpPr>
+          <p:nvPr/>
+        </p:nvCxnSpPr>
+        <p:spPr>
+          <a:xfrm>
+            <a:off x="1635760" y="4622800"/>
+            <a:ext cx="9530080" cy="0"/>
+          </a:xfrm>
+          <a:prstGeom prst="line">
+            <a:avLst/>
+          </a:prstGeom>
+          <a:ln w="19050">
+            <a:solidFill>
+              <a:srgbClr val="FF0000"/>
+            </a:solidFill>
+          </a:ln>
+        </p:spPr>
+        <p:style>
+          <a:lnRef idx="1">
+            <a:schemeClr val="accent1"/>
+          </a:lnRef>
+          <a:fillRef idx="0">
+            <a:schemeClr val="accent1"/>
+          </a:fillRef>
+          <a:effectRef idx="0">
+            <a:schemeClr val="accent1"/>
+          </a:effectRef>
+          <a:fontRef idx="minor">
+            <a:schemeClr val="tx1"/>
+          </a:fontRef>
+        </p:style>
+      </p:cxnSp>
+      <p:cxnSp>
+        <p:nvCxnSpPr>
+          <p:cNvPr id="12" name="直接连接符 11">
+            <a:extLst>
+              <a:ext uri="{FF2B5EF4-FFF2-40B4-BE49-F238E27FC236}">
+                <a16:creationId xmlns:a16="http://schemas.microsoft.com/office/drawing/2014/main" id="{ED03C5C6-BB99-477E-B677-44AEE364B111}"/>
+              </a:ext>
+            </a:extLst>
+          </p:cNvPr>
+          <p:cNvCxnSpPr>
+            <a:cxnSpLocks/>
+          </p:cNvCxnSpPr>
+          <p:nvPr/>
+        </p:nvCxnSpPr>
+        <p:spPr>
+          <a:xfrm>
+            <a:off x="1635760" y="2550160"/>
+            <a:ext cx="9530080" cy="0"/>
+          </a:xfrm>
+          <a:prstGeom prst="line">
+            <a:avLst/>
+          </a:prstGeom>
+          <a:ln w="19050">
+            <a:solidFill>
+              <a:srgbClr val="FF0000"/>
+            </a:solidFill>
+          </a:ln>
+        </p:spPr>
+        <p:style>
+          <a:lnRef idx="1">
+            <a:schemeClr val="accent1"/>
+          </a:lnRef>
+          <a:fillRef idx="0">
+            <a:schemeClr val="accent1"/>
+          </a:fillRef>
+          <a:effectRef idx="0">
+            <a:schemeClr val="accent1"/>
+          </a:effectRef>
+          <a:fontRef idx="minor">
+            <a:schemeClr val="tx1"/>
+          </a:fontRef>
+        </p:style>
+      </p:cxnSp>
+      <p:cxnSp>
+        <p:nvCxnSpPr>
+          <p:cNvPr id="13" name="直接连接符 12">
+            <a:extLst>
+              <a:ext uri="{FF2B5EF4-FFF2-40B4-BE49-F238E27FC236}">
+                <a16:creationId xmlns:a16="http://schemas.microsoft.com/office/drawing/2014/main" id="{3F0D326D-9C92-44C0-A06A-5C0691CBEC0E}"/>
+              </a:ext>
+            </a:extLst>
+          </p:cNvPr>
+          <p:cNvCxnSpPr>
+            <a:cxnSpLocks/>
+          </p:cNvCxnSpPr>
+          <p:nvPr/>
+        </p:nvCxnSpPr>
+        <p:spPr>
+          <a:xfrm>
+            <a:off x="1635760" y="2814320"/>
+            <a:ext cx="9530080" cy="0"/>
+          </a:xfrm>
+          <a:prstGeom prst="line">
+            <a:avLst/>
+          </a:prstGeom>
+          <a:ln w="19050">
+            <a:solidFill>
+              <a:srgbClr val="FF0000"/>
+            </a:solidFill>
+          </a:ln>
+        </p:spPr>
+        <p:style>
+          <a:lnRef idx="1">
+            <a:schemeClr val="accent1"/>
+          </a:lnRef>
+          <a:fillRef idx="0">
+            <a:schemeClr val="accent1"/>
+          </a:fillRef>
+          <a:effectRef idx="0">
+            <a:schemeClr val="accent1"/>
+          </a:effectRef>
+          <a:fontRef idx="minor">
+            <a:schemeClr val="tx1"/>
+          </a:fontRef>
+        </p:style>
+      </p:cxnSp>
+      <p:cxnSp>
+        <p:nvCxnSpPr>
+          <p:cNvPr id="14" name="直接连接符 13">
+            <a:extLst>
+              <a:ext uri="{FF2B5EF4-FFF2-40B4-BE49-F238E27FC236}">
+                <a16:creationId xmlns:a16="http://schemas.microsoft.com/office/drawing/2014/main" id="{C886F3FD-E680-4E88-9B53-1ADFB6135B63}"/>
+              </a:ext>
+            </a:extLst>
+          </p:cNvPr>
+          <p:cNvCxnSpPr>
+            <a:cxnSpLocks/>
+          </p:cNvCxnSpPr>
+          <p:nvPr/>
+        </p:nvCxnSpPr>
+        <p:spPr>
+          <a:xfrm>
+            <a:off x="1635760" y="2987040"/>
+            <a:ext cx="9530080" cy="0"/>
+          </a:xfrm>
+          <a:prstGeom prst="line">
+            <a:avLst/>
+          </a:prstGeom>
+          <a:ln w="19050">
+            <a:solidFill>
+              <a:srgbClr val="FF0000"/>
+            </a:solidFill>
+          </a:ln>
+        </p:spPr>
+        <p:style>
+          <a:lnRef idx="1">
+            <a:schemeClr val="accent1"/>
+          </a:lnRef>
+          <a:fillRef idx="0">
+            <a:schemeClr val="accent1"/>
+          </a:fillRef>
+          <a:effectRef idx="0">
+            <a:schemeClr val="accent1"/>
+          </a:effectRef>
+          <a:fontRef idx="minor">
+            <a:schemeClr val="tx1"/>
+          </a:fontRef>
+        </p:style>
+      </p:cxnSp>
+      <p:cxnSp>
+        <p:nvCxnSpPr>
+          <p:cNvPr id="15" name="直接连接符 14">
+            <a:extLst>
+              <a:ext uri="{FF2B5EF4-FFF2-40B4-BE49-F238E27FC236}">
+                <a16:creationId xmlns:a16="http://schemas.microsoft.com/office/drawing/2014/main" id="{2735A278-B66E-419C-BB94-0740BD0539AC}"/>
+              </a:ext>
+            </a:extLst>
+          </p:cNvPr>
+          <p:cNvCxnSpPr>
+            <a:cxnSpLocks/>
+          </p:cNvCxnSpPr>
+          <p:nvPr/>
+        </p:nvCxnSpPr>
+        <p:spPr>
+          <a:xfrm>
+            <a:off x="1635760" y="3139440"/>
+            <a:ext cx="9530080" cy="0"/>
+          </a:xfrm>
+          <a:prstGeom prst="line">
+            <a:avLst/>
+          </a:prstGeom>
+          <a:ln w="19050">
+            <a:solidFill>
+              <a:srgbClr val="FF0000"/>
+            </a:solidFill>
+          </a:ln>
+        </p:spPr>
+        <p:style>
+          <a:lnRef idx="1">
+            <a:schemeClr val="accent1"/>
+          </a:lnRef>
+          <a:fillRef idx="0">
+            <a:schemeClr val="accent1"/>
+          </a:fillRef>
+          <a:effectRef idx="0">
+            <a:schemeClr val="accent1"/>
+          </a:effectRef>
+          <a:fontRef idx="minor">
+            <a:schemeClr val="tx1"/>
+          </a:fontRef>
+        </p:style>
+      </p:cxnSp>
+      <p:cxnSp>
+        <p:nvCxnSpPr>
+          <p:cNvPr id="16" name="直接连接符 15">
+            <a:extLst>
+              <a:ext uri="{FF2B5EF4-FFF2-40B4-BE49-F238E27FC236}">
+                <a16:creationId xmlns:a16="http://schemas.microsoft.com/office/drawing/2014/main" id="{74006389-3963-4B4E-A6D2-6F1A1F505112}"/>
+              </a:ext>
+            </a:extLst>
+          </p:cNvPr>
+          <p:cNvCxnSpPr>
+            <a:cxnSpLocks/>
+          </p:cNvCxnSpPr>
+          <p:nvPr/>
+        </p:nvCxnSpPr>
+        <p:spPr>
+          <a:xfrm>
+            <a:off x="1635760" y="3251200"/>
+            <a:ext cx="9530080" cy="0"/>
+          </a:xfrm>
+          <a:prstGeom prst="line">
+            <a:avLst/>
+          </a:prstGeom>
+          <a:ln w="19050">
+            <a:solidFill>
+              <a:srgbClr val="FF0000"/>
+            </a:solidFill>
+          </a:ln>
+        </p:spPr>
+        <p:style>
+          <a:lnRef idx="1">
+            <a:schemeClr val="accent1"/>
+          </a:lnRef>
+          <a:fillRef idx="0">
+            <a:schemeClr val="accent1"/>
+          </a:fillRef>
+          <a:effectRef idx="0">
+            <a:schemeClr val="accent1"/>
+          </a:effectRef>
+          <a:fontRef idx="minor">
+            <a:schemeClr val="tx1"/>
+          </a:fontRef>
+        </p:style>
+      </p:cxnSp>
+      <p:cxnSp>
+        <p:nvCxnSpPr>
+          <p:cNvPr id="17" name="直接连接符 16">
+            <a:extLst>
+              <a:ext uri="{FF2B5EF4-FFF2-40B4-BE49-F238E27FC236}">
+                <a16:creationId xmlns:a16="http://schemas.microsoft.com/office/drawing/2014/main" id="{A1265853-C2E9-4A2C-830B-3C18246BFFB2}"/>
+              </a:ext>
+            </a:extLst>
+          </p:cNvPr>
+          <p:cNvCxnSpPr>
+            <a:cxnSpLocks/>
+          </p:cNvCxnSpPr>
+          <p:nvPr/>
+        </p:nvCxnSpPr>
+        <p:spPr>
+          <a:xfrm>
+            <a:off x="1635760" y="3429000"/>
+            <a:ext cx="9530080" cy="0"/>
+          </a:xfrm>
+          <a:prstGeom prst="line">
+            <a:avLst/>
+          </a:prstGeom>
+          <a:ln w="19050">
+            <a:solidFill>
+              <a:srgbClr val="FF0000"/>
+            </a:solidFill>
+          </a:ln>
+        </p:spPr>
+        <p:style>
+          <a:lnRef idx="1">
+            <a:schemeClr val="accent1"/>
+          </a:lnRef>
+          <a:fillRef idx="0">
+            <a:schemeClr val="accent1"/>
+          </a:fillRef>
+          <a:effectRef idx="0">
+            <a:schemeClr val="accent1"/>
+          </a:effectRef>
+          <a:fontRef idx="minor">
+            <a:schemeClr val="tx1"/>
+          </a:fontRef>
+        </p:style>
+      </p:cxnSp>
+      <p:cxnSp>
+        <p:nvCxnSpPr>
+          <p:cNvPr id="18" name="直接连接符 17">
+            <a:extLst>
+              <a:ext uri="{FF2B5EF4-FFF2-40B4-BE49-F238E27FC236}">
+                <a16:creationId xmlns:a16="http://schemas.microsoft.com/office/drawing/2014/main" id="{B4DBC15A-92B4-4832-8DE8-B252733ABDA9}"/>
+              </a:ext>
+            </a:extLst>
+          </p:cNvPr>
+          <p:cNvCxnSpPr>
+            <a:cxnSpLocks/>
+          </p:cNvCxnSpPr>
+          <p:nvPr/>
+        </p:nvCxnSpPr>
+        <p:spPr>
+          <a:xfrm>
+            <a:off x="1635760" y="3561080"/>
+            <a:ext cx="9530080" cy="0"/>
+          </a:xfrm>
+          <a:prstGeom prst="line">
+            <a:avLst/>
+          </a:prstGeom>
+          <a:ln w="19050">
+            <a:solidFill>
+              <a:srgbClr val="FF0000"/>
+            </a:solidFill>
+          </a:ln>
+        </p:spPr>
+        <p:style>
+          <a:lnRef idx="1">
+            <a:schemeClr val="accent1"/>
+          </a:lnRef>
+          <a:fillRef idx="0">
+            <a:schemeClr val="accent1"/>
+          </a:fillRef>
+          <a:effectRef idx="0">
+            <a:schemeClr val="accent1"/>
+          </a:effectRef>
+          <a:fontRef idx="minor">
+            <a:schemeClr val="tx1"/>
+          </a:fontRef>
+        </p:style>
+      </p:cxnSp>
+      <p:cxnSp>
+        <p:nvCxnSpPr>
+          <p:cNvPr id="19" name="直接连接符 18">
+            <a:extLst>
+              <a:ext uri="{FF2B5EF4-FFF2-40B4-BE49-F238E27FC236}">
+                <a16:creationId xmlns:a16="http://schemas.microsoft.com/office/drawing/2014/main" id="{B3E89C25-CC04-4942-8FE4-72DCB703813C}"/>
+              </a:ext>
+            </a:extLst>
+          </p:cNvPr>
+          <p:cNvCxnSpPr>
+            <a:cxnSpLocks/>
+          </p:cNvCxnSpPr>
+          <p:nvPr/>
+        </p:nvCxnSpPr>
+        <p:spPr>
+          <a:xfrm>
+            <a:off x="1635760" y="3672840"/>
+            <a:ext cx="9530080" cy="0"/>
+          </a:xfrm>
+          <a:prstGeom prst="line">
+            <a:avLst/>
+          </a:prstGeom>
+          <a:ln w="19050">
+            <a:solidFill>
+              <a:srgbClr val="FF0000"/>
+            </a:solidFill>
+          </a:ln>
+        </p:spPr>
+        <p:style>
+          <a:lnRef idx="1">
+            <a:schemeClr val="accent1"/>
+          </a:lnRef>
+          <a:fillRef idx="0">
+            <a:schemeClr val="accent1"/>
+          </a:fillRef>
+          <a:effectRef idx="0">
+            <a:schemeClr val="accent1"/>
+          </a:effectRef>
+          <a:fontRef idx="minor">
+            <a:schemeClr val="tx1"/>
+          </a:fontRef>
+        </p:style>
+      </p:cxnSp>
+      <p:cxnSp>
+        <p:nvCxnSpPr>
+          <p:cNvPr id="20" name="直接连接符 19">
+            <a:extLst>
+              <a:ext uri="{FF2B5EF4-FFF2-40B4-BE49-F238E27FC236}">
+                <a16:creationId xmlns:a16="http://schemas.microsoft.com/office/drawing/2014/main" id="{FC3D6DFE-97FD-4303-BB88-6E08CABEF24C}"/>
+              </a:ext>
+            </a:extLst>
+          </p:cNvPr>
+          <p:cNvCxnSpPr>
+            <a:cxnSpLocks/>
+          </p:cNvCxnSpPr>
+          <p:nvPr/>
+        </p:nvCxnSpPr>
+        <p:spPr>
+          <a:xfrm>
+            <a:off x="1635760" y="3876040"/>
+            <a:ext cx="9530080" cy="0"/>
+          </a:xfrm>
+          <a:prstGeom prst="line">
+            <a:avLst/>
+          </a:prstGeom>
+          <a:ln w="19050">
+            <a:solidFill>
+              <a:srgbClr val="FF0000"/>
+            </a:solidFill>
+          </a:ln>
+        </p:spPr>
+        <p:style>
+          <a:lnRef idx="1">
+            <a:schemeClr val="accent1"/>
+          </a:lnRef>
+          <a:fillRef idx="0">
+            <a:schemeClr val="accent1"/>
+          </a:fillRef>
+          <a:effectRef idx="0">
+            <a:schemeClr val="accent1"/>
+          </a:effectRef>
+          <a:fontRef idx="minor">
+            <a:schemeClr val="tx1"/>
+          </a:fontRef>
+        </p:style>
+      </p:cxnSp>
+      <p:cxnSp>
+        <p:nvCxnSpPr>
+          <p:cNvPr id="21" name="直接连接符 20">
+            <a:extLst>
+              <a:ext uri="{FF2B5EF4-FFF2-40B4-BE49-F238E27FC236}">
+                <a16:creationId xmlns:a16="http://schemas.microsoft.com/office/drawing/2014/main" id="{A0F207D7-BEA9-41D9-BA64-D0EAED95DBC3}"/>
+              </a:ext>
+            </a:extLst>
+          </p:cNvPr>
+          <p:cNvCxnSpPr>
+            <a:cxnSpLocks/>
+          </p:cNvCxnSpPr>
+          <p:nvPr/>
+        </p:nvCxnSpPr>
+        <p:spPr>
+          <a:xfrm>
+            <a:off x="1635760" y="4028440"/>
+            <a:ext cx="9530080" cy="0"/>
+          </a:xfrm>
+          <a:prstGeom prst="line">
+            <a:avLst/>
+          </a:prstGeom>
+          <a:ln w="19050">
+            <a:solidFill>
+              <a:srgbClr val="FF0000"/>
+            </a:solidFill>
+          </a:ln>
+        </p:spPr>
+        <p:style>
+          <a:lnRef idx="1">
+            <a:schemeClr val="accent1"/>
+          </a:lnRef>
+          <a:fillRef idx="0">
+            <a:schemeClr val="accent1"/>
+          </a:fillRef>
+          <a:effectRef idx="0">
+            <a:schemeClr val="accent1"/>
+          </a:effectRef>
+          <a:fontRef idx="minor">
+            <a:schemeClr val="tx1"/>
+          </a:fontRef>
+        </p:style>
+      </p:cxnSp>
+      <p:cxnSp>
+        <p:nvCxnSpPr>
+          <p:cNvPr id="22" name="直接连接符 21">
+            <a:extLst>
+              <a:ext uri="{FF2B5EF4-FFF2-40B4-BE49-F238E27FC236}">
+                <a16:creationId xmlns:a16="http://schemas.microsoft.com/office/drawing/2014/main" id="{D9E9528D-466B-4956-A4D8-842A14C352FE}"/>
+              </a:ext>
+            </a:extLst>
+          </p:cNvPr>
+          <p:cNvCxnSpPr>
+            <a:cxnSpLocks/>
+          </p:cNvCxnSpPr>
+          <p:nvPr/>
+        </p:nvCxnSpPr>
+        <p:spPr>
+          <a:xfrm>
+            <a:off x="1635760" y="4191000"/>
+            <a:ext cx="9530080" cy="0"/>
+          </a:xfrm>
+          <a:prstGeom prst="line">
+            <a:avLst/>
+          </a:prstGeom>
+          <a:ln w="19050">
+            <a:solidFill>
+              <a:srgbClr val="FF0000"/>
+            </a:solidFill>
+          </a:ln>
+        </p:spPr>
+        <p:style>
+          <a:lnRef idx="1">
+            <a:schemeClr val="accent1"/>
+          </a:lnRef>
+          <a:fillRef idx="0">
+            <a:schemeClr val="accent1"/>
+          </a:fillRef>
+          <a:effectRef idx="0">
+            <a:schemeClr val="accent1"/>
+          </a:effectRef>
+          <a:fontRef idx="minor">
+            <a:schemeClr val="tx1"/>
+          </a:fontRef>
+        </p:style>
+      </p:cxnSp>
+      <p:cxnSp>
+        <p:nvCxnSpPr>
+          <p:cNvPr id="23" name="直接连接符 22">
+            <a:extLst>
+              <a:ext uri="{FF2B5EF4-FFF2-40B4-BE49-F238E27FC236}">
+                <a16:creationId xmlns:a16="http://schemas.microsoft.com/office/drawing/2014/main" id="{096156F3-1FF3-4FFD-B45A-E28E597331A1}"/>
+              </a:ext>
+            </a:extLst>
+          </p:cNvPr>
+          <p:cNvCxnSpPr>
+            <a:cxnSpLocks/>
+          </p:cNvCxnSpPr>
+          <p:nvPr/>
+        </p:nvCxnSpPr>
+        <p:spPr>
+          <a:xfrm>
+            <a:off x="1635760" y="4333240"/>
+            <a:ext cx="9530080" cy="0"/>
+          </a:xfrm>
+          <a:prstGeom prst="line">
+            <a:avLst/>
+          </a:prstGeom>
+          <a:ln w="19050">
+            <a:solidFill>
+              <a:srgbClr val="FF0000"/>
+            </a:solidFill>
+          </a:ln>
+        </p:spPr>
+        <p:style>
+          <a:lnRef idx="1">
+            <a:schemeClr val="accent1"/>
+          </a:lnRef>
+          <a:fillRef idx="0">
+            <a:schemeClr val="accent1"/>
+          </a:fillRef>
+          <a:effectRef idx="0">
+            <a:schemeClr val="accent1"/>
+          </a:effectRef>
+          <a:fontRef idx="minor">
+            <a:schemeClr val="tx1"/>
+          </a:fontRef>
+        </p:style>
+      </p:cxnSp>
+      <p:cxnSp>
+        <p:nvCxnSpPr>
+          <p:cNvPr id="24" name="直接连接符 23">
+            <a:extLst>
+              <a:ext uri="{FF2B5EF4-FFF2-40B4-BE49-F238E27FC236}">
+                <a16:creationId xmlns:a16="http://schemas.microsoft.com/office/drawing/2014/main" id="{71DB5140-2470-401C-8D0D-365EFE3E05C3}"/>
+              </a:ext>
+            </a:extLst>
+          </p:cNvPr>
+          <p:cNvCxnSpPr>
+            <a:cxnSpLocks/>
+          </p:cNvCxnSpPr>
+          <p:nvPr/>
+        </p:nvCxnSpPr>
+        <p:spPr>
+          <a:xfrm>
+            <a:off x="1635760" y="2707640"/>
+            <a:ext cx="9530080" cy="0"/>
+          </a:xfrm>
+          <a:prstGeom prst="line">
+            <a:avLst/>
+          </a:prstGeom>
+          <a:ln w="19050">
+            <a:solidFill>
+              <a:srgbClr val="FF0000"/>
+            </a:solidFill>
+          </a:ln>
+        </p:spPr>
+        <p:style>
+          <a:lnRef idx="1">
+            <a:schemeClr val="accent1"/>
+          </a:lnRef>
+          <a:fillRef idx="0">
+            <a:schemeClr val="accent1"/>
+          </a:fillRef>
+          <a:effectRef idx="0">
+            <a:schemeClr val="accent1"/>
+          </a:effectRef>
+          <a:fontRef idx="minor">
+            <a:schemeClr val="tx1"/>
+          </a:fontRef>
+        </p:style>
+      </p:cxnSp>
+      <p:cxnSp>
+        <p:nvCxnSpPr>
+          <p:cNvPr id="25" name="直接连接符 24">
+            <a:extLst>
+              <a:ext uri="{FF2B5EF4-FFF2-40B4-BE49-F238E27FC236}">
+                <a16:creationId xmlns:a16="http://schemas.microsoft.com/office/drawing/2014/main" id="{C3ACAE6A-3507-4D01-8AF6-B83B271493A2}"/>
+              </a:ext>
+            </a:extLst>
+          </p:cNvPr>
+          <p:cNvCxnSpPr>
+            <a:cxnSpLocks/>
+          </p:cNvCxnSpPr>
+          <p:nvPr/>
+        </p:nvCxnSpPr>
+        <p:spPr>
+          <a:xfrm>
+            <a:off x="1635760" y="4455160"/>
+            <a:ext cx="9530080" cy="0"/>
+          </a:xfrm>
+          <a:prstGeom prst="line">
+            <a:avLst/>
+          </a:prstGeom>
+          <a:ln w="19050">
+            <a:solidFill>
+              <a:srgbClr val="FF0000"/>
+            </a:solidFill>
+          </a:ln>
+        </p:spPr>
+        <p:style>
+          <a:lnRef idx="1">
+            <a:schemeClr val="accent1"/>
+          </a:lnRef>
+          <a:fillRef idx="0">
+            <a:schemeClr val="accent1"/>
+          </a:fillRef>
+          <a:effectRef idx="0">
+            <a:schemeClr val="accent1"/>
+          </a:effectRef>
+          <a:fontRef idx="minor">
+            <a:schemeClr val="tx1"/>
+          </a:fontRef>
+        </p:style>
+      </p:cxnSp>
+      <p:cxnSp>
+        <p:nvCxnSpPr>
+          <p:cNvPr id="26" name="直接连接符 25">
+            <a:extLst>
+              <a:ext uri="{FF2B5EF4-FFF2-40B4-BE49-F238E27FC236}">
+                <a16:creationId xmlns:a16="http://schemas.microsoft.com/office/drawing/2014/main" id="{6D2A062C-8DD0-4D32-8AFE-D943F802416B}"/>
+              </a:ext>
+            </a:extLst>
+          </p:cNvPr>
+          <p:cNvCxnSpPr>
+            <a:cxnSpLocks/>
+          </p:cNvCxnSpPr>
+          <p:nvPr/>
+        </p:nvCxnSpPr>
+        <p:spPr>
+          <a:xfrm>
+            <a:off x="1635760" y="3784600"/>
+            <a:ext cx="9530080" cy="0"/>
+          </a:xfrm>
+          <a:prstGeom prst="line">
+            <a:avLst/>
+          </a:prstGeom>
+          <a:ln w="19050">
+            <a:solidFill>
+              <a:srgbClr val="FF0000"/>
+            </a:solidFill>
+          </a:ln>
+        </p:spPr>
+        <p:style>
+          <a:lnRef idx="1">
+            <a:schemeClr val="accent1"/>
+          </a:lnRef>
+          <a:fillRef idx="0">
+            <a:schemeClr val="accent1"/>
+          </a:fillRef>
+          <a:effectRef idx="0">
+            <a:schemeClr val="accent1"/>
+          </a:effectRef>
+          <a:fontRef idx="minor">
+            <a:schemeClr val="tx1"/>
+          </a:fontRef>
+        </p:style>
+      </p:cxnSp>
+      <p:sp>
+        <p:nvSpPr>
+          <p:cNvPr id="27" name="矩形 26">
+            <a:extLst>
+              <a:ext uri="{FF2B5EF4-FFF2-40B4-BE49-F238E27FC236}">
+                <a16:creationId xmlns:a16="http://schemas.microsoft.com/office/drawing/2014/main" id="{94E104F9-E057-4198-808C-BE4E007FCD79}"/>
+              </a:ext>
+            </a:extLst>
+          </p:cNvPr>
+          <p:cNvSpPr/>
+          <p:nvPr/>
+        </p:nvSpPr>
+        <p:spPr>
+          <a:xfrm>
+            <a:off x="1738225" y="1914883"/>
+            <a:ext cx="2728439" cy="369332"/>
+          </a:xfrm>
+          <a:prstGeom prst="rect">
+            <a:avLst/>
+          </a:prstGeom>
+        </p:spPr>
+        <p:txBody>
+          <a:bodyPr wrap="none">
+            <a:spAutoFit/>
+          </a:bodyPr>
+          <a:lstStyle/>
+          <a:p>
+            <a:r>
+              <a:rPr lang="zh-CN" altLang="en-US" dirty="0">
+                <a:solidFill>
+                  <a:srgbClr val="2B528B"/>
+                </a:solidFill>
+                <a:latin typeface="微软雅黑" panose="020B0503020204020204" pitchFamily="34" charset="-122"/>
+                <a:ea typeface="微软雅黑" panose="020B0503020204020204" pitchFamily="34" charset="-122"/>
+              </a:rPr>
+              <a:t>选取</a:t>
+            </a:r>
+            <a:r>
+              <a:rPr lang="en-US" altLang="zh-CN" dirty="0">
+                <a:solidFill>
+                  <a:srgbClr val="2B528B"/>
+                </a:solidFill>
+                <a:latin typeface="微软雅黑" panose="020B0503020204020204" pitchFamily="34" charset="-122"/>
+                <a:ea typeface="微软雅黑" panose="020B0503020204020204" pitchFamily="34" charset="-122"/>
+              </a:rPr>
+              <a:t>D-</a:t>
+            </a:r>
+            <a:r>
+              <a:rPr lang="en-US" altLang="zh-CN" b="1" dirty="0">
+                <a:solidFill>
+                  <a:srgbClr val="2B528B"/>
+                </a:solidFill>
+                <a:latin typeface="微软雅黑" panose="020B0503020204020204" pitchFamily="34" charset="-122"/>
+                <a:ea typeface="微软雅黑" panose="020B0503020204020204" pitchFamily="34" charset="-122"/>
+              </a:rPr>
+              <a:t>t-SNE</a:t>
+            </a:r>
+            <a:r>
+              <a:rPr lang="zh-CN" altLang="en-US" b="1" dirty="0">
+                <a:solidFill>
+                  <a:srgbClr val="2B528B"/>
+                </a:solidFill>
+                <a:latin typeface="微软雅黑" panose="020B0503020204020204" pitchFamily="34" charset="-122"/>
+                <a:ea typeface="微软雅黑" panose="020B0503020204020204" pitchFamily="34" charset="-122"/>
+              </a:rPr>
+              <a:t>降维可视化</a:t>
+            </a:r>
+            <a:endParaRPr lang="zh-CN" altLang="en-US" dirty="0">
+              <a:latin typeface="微软雅黑" panose="020B0503020204020204" pitchFamily="34" charset="-122"/>
+              <a:ea typeface="微软雅黑" panose="020B0503020204020204" pitchFamily="34" charset="-122"/>
+            </a:endParaRPr>
+          </a:p>
+        </p:txBody>
+      </p:sp>
+    </p:spTree>
+    <p:extLst>
+      <p:ext uri="{BB962C8B-B14F-4D97-AF65-F5344CB8AC3E}">
+        <p14:creationId xmlns:p14="http://schemas.microsoft.com/office/powerpoint/2010/main" val="839798591"/>
+      </p:ext>
+    </p:extLst>
+  </p:cSld>
+  <p:clrMapOvr>
+    <a:masterClrMapping/>
+  </p:clrMapOvr>
+</p:sld>
+</file>
+
+<file path=ppt/slides/slide12.xml><?xml version="1.0" encoding="utf-8"?>
 <p:sld xmlns:a="http://schemas.openxmlformats.org/drawingml/2006/main" xmlns:r="http://schemas.openxmlformats.org/officeDocument/2006/relationships" xmlns:p="http://schemas.openxmlformats.org/presentationml/2006/main">
   <p:cSld>
     <p:spTree>
@@ -6667,7 +8017,24 @@
                 <a:latin typeface="微软雅黑" panose="020B0503020204020204" pitchFamily="34" charset="-122"/>
                 <a:ea typeface="微软雅黑" panose="020B0503020204020204" pitchFamily="34" charset="-122"/>
               </a:rPr>
-              <a:t>通过本次大作业我们了解了</a:t>
+              <a:t>通过本次大作业我们</a:t>
+            </a:r>
+            <a:r>
+              <a:rPr lang="zh-CN" altLang="en-US" dirty="0">
+                <a:solidFill>
+                  <a:srgbClr val="FF0000"/>
+                </a:solidFill>
+                <a:latin typeface="微软雅黑" panose="020B0503020204020204" pitchFamily="34" charset="-122"/>
+                <a:ea typeface="微软雅黑" panose="020B0503020204020204" pitchFamily="34" charset="-122"/>
+              </a:rPr>
+              <a:t>了解</a:t>
+            </a:r>
+            <a:r>
+              <a:rPr lang="zh-CN" altLang="en-US" dirty="0">
+                <a:latin typeface="微软雅黑" panose="020B0503020204020204" pitchFamily="34" charset="-122"/>
+                <a:ea typeface="微软雅黑" panose="020B0503020204020204" pitchFamily="34" charset="-122"/>
+              </a:rPr>
+              <a:t>了</a:t>
             </a:r>
             <a:r>
               <a:rPr lang="en-US" altLang="zh-CN" dirty="0">
@@ -6681,7 +8048,24 @@
                 <a:latin typeface="微软雅黑" panose="020B0503020204020204" pitchFamily="34" charset="-122"/>
                 <a:ea typeface="微软雅黑" panose="020B0503020204020204" pitchFamily="34" charset="-122"/>
               </a:rPr>
-              <a:t>算法的原理，并且通过动手实践进一步了解了</a:t>
+              <a:t>算法的原理，并且通过动手</a:t>
+            </a:r>
+            <a:r>
+              <a:rPr lang="zh-CN" altLang="en-US" dirty="0">
+                <a:solidFill>
+                  <a:srgbClr val="FF0000"/>
+                </a:solidFill>
+                <a:latin typeface="微软雅黑" panose="020B0503020204020204" pitchFamily="34" charset="-122"/>
+                <a:ea typeface="微软雅黑" panose="020B0503020204020204" pitchFamily="34" charset="-122"/>
+              </a:rPr>
+              <a:t>实践</a:t>
+            </a:r>
+            <a:r>
+              <a:rPr lang="zh-CN" altLang="en-US" dirty="0">
+                <a:latin typeface="微软雅黑" panose="020B0503020204020204" pitchFamily="34" charset="-122"/>
+                <a:ea typeface="微软雅黑" panose="020B0503020204020204" pitchFamily="34" charset="-122"/>
+              </a:rPr>
+              <a:t>进一步了解了</a:t>
             </a:r>
             <a:r>
               <a:rPr lang="en-US" altLang="zh-CN" dirty="0">
@@ -6709,7 +8093,75 @@
                 <a:latin typeface="微软雅黑" panose="020B0503020204020204" pitchFamily="34" charset="-122"/>
                 <a:ea typeface="微软雅黑" panose="020B0503020204020204" pitchFamily="34" charset="-122"/>
               </a:rPr>
-              <a:t>的算法特性决定了它在振动监测领域以及更传统的监测数据（压力、温度、流程等）中提供更强的检测和诊断设备故障能力。</a:t>
+              <a:t>的算法特性决定了它在</a:t>
+            </a:r>
+            <a:r>
+              <a:rPr lang="zh-CN" altLang="en-US" dirty="0">
+                <a:solidFill>
+                  <a:srgbClr val="FF0000"/>
+                </a:solidFill>
+                <a:latin typeface="微软雅黑" panose="020B0503020204020204" pitchFamily="34" charset="-122"/>
+                <a:ea typeface="微软雅黑" panose="020B0503020204020204" pitchFamily="34" charset="-122"/>
+              </a:rPr>
+              <a:t>振动监测</a:t>
+            </a:r>
+            <a:r>
+              <a:rPr lang="zh-CN" altLang="en-US" dirty="0">
+                <a:latin typeface="微软雅黑" panose="020B0503020204020204" pitchFamily="34" charset="-122"/>
+                <a:ea typeface="微软雅黑" panose="020B0503020204020204" pitchFamily="34" charset="-122"/>
+              </a:rPr>
+              <a:t>领域以及更传统的</a:t>
+            </a:r>
+            <a:r>
+              <a:rPr lang="zh-CN" altLang="en-US" dirty="0">
+                <a:solidFill>
+                  <a:srgbClr val="FF0000"/>
+                </a:solidFill>
+                <a:latin typeface="微软雅黑" panose="020B0503020204020204" pitchFamily="34" charset="-122"/>
+                <a:ea typeface="微软雅黑" panose="020B0503020204020204" pitchFamily="34" charset="-122"/>
+              </a:rPr>
+              <a:t>监测数据</a:t>
+            </a:r>
+            <a:r>
+              <a:rPr lang="zh-CN" altLang="en-US" dirty="0">
+                <a:latin typeface="微软雅黑" panose="020B0503020204020204" pitchFamily="34" charset="-122"/>
+                <a:ea typeface="微软雅黑" panose="020B0503020204020204" pitchFamily="34" charset="-122"/>
+              </a:rPr>
+              <a:t>（压力、温度、流程等）中提供更强的</a:t>
+            </a:r>
+            <a:r>
+              <a:rPr lang="zh-CN" altLang="en-US" dirty="0">
+                <a:solidFill>
+                  <a:srgbClr val="FF0000"/>
+                </a:solidFill>
+                <a:latin typeface="微软雅黑" panose="020B0503020204020204" pitchFamily="34" charset="-122"/>
+                <a:ea typeface="微软雅黑" panose="020B0503020204020204" pitchFamily="34" charset="-122"/>
+              </a:rPr>
+              <a:t>检测</a:t>
+            </a:r>
+            <a:r>
+              <a:rPr lang="zh-CN" altLang="en-US" dirty="0">
+                <a:latin typeface="微软雅黑" panose="020B0503020204020204" pitchFamily="34" charset="-122"/>
+                <a:ea typeface="微软雅黑" panose="020B0503020204020204" pitchFamily="34" charset="-122"/>
+              </a:rPr>
+              <a:t>和</a:t>
+            </a:r>
+            <a:r>
+              <a:rPr lang="zh-CN" altLang="en-US" dirty="0">
+                <a:solidFill>
+                  <a:srgbClr val="FF0000"/>
+                </a:solidFill>
+                <a:latin typeface="微软雅黑" panose="020B0503020204020204" pitchFamily="34" charset="-122"/>
+                <a:ea typeface="微软雅黑" panose="020B0503020204020204" pitchFamily="34" charset="-122"/>
+              </a:rPr>
+              <a:t>诊断</a:t>
+            </a:r>
+            <a:r>
+              <a:rPr lang="zh-CN" altLang="en-US" dirty="0">
+                <a:latin typeface="微软雅黑" panose="020B0503020204020204" pitchFamily="34" charset="-122"/>
+                <a:ea typeface="微软雅黑" panose="020B0503020204020204" pitchFamily="34" charset="-122"/>
+              </a:rPr>
+              <a:t>设备故障能力。</a:t>
             </a:r>
             <a:endParaRPr lang="zh-CN" altLang="en-US" dirty="0"/>
           </a:p>
@@ -7019,8 +8471,8 @@
         </p:nvSpPr>
         <p:spPr>
           <a:xfrm>
-            <a:off x="5156154" y="4932557"/>
-            <a:ext cx="1719858" cy="1323439"/>
+            <a:off x="5148638" y="4839918"/>
+            <a:ext cx="2023076" cy="1077218"/>
           </a:xfrm>
           <a:prstGeom prst="rect">
             <a:avLst/>
@@ -10548,7 +12000,7 @@
 </p:sld>
 </file>
 
-<file path=ppt/slides/slide12.xml><?xml version="1.0" encoding="utf-8"?>
+<file path=ppt/slides/slide13.xml><?xml version="1.0" encoding="utf-8"?>
 <p:sld xmlns:a="http://schemas.openxmlformats.org/drawingml/2006/main" xmlns:r="http://schemas.openxmlformats.org/officeDocument/2006/relationships" xmlns:p="http://schemas.openxmlformats.org/presentationml/2006/main" showMasterSp="0">
   <p:cSld>
     <p:spTree>
@@ -11426,200 +12878,148 @@
           </p:txBody>
         </p:sp>
       </p:grpSp>
-      <p:grpSp>
-        <p:nvGrpSpPr>
-          <p:cNvPr id="39" name="组合 38"/>
-          <p:cNvGrpSpPr/>
+      <p:sp>
+        <p:nvSpPr>
+          <p:cNvPr id="45" name="文本框 19"/>
+          <p:cNvSpPr txBox="1"/>
           <p:nvPr/>
-        </p:nvGrpSpPr>
-        <p:grpSpPr>
+        </p:nvSpPr>
+        <p:spPr>
           <a:xfrm>
             <a:off x="2106749" y="2456073"/>
-            <a:ext cx="8476342" cy="2029000"/>
-            <a:chOff x="1857829" y="2117225"/>
-            <a:chExt cx="8476342" cy="2029000"/>
+            <a:ext cx="8476342" cy="1106805"/>
           </a:xfrm>
-        </p:grpSpPr>
-        <p:sp>
-          <p:nvSpPr>
-            <p:cNvPr id="40" name="文本框 39"/>
-            <p:cNvSpPr txBox="1"/>
-            <p:nvPr/>
-          </p:nvSpPr>
-          <p:spPr>
-            <a:xfrm>
-              <a:off x="2165302" y="3562660"/>
-              <a:ext cx="7424516" cy="583565"/>
-            </a:xfrm>
-            <a:prstGeom prst="rect">
-              <a:avLst/>
-            </a:prstGeom>
-            <a:noFill/>
-          </p:spPr>
-          <p:txBody>
-            <a:bodyPr wrap="square" rtlCol="0">
-              <a:spAutoFit/>
-            </a:bodyPr>
-            <a:lstStyle/>
-            <a:p>
-              <a:pPr algn="ctr"/>
-              <a:r>
-                <a:rPr lang="en-US" altLang="zh-CN" sz="3200" dirty="0">
-                  <a:solidFill>
-                    <a:srgbClr val="1C4372"/>
-                  </a:solidFill>
-                  <a:latin typeface="微软雅黑" panose="020B0503020204020204" charset="-122"/>
-                  <a:ea typeface="微软雅黑" panose="020B0503020204020204" charset="-122"/>
-                  <a:cs typeface="Arial" panose="020B0604020202020204" pitchFamily="34" charset="0"/>
-                </a:rPr>
-                <a:t>THANK YOU</a:t>
-              </a:r>
-            </a:p>
-          </p:txBody>
-        </p:sp>
-        <p:sp>
-          <p:nvSpPr>
-            <p:cNvPr id="45" name="文本框 19"/>
-            <p:cNvSpPr txBox="1"/>
-            <p:nvPr/>
-          </p:nvSpPr>
-          <p:spPr>
-            <a:xfrm>
-              <a:off x="1857829" y="2117225"/>
-              <a:ext cx="8476342" cy="1106805"/>
-            </a:xfrm>
-            <a:prstGeom prst="rect">
-              <a:avLst/>
-            </a:prstGeom>
-            <a:noFill/>
-          </p:spPr>
-          <p:txBody>
-            <a:bodyPr wrap="square" rtlCol="0">
-              <a:spAutoFit/>
-            </a:bodyPr>
-            <a:lstStyle>
-              <a:defPPr>
-                <a:defRPr lang="zh-CN"/>
-              </a:defPPr>
-              <a:lvl1pPr marL="0" algn="l" defTabSz="914400" rtl="0" eaLnBrk="1" latinLnBrk="0" hangingPunct="1">
-                <a:defRPr sz="1800" kern="1200">
-                  <a:solidFill>
-                    <a:schemeClr val="tx1"/>
-                  </a:solidFill>
-                  <a:latin typeface="+mn-lt"/>
-                  <a:ea typeface="+mn-ea"/>
-                  <a:cs typeface="+mn-cs"/>
-                </a:defRPr>
-              </a:lvl1pPr>
-              <a:lvl2pPr marL="457200" algn="l" defTabSz="914400" rtl="0" eaLnBrk="1" latinLnBrk="0" hangingPunct="1">
-                <a:defRPr sz="1800" kern="1200">
-                  <a:solidFill>
-                    <a:schemeClr val="tx1"/>
-                  </a:solidFill>
-                  <a:latin typeface="+mn-lt"/>
-                  <a:ea typeface="+mn-ea"/>
-                  <a:cs typeface="+mn-cs"/>
-                </a:defRPr>
-              </a:lvl2pPr>
-              <a:lvl3pPr marL="914400" algn="l" defTabSz="914400" rtl="0" eaLnBrk="1" latinLnBrk="0" hangingPunct="1">
-                <a:defRPr sz="1800" kern="1200">
-                  <a:solidFill>
-                    <a:schemeClr val="tx1"/>
-                  </a:solidFill>
-                  <a:latin typeface="+mn-lt"/>
-                  <a:ea typeface="+mn-ea"/>
-                  <a:cs typeface="+mn-cs"/>
-                </a:defRPr>
-              </a:lvl3pPr>
-              <a:lvl4pPr marL="1371600" algn="l" defTabSz="914400" rtl="0" eaLnBrk="1" latinLnBrk="0" hangingPunct="1">
-                <a:defRPr sz="1800" kern="1200">
-                  <a:solidFill>
-                    <a:schemeClr val="tx1"/>
-                  </a:solidFill>
-                  <a:latin typeface="+mn-lt"/>
-                  <a:ea typeface="+mn-ea"/>
-                  <a:cs typeface="+mn-cs"/>
-                </a:defRPr>
-              </a:lvl4pPr>
-              <a:lvl5pPr marL="1828800" algn="l" defTabSz="914400" rtl="0" eaLnBrk="1" latinLnBrk="0" hangingPunct="1">
-                <a:defRPr sz="1800" kern="1200">
-                  <a:solidFill>
-                    <a:schemeClr val="tx1"/>
-                  </a:solidFill>
-                  <a:latin typeface="+mn-lt"/>
-                  <a:ea typeface="+mn-ea"/>
-                  <a:cs typeface="+mn-cs"/>
-                </a:defRPr>
-              </a:lvl5pPr>
-              <a:lvl6pPr marL="2286000" algn="l" defTabSz="914400" rtl="0" eaLnBrk="1" latinLnBrk="0" hangingPunct="1">
-                <a:defRPr sz="1800" kern="1200">
-                  <a:solidFill>
-                    <a:schemeClr val="tx1"/>
-                  </a:solidFill>
-                  <a:latin typeface="+mn-lt"/>
-                  <a:ea typeface="+mn-ea"/>
-                  <a:cs typeface="+mn-cs"/>
-                </a:defRPr>
-              </a:lvl6pPr>
-              <a:lvl7pPr marL="2743200" algn="l" defTabSz="914400" rtl="0" eaLnBrk="1" latinLnBrk="0" hangingPunct="1">
-                <a:defRPr sz="1800" kern="1200">
-                  <a:solidFill>
-                    <a:schemeClr val="tx1"/>
-                  </a:solidFill>
-                  <a:latin typeface="+mn-lt"/>
-                  <a:ea typeface="+mn-ea"/>
-                  <a:cs typeface="+mn-cs"/>
-                </a:defRPr>
-              </a:lvl7pPr>
-              <a:lvl8pPr marL="3200400" algn="l" defTabSz="914400" rtl="0" eaLnBrk="1" latinLnBrk="0" hangingPunct="1">
-                <a:defRPr sz="1800" kern="1200">
-                  <a:solidFill>
-                    <a:schemeClr val="tx1"/>
-                  </a:solidFill>
-                  <a:latin typeface="+mn-lt"/>
-                  <a:ea typeface="+mn-ea"/>
-                  <a:cs typeface="+mn-cs"/>
-                </a:defRPr>
-              </a:lvl8pPr>
-              <a:lvl9pPr marL="3657600" algn="l" defTabSz="914400" rtl="0" eaLnBrk="1" latinLnBrk="0" hangingPunct="1">
-                <a:defRPr sz="1800" kern="1200">
-                  <a:solidFill>
-                    <a:schemeClr val="tx1"/>
-                  </a:solidFill>
-                  <a:latin typeface="+mn-lt"/>
-                  <a:ea typeface="+mn-ea"/>
-                  <a:cs typeface="+mn-cs"/>
-                </a:defRPr>
-              </a:lvl9pPr>
-            </a:lstStyle>
-            <a:p>
-              <a:pPr algn="ctr"/>
-              <a:r>
-                <a:rPr lang="zh-CN" altLang="en-US" sz="6600" dirty="0">
-                  <a:solidFill>
-                    <a:srgbClr val="1C4372"/>
-                  </a:solidFill>
-                  <a:latin typeface="微软雅黑" panose="020B0503020204020204" charset="-122"/>
-                  <a:ea typeface="微软雅黑" panose="020B0503020204020204" charset="-122"/>
-                  <a:cs typeface="Arial" panose="020B0604020202020204" pitchFamily="34" charset="0"/>
-                </a:rPr>
-                <a:t>感谢聆听！</a:t>
-              </a:r>
-              <a:r>
-                <a:rPr lang="en-US" altLang="zh-CN" sz="6600" dirty="0">
-                  <a:solidFill>
-                    <a:srgbClr val="1C4372"/>
-                  </a:solidFill>
-                  <a:latin typeface="微软雅黑" panose="020B0503020204020204" charset="-122"/>
-                  <a:ea typeface="微软雅黑" panose="020B0503020204020204" charset="-122"/>
-                  <a:cs typeface="Arial" panose="020B0604020202020204" pitchFamily="34" charset="0"/>
-                </a:rPr>
-                <a:t> </a:t>
-              </a:r>
-            </a:p>
-          </p:txBody>
-        </p:sp>
-      </p:grpSp>
+          <a:prstGeom prst="rect">
+            <a:avLst/>
+          </a:prstGeom>
+          <a:noFill/>
+        </p:spPr>
+        <p:txBody>
+          <a:bodyPr wrap="square" rtlCol="0">
+            <a:spAutoFit/>
+          </a:bodyPr>
+          <a:lstStyle>
+            <a:defPPr>
+              <a:defRPr lang="zh-CN"/>
+            </a:defPPr>
+            <a:lvl1pPr marL="0" algn="l" defTabSz="914400" rtl="0" eaLnBrk="1" latinLnBrk="0" hangingPunct="1">
+              <a:defRPr sz="1800" kern="1200">
+                <a:solidFill>
+                  <a:schemeClr val="tx1"/>
+                </a:solidFill>
+                <a:latin typeface="+mn-lt"/>
+                <a:ea typeface="+mn-ea"/>
+                <a:cs typeface="+mn-cs"/>
+              </a:defRPr>
+            </a:lvl1pPr>
+            <a:lvl2pPr marL="457200" algn="l" defTabSz="914400" rtl="0" eaLnBrk="1" latinLnBrk="0" hangingPunct="1">
+              <a:defRPr sz="1800" kern="1200">
+                <a:solidFill>
+                  <a:schemeClr val="tx1"/>
+                </a:solidFill>
+                <a:latin typeface="+mn-lt"/>
+                <a:ea typeface="+mn-ea"/>
+                <a:cs typeface="+mn-cs"/>
+              </a:defRPr>
+            </a:lvl2pPr>
+            <a:lvl3pPr marL="914400" algn="l" defTabSz="914400" rtl="0" eaLnBrk="1" latinLnBrk="0" hangingPunct="1">
+              <a:defRPr sz="1800" kern="1200">
+                <a:solidFill>
+                  <a:schemeClr val="tx1"/>
+                </a:solidFill>
+                <a:latin typeface="+mn-lt"/>
+                <a:ea typeface="+mn-ea"/>
+                <a:cs typeface="+mn-cs"/>
+              </a:defRPr>
+            </a:lvl3pPr>
+            <a:lvl4pPr marL="1371600" algn="l" defTabSz="914400" rtl="0" eaLnBrk="1" latinLnBrk="0" hangingPunct="1">
+              <a:defRPr sz="1800" kern="1200">
+                <a:solidFill>
+                  <a:schemeClr val="tx1"/>
+                </a:solidFill>
+                <a:latin typeface="+mn-lt"/>
+                <a:ea typeface="+mn-ea"/>
+                <a:cs typeface="+mn-cs"/>
+              </a:defRPr>
+            </a:lvl4pPr>
+            <a:lvl5pPr marL="1828800" algn="l" defTabSz="914400" rtl="0" eaLnBrk="1" latinLnBrk="0" hangingPunct="1">
+              <a:defRPr sz="1800" kern="1200">
+                <a:solidFill>
+                  <a:schemeClr val="tx1"/>
+                </a:solidFill>
+                <a:latin typeface="+mn-lt"/>
+                <a:ea typeface="+mn-ea"/>
+                <a:cs typeface="+mn-cs"/>
+              </a:defRPr>
+            </a:lvl5pPr>
+            <a:lvl6pPr marL="2286000" algn="l" defTabSz="914400" rtl="0" eaLnBrk="1" latinLnBrk="0" hangingPunct="1">
+              <a:defRPr sz="1800" kern="1200">
+                <a:solidFill>
+                  <a:schemeClr val="tx1"/>
+                </a:solidFill>
+                <a:latin typeface="+mn-lt"/>
+                <a:ea typeface="+mn-ea"/>
+                <a:cs typeface="+mn-cs"/>
+              </a:defRPr>
+            </a:lvl6pPr>
+            <a:lvl7pPr marL="2743200" algn="l" defTabSz="914400" rtl="0" eaLnBrk="1" latinLnBrk="0" hangingPunct="1">
+              <a:defRPr sz="1800" kern="1200">
+                <a:solidFill>
+                  <a:schemeClr val="tx1"/>
+                </a:solidFill>
+                <a:latin typeface="+mn-lt"/>
+                <a:ea typeface="+mn-ea"/>
+                <a:cs typeface="+mn-cs"/>
+              </a:defRPr>
+            </a:lvl7pPr>
+            <a:lvl8pPr marL="3200400" algn="l" defTabSz="914400" rtl="0" eaLnBrk="1" latinLnBrk="0" hangingPunct="1">
+              <a:defRPr sz="1800" kern="1200">
+                <a:solidFill>
+                  <a:schemeClr val="tx1"/>
+                </a:solidFill>
+                <a:latin typeface="+mn-lt"/>
+                <a:ea typeface="+mn-ea"/>
+                <a:cs typeface="+mn-cs"/>
+              </a:defRPr>
+            </a:lvl8pPr>
+            <a:lvl9pPr marL="3657600" algn="l" defTabSz="914400" rtl="0" eaLnBrk="1" latinLnBrk="0" hangingPunct="1">
+              <a:defRPr sz="1800" kern="1200">
+                <a:solidFill>
+                  <a:schemeClr val="tx1"/>
+                </a:solidFill>
+                <a:latin typeface="+mn-lt"/>
+                <a:ea typeface="+mn-ea"/>
+                <a:cs typeface="+mn-cs"/>
+              </a:defRPr>
+            </a:lvl9pPr>
+          </a:lstStyle>
+          <a:p>
+            <a:pPr algn="ctr"/>
+            <a:r>
+              <a:rPr lang="zh-CN" altLang="en-US" sz="6600" dirty="0">
+                <a:solidFill>
+                  <a:srgbClr val="1C4372"/>
+                </a:solidFill>
+                <a:latin typeface="微软雅黑" panose="020B0503020204020204" charset="-122"/>
+                <a:ea typeface="微软雅黑" panose="020B0503020204020204" charset="-122"/>
+                <a:cs typeface="Arial" panose="020B0604020202020204" pitchFamily="34" charset="0"/>
+              </a:rPr>
+              <a:t>感谢倾听！</a:t>
+            </a:r>
+            <a:r>
+              <a:rPr lang="en-US" altLang="zh-CN" sz="6600" dirty="0">
+                <a:solidFill>
+                  <a:srgbClr val="1C4372"/>
+                </a:solidFill>
+                <a:latin typeface="微软雅黑" panose="020B0503020204020204" charset="-122"/>
+                <a:ea typeface="微软雅黑" panose="020B0503020204020204" charset="-122"/>
+                <a:cs typeface="Arial" panose="020B0604020202020204" pitchFamily="34" charset="0"/>
+              </a:rPr>
+              <a:t> </a:t>
+            </a:r>
+          </a:p>
+        </p:txBody>
+      </p:sp>
       <p:pic>
         <p:nvPicPr>
           <p:cNvPr id="15" name="图片 14" descr="浙大校徽">
@@ -11681,9 +13081,6 @@
             <a:pPr algn="ctr"/>
             <a:r>
               <a:rPr lang="zh-CN" altLang="en-US" sz="1400" dirty="0">
-                <a:solidFill>
-                  <a:srgbClr val="56505B"/>
-                </a:solidFill>
                 <a:latin typeface="Museo Sans 500" pitchFamily="50" charset="0"/>
                 <a:ea typeface="微软雅黑" panose="020B0503020204020204" charset="-122"/>
                 <a:sym typeface="+mn-ea"/>
@@ -11691,9 +13088,6 @@
               <a:t>浙江大学工程师学院</a:t>
             </a:r>
             <a:endParaRPr lang="zh-CN" altLang="en-US" sz="1400" b="1" dirty="0">
-              <a:solidFill>
-                <a:srgbClr val="56505B"/>
-              </a:solidFill>
               <a:latin typeface="Museo Sans 500" pitchFamily="50" charset="0"/>
               <a:ea typeface="微软雅黑" panose="020B0503020204020204" charset="-122"/>
               <a:sym typeface="+mn-ea"/>
@@ -11714,7 +13108,7 @@
             <a:spLocks noGrp="1"/>
           </p:cNvSpPr>
           <p:nvPr>
-            <p:ph type="ftr" sz="quarter" idx="11"/>
+            <p:ph type="ftr" sz="quarter" idx="4294967295"/>
           </p:nvPr>
         </p:nvSpPr>
         <p:spPr/>
@@ -11723,6 +13117,691 @@
           <a:lstStyle/>
           <a:p>
             <a:endParaRPr lang="zh-CN" altLang="en-US"/>
+          </a:p>
+        </p:txBody>
+      </p:sp>
+      <p:grpSp>
+        <p:nvGrpSpPr>
+          <p:cNvPr id="18" name="组合 17">
+            <a:extLst>
+              <a:ext uri="{FF2B5EF4-FFF2-40B4-BE49-F238E27FC236}">
+                <a16:creationId xmlns:a16="http://schemas.microsoft.com/office/drawing/2014/main" id="{82D3B7E6-0990-421C-B17D-99D11EAC93F6}"/>
+              </a:ext>
+            </a:extLst>
+          </p:cNvPr>
+          <p:cNvGrpSpPr/>
+          <p:nvPr/>
+        </p:nvGrpSpPr>
+        <p:grpSpPr>
+          <a:xfrm>
+            <a:off x="3733800" y="4413885"/>
+            <a:ext cx="521335" cy="404495"/>
+            <a:chOff x="6042" y="7094"/>
+            <a:chExt cx="760" cy="760"/>
+          </a:xfrm>
+        </p:grpSpPr>
+        <p:sp>
+          <p:nvSpPr>
+            <p:cNvPr id="19" name="椭圆 18">
+              <a:extLst>
+                <a:ext uri="{FF2B5EF4-FFF2-40B4-BE49-F238E27FC236}">
+                  <a16:creationId xmlns:a16="http://schemas.microsoft.com/office/drawing/2014/main" id="{61201382-95D2-4908-AFE9-C0ACBBF72E3C}"/>
+                </a:ext>
+              </a:extLst>
+            </p:cNvPr>
+            <p:cNvSpPr/>
+            <p:nvPr/>
+          </p:nvSpPr>
+          <p:spPr>
+            <a:xfrm>
+              <a:off x="6042" y="7094"/>
+              <a:ext cx="760" cy="760"/>
+            </a:xfrm>
+            <a:prstGeom prst="ellipse">
+              <a:avLst/>
+            </a:prstGeom>
+            <a:solidFill>
+              <a:schemeClr val="bg1"/>
+            </a:solidFill>
+            <a:ln>
+              <a:noFill/>
+            </a:ln>
+          </p:spPr>
+          <p:style>
+            <a:lnRef idx="2">
+              <a:schemeClr val="accent1">
+                <a:shade val="50000"/>
+              </a:schemeClr>
+            </a:lnRef>
+            <a:fillRef idx="1">
+              <a:schemeClr val="accent1"/>
+            </a:fillRef>
+            <a:effectRef idx="0">
+              <a:schemeClr val="accent1"/>
+            </a:effectRef>
+            <a:fontRef idx="minor">
+              <a:schemeClr val="lt1"/>
+            </a:fontRef>
+          </p:style>
+          <p:txBody>
+            <a:bodyPr rtlCol="0" anchor="ctr"/>
+            <a:lstStyle/>
+            <a:p>
+              <a:pPr algn="ctr"/>
+              <a:endParaRPr lang="zh-CN" altLang="en-US" sz="2400">
+                <a:solidFill>
+                  <a:schemeClr val="tx1">
+                    <a:lumMod val="85000"/>
+                    <a:lumOff val="15000"/>
+                  </a:schemeClr>
+                </a:solidFill>
+              </a:endParaRPr>
+            </a:p>
+          </p:txBody>
+        </p:sp>
+        <p:sp>
+          <p:nvSpPr>
+            <p:cNvPr id="20" name="Freeform 864">
+              <a:extLst>
+                <a:ext uri="{FF2B5EF4-FFF2-40B4-BE49-F238E27FC236}">
+                  <a16:creationId xmlns:a16="http://schemas.microsoft.com/office/drawing/2014/main" id="{AC177AE6-2E1F-4ABE-B210-1739287467D1}"/>
+                </a:ext>
+              </a:extLst>
+            </p:cNvPr>
+            <p:cNvSpPr>
+              <a:spLocks noEditPoints="1"/>
+            </p:cNvSpPr>
+            <p:nvPr/>
+          </p:nvSpPr>
+          <p:spPr bwMode="auto">
+            <a:xfrm>
+              <a:off x="6118" y="7269"/>
+              <a:ext cx="608" cy="411"/>
+            </a:xfrm>
+            <a:custGeom>
+              <a:avLst/>
+              <a:gdLst>
+                <a:gd name="T0" fmla="*/ 119 w 303"/>
+                <a:gd name="T1" fmla="*/ 13 h 204"/>
+                <a:gd name="T2" fmla="*/ 163 w 303"/>
+                <a:gd name="T3" fmla="*/ 6 h 204"/>
+                <a:gd name="T4" fmla="*/ 303 w 303"/>
+                <a:gd name="T5" fmla="*/ 50 h 204"/>
+                <a:gd name="T6" fmla="*/ 244 w 303"/>
+                <a:gd name="T7" fmla="*/ 77 h 204"/>
+                <a:gd name="T8" fmla="*/ 265 w 303"/>
+                <a:gd name="T9" fmla="*/ 126 h 204"/>
+                <a:gd name="T10" fmla="*/ 293 w 303"/>
+                <a:gd name="T11" fmla="*/ 198 h 204"/>
+                <a:gd name="T12" fmla="*/ 265 w 303"/>
+                <a:gd name="T13" fmla="*/ 204 h 204"/>
+                <a:gd name="T14" fmla="*/ 256 w 303"/>
+                <a:gd name="T15" fmla="*/ 126 h 204"/>
+                <a:gd name="T16" fmla="*/ 247 w 303"/>
+                <a:gd name="T17" fmla="*/ 92 h 204"/>
+                <a:gd name="T18" fmla="*/ 221 w 303"/>
+                <a:gd name="T19" fmla="*/ 79 h 204"/>
+                <a:gd name="T20" fmla="*/ 145 w 303"/>
+                <a:gd name="T21" fmla="*/ 53 h 204"/>
+                <a:gd name="T22" fmla="*/ 220 w 303"/>
+                <a:gd name="T23" fmla="*/ 88 h 204"/>
+                <a:gd name="T24" fmla="*/ 152 w 303"/>
+                <a:gd name="T25" fmla="*/ 119 h 204"/>
+                <a:gd name="T26" fmla="*/ 0 w 303"/>
+                <a:gd name="T27" fmla="*/ 50 h 204"/>
+                <a:gd name="T28" fmla="*/ 119 w 303"/>
+                <a:gd name="T29" fmla="*/ 13 h 204"/>
+                <a:gd name="T30" fmla="*/ 66 w 303"/>
+                <a:gd name="T31" fmla="*/ 91 h 204"/>
+                <a:gd name="T32" fmla="*/ 62 w 303"/>
+                <a:gd name="T33" fmla="*/ 155 h 204"/>
+                <a:gd name="T34" fmla="*/ 152 w 303"/>
+                <a:gd name="T35" fmla="*/ 196 h 204"/>
+                <a:gd name="T36" fmla="*/ 240 w 303"/>
+                <a:gd name="T37" fmla="*/ 155 h 204"/>
+                <a:gd name="T38" fmla="*/ 236 w 303"/>
+                <a:gd name="T39" fmla="*/ 92 h 204"/>
+                <a:gd name="T40" fmla="*/ 152 w 303"/>
+                <a:gd name="T41" fmla="*/ 128 h 204"/>
+                <a:gd name="T42" fmla="*/ 66 w 303"/>
+                <a:gd name="T43" fmla="*/ 91 h 204"/>
+              </a:gdLst>
+              <a:ahLst/>
+              <a:cxnLst>
+                <a:cxn ang="0">
+                  <a:pos x="T0" y="T1"/>
+                </a:cxn>
+                <a:cxn ang="0">
+                  <a:pos x="T2" y="T3"/>
+                </a:cxn>
+                <a:cxn ang="0">
+                  <a:pos x="T4" y="T5"/>
+                </a:cxn>
+                <a:cxn ang="0">
+                  <a:pos x="T6" y="T7"/>
+                </a:cxn>
+                <a:cxn ang="0">
+                  <a:pos x="T8" y="T9"/>
+                </a:cxn>
+                <a:cxn ang="0">
+                  <a:pos x="T10" y="T11"/>
+                </a:cxn>
+                <a:cxn ang="0">
+                  <a:pos x="T12" y="T13"/>
+                </a:cxn>
+                <a:cxn ang="0">
+                  <a:pos x="T14" y="T15"/>
+                </a:cxn>
+                <a:cxn ang="0">
+                  <a:pos x="T16" y="T17"/>
+                </a:cxn>
+                <a:cxn ang="0">
+                  <a:pos x="T18" y="T19"/>
+                </a:cxn>
+                <a:cxn ang="0">
+                  <a:pos x="T20" y="T21"/>
+                </a:cxn>
+                <a:cxn ang="0">
+                  <a:pos x="T22" y="T23"/>
+                </a:cxn>
+                <a:cxn ang="0">
+                  <a:pos x="T24" y="T25"/>
+                </a:cxn>
+                <a:cxn ang="0">
+                  <a:pos x="T26" y="T27"/>
+                </a:cxn>
+                <a:cxn ang="0">
+                  <a:pos x="T28" y="T29"/>
+                </a:cxn>
+                <a:cxn ang="0">
+                  <a:pos x="T30" y="T31"/>
+                </a:cxn>
+                <a:cxn ang="0">
+                  <a:pos x="T32" y="T33"/>
+                </a:cxn>
+                <a:cxn ang="0">
+                  <a:pos x="T34" y="T35"/>
+                </a:cxn>
+                <a:cxn ang="0">
+                  <a:pos x="T36" y="T37"/>
+                </a:cxn>
+                <a:cxn ang="0">
+                  <a:pos x="T38" y="T39"/>
+                </a:cxn>
+                <a:cxn ang="0">
+                  <a:pos x="T40" y="T41"/>
+                </a:cxn>
+                <a:cxn ang="0">
+                  <a:pos x="T42" y="T43"/>
+                </a:cxn>
+              </a:cxnLst>
+              <a:rect l="0" t="0" r="r" b="b"/>
+              <a:pathLst>
+                <a:path w="303" h="204">
+                  <a:moveTo>
+                    <a:pt x="119" y="13"/>
+                  </a:moveTo>
+                  <a:cubicBezTo>
+                    <a:pt x="133" y="9"/>
+                    <a:pt x="148" y="0"/>
+                    <a:pt x="163" y="6"/>
+                  </a:cubicBezTo>
+                  <a:cubicBezTo>
+                    <a:pt x="209" y="22"/>
+                    <a:pt x="257" y="33"/>
+                    <a:pt x="303" y="50"/>
+                  </a:cubicBezTo>
+                  <a:cubicBezTo>
+                    <a:pt x="284" y="61"/>
+                    <a:pt x="264" y="69"/>
+                    <a:pt x="244" y="77"/>
+                  </a:cubicBezTo>
+                  <a:cubicBezTo>
+                    <a:pt x="259" y="89"/>
+                    <a:pt x="260" y="109"/>
+                    <a:pt x="265" y="126"/>
+                  </a:cubicBezTo>
+                  <a:cubicBezTo>
+                    <a:pt x="274" y="150"/>
+                    <a:pt x="283" y="175"/>
+                    <a:pt x="293" y="198"/>
+                  </a:cubicBezTo>
+                  <a:cubicBezTo>
+                    <a:pt x="283" y="200"/>
+                    <a:pt x="274" y="202"/>
+                    <a:pt x="265" y="204"/>
+                  </a:cubicBezTo>
+                  <a:cubicBezTo>
+                    <a:pt x="267" y="177"/>
+                    <a:pt x="255" y="152"/>
+                    <a:pt x="256" y="126"/>
+                  </a:cubicBezTo>
+                  <a:cubicBezTo>
+                    <a:pt x="254" y="114"/>
+                    <a:pt x="252" y="103"/>
+                    <a:pt x="247" y="92"/>
+                  </a:cubicBezTo>
+                  <a:cubicBezTo>
+                    <a:pt x="240" y="86"/>
+                    <a:pt x="230" y="83"/>
+                    <a:pt x="221" y="79"/>
+                  </a:cubicBezTo>
+                  <a:cubicBezTo>
+                    <a:pt x="196" y="70"/>
+                    <a:pt x="171" y="59"/>
+                    <a:pt x="145" y="53"/>
+                  </a:cubicBezTo>
+                  <a:cubicBezTo>
+                    <a:pt x="169" y="67"/>
+                    <a:pt x="196" y="75"/>
+                    <a:pt x="220" y="88"/>
+                  </a:cubicBezTo>
+                  <a:cubicBezTo>
+                    <a:pt x="198" y="99"/>
+                    <a:pt x="174" y="107"/>
+                    <a:pt x="152" y="119"/>
+                  </a:cubicBezTo>
+                  <a:cubicBezTo>
+                    <a:pt x="102" y="96"/>
+                    <a:pt x="50" y="75"/>
+                    <a:pt x="0" y="50"/>
+                  </a:cubicBezTo>
+                  <a:cubicBezTo>
+                    <a:pt x="39" y="35"/>
+                    <a:pt x="80" y="26"/>
+                    <a:pt x="119" y="13"/>
+                  </a:cubicBezTo>
+                  <a:close/>
+                  <a:moveTo>
+                    <a:pt x="66" y="91"/>
+                  </a:moveTo>
+                  <a:cubicBezTo>
+                    <a:pt x="65" y="113"/>
+                    <a:pt x="65" y="134"/>
+                    <a:pt x="62" y="155"/>
+                  </a:cubicBezTo>
+                  <a:cubicBezTo>
+                    <a:pt x="98" y="148"/>
+                    <a:pt x="131" y="168"/>
+                    <a:pt x="152" y="196"/>
+                  </a:cubicBezTo>
+                  <a:cubicBezTo>
+                    <a:pt x="172" y="169"/>
+                    <a:pt x="205" y="148"/>
+                    <a:pt x="240" y="155"/>
+                  </a:cubicBezTo>
+                  <a:cubicBezTo>
+                    <a:pt x="239" y="134"/>
+                    <a:pt x="238" y="113"/>
+                    <a:pt x="236" y="92"/>
+                  </a:cubicBezTo>
+                  <a:cubicBezTo>
+                    <a:pt x="208" y="103"/>
+                    <a:pt x="181" y="117"/>
+                    <a:pt x="152" y="128"/>
+                  </a:cubicBezTo>
+                  <a:cubicBezTo>
+                    <a:pt x="123" y="118"/>
+                    <a:pt x="95" y="102"/>
+                    <a:pt x="66" y="91"/>
+                  </a:cubicBezTo>
+                  <a:close/>
+                </a:path>
+              </a:pathLst>
+            </a:custGeom>
+            <a:solidFill>
+              <a:srgbClr val="2B528B"/>
+            </a:solidFill>
+            <a:ln>
+              <a:noFill/>
+            </a:ln>
+          </p:spPr>
+        </p:sp>
+      </p:grpSp>
+      <p:sp>
+        <p:nvSpPr>
+          <p:cNvPr id="21" name="文本框 20">
+            <a:extLst>
+              <a:ext uri="{FF2B5EF4-FFF2-40B4-BE49-F238E27FC236}">
+                <a16:creationId xmlns:a16="http://schemas.microsoft.com/office/drawing/2014/main" id="{A74132A3-8A9E-4F77-A4D5-094739564488}"/>
+              </a:ext>
+            </a:extLst>
+          </p:cNvPr>
+          <p:cNvSpPr txBox="1"/>
+          <p:nvPr/>
+        </p:nvSpPr>
+        <p:spPr>
+          <a:xfrm>
+            <a:off x="4269105" y="4385945"/>
+            <a:ext cx="4478655" cy="1156855"/>
+          </a:xfrm>
+          <a:prstGeom prst="rect">
+            <a:avLst/>
+          </a:prstGeom>
+          <a:noFill/>
+        </p:spPr>
+        <p:txBody>
+          <a:bodyPr wrap="square" rtlCol="0" anchor="t">
+            <a:spAutoFit/>
+          </a:bodyPr>
+          <a:lstStyle/>
+          <a:p>
+            <a:pPr algn="l" fontAlgn="auto">
+              <a:lnSpc>
+                <a:spcPct val="150000"/>
+              </a:lnSpc>
+            </a:pPr>
+            <a:r>
+              <a:rPr lang="zh-CN" altLang="en-US" sz="1600" dirty="0">
+                <a:solidFill>
+                  <a:schemeClr val="tx1">
+                    <a:lumMod val="85000"/>
+                    <a:lumOff val="15000"/>
+                  </a:schemeClr>
+                </a:solidFill>
+                <a:latin typeface="微软雅黑" panose="020B0503020204020204" pitchFamily="34" charset="-122"/>
+                <a:ea typeface="微软雅黑" panose="020B0503020204020204" pitchFamily="34" charset="-122"/>
+              </a:rPr>
+              <a:t>小组成员：   马哲</a:t>
+            </a:r>
+            <a:r>
+              <a:rPr lang="en-US" altLang="zh-CN" sz="1600" dirty="0">
+                <a:solidFill>
+                  <a:schemeClr val="tx1">
+                    <a:lumMod val="85000"/>
+                    <a:lumOff val="15000"/>
+                  </a:schemeClr>
+                </a:solidFill>
+                <a:latin typeface="微软雅黑" panose="020B0503020204020204" pitchFamily="34" charset="-122"/>
+                <a:ea typeface="微软雅黑" panose="020B0503020204020204" pitchFamily="34" charset="-122"/>
+              </a:rPr>
+              <a:t>	</a:t>
+            </a:r>
+            <a:r>
+              <a:rPr lang="zh-CN" altLang="en-US" sz="1600" dirty="0">
+                <a:solidFill>
+                  <a:schemeClr val="tx1">
+                    <a:lumMod val="85000"/>
+                    <a:lumOff val="15000"/>
+                  </a:schemeClr>
+                </a:solidFill>
+                <a:latin typeface="微软雅黑" panose="020B0503020204020204" pitchFamily="34" charset="-122"/>
+                <a:ea typeface="微软雅黑" panose="020B0503020204020204" pitchFamily="34" charset="-122"/>
+              </a:rPr>
+              <a:t>张子君</a:t>
+            </a:r>
+            <a:r>
+              <a:rPr lang="en-US" altLang="zh-CN" sz="1600" dirty="0">
+                <a:solidFill>
+                  <a:schemeClr val="tx1">
+                    <a:lumMod val="85000"/>
+                    <a:lumOff val="15000"/>
+                  </a:schemeClr>
+                </a:solidFill>
+                <a:latin typeface="微软雅黑" panose="020B0503020204020204" pitchFamily="34" charset="-122"/>
+                <a:ea typeface="微软雅黑" panose="020B0503020204020204" pitchFamily="34" charset="-122"/>
+              </a:rPr>
+              <a:t>	</a:t>
+            </a:r>
+            <a:r>
+              <a:rPr lang="zh-CN" altLang="en-US" sz="1600" dirty="0">
+                <a:solidFill>
+                  <a:schemeClr val="tx1">
+                    <a:lumMod val="85000"/>
+                    <a:lumOff val="15000"/>
+                  </a:schemeClr>
+                </a:solidFill>
+                <a:latin typeface="微软雅黑" panose="020B0503020204020204" pitchFamily="34" charset="-122"/>
+                <a:ea typeface="微软雅黑" panose="020B0503020204020204" pitchFamily="34" charset="-122"/>
+              </a:rPr>
+              <a:t>相嘉慧</a:t>
+            </a:r>
+            <a:endParaRPr lang="en-US" altLang="zh-CN" sz="1600" dirty="0">
+              <a:solidFill>
+                <a:schemeClr val="tx1">
+                  <a:lumMod val="85000"/>
+                  <a:lumOff val="15000"/>
+                </a:schemeClr>
+              </a:solidFill>
+              <a:latin typeface="微软雅黑" panose="020B0503020204020204" pitchFamily="34" charset="-122"/>
+              <a:ea typeface="微软雅黑" panose="020B0503020204020204" pitchFamily="34" charset="-122"/>
+            </a:endParaRPr>
+          </a:p>
+          <a:p>
+            <a:pPr algn="l" fontAlgn="auto">
+              <a:lnSpc>
+                <a:spcPct val="150000"/>
+              </a:lnSpc>
+            </a:pPr>
+            <a:r>
+              <a:rPr lang="zh-CN" sz="1600" dirty="0">
+                <a:solidFill>
+                  <a:schemeClr val="tx1">
+                    <a:lumMod val="85000"/>
+                    <a:lumOff val="15000"/>
+                  </a:schemeClr>
+                </a:solidFill>
+                <a:latin typeface="微软雅黑" panose="020B0503020204020204" pitchFamily="34" charset="-122"/>
+                <a:ea typeface="微软雅黑" panose="020B0503020204020204" pitchFamily="34" charset="-122"/>
+              </a:rPr>
+              <a:t>汇报人：       </a:t>
+            </a:r>
+          </a:p>
+          <a:p>
+            <a:pPr algn="l" fontAlgn="auto">
+              <a:lnSpc>
+                <a:spcPct val="150000"/>
+              </a:lnSpc>
+            </a:pPr>
+            <a:r>
+              <a:rPr lang="zh-CN" altLang="en-US" sz="1600" dirty="0">
+                <a:solidFill>
+                  <a:schemeClr val="tx1">
+                    <a:lumMod val="85000"/>
+                    <a:lumOff val="15000"/>
+                  </a:schemeClr>
+                </a:solidFill>
+                <a:latin typeface="微软雅黑" panose="020B0503020204020204" pitchFamily="34" charset="-122"/>
+                <a:ea typeface="微软雅黑" panose="020B0503020204020204" pitchFamily="34" charset="-122"/>
+              </a:rPr>
+              <a:t>汇报日期：  </a:t>
+            </a:r>
+            <a:r>
+              <a:rPr lang="en-US" altLang="zh-CN" sz="1600" dirty="0">
+                <a:solidFill>
+                  <a:schemeClr val="tx1">
+                    <a:lumMod val="85000"/>
+                    <a:lumOff val="15000"/>
+                  </a:schemeClr>
+                </a:solidFill>
+                <a:latin typeface="微软雅黑" panose="020B0503020204020204" pitchFamily="34" charset="-122"/>
+                <a:ea typeface="微软雅黑" panose="020B0503020204020204" pitchFamily="34" charset="-122"/>
+              </a:rPr>
+              <a:t>2021.11.01</a:t>
+            </a:r>
+            <a:endParaRPr lang="zh-CN" altLang="en-US" sz="1600" dirty="0">
+              <a:solidFill>
+                <a:schemeClr val="tx1">
+                  <a:lumMod val="85000"/>
+                  <a:lumOff val="15000"/>
+                </a:schemeClr>
+              </a:solidFill>
+              <a:latin typeface="微软雅黑" panose="020B0503020204020204" pitchFamily="34" charset="-122"/>
+              <a:ea typeface="微软雅黑" panose="020B0503020204020204" pitchFamily="34" charset="-122"/>
+            </a:endParaRPr>
+          </a:p>
+        </p:txBody>
+      </p:sp>
+      <p:sp>
+        <p:nvSpPr>
+          <p:cNvPr id="22" name="文本框 21">
+            <a:extLst>
+              <a:ext uri="{FF2B5EF4-FFF2-40B4-BE49-F238E27FC236}">
+                <a16:creationId xmlns:a16="http://schemas.microsoft.com/office/drawing/2014/main" id="{BC4AEDB7-C12D-4E7C-8A62-B50DD146CB25}"/>
+              </a:ext>
+            </a:extLst>
+          </p:cNvPr>
+          <p:cNvSpPr txBox="1"/>
+          <p:nvPr/>
+        </p:nvSpPr>
+        <p:spPr>
+          <a:xfrm>
+            <a:off x="488950" y="3609710"/>
+            <a:ext cx="11229975" cy="461665"/>
+          </a:xfrm>
+          <a:prstGeom prst="rect">
+            <a:avLst/>
+          </a:prstGeom>
+          <a:noFill/>
+        </p:spPr>
+        <p:txBody>
+          <a:bodyPr wrap="square" rtlCol="0">
+            <a:spAutoFit/>
+          </a:bodyPr>
+          <a:lstStyle>
+            <a:defPPr>
+              <a:defRPr lang="zh-CN"/>
+            </a:defPPr>
+            <a:lvl1pPr marL="0" algn="l" defTabSz="914400" rtl="0" eaLnBrk="1" latinLnBrk="0" hangingPunct="1">
+              <a:defRPr sz="1800" kern="1200">
+                <a:solidFill>
+                  <a:schemeClr val="tx1"/>
+                </a:solidFill>
+                <a:latin typeface="+mn-lt"/>
+                <a:ea typeface="+mn-ea"/>
+                <a:cs typeface="+mn-cs"/>
+              </a:defRPr>
+            </a:lvl1pPr>
+            <a:lvl2pPr marL="457200" algn="l" defTabSz="914400" rtl="0" eaLnBrk="1" latinLnBrk="0" hangingPunct="1">
+              <a:defRPr sz="1800" kern="1200">
+                <a:solidFill>
+                  <a:schemeClr val="tx1"/>
+                </a:solidFill>
+                <a:latin typeface="+mn-lt"/>
+                <a:ea typeface="+mn-ea"/>
+                <a:cs typeface="+mn-cs"/>
+              </a:defRPr>
+            </a:lvl2pPr>
+            <a:lvl3pPr marL="914400" algn="l" defTabSz="914400" rtl="0" eaLnBrk="1" latinLnBrk="0" hangingPunct="1">
+              <a:defRPr sz="1800" kern="1200">
+                <a:solidFill>
+                  <a:schemeClr val="tx1"/>
+                </a:solidFill>
+                <a:latin typeface="+mn-lt"/>
+                <a:ea typeface="+mn-ea"/>
+                <a:cs typeface="+mn-cs"/>
+              </a:defRPr>
+            </a:lvl3pPr>
+            <a:lvl4pPr marL="1371600" algn="l" defTabSz="914400" rtl="0" eaLnBrk="1" latinLnBrk="0" hangingPunct="1">
+              <a:defRPr sz="1800" kern="1200">
+                <a:solidFill>
+                  <a:schemeClr val="tx1"/>
+                </a:solidFill>
+                <a:latin typeface="+mn-lt"/>
+                <a:ea typeface="+mn-ea"/>
+                <a:cs typeface="+mn-cs"/>
+              </a:defRPr>
+            </a:lvl4pPr>
+            <a:lvl5pPr marL="1828800" algn="l" defTabSz="914400" rtl="0" eaLnBrk="1" latinLnBrk="0" hangingPunct="1">
+              <a:defRPr sz="1800" kern="1200">
+                <a:solidFill>
+                  <a:schemeClr val="tx1"/>
+                </a:solidFill>
+                <a:latin typeface="+mn-lt"/>
+                <a:ea typeface="+mn-ea"/>
+                <a:cs typeface="+mn-cs"/>
+              </a:defRPr>
+            </a:lvl5pPr>
+            <a:lvl6pPr marL="2286000" algn="l" defTabSz="914400" rtl="0" eaLnBrk="1" latinLnBrk="0" hangingPunct="1">
+              <a:defRPr sz="1800" kern="1200">
+                <a:solidFill>
+                  <a:schemeClr val="tx1"/>
+                </a:solidFill>
+                <a:latin typeface="+mn-lt"/>
+                <a:ea typeface="+mn-ea"/>
+                <a:cs typeface="+mn-cs"/>
+              </a:defRPr>
+            </a:lvl6pPr>
+            <a:lvl7pPr marL="2743200" algn="l" defTabSz="914400" rtl="0" eaLnBrk="1" latinLnBrk="0" hangingPunct="1">
+              <a:defRPr sz="1800" kern="1200">
+                <a:solidFill>
+                  <a:schemeClr val="tx1"/>
+                </a:solidFill>
+                <a:latin typeface="+mn-lt"/>
+                <a:ea typeface="+mn-ea"/>
+                <a:cs typeface="+mn-cs"/>
+              </a:defRPr>
+            </a:lvl7pPr>
+            <a:lvl8pPr marL="3200400" algn="l" defTabSz="914400" rtl="0" eaLnBrk="1" latinLnBrk="0" hangingPunct="1">
+              <a:defRPr sz="1800" kern="1200">
+                <a:solidFill>
+                  <a:schemeClr val="tx1"/>
+                </a:solidFill>
+                <a:latin typeface="+mn-lt"/>
+                <a:ea typeface="+mn-ea"/>
+                <a:cs typeface="+mn-cs"/>
+              </a:defRPr>
+            </a:lvl8pPr>
+            <a:lvl9pPr marL="3657600" algn="l" defTabSz="914400" rtl="0" eaLnBrk="1" latinLnBrk="0" hangingPunct="1">
+              <a:defRPr sz="1800" kern="1200">
+                <a:solidFill>
+                  <a:schemeClr val="tx1"/>
+                </a:solidFill>
+                <a:latin typeface="+mn-lt"/>
+                <a:ea typeface="+mn-ea"/>
+                <a:cs typeface="+mn-cs"/>
+              </a:defRPr>
+            </a:lvl9pPr>
+          </a:lstStyle>
+          <a:p>
+            <a:pPr algn="ctr"/>
+            <a:r>
+              <a:rPr lang="zh-CN" altLang="en-US" sz="2400" spc="300" dirty="0">
+                <a:solidFill>
+                  <a:srgbClr val="1C4372"/>
+                </a:solidFill>
+                <a:latin typeface="微软雅黑" panose="020B0503020204020204" charset="-122"/>
+                <a:ea typeface="微软雅黑" panose="020B0503020204020204" charset="-122"/>
+              </a:rPr>
+              <a:t>工业互联网安全系统工程大作业课程汇报</a:t>
+            </a:r>
+          </a:p>
+        </p:txBody>
+      </p:sp>
+      <p:sp>
+        <p:nvSpPr>
+          <p:cNvPr id="3" name="矩形 2">
+            <a:extLst>
+              <a:ext uri="{FF2B5EF4-FFF2-40B4-BE49-F238E27FC236}">
+                <a16:creationId xmlns:a16="http://schemas.microsoft.com/office/drawing/2014/main" id="{DC10D04D-DBBC-4BF3-8379-80607E04BB0F}"/>
+              </a:ext>
+            </a:extLst>
+          </p:cNvPr>
+          <p:cNvSpPr/>
+          <p:nvPr/>
+        </p:nvSpPr>
+        <p:spPr>
+          <a:xfrm>
+            <a:off x="3994467" y="5606540"/>
+            <a:ext cx="3711272" cy="369332"/>
+          </a:xfrm>
+          <a:prstGeom prst="rect">
+            <a:avLst/>
+          </a:prstGeom>
+        </p:spPr>
+        <p:txBody>
+          <a:bodyPr wrap="none">
+            <a:spAutoFit/>
+          </a:bodyPr>
+          <a:lstStyle/>
+          <a:p>
+            <a:r>
+              <a:rPr lang="zh-CN" altLang="en-US" dirty="0">
+                <a:latin typeface="Times New Roman" panose="02020603050405020304" pitchFamily="18" charset="0"/>
+                <a:cs typeface="Times New Roman" panose="02020603050405020304" pitchFamily="18" charset="0"/>
+              </a:rPr>
+              <a:t>https://github.com/MMMMMz/SBM</a:t>
+            </a:r>
           </a:p>
         </p:txBody>
       </p:sp>
@@ -12053,7 +14132,7 @@
                 <a:latin typeface="微软雅黑" panose="020B0503020204020204" charset="-122"/>
                 <a:ea typeface="微软雅黑" panose="020B0503020204020204" charset="-122"/>
               </a:rPr>
-              <a:t>动态结果展示</a:t>
+              <a:t>结果展示</a:t>
             </a:r>
           </a:p>
         </p:txBody>
@@ -12359,7 +14438,7 @@
           <a:bodyPr/>
           <a:lstStyle/>
           <a:p>
-            <a:endParaRPr lang="zh-CN" altLang="en-US"/>
+            <a:endParaRPr lang="zh-CN" altLang="en-US" dirty="0"/>
           </a:p>
         </p:txBody>
       </p:sp>
@@ -12711,19 +14790,22 @@
           <a:p>
             <a:r>
               <a:rPr lang="zh-CN" altLang="en-US" sz="1600" dirty="0">
-                <a:latin typeface="+mn-ea"/>
+                <a:latin typeface="微软雅黑" panose="020B0503020204020204" pitchFamily="34" charset="-122"/>
+                <a:ea typeface="微软雅黑" panose="020B0503020204020204" pitchFamily="34" charset="-122"/>
               </a:rPr>
               <a:t>状态矩阵</a:t>
             </a:r>
             <a:r>
               <a:rPr lang="en-US" altLang="zh-CN" sz="1600" dirty="0">
-                <a:latin typeface="+mn-ea"/>
+                <a:latin typeface="微软雅黑" panose="020B0503020204020204" pitchFamily="34" charset="-122"/>
+                <a:ea typeface="微软雅黑" panose="020B0503020204020204" pitchFamily="34" charset="-122"/>
               </a:rPr>
               <a:t>D</a:t>
             </a:r>
             <a:r>
               <a:rPr lang="zh-CN" altLang="en-US" sz="1600" dirty="0">
-                <a:latin typeface="+mn-ea"/>
+                <a:latin typeface="微软雅黑" panose="020B0503020204020204" pitchFamily="34" charset="-122"/>
+                <a:ea typeface="微软雅黑" panose="020B0503020204020204" pitchFamily="34" charset="-122"/>
               </a:rPr>
               <a:t>的选取</a:t>
             </a:r>
@@ -12760,7 +14842,8 @@
           <a:p>
             <a:r>
               <a:rPr lang="zh-CN" altLang="en-US" sz="1600" dirty="0">
-                <a:latin typeface="+mn-ea"/>
+                <a:latin typeface="微软雅黑" panose="020B0503020204020204" pitchFamily="34" charset="-122"/>
+                <a:ea typeface="微软雅黑" panose="020B0503020204020204" pitchFamily="34" charset="-122"/>
               </a:rPr>
               <a:t>估计值的产生</a:t>
             </a:r>
@@ -12797,7 +14880,8 @@
           <a:p>
             <a:r>
               <a:rPr lang="zh-CN" altLang="en-US" sz="1600" dirty="0">
-                <a:latin typeface="+mn-ea"/>
+                <a:latin typeface="微软雅黑" panose="020B0503020204020204" pitchFamily="34" charset="-122"/>
+                <a:ea typeface="微软雅黑" panose="020B0503020204020204" pitchFamily="34" charset="-122"/>
               </a:rPr>
               <a:t>偏差值的生成及预警</a:t>
             </a:r>
@@ -15217,14 +17301,20 @@
       </p:grpSpPr>
       <p:sp>
         <p:nvSpPr>
-          <p:cNvPr id="6" name="Rectangle 3"/>
+          <p:cNvPr id="15" name="Rectangle 3">
+            <a:extLst>
+              <a:ext uri="{FF2B5EF4-FFF2-40B4-BE49-F238E27FC236}">
+                <a16:creationId xmlns:a16="http://schemas.microsoft.com/office/drawing/2014/main" id="{F81BEC07-4913-4784-8A51-C6DFD6631AA3}"/>
+              </a:ext>
+            </a:extLst>
+          </p:cNvPr>
           <p:cNvSpPr/>
           <p:nvPr/>
         </p:nvSpPr>
         <p:spPr>
           <a:xfrm>
-            <a:off x="5446716" y="239732"/>
-            <a:ext cx="5892960" cy="523220"/>
+            <a:off x="6788430" y="239732"/>
+            <a:ext cx="4551246" cy="523220"/>
           </a:xfrm>
           <a:prstGeom prst="rect">
             <a:avLst/>
@@ -15340,7 +17430,7 @@
                 <a:ea typeface="微软雅黑" panose="020B0503020204020204" pitchFamily="34" charset="-122"/>
                 <a:cs typeface="Arial" panose="020B0604020202020204"/>
               </a:rPr>
-              <a:t>3. </a:t>
+              <a:t>2. </a:t>
             </a:r>
             <a:r>
               <a:rPr lang="zh-CN" altLang="en-US" sz="2800" dirty="0">
@@ -15351,29 +17441,7 @@
                 <a:ea typeface="微软雅黑" panose="020B0503020204020204" pitchFamily="34" charset="-122"/>
                 <a:cs typeface="Arial" panose="020B0604020202020204"/>
               </a:rPr>
-              <a:t>状态矩阵</a:t>
-            </a:r>
-            <a:r>
-              <a:rPr lang="en-US" altLang="zh-CN" sz="2800" dirty="0">
-                <a:solidFill>
-                  <a:srgbClr val="005BBB"/>
-                </a:solidFill>
-                <a:latin typeface="微软雅黑" panose="020B0503020204020204" pitchFamily="34" charset="-122"/>
-                <a:ea typeface="微软雅黑" panose="020B0503020204020204" pitchFamily="34" charset="-122"/>
-                <a:cs typeface="Arial" panose="020B0604020202020204"/>
-              </a:rPr>
-              <a:t>D</a:t>
-            </a:r>
-            <a:r>
-              <a:rPr lang="zh-CN" altLang="en-US" sz="2800" dirty="0">
-                <a:solidFill>
-                  <a:srgbClr val="005BBB"/>
-                </a:solidFill>
-                <a:latin typeface="微软雅黑" panose="020B0503020204020204" pitchFamily="34" charset="-122"/>
-                <a:ea typeface="微软雅黑" panose="020B0503020204020204" pitchFamily="34" charset="-122"/>
-                <a:cs typeface="Arial" panose="020B0604020202020204"/>
-              </a:rPr>
-              <a:t>的选取方法及实验结果</a:t>
+              <a:t>火力发电汽轮机数据分析</a:t>
             </a:r>
           </a:p>
         </p:txBody>
@@ -15383,7 +17451,7 @@
           <p:cNvPr id="3" name="文本框 2">
             <a:extLst>
               <a:ext uri="{FF2B5EF4-FFF2-40B4-BE49-F238E27FC236}">
-                <a16:creationId xmlns:a16="http://schemas.microsoft.com/office/drawing/2014/main" id="{A0329CED-EF75-46DD-8443-93DCF0E6E104}"/>
+                <a16:creationId xmlns:a16="http://schemas.microsoft.com/office/drawing/2014/main" id="{93C1A658-EF7A-4270-95E8-0B8AB4471093}"/>
               </a:ext>
             </a:extLst>
           </p:cNvPr>
@@ -15393,7 +17461,7 @@
         <p:spPr>
           <a:xfrm>
             <a:off x="791210" y="1284446"/>
-            <a:ext cx="4003674" cy="400110"/>
+            <a:ext cx="5629910" cy="400110"/>
           </a:xfrm>
           <a:prstGeom prst="rect">
             <a:avLst/>
@@ -15406,13 +17474,13 @@
           </a:bodyPr>
           <a:lstStyle/>
           <a:p>
-            <a:pPr algn="l"/>
             <a:r>
               <a:rPr lang="zh-CN" altLang="en-US" sz="2000" dirty="0">
                 <a:solidFill>
                   <a:srgbClr val="2B528B"/>
                 </a:solidFill>
-                <a:latin typeface="+mn-ea"/>
+                <a:latin typeface="微软雅黑" panose="020B0503020204020204" pitchFamily="34" charset="-122"/>
+                <a:ea typeface="微软雅黑" panose="020B0503020204020204" pitchFamily="34" charset="-122"/>
               </a:rPr>
               <a:t>（</a:t>
             </a:r>
@@ -15421,7 +17489,8 @@
                 <a:solidFill>
                   <a:srgbClr val="2B528B"/>
                 </a:solidFill>
-                <a:latin typeface="+mn-ea"/>
+                <a:latin typeface="微软雅黑" panose="020B0503020204020204" pitchFamily="34" charset="-122"/>
+                <a:ea typeface="微软雅黑" panose="020B0503020204020204" pitchFamily="34" charset="-122"/>
               </a:rPr>
               <a:t>1</a:t>
             </a:r>
@@ -15430,289 +17499,993 @@
                 <a:solidFill>
                   <a:srgbClr val="2B528B"/>
                 </a:solidFill>
-                <a:latin typeface="+mn-ea"/>
-              </a:rPr>
-              <a:t>）方法介绍</a:t>
-            </a:r>
+                <a:latin typeface="微软雅黑" panose="020B0503020204020204" pitchFamily="34" charset="-122"/>
+                <a:ea typeface="微软雅黑" panose="020B0503020204020204" pitchFamily="34" charset="-122"/>
+              </a:rPr>
+              <a:t>）</a:t>
+            </a:r>
+            <a:r>
+              <a:rPr lang="en-US" altLang="zh-CN" sz="2000" dirty="0">
+                <a:solidFill>
+                  <a:srgbClr val="2B528B"/>
+                </a:solidFill>
+                <a:latin typeface="微软雅黑" panose="020B0503020204020204" pitchFamily="34" charset="-122"/>
+                <a:ea typeface="微软雅黑" panose="020B0503020204020204" pitchFamily="34" charset="-122"/>
+              </a:rPr>
+              <a:t>10</a:t>
+            </a:r>
+            <a:r>
+              <a:rPr lang="zh-CN" altLang="en-US" sz="2000" dirty="0">
+                <a:solidFill>
+                  <a:srgbClr val="2B528B"/>
+                </a:solidFill>
+                <a:latin typeface="微软雅黑" panose="020B0503020204020204" pitchFamily="34" charset="-122"/>
+                <a:ea typeface="微软雅黑" panose="020B0503020204020204" pitchFamily="34" charset="-122"/>
+              </a:rPr>
+              <a:t>维数据分析</a:t>
+            </a:r>
+            <a:r>
+              <a:rPr lang="en-US" altLang="zh-CN" sz="2000" dirty="0">
+                <a:solidFill>
+                  <a:srgbClr val="2B528B"/>
+                </a:solidFill>
+                <a:latin typeface="微软雅黑" panose="020B0503020204020204" pitchFamily="34" charset="-122"/>
+                <a:ea typeface="微软雅黑" panose="020B0503020204020204" pitchFamily="34" charset="-122"/>
+              </a:rPr>
+              <a:t>-</a:t>
+            </a:r>
+            <a:r>
+              <a:rPr lang="en-US" altLang="zh-CN" sz="2000" b="1" dirty="0">
+                <a:solidFill>
+                  <a:srgbClr val="2B528B"/>
+                </a:solidFill>
+                <a:latin typeface="微软雅黑" panose="020B0503020204020204" pitchFamily="34" charset="-122"/>
+                <a:ea typeface="微软雅黑" panose="020B0503020204020204" pitchFamily="34" charset="-122"/>
+              </a:rPr>
+              <a:t>t-SNE</a:t>
+            </a:r>
+            <a:r>
+              <a:rPr lang="zh-CN" altLang="en-US" sz="2000" b="1" dirty="0">
+                <a:solidFill>
+                  <a:srgbClr val="2B528B"/>
+                </a:solidFill>
+                <a:latin typeface="微软雅黑" panose="020B0503020204020204" pitchFamily="34" charset="-122"/>
+                <a:ea typeface="微软雅黑" panose="020B0503020204020204" pitchFamily="34" charset="-122"/>
+              </a:rPr>
+              <a:t>降维可视化</a:t>
+            </a:r>
+            <a:endParaRPr lang="en-US" altLang="zh-CN" sz="2000" b="1" dirty="0">
+              <a:solidFill>
+                <a:srgbClr val="2B528B"/>
+              </a:solidFill>
+              <a:latin typeface="微软雅黑" panose="020B0503020204020204" pitchFamily="34" charset="-122"/>
+              <a:ea typeface="微软雅黑" panose="020B0503020204020204" pitchFamily="34" charset="-122"/>
+            </a:endParaRPr>
           </a:p>
         </p:txBody>
       </p:sp>
-      <p:sp>
-        <p:nvSpPr>
-          <p:cNvPr id="4" name="文本框 3">
+      <p:grpSp>
+        <p:nvGrpSpPr>
+          <p:cNvPr id="8" name="组合 7">
             <a:extLst>
               <a:ext uri="{FF2B5EF4-FFF2-40B4-BE49-F238E27FC236}">
-                <a16:creationId xmlns:a16="http://schemas.microsoft.com/office/drawing/2014/main" id="{BA05C02B-9784-4B21-B6AC-22E64858DC39}"/>
+                <a16:creationId xmlns:a16="http://schemas.microsoft.com/office/drawing/2014/main" id="{B299596E-35AF-4A50-BA96-D52D03836849}"/>
               </a:ext>
             </a:extLst>
           </p:cNvPr>
-          <p:cNvSpPr txBox="1"/>
+          <p:cNvGrpSpPr/>
           <p:nvPr/>
-        </p:nvSpPr>
-        <p:spPr>
+        </p:nvGrpSpPr>
+        <p:grpSpPr>
           <a:xfrm>
-            <a:off x="933132" y="1790523"/>
-            <a:ext cx="10020935" cy="5067477"/>
+            <a:off x="160787" y="1877596"/>
+            <a:ext cx="11616426" cy="4533550"/>
+            <a:chOff x="292867" y="1684556"/>
+            <a:chExt cx="11616426" cy="4533550"/>
           </a:xfrm>
-          <a:prstGeom prst="rect">
-            <a:avLst/>
-          </a:prstGeom>
-          <a:noFill/>
-        </p:spPr>
-        <p:txBody>
-          <a:bodyPr wrap="square" rtlCol="0">
-            <a:spAutoFit/>
-          </a:bodyPr>
-          <a:lstStyle/>
-          <a:p>
-            <a:pPr fontAlgn="auto">
-              <a:lnSpc>
-                <a:spcPct val="150000"/>
-              </a:lnSpc>
-            </a:pPr>
-            <a:r>
-              <a:rPr lang="zh-CN" altLang="en-US" dirty="0"/>
-              <a:t>1.</a:t>
-            </a:r>
-            <a:r>
-              <a:rPr lang="zh-CN" altLang="en-US" b="1" i="1" dirty="0"/>
-              <a:t>最大最小值</a:t>
-            </a:r>
-            <a:r>
-              <a:rPr lang="zh-CN" altLang="en-US" i="1" dirty="0"/>
-              <a:t>。</a:t>
-            </a:r>
-            <a:r>
-              <a:rPr lang="zh-CN" altLang="en-US" dirty="0">
-                <a:latin typeface="宋体" panose="02010600030101010101" pitchFamily="2" charset="-122"/>
-                <a:ea typeface="宋体" panose="02010600030101010101" pitchFamily="2" charset="-122"/>
-              </a:rPr>
-              <a:t>把每个测点的最大最小值所在状态的数据均选入状态矩阵，剩余按照</a:t>
-            </a:r>
-            <a:r>
-              <a:rPr lang="en-US" altLang="zh-CN" dirty="0">
-                <a:latin typeface="宋体" panose="02010600030101010101" pitchFamily="2" charset="-122"/>
-                <a:ea typeface="宋体" panose="02010600030101010101" pitchFamily="2" charset="-122"/>
-              </a:rPr>
-              <a:t>L2</a:t>
-            </a:r>
-            <a:r>
-              <a:rPr lang="zh-CN" altLang="en-US" dirty="0">
-                <a:latin typeface="宋体" panose="02010600030101010101" pitchFamily="2" charset="-122"/>
-                <a:ea typeface="宋体" panose="02010600030101010101" pitchFamily="2" charset="-122"/>
-              </a:rPr>
-              <a:t>范数大小递减，并以</a:t>
-            </a:r>
-            <a:r>
-              <a:rPr lang="en-US" altLang="zh-CN" dirty="0">
-                <a:latin typeface="宋体" panose="02010600030101010101" pitchFamily="2" charset="-122"/>
-                <a:ea typeface="宋体" panose="02010600030101010101" pitchFamily="2" charset="-122"/>
-              </a:rPr>
-              <a:t>t</a:t>
-            </a:r>
-            <a:r>
-              <a:rPr lang="zh-CN" altLang="en-US" dirty="0">
-                <a:latin typeface="宋体" panose="02010600030101010101" pitchFamily="2" charset="-122"/>
-                <a:ea typeface="宋体" panose="02010600030101010101" pitchFamily="2" charset="-122"/>
-              </a:rPr>
-              <a:t>为因子进行抽取。</a:t>
-            </a:r>
-            <a:endParaRPr lang="en-US" altLang="zh-CN" dirty="0">
-              <a:latin typeface="宋体" panose="02010600030101010101" pitchFamily="2" charset="-122"/>
-              <a:ea typeface="宋体" panose="02010600030101010101" pitchFamily="2" charset="-122"/>
-            </a:endParaRPr>
-          </a:p>
-          <a:p>
-            <a:pPr fontAlgn="auto">
-              <a:lnSpc>
-                <a:spcPct val="150000"/>
-              </a:lnSpc>
-            </a:pPr>
-            <a:endParaRPr lang="zh-CN" altLang="en-US" dirty="0">
-              <a:latin typeface="宋体" panose="02010600030101010101" pitchFamily="2" charset="-122"/>
-              <a:ea typeface="宋体" panose="02010600030101010101" pitchFamily="2" charset="-122"/>
-            </a:endParaRPr>
-          </a:p>
-          <a:p>
-            <a:pPr fontAlgn="auto">
-              <a:lnSpc>
-                <a:spcPct val="150000"/>
-              </a:lnSpc>
-            </a:pPr>
-            <a:r>
-              <a:rPr lang="zh-CN" altLang="en-US" dirty="0"/>
-              <a:t>2.</a:t>
-            </a:r>
-            <a:r>
-              <a:rPr lang="zh-CN" altLang="en-US" b="1" i="1" dirty="0"/>
-              <a:t>几何中值</a:t>
-            </a:r>
-            <a:r>
-              <a:rPr lang="zh-CN" altLang="en-US" i="1" dirty="0"/>
-              <a:t>。</a:t>
-            </a:r>
-            <a:r>
-              <a:rPr lang="zh-CN" altLang="en-US" dirty="0">
-                <a:latin typeface="宋体" panose="02010600030101010101" pitchFamily="2" charset="-122"/>
-                <a:ea typeface="宋体" panose="02010600030101010101" pitchFamily="2" charset="-122"/>
-              </a:rPr>
-              <a:t>选择矩阵的几何中值作为初始状态，将剩余的状态与当前选定元素进行比较，若差值小于阈值则选入</a:t>
-            </a:r>
-            <a:r>
-              <a:rPr lang="en-US" altLang="zh-CN" dirty="0">
-                <a:latin typeface="宋体" panose="02010600030101010101" pitchFamily="2" charset="-122"/>
-                <a:ea typeface="宋体" panose="02010600030101010101" pitchFamily="2" charset="-122"/>
-              </a:rPr>
-              <a:t>D</a:t>
-            </a:r>
-            <a:r>
-              <a:rPr lang="zh-CN" altLang="en-US" dirty="0">
-                <a:latin typeface="宋体" panose="02010600030101010101" pitchFamily="2" charset="-122"/>
-                <a:ea typeface="宋体" panose="02010600030101010101" pitchFamily="2" charset="-122"/>
-              </a:rPr>
-              <a:t>中。</a:t>
-            </a:r>
-            <a:endParaRPr lang="en-US" altLang="zh-CN" dirty="0">
-              <a:latin typeface="宋体" panose="02010600030101010101" pitchFamily="2" charset="-122"/>
-              <a:ea typeface="宋体" panose="02010600030101010101" pitchFamily="2" charset="-122"/>
-            </a:endParaRPr>
-          </a:p>
-          <a:p>
-            <a:pPr fontAlgn="auto">
-              <a:lnSpc>
-                <a:spcPct val="150000"/>
-              </a:lnSpc>
-            </a:pPr>
-            <a:endParaRPr lang="zh-CN" altLang="en-US" dirty="0"/>
-          </a:p>
-          <a:p>
-            <a:pPr fontAlgn="auto">
-              <a:lnSpc>
-                <a:spcPct val="150000"/>
-              </a:lnSpc>
-            </a:pPr>
-            <a:r>
-              <a:rPr lang="zh-CN" altLang="en-US" dirty="0"/>
-              <a:t>3.</a:t>
-            </a:r>
-            <a:r>
-              <a:rPr lang="en-US" altLang="zh-CN" b="1" i="1" dirty="0"/>
-              <a:t>K-Means</a:t>
-            </a:r>
-            <a:r>
-              <a:rPr lang="zh-CN" altLang="en-US" b="1" i="1" dirty="0"/>
-              <a:t>聚类</a:t>
-            </a:r>
-            <a:r>
-              <a:rPr lang="zh-CN" altLang="en-US" i="1" dirty="0"/>
-              <a:t>。</a:t>
-            </a:r>
-            <a:r>
-              <a:rPr lang="zh-CN" altLang="en-US" dirty="0">
-                <a:latin typeface="宋体" panose="02010600030101010101" pitchFamily="2" charset="-122"/>
-                <a:ea typeface="宋体" panose="02010600030101010101" pitchFamily="2" charset="-122"/>
-              </a:rPr>
-              <a:t>从数据集中随机选择</a:t>
-            </a:r>
-            <a:r>
-              <a:rPr lang="en-US" altLang="zh-CN" dirty="0">
-                <a:latin typeface="宋体" panose="02010600030101010101" pitchFamily="2" charset="-122"/>
-                <a:ea typeface="宋体" panose="02010600030101010101" pitchFamily="2" charset="-122"/>
-              </a:rPr>
-              <a:t>k</a:t>
-            </a:r>
-            <a:r>
-              <a:rPr lang="zh-CN" altLang="en-US" dirty="0">
-                <a:latin typeface="宋体" panose="02010600030101010101" pitchFamily="2" charset="-122"/>
-                <a:ea typeface="宋体" panose="02010600030101010101" pitchFamily="2" charset="-122"/>
-              </a:rPr>
-              <a:t>个数据点作为质心，计算每一个点与每一个质心的距离，并划分到最近的质心所属的集合中，然后重新计算每个集合的质心得到矩阵</a:t>
-            </a:r>
-            <a:r>
-              <a:rPr lang="en-US" altLang="zh-CN" dirty="0">
-                <a:latin typeface="宋体" panose="02010600030101010101" pitchFamily="2" charset="-122"/>
-                <a:ea typeface="宋体" panose="02010600030101010101" pitchFamily="2" charset="-122"/>
-              </a:rPr>
-              <a:t>D</a:t>
-            </a:r>
-            <a:r>
-              <a:rPr lang="zh-CN" altLang="en-US" dirty="0">
-                <a:latin typeface="宋体" panose="02010600030101010101" pitchFamily="2" charset="-122"/>
-                <a:ea typeface="宋体" panose="02010600030101010101" pitchFamily="2" charset="-122"/>
-              </a:rPr>
-              <a:t>。</a:t>
-            </a:r>
-            <a:endParaRPr lang="en-US" altLang="zh-CN" dirty="0">
-              <a:latin typeface="宋体" panose="02010600030101010101" pitchFamily="2" charset="-122"/>
-              <a:ea typeface="宋体" panose="02010600030101010101" pitchFamily="2" charset="-122"/>
-            </a:endParaRPr>
-          </a:p>
-          <a:p>
-            <a:pPr fontAlgn="auto">
-              <a:lnSpc>
-                <a:spcPct val="150000"/>
-              </a:lnSpc>
-            </a:pPr>
-            <a:endParaRPr lang="en-US" altLang="zh-CN" dirty="0"/>
-          </a:p>
-          <a:p>
-            <a:pPr>
-              <a:lnSpc>
-                <a:spcPct val="150000"/>
-              </a:lnSpc>
-            </a:pPr>
-            <a:r>
-              <a:rPr lang="en-US" altLang="zh-CN" dirty="0"/>
-              <a:t>4</a:t>
-            </a:r>
-            <a:r>
-              <a:rPr lang="zh-CN" altLang="en-US" dirty="0"/>
-              <a:t>.</a:t>
-            </a:r>
-            <a:r>
-              <a:rPr lang="zh-CN" altLang="en-US" b="1" i="1" dirty="0"/>
-              <a:t>相似度最小填充</a:t>
-            </a:r>
-            <a:r>
-              <a:rPr lang="zh-CN" altLang="en-US" i="1" dirty="0"/>
-              <a:t>。</a:t>
-            </a:r>
-            <a:r>
-              <a:rPr lang="zh-CN" altLang="en-US" dirty="0">
-                <a:latin typeface="宋体" panose="02010600030101010101" pitchFamily="2" charset="-122"/>
-                <a:ea typeface="宋体" panose="02010600030101010101" pitchFamily="2" charset="-122"/>
-              </a:rPr>
-              <a:t>随机选取一个点作为初始状态，将剩余的状态与当前选定元素进行比较，每次选取相似度最小（即</a:t>
-            </a:r>
-            <a:r>
-              <a:rPr lang="en-US" altLang="zh-CN" dirty="0">
-                <a:latin typeface="宋体" panose="02010600030101010101" pitchFamily="2" charset="-122"/>
-                <a:ea typeface="宋体" panose="02010600030101010101" pitchFamily="2" charset="-122"/>
-              </a:rPr>
-              <a:t>res</a:t>
-            </a:r>
-            <a:r>
-              <a:rPr lang="zh-CN" altLang="en-US" dirty="0">
-                <a:latin typeface="宋体" panose="02010600030101010101" pitchFamily="2" charset="-122"/>
-                <a:ea typeface="宋体" panose="02010600030101010101" pitchFamily="2" charset="-122"/>
-              </a:rPr>
-              <a:t>值最大）的点。</a:t>
-            </a:r>
-          </a:p>
-          <a:p>
-            <a:pPr fontAlgn="auto">
-              <a:lnSpc>
-                <a:spcPct val="150000"/>
-              </a:lnSpc>
-            </a:pPr>
-            <a:endParaRPr lang="zh-CN" altLang="en-US" sz="2000" dirty="0"/>
-          </a:p>
-        </p:txBody>
-      </p:sp>
+        </p:grpSpPr>
+        <p:pic>
+          <p:nvPicPr>
+            <p:cNvPr id="4" name="图片 3">
+              <a:extLst>
+                <a:ext uri="{FF2B5EF4-FFF2-40B4-BE49-F238E27FC236}">
+                  <a16:creationId xmlns:a16="http://schemas.microsoft.com/office/drawing/2014/main" id="{04A5FA42-E7BB-493C-BF0E-A822DAEEE9D1}"/>
+                </a:ext>
+              </a:extLst>
+            </p:cNvPr>
+            <p:cNvPicPr>
+              <a:picLocks noChangeAspect="1"/>
+            </p:cNvPicPr>
+            <p:nvPr/>
+          </p:nvPicPr>
+          <p:blipFill>
+            <a:blip r:embed="rId3">
+              <a:extLst>
+                <a:ext uri="{28A0092B-C50C-407E-A947-70E740481C1C}">
+                  <a14:useLocalDpi xmlns:a14="http://schemas.microsoft.com/office/drawing/2010/main" val="0"/>
+                </a:ext>
+              </a:extLst>
+            </a:blip>
+            <a:stretch>
+              <a:fillRect/>
+            </a:stretch>
+          </p:blipFill>
+          <p:spPr>
+            <a:xfrm>
+              <a:off x="292867" y="1684556"/>
+              <a:ext cx="11606266" cy="4533550"/>
+            </a:xfrm>
+            <a:prstGeom prst="rect">
+              <a:avLst/>
+            </a:prstGeom>
+          </p:spPr>
+        </p:pic>
+        <p:cxnSp>
+          <p:nvCxnSpPr>
+            <p:cNvPr id="7" name="直接连接符 6">
+              <a:extLst>
+                <a:ext uri="{FF2B5EF4-FFF2-40B4-BE49-F238E27FC236}">
+                  <a16:creationId xmlns:a16="http://schemas.microsoft.com/office/drawing/2014/main" id="{94A6D3DA-CB99-4C1B-B4D4-1F8B2C85865B}"/>
+                </a:ext>
+              </a:extLst>
+            </p:cNvPr>
+            <p:cNvCxnSpPr/>
+            <p:nvPr/>
+          </p:nvCxnSpPr>
+          <p:spPr>
+            <a:xfrm>
+              <a:off x="599440" y="5821680"/>
+              <a:ext cx="11299693" cy="0"/>
+            </a:xfrm>
+            <a:prstGeom prst="line">
+              <a:avLst/>
+            </a:prstGeom>
+            <a:ln w="19050">
+              <a:solidFill>
+                <a:srgbClr val="FF0000"/>
+              </a:solidFill>
+            </a:ln>
+          </p:spPr>
+          <p:style>
+            <a:lnRef idx="1">
+              <a:schemeClr val="accent1"/>
+            </a:lnRef>
+            <a:fillRef idx="0">
+              <a:schemeClr val="accent1"/>
+            </a:fillRef>
+            <a:effectRef idx="0">
+              <a:schemeClr val="accent1"/>
+            </a:effectRef>
+            <a:fontRef idx="minor">
+              <a:schemeClr val="tx1"/>
+            </a:fontRef>
+          </p:style>
+        </p:cxnSp>
+        <p:cxnSp>
+          <p:nvCxnSpPr>
+            <p:cNvPr id="24" name="直接连接符 23">
+              <a:extLst>
+                <a:ext uri="{FF2B5EF4-FFF2-40B4-BE49-F238E27FC236}">
+                  <a16:creationId xmlns:a16="http://schemas.microsoft.com/office/drawing/2014/main" id="{809E11E0-3A85-4016-9F60-045D3FCB2FFB}"/>
+                </a:ext>
+              </a:extLst>
+            </p:cNvPr>
+            <p:cNvCxnSpPr/>
+            <p:nvPr/>
+          </p:nvCxnSpPr>
+          <p:spPr>
+            <a:xfrm>
+              <a:off x="599440" y="4602480"/>
+              <a:ext cx="11299693" cy="0"/>
+            </a:xfrm>
+            <a:prstGeom prst="line">
+              <a:avLst/>
+            </a:prstGeom>
+            <a:ln w="19050">
+              <a:solidFill>
+                <a:srgbClr val="FF0000"/>
+              </a:solidFill>
+            </a:ln>
+          </p:spPr>
+          <p:style>
+            <a:lnRef idx="1">
+              <a:schemeClr val="accent1"/>
+            </a:lnRef>
+            <a:fillRef idx="0">
+              <a:schemeClr val="accent1"/>
+            </a:fillRef>
+            <a:effectRef idx="0">
+              <a:schemeClr val="accent1"/>
+            </a:effectRef>
+            <a:fontRef idx="minor">
+              <a:schemeClr val="tx1"/>
+            </a:fontRef>
+          </p:style>
+        </p:cxnSp>
+        <p:cxnSp>
+          <p:nvCxnSpPr>
+            <p:cNvPr id="26" name="直接连接符 25">
+              <a:extLst>
+                <a:ext uri="{FF2B5EF4-FFF2-40B4-BE49-F238E27FC236}">
+                  <a16:creationId xmlns:a16="http://schemas.microsoft.com/office/drawing/2014/main" id="{9443C4F7-A41B-49DE-8576-77A6C8B7979C}"/>
+                </a:ext>
+              </a:extLst>
+            </p:cNvPr>
+            <p:cNvCxnSpPr/>
+            <p:nvPr/>
+          </p:nvCxnSpPr>
+          <p:spPr>
+            <a:xfrm>
+              <a:off x="609600" y="5648960"/>
+              <a:ext cx="11299693" cy="0"/>
+            </a:xfrm>
+            <a:prstGeom prst="line">
+              <a:avLst/>
+            </a:prstGeom>
+            <a:ln w="19050">
+              <a:solidFill>
+                <a:srgbClr val="FF0000"/>
+              </a:solidFill>
+            </a:ln>
+          </p:spPr>
+          <p:style>
+            <a:lnRef idx="1">
+              <a:schemeClr val="accent1"/>
+            </a:lnRef>
+            <a:fillRef idx="0">
+              <a:schemeClr val="accent1"/>
+            </a:fillRef>
+            <a:effectRef idx="0">
+              <a:schemeClr val="accent1"/>
+            </a:effectRef>
+            <a:fontRef idx="minor">
+              <a:schemeClr val="tx1"/>
+            </a:fontRef>
+          </p:style>
+        </p:cxnSp>
+        <p:cxnSp>
+          <p:nvCxnSpPr>
+            <p:cNvPr id="28" name="直接连接符 27">
+              <a:extLst>
+                <a:ext uri="{FF2B5EF4-FFF2-40B4-BE49-F238E27FC236}">
+                  <a16:creationId xmlns:a16="http://schemas.microsoft.com/office/drawing/2014/main" id="{8A7EE631-7CDC-47E9-96B2-FFADCF41BDC9}"/>
+                </a:ext>
+              </a:extLst>
+            </p:cNvPr>
+            <p:cNvCxnSpPr/>
+            <p:nvPr/>
+          </p:nvCxnSpPr>
+          <p:spPr>
+            <a:xfrm>
+              <a:off x="599440" y="5354320"/>
+              <a:ext cx="11299693" cy="0"/>
+            </a:xfrm>
+            <a:prstGeom prst="line">
+              <a:avLst/>
+            </a:prstGeom>
+            <a:ln w="19050">
+              <a:solidFill>
+                <a:srgbClr val="FF0000"/>
+              </a:solidFill>
+            </a:ln>
+          </p:spPr>
+          <p:style>
+            <a:lnRef idx="1">
+              <a:schemeClr val="accent1"/>
+            </a:lnRef>
+            <a:fillRef idx="0">
+              <a:schemeClr val="accent1"/>
+            </a:fillRef>
+            <a:effectRef idx="0">
+              <a:schemeClr val="accent1"/>
+            </a:effectRef>
+            <a:fontRef idx="minor">
+              <a:schemeClr val="tx1"/>
+            </a:fontRef>
+          </p:style>
+        </p:cxnSp>
+        <p:cxnSp>
+          <p:nvCxnSpPr>
+            <p:cNvPr id="30" name="直接连接符 29">
+              <a:extLst>
+                <a:ext uri="{FF2B5EF4-FFF2-40B4-BE49-F238E27FC236}">
+                  <a16:creationId xmlns:a16="http://schemas.microsoft.com/office/drawing/2014/main" id="{C9BADDEC-1E61-4EF9-9F62-EED754A1EF6E}"/>
+                </a:ext>
+              </a:extLst>
+            </p:cNvPr>
+            <p:cNvCxnSpPr/>
+            <p:nvPr/>
+          </p:nvCxnSpPr>
+          <p:spPr>
+            <a:xfrm>
+              <a:off x="609600" y="5212080"/>
+              <a:ext cx="11299693" cy="0"/>
+            </a:xfrm>
+            <a:prstGeom prst="line">
+              <a:avLst/>
+            </a:prstGeom>
+            <a:ln w="19050">
+              <a:solidFill>
+                <a:srgbClr val="FF0000"/>
+              </a:solidFill>
+            </a:ln>
+          </p:spPr>
+          <p:style>
+            <a:lnRef idx="1">
+              <a:schemeClr val="accent1"/>
+            </a:lnRef>
+            <a:fillRef idx="0">
+              <a:schemeClr val="accent1"/>
+            </a:fillRef>
+            <a:effectRef idx="0">
+              <a:schemeClr val="accent1"/>
+            </a:effectRef>
+            <a:fontRef idx="minor">
+              <a:schemeClr val="tx1"/>
+            </a:fontRef>
+          </p:style>
+        </p:cxnSp>
+        <p:cxnSp>
+          <p:nvCxnSpPr>
+            <p:cNvPr id="33" name="直接连接符 32">
+              <a:extLst>
+                <a:ext uri="{FF2B5EF4-FFF2-40B4-BE49-F238E27FC236}">
+                  <a16:creationId xmlns:a16="http://schemas.microsoft.com/office/drawing/2014/main" id="{287CF6AF-CFF4-4818-B499-662B420A4F0A}"/>
+                </a:ext>
+              </a:extLst>
+            </p:cNvPr>
+            <p:cNvCxnSpPr/>
+            <p:nvPr/>
+          </p:nvCxnSpPr>
+          <p:spPr>
+            <a:xfrm>
+              <a:off x="599440" y="5029200"/>
+              <a:ext cx="11299693" cy="0"/>
+            </a:xfrm>
+            <a:prstGeom prst="line">
+              <a:avLst/>
+            </a:prstGeom>
+            <a:ln w="19050">
+              <a:solidFill>
+                <a:srgbClr val="FF0000"/>
+              </a:solidFill>
+            </a:ln>
+          </p:spPr>
+          <p:style>
+            <a:lnRef idx="1">
+              <a:schemeClr val="accent1"/>
+            </a:lnRef>
+            <a:fillRef idx="0">
+              <a:schemeClr val="accent1"/>
+            </a:fillRef>
+            <a:effectRef idx="0">
+              <a:schemeClr val="accent1"/>
+            </a:effectRef>
+            <a:fontRef idx="minor">
+              <a:schemeClr val="tx1"/>
+            </a:fontRef>
+          </p:style>
+        </p:cxnSp>
+        <p:cxnSp>
+          <p:nvCxnSpPr>
+            <p:cNvPr id="34" name="直接连接符 33">
+              <a:extLst>
+                <a:ext uri="{FF2B5EF4-FFF2-40B4-BE49-F238E27FC236}">
+                  <a16:creationId xmlns:a16="http://schemas.microsoft.com/office/drawing/2014/main" id="{1E97C9B4-1836-42A9-8F4A-A116DC828A25}"/>
+                </a:ext>
+              </a:extLst>
+            </p:cNvPr>
+            <p:cNvCxnSpPr/>
+            <p:nvPr/>
+          </p:nvCxnSpPr>
+          <p:spPr>
+            <a:xfrm>
+              <a:off x="599440" y="4846320"/>
+              <a:ext cx="11299693" cy="0"/>
+            </a:xfrm>
+            <a:prstGeom prst="line">
+              <a:avLst/>
+            </a:prstGeom>
+            <a:ln w="19050">
+              <a:solidFill>
+                <a:srgbClr val="FF0000"/>
+              </a:solidFill>
+            </a:ln>
+          </p:spPr>
+          <p:style>
+            <a:lnRef idx="1">
+              <a:schemeClr val="accent1"/>
+            </a:lnRef>
+            <a:fillRef idx="0">
+              <a:schemeClr val="accent1"/>
+            </a:fillRef>
+            <a:effectRef idx="0">
+              <a:schemeClr val="accent1"/>
+            </a:effectRef>
+            <a:fontRef idx="minor">
+              <a:schemeClr val="tx1"/>
+            </a:fontRef>
+          </p:style>
+        </p:cxnSp>
+        <p:cxnSp>
+          <p:nvCxnSpPr>
+            <p:cNvPr id="35" name="直接连接符 34">
+              <a:extLst>
+                <a:ext uri="{FF2B5EF4-FFF2-40B4-BE49-F238E27FC236}">
+                  <a16:creationId xmlns:a16="http://schemas.microsoft.com/office/drawing/2014/main" id="{F467FA63-CA6D-4324-9F4F-9DE03C939819}"/>
+                </a:ext>
+              </a:extLst>
+            </p:cNvPr>
+            <p:cNvCxnSpPr/>
+            <p:nvPr/>
+          </p:nvCxnSpPr>
+          <p:spPr>
+            <a:xfrm>
+              <a:off x="599440" y="4267200"/>
+              <a:ext cx="11299693" cy="0"/>
+            </a:xfrm>
+            <a:prstGeom prst="line">
+              <a:avLst/>
+            </a:prstGeom>
+            <a:ln w="19050">
+              <a:solidFill>
+                <a:srgbClr val="FF0000"/>
+              </a:solidFill>
+            </a:ln>
+          </p:spPr>
+          <p:style>
+            <a:lnRef idx="1">
+              <a:schemeClr val="accent1"/>
+            </a:lnRef>
+            <a:fillRef idx="0">
+              <a:schemeClr val="accent1"/>
+            </a:fillRef>
+            <a:effectRef idx="0">
+              <a:schemeClr val="accent1"/>
+            </a:effectRef>
+            <a:fontRef idx="minor">
+              <a:schemeClr val="tx1"/>
+            </a:fontRef>
+          </p:style>
+        </p:cxnSp>
+        <p:cxnSp>
+          <p:nvCxnSpPr>
+            <p:cNvPr id="36" name="直接连接符 35">
+              <a:extLst>
+                <a:ext uri="{FF2B5EF4-FFF2-40B4-BE49-F238E27FC236}">
+                  <a16:creationId xmlns:a16="http://schemas.microsoft.com/office/drawing/2014/main" id="{F8D41936-62A2-405B-847D-F73D3318182B}"/>
+                </a:ext>
+              </a:extLst>
+            </p:cNvPr>
+            <p:cNvCxnSpPr/>
+            <p:nvPr/>
+          </p:nvCxnSpPr>
+          <p:spPr>
+            <a:xfrm>
+              <a:off x="599440" y="4114800"/>
+              <a:ext cx="11299693" cy="0"/>
+            </a:xfrm>
+            <a:prstGeom prst="line">
+              <a:avLst/>
+            </a:prstGeom>
+            <a:ln w="19050">
+              <a:solidFill>
+                <a:srgbClr val="FF0000"/>
+              </a:solidFill>
+            </a:ln>
+          </p:spPr>
+          <p:style>
+            <a:lnRef idx="1">
+              <a:schemeClr val="accent1"/>
+            </a:lnRef>
+            <a:fillRef idx="0">
+              <a:schemeClr val="accent1"/>
+            </a:fillRef>
+            <a:effectRef idx="0">
+              <a:schemeClr val="accent1"/>
+            </a:effectRef>
+            <a:fontRef idx="minor">
+              <a:schemeClr val="tx1"/>
+            </a:fontRef>
+          </p:style>
+        </p:cxnSp>
+        <p:cxnSp>
+          <p:nvCxnSpPr>
+            <p:cNvPr id="37" name="直接连接符 36">
+              <a:extLst>
+                <a:ext uri="{FF2B5EF4-FFF2-40B4-BE49-F238E27FC236}">
+                  <a16:creationId xmlns:a16="http://schemas.microsoft.com/office/drawing/2014/main" id="{715D95D7-0990-4B45-B2AF-B7E087FCF29C}"/>
+                </a:ext>
+              </a:extLst>
+            </p:cNvPr>
+            <p:cNvCxnSpPr/>
+            <p:nvPr/>
+          </p:nvCxnSpPr>
+          <p:spPr>
+            <a:xfrm>
+              <a:off x="609600" y="3779520"/>
+              <a:ext cx="11299693" cy="0"/>
+            </a:xfrm>
+            <a:prstGeom prst="line">
+              <a:avLst/>
+            </a:prstGeom>
+            <a:ln w="19050">
+              <a:solidFill>
+                <a:srgbClr val="FF0000"/>
+              </a:solidFill>
+            </a:ln>
+          </p:spPr>
+          <p:style>
+            <a:lnRef idx="1">
+              <a:schemeClr val="accent1"/>
+            </a:lnRef>
+            <a:fillRef idx="0">
+              <a:schemeClr val="accent1"/>
+            </a:fillRef>
+            <a:effectRef idx="0">
+              <a:schemeClr val="accent1"/>
+            </a:effectRef>
+            <a:fontRef idx="minor">
+              <a:schemeClr val="tx1"/>
+            </a:fontRef>
+          </p:style>
+        </p:cxnSp>
+        <p:cxnSp>
+          <p:nvCxnSpPr>
+            <p:cNvPr id="38" name="直接连接符 37">
+              <a:extLst>
+                <a:ext uri="{FF2B5EF4-FFF2-40B4-BE49-F238E27FC236}">
+                  <a16:creationId xmlns:a16="http://schemas.microsoft.com/office/drawing/2014/main" id="{15AF8E7E-530D-424A-81E9-50870F5CCD41}"/>
+                </a:ext>
+              </a:extLst>
+            </p:cNvPr>
+            <p:cNvCxnSpPr/>
+            <p:nvPr/>
+          </p:nvCxnSpPr>
+          <p:spPr>
+            <a:xfrm>
+              <a:off x="599440" y="3616960"/>
+              <a:ext cx="11299693" cy="0"/>
+            </a:xfrm>
+            <a:prstGeom prst="line">
+              <a:avLst/>
+            </a:prstGeom>
+            <a:ln w="19050">
+              <a:solidFill>
+                <a:srgbClr val="FF0000"/>
+              </a:solidFill>
+            </a:ln>
+          </p:spPr>
+          <p:style>
+            <a:lnRef idx="1">
+              <a:schemeClr val="accent1"/>
+            </a:lnRef>
+            <a:fillRef idx="0">
+              <a:schemeClr val="accent1"/>
+            </a:fillRef>
+            <a:effectRef idx="0">
+              <a:schemeClr val="accent1"/>
+            </a:effectRef>
+            <a:fontRef idx="minor">
+              <a:schemeClr val="tx1"/>
+            </a:fontRef>
+          </p:style>
+        </p:cxnSp>
+        <p:cxnSp>
+          <p:nvCxnSpPr>
+            <p:cNvPr id="40" name="直接连接符 39">
+              <a:extLst>
+                <a:ext uri="{FF2B5EF4-FFF2-40B4-BE49-F238E27FC236}">
+                  <a16:creationId xmlns:a16="http://schemas.microsoft.com/office/drawing/2014/main" id="{EB4003B0-6C73-4F40-B8B1-C8DC0AF45915}"/>
+                </a:ext>
+              </a:extLst>
+            </p:cNvPr>
+            <p:cNvCxnSpPr/>
+            <p:nvPr/>
+          </p:nvCxnSpPr>
+          <p:spPr>
+            <a:xfrm>
+              <a:off x="599440" y="3434080"/>
+              <a:ext cx="11299693" cy="0"/>
+            </a:xfrm>
+            <a:prstGeom prst="line">
+              <a:avLst/>
+            </a:prstGeom>
+            <a:ln w="19050">
+              <a:solidFill>
+                <a:srgbClr val="FF0000"/>
+              </a:solidFill>
+            </a:ln>
+          </p:spPr>
+          <p:style>
+            <a:lnRef idx="1">
+              <a:schemeClr val="accent1"/>
+            </a:lnRef>
+            <a:fillRef idx="0">
+              <a:schemeClr val="accent1"/>
+            </a:fillRef>
+            <a:effectRef idx="0">
+              <a:schemeClr val="accent1"/>
+            </a:effectRef>
+            <a:fontRef idx="minor">
+              <a:schemeClr val="tx1"/>
+            </a:fontRef>
+          </p:style>
+        </p:cxnSp>
+        <p:cxnSp>
+          <p:nvCxnSpPr>
+            <p:cNvPr id="41" name="直接连接符 40">
+              <a:extLst>
+                <a:ext uri="{FF2B5EF4-FFF2-40B4-BE49-F238E27FC236}">
+                  <a16:creationId xmlns:a16="http://schemas.microsoft.com/office/drawing/2014/main" id="{0EC66F46-BECA-4D21-8D87-EB650F67CB3C}"/>
+                </a:ext>
+              </a:extLst>
+            </p:cNvPr>
+            <p:cNvCxnSpPr/>
+            <p:nvPr/>
+          </p:nvCxnSpPr>
+          <p:spPr>
+            <a:xfrm>
+              <a:off x="589280" y="3271520"/>
+              <a:ext cx="11299693" cy="0"/>
+            </a:xfrm>
+            <a:prstGeom prst="line">
+              <a:avLst/>
+            </a:prstGeom>
+            <a:ln w="19050">
+              <a:solidFill>
+                <a:srgbClr val="FF0000"/>
+              </a:solidFill>
+            </a:ln>
+          </p:spPr>
+          <p:style>
+            <a:lnRef idx="1">
+              <a:schemeClr val="accent1"/>
+            </a:lnRef>
+            <a:fillRef idx="0">
+              <a:schemeClr val="accent1"/>
+            </a:fillRef>
+            <a:effectRef idx="0">
+              <a:schemeClr val="accent1"/>
+            </a:effectRef>
+            <a:fontRef idx="minor">
+              <a:schemeClr val="tx1"/>
+            </a:fontRef>
+          </p:style>
+        </p:cxnSp>
+        <p:cxnSp>
+          <p:nvCxnSpPr>
+            <p:cNvPr id="47" name="直接连接符 46">
+              <a:extLst>
+                <a:ext uri="{FF2B5EF4-FFF2-40B4-BE49-F238E27FC236}">
+                  <a16:creationId xmlns:a16="http://schemas.microsoft.com/office/drawing/2014/main" id="{BA180F8D-E276-4DC9-8CF3-1C76D458CEB3}"/>
+                </a:ext>
+              </a:extLst>
+            </p:cNvPr>
+            <p:cNvCxnSpPr/>
+            <p:nvPr/>
+          </p:nvCxnSpPr>
+          <p:spPr>
+            <a:xfrm>
+              <a:off x="609600" y="1991360"/>
+              <a:ext cx="11299693" cy="0"/>
+            </a:xfrm>
+            <a:prstGeom prst="line">
+              <a:avLst/>
+            </a:prstGeom>
+            <a:ln w="19050">
+              <a:solidFill>
+                <a:srgbClr val="FF0000"/>
+              </a:solidFill>
+            </a:ln>
+          </p:spPr>
+          <p:style>
+            <a:lnRef idx="1">
+              <a:schemeClr val="accent1"/>
+            </a:lnRef>
+            <a:fillRef idx="0">
+              <a:schemeClr val="accent1"/>
+            </a:fillRef>
+            <a:effectRef idx="0">
+              <a:schemeClr val="accent1"/>
+            </a:effectRef>
+            <a:fontRef idx="minor">
+              <a:schemeClr val="tx1"/>
+            </a:fontRef>
+          </p:style>
+        </p:cxnSp>
+        <p:cxnSp>
+          <p:nvCxnSpPr>
+            <p:cNvPr id="48" name="直接连接符 47">
+              <a:extLst>
+                <a:ext uri="{FF2B5EF4-FFF2-40B4-BE49-F238E27FC236}">
+                  <a16:creationId xmlns:a16="http://schemas.microsoft.com/office/drawing/2014/main" id="{F565B084-069B-4307-967B-75D94C04D3E6}"/>
+                </a:ext>
+              </a:extLst>
+            </p:cNvPr>
+            <p:cNvCxnSpPr/>
+            <p:nvPr/>
+          </p:nvCxnSpPr>
+          <p:spPr>
+            <a:xfrm>
+              <a:off x="609600" y="2123440"/>
+              <a:ext cx="11299693" cy="0"/>
+            </a:xfrm>
+            <a:prstGeom prst="line">
+              <a:avLst/>
+            </a:prstGeom>
+            <a:ln w="19050">
+              <a:solidFill>
+                <a:srgbClr val="FF0000"/>
+              </a:solidFill>
+            </a:ln>
+          </p:spPr>
+          <p:style>
+            <a:lnRef idx="1">
+              <a:schemeClr val="accent1"/>
+            </a:lnRef>
+            <a:fillRef idx="0">
+              <a:schemeClr val="accent1"/>
+            </a:fillRef>
+            <a:effectRef idx="0">
+              <a:schemeClr val="accent1"/>
+            </a:effectRef>
+            <a:fontRef idx="minor">
+              <a:schemeClr val="tx1"/>
+            </a:fontRef>
+          </p:style>
+        </p:cxnSp>
+        <p:cxnSp>
+          <p:nvCxnSpPr>
+            <p:cNvPr id="49" name="直接连接符 48">
+              <a:extLst>
+                <a:ext uri="{FF2B5EF4-FFF2-40B4-BE49-F238E27FC236}">
+                  <a16:creationId xmlns:a16="http://schemas.microsoft.com/office/drawing/2014/main" id="{05475A00-E4FF-4470-BA3E-10B2A22ABCAF}"/>
+                </a:ext>
+              </a:extLst>
+            </p:cNvPr>
+            <p:cNvCxnSpPr/>
+            <p:nvPr/>
+          </p:nvCxnSpPr>
+          <p:spPr>
+            <a:xfrm>
+              <a:off x="599440" y="2255520"/>
+              <a:ext cx="11299693" cy="0"/>
+            </a:xfrm>
+            <a:prstGeom prst="line">
+              <a:avLst/>
+            </a:prstGeom>
+            <a:ln w="19050">
+              <a:solidFill>
+                <a:srgbClr val="FF0000"/>
+              </a:solidFill>
+            </a:ln>
+          </p:spPr>
+          <p:style>
+            <a:lnRef idx="1">
+              <a:schemeClr val="accent1"/>
+            </a:lnRef>
+            <a:fillRef idx="0">
+              <a:schemeClr val="accent1"/>
+            </a:fillRef>
+            <a:effectRef idx="0">
+              <a:schemeClr val="accent1"/>
+            </a:effectRef>
+            <a:fontRef idx="minor">
+              <a:schemeClr val="tx1"/>
+            </a:fontRef>
+          </p:style>
+        </p:cxnSp>
+        <p:cxnSp>
+          <p:nvCxnSpPr>
+            <p:cNvPr id="50" name="直接连接符 49">
+              <a:extLst>
+                <a:ext uri="{FF2B5EF4-FFF2-40B4-BE49-F238E27FC236}">
+                  <a16:creationId xmlns:a16="http://schemas.microsoft.com/office/drawing/2014/main" id="{E9EC69CE-BA00-41D7-8FC7-449ABC1D489A}"/>
+                </a:ext>
+              </a:extLst>
+            </p:cNvPr>
+            <p:cNvCxnSpPr/>
+            <p:nvPr/>
+          </p:nvCxnSpPr>
+          <p:spPr>
+            <a:xfrm>
+              <a:off x="589280" y="2387600"/>
+              <a:ext cx="11299693" cy="0"/>
+            </a:xfrm>
+            <a:prstGeom prst="line">
+              <a:avLst/>
+            </a:prstGeom>
+            <a:ln w="19050">
+              <a:solidFill>
+                <a:srgbClr val="FF0000"/>
+              </a:solidFill>
+            </a:ln>
+          </p:spPr>
+          <p:style>
+            <a:lnRef idx="1">
+              <a:schemeClr val="accent1"/>
+            </a:lnRef>
+            <a:fillRef idx="0">
+              <a:schemeClr val="accent1"/>
+            </a:fillRef>
+            <a:effectRef idx="0">
+              <a:schemeClr val="accent1"/>
+            </a:effectRef>
+            <a:fontRef idx="minor">
+              <a:schemeClr val="tx1"/>
+            </a:fontRef>
+          </p:style>
+        </p:cxnSp>
+        <p:cxnSp>
+          <p:nvCxnSpPr>
+            <p:cNvPr id="51" name="直接连接符 50">
+              <a:extLst>
+                <a:ext uri="{FF2B5EF4-FFF2-40B4-BE49-F238E27FC236}">
+                  <a16:creationId xmlns:a16="http://schemas.microsoft.com/office/drawing/2014/main" id="{E1134CAE-ECDB-4FDE-9B8E-E33291BBDFA6}"/>
+                </a:ext>
+              </a:extLst>
+            </p:cNvPr>
+            <p:cNvCxnSpPr/>
+            <p:nvPr/>
+          </p:nvCxnSpPr>
+          <p:spPr>
+            <a:xfrm>
+              <a:off x="589280" y="2570480"/>
+              <a:ext cx="11299693" cy="0"/>
+            </a:xfrm>
+            <a:prstGeom prst="line">
+              <a:avLst/>
+            </a:prstGeom>
+            <a:ln w="19050">
+              <a:solidFill>
+                <a:srgbClr val="FF0000"/>
+              </a:solidFill>
+            </a:ln>
+          </p:spPr>
+          <p:style>
+            <a:lnRef idx="1">
+              <a:schemeClr val="accent1"/>
+            </a:lnRef>
+            <a:fillRef idx="0">
+              <a:schemeClr val="accent1"/>
+            </a:fillRef>
+            <a:effectRef idx="0">
+              <a:schemeClr val="accent1"/>
+            </a:effectRef>
+            <a:fontRef idx="minor">
+              <a:schemeClr val="tx1"/>
+            </a:fontRef>
+          </p:style>
+        </p:cxnSp>
+        <p:cxnSp>
+          <p:nvCxnSpPr>
+            <p:cNvPr id="52" name="直接连接符 51">
+              <a:extLst>
+                <a:ext uri="{FF2B5EF4-FFF2-40B4-BE49-F238E27FC236}">
+                  <a16:creationId xmlns:a16="http://schemas.microsoft.com/office/drawing/2014/main" id="{C7762B9B-C0EC-4375-9D93-D1A463E39822}"/>
+                </a:ext>
+              </a:extLst>
+            </p:cNvPr>
+            <p:cNvCxnSpPr/>
+            <p:nvPr/>
+          </p:nvCxnSpPr>
+          <p:spPr>
+            <a:xfrm>
+              <a:off x="599440" y="2753360"/>
+              <a:ext cx="11299693" cy="0"/>
+            </a:xfrm>
+            <a:prstGeom prst="line">
+              <a:avLst/>
+            </a:prstGeom>
+            <a:ln w="19050">
+              <a:solidFill>
+                <a:srgbClr val="FF0000"/>
+              </a:solidFill>
+            </a:ln>
+          </p:spPr>
+          <p:style>
+            <a:lnRef idx="1">
+              <a:schemeClr val="accent1"/>
+            </a:lnRef>
+            <a:fillRef idx="0">
+              <a:schemeClr val="accent1"/>
+            </a:fillRef>
+            <a:effectRef idx="0">
+              <a:schemeClr val="accent1"/>
+            </a:effectRef>
+            <a:fontRef idx="minor">
+              <a:schemeClr val="tx1"/>
+            </a:fontRef>
+          </p:style>
+        </p:cxnSp>
+        <p:cxnSp>
+          <p:nvCxnSpPr>
+            <p:cNvPr id="53" name="直接连接符 52">
+              <a:extLst>
+                <a:ext uri="{FF2B5EF4-FFF2-40B4-BE49-F238E27FC236}">
+                  <a16:creationId xmlns:a16="http://schemas.microsoft.com/office/drawing/2014/main" id="{77DA9638-2BCA-4F18-9453-FE5C09812B5A}"/>
+                </a:ext>
+              </a:extLst>
+            </p:cNvPr>
+            <p:cNvCxnSpPr/>
+            <p:nvPr/>
+          </p:nvCxnSpPr>
+          <p:spPr>
+            <a:xfrm>
+              <a:off x="589280" y="2895600"/>
+              <a:ext cx="11299693" cy="0"/>
+            </a:xfrm>
+            <a:prstGeom prst="line">
+              <a:avLst/>
+            </a:prstGeom>
+            <a:ln w="19050">
+              <a:solidFill>
+                <a:srgbClr val="FF0000"/>
+              </a:solidFill>
+            </a:ln>
+          </p:spPr>
+          <p:style>
+            <a:lnRef idx="1">
+              <a:schemeClr val="accent1"/>
+            </a:lnRef>
+            <a:fillRef idx="0">
+              <a:schemeClr val="accent1"/>
+            </a:fillRef>
+            <a:effectRef idx="0">
+              <a:schemeClr val="accent1"/>
+            </a:effectRef>
+            <a:fontRef idx="minor">
+              <a:schemeClr val="tx1"/>
+            </a:fontRef>
+          </p:style>
+        </p:cxnSp>
+        <p:cxnSp>
+          <p:nvCxnSpPr>
+            <p:cNvPr id="54" name="直接连接符 53">
+              <a:extLst>
+                <a:ext uri="{FF2B5EF4-FFF2-40B4-BE49-F238E27FC236}">
+                  <a16:creationId xmlns:a16="http://schemas.microsoft.com/office/drawing/2014/main" id="{2E1791DC-4787-4CDC-84C9-45D4BD583EE0}"/>
+                </a:ext>
+              </a:extLst>
+            </p:cNvPr>
+            <p:cNvCxnSpPr/>
+            <p:nvPr/>
+          </p:nvCxnSpPr>
+          <p:spPr>
+            <a:xfrm>
+              <a:off x="589280" y="3037840"/>
+              <a:ext cx="11299693" cy="0"/>
+            </a:xfrm>
+            <a:prstGeom prst="line">
+              <a:avLst/>
+            </a:prstGeom>
+            <a:ln w="19050">
+              <a:solidFill>
+                <a:srgbClr val="FF0000"/>
+              </a:solidFill>
+            </a:ln>
+          </p:spPr>
+          <p:style>
+            <a:lnRef idx="1">
+              <a:schemeClr val="accent1"/>
+            </a:lnRef>
+            <a:fillRef idx="0">
+              <a:schemeClr val="accent1"/>
+            </a:fillRef>
+            <a:effectRef idx="0">
+              <a:schemeClr val="accent1"/>
+            </a:effectRef>
+            <a:fontRef idx="minor">
+              <a:schemeClr val="tx1"/>
+            </a:fontRef>
+          </p:style>
+        </p:cxnSp>
+      </p:grpSp>
     </p:spTree>
     <p:extLst>
       <p:ext uri="{BB962C8B-B14F-4D97-AF65-F5344CB8AC3E}">
-        <p14:creationId xmlns:p14="http://schemas.microsoft.com/office/powerpoint/2010/main" val="2254577704"/>
+        <p14:creationId xmlns:p14="http://schemas.microsoft.com/office/powerpoint/2010/main" val="1066463930"/>
       </p:ext>
     </p:extLst>
   </p:cSld>
@@ -15907,6 +18680,678 @@
           <p:cNvPr id="3" name="文本框 2">
             <a:extLst>
               <a:ext uri="{FF2B5EF4-FFF2-40B4-BE49-F238E27FC236}">
+                <a16:creationId xmlns:a16="http://schemas.microsoft.com/office/drawing/2014/main" id="{A0329CED-EF75-46DD-8443-93DCF0E6E104}"/>
+              </a:ext>
+            </a:extLst>
+          </p:cNvPr>
+          <p:cNvSpPr txBox="1"/>
+          <p:nvPr/>
+        </p:nvSpPr>
+        <p:spPr>
+          <a:xfrm>
+            <a:off x="791210" y="1284446"/>
+            <a:ext cx="4003674" cy="400110"/>
+          </a:xfrm>
+          <a:prstGeom prst="rect">
+            <a:avLst/>
+          </a:prstGeom>
+          <a:noFill/>
+        </p:spPr>
+        <p:txBody>
+          <a:bodyPr wrap="square" rtlCol="0">
+            <a:spAutoFit/>
+          </a:bodyPr>
+          <a:lstStyle/>
+          <a:p>
+            <a:pPr algn="l"/>
+            <a:r>
+              <a:rPr lang="zh-CN" altLang="en-US" sz="2000" dirty="0">
+                <a:solidFill>
+                  <a:srgbClr val="2B528B"/>
+                </a:solidFill>
+                <a:latin typeface="微软雅黑" panose="020B0503020204020204" pitchFamily="34" charset="-122"/>
+                <a:ea typeface="微软雅黑" panose="020B0503020204020204" pitchFamily="34" charset="-122"/>
+              </a:rPr>
+              <a:t>（</a:t>
+            </a:r>
+            <a:r>
+              <a:rPr lang="en-US" altLang="zh-CN" sz="2000" dirty="0">
+                <a:solidFill>
+                  <a:srgbClr val="2B528B"/>
+                </a:solidFill>
+                <a:latin typeface="微软雅黑" panose="020B0503020204020204" pitchFamily="34" charset="-122"/>
+                <a:ea typeface="微软雅黑" panose="020B0503020204020204" pitchFamily="34" charset="-122"/>
+              </a:rPr>
+              <a:t>1</a:t>
+            </a:r>
+            <a:r>
+              <a:rPr lang="zh-CN" altLang="en-US" sz="2000" dirty="0">
+                <a:solidFill>
+                  <a:srgbClr val="2B528B"/>
+                </a:solidFill>
+                <a:latin typeface="微软雅黑" panose="020B0503020204020204" pitchFamily="34" charset="-122"/>
+                <a:ea typeface="微软雅黑" panose="020B0503020204020204" pitchFamily="34" charset="-122"/>
+              </a:rPr>
+              <a:t>）方法介绍</a:t>
+            </a:r>
+          </a:p>
+        </p:txBody>
+      </p:sp>
+      <p:sp>
+        <p:nvSpPr>
+          <p:cNvPr id="4" name="文本框 3">
+            <a:extLst>
+              <a:ext uri="{FF2B5EF4-FFF2-40B4-BE49-F238E27FC236}">
+                <a16:creationId xmlns:a16="http://schemas.microsoft.com/office/drawing/2014/main" id="{BA05C02B-9784-4B21-B6AC-22E64858DC39}"/>
+              </a:ext>
+            </a:extLst>
+          </p:cNvPr>
+          <p:cNvSpPr txBox="1"/>
+          <p:nvPr/>
+        </p:nvSpPr>
+        <p:spPr>
+          <a:xfrm>
+            <a:off x="933132" y="1790523"/>
+            <a:ext cx="10020935" cy="5067477"/>
+          </a:xfrm>
+          <a:prstGeom prst="rect">
+            <a:avLst/>
+          </a:prstGeom>
+          <a:noFill/>
+        </p:spPr>
+        <p:txBody>
+          <a:bodyPr wrap="square" rtlCol="0">
+            <a:spAutoFit/>
+          </a:bodyPr>
+          <a:lstStyle/>
+          <a:p>
+            <a:pPr fontAlgn="auto">
+              <a:lnSpc>
+                <a:spcPct val="150000"/>
+              </a:lnSpc>
+            </a:pPr>
+            <a:r>
+              <a:rPr lang="zh-CN" altLang="en-US" dirty="0">
+                <a:latin typeface="微软雅黑" panose="020B0503020204020204" pitchFamily="34" charset="-122"/>
+                <a:ea typeface="微软雅黑" panose="020B0503020204020204" pitchFamily="34" charset="-122"/>
+              </a:rPr>
+              <a:t>1.</a:t>
+            </a:r>
+            <a:r>
+              <a:rPr lang="zh-CN" altLang="en-US" b="1" i="1" dirty="0">
+                <a:latin typeface="微软雅黑" panose="020B0503020204020204" pitchFamily="34" charset="-122"/>
+                <a:ea typeface="微软雅黑" panose="020B0503020204020204" pitchFamily="34" charset="-122"/>
+              </a:rPr>
+              <a:t>最大最小值</a:t>
+            </a:r>
+            <a:r>
+              <a:rPr lang="zh-CN" altLang="en-US" i="1" dirty="0">
+                <a:latin typeface="微软雅黑" panose="020B0503020204020204" pitchFamily="34" charset="-122"/>
+                <a:ea typeface="微软雅黑" panose="020B0503020204020204" pitchFamily="34" charset="-122"/>
+              </a:rPr>
+              <a:t>。</a:t>
+            </a:r>
+            <a:r>
+              <a:rPr lang="zh-CN" altLang="en-US" dirty="0">
+                <a:latin typeface="微软雅黑" panose="020B0503020204020204" pitchFamily="34" charset="-122"/>
+                <a:ea typeface="微软雅黑" panose="020B0503020204020204" pitchFamily="34" charset="-122"/>
+              </a:rPr>
+              <a:t>把每个测点的</a:t>
+            </a:r>
+            <a:r>
+              <a:rPr lang="zh-CN" altLang="en-US" dirty="0">
+                <a:solidFill>
+                  <a:srgbClr val="FF0000"/>
+                </a:solidFill>
+                <a:latin typeface="微软雅黑" panose="020B0503020204020204" pitchFamily="34" charset="-122"/>
+                <a:ea typeface="微软雅黑" panose="020B0503020204020204" pitchFamily="34" charset="-122"/>
+              </a:rPr>
+              <a:t>最大最小值</a:t>
+            </a:r>
+            <a:r>
+              <a:rPr lang="zh-CN" altLang="en-US" dirty="0">
+                <a:latin typeface="微软雅黑" panose="020B0503020204020204" pitchFamily="34" charset="-122"/>
+                <a:ea typeface="微软雅黑" panose="020B0503020204020204" pitchFamily="34" charset="-122"/>
+              </a:rPr>
+              <a:t>所在状态的数据均选入状态矩阵，剩余按照</a:t>
+            </a:r>
+            <a:r>
+              <a:rPr lang="en-US" altLang="zh-CN" dirty="0">
+                <a:latin typeface="微软雅黑" panose="020B0503020204020204" pitchFamily="34" charset="-122"/>
+                <a:ea typeface="微软雅黑" panose="020B0503020204020204" pitchFamily="34" charset="-122"/>
+              </a:rPr>
+              <a:t>L2</a:t>
+            </a:r>
+            <a:r>
+              <a:rPr lang="zh-CN" altLang="en-US" dirty="0">
+                <a:latin typeface="微软雅黑" panose="020B0503020204020204" pitchFamily="34" charset="-122"/>
+                <a:ea typeface="微软雅黑" panose="020B0503020204020204" pitchFamily="34" charset="-122"/>
+              </a:rPr>
+              <a:t>范数大小递减，并以</a:t>
+            </a:r>
+            <a:r>
+              <a:rPr lang="en-US" altLang="zh-CN" dirty="0">
+                <a:latin typeface="微软雅黑" panose="020B0503020204020204" pitchFamily="34" charset="-122"/>
+                <a:ea typeface="微软雅黑" panose="020B0503020204020204" pitchFamily="34" charset="-122"/>
+              </a:rPr>
+              <a:t>t</a:t>
+            </a:r>
+            <a:r>
+              <a:rPr lang="zh-CN" altLang="en-US" dirty="0">
+                <a:latin typeface="微软雅黑" panose="020B0503020204020204" pitchFamily="34" charset="-122"/>
+                <a:ea typeface="微软雅黑" panose="020B0503020204020204" pitchFamily="34" charset="-122"/>
+              </a:rPr>
+              <a:t>为因子进行抽取。</a:t>
+            </a:r>
+            <a:endParaRPr lang="en-US" altLang="zh-CN" dirty="0">
+              <a:latin typeface="微软雅黑" panose="020B0503020204020204" pitchFamily="34" charset="-122"/>
+              <a:ea typeface="微软雅黑" panose="020B0503020204020204" pitchFamily="34" charset="-122"/>
+            </a:endParaRPr>
+          </a:p>
+          <a:p>
+            <a:pPr fontAlgn="auto">
+              <a:lnSpc>
+                <a:spcPct val="150000"/>
+              </a:lnSpc>
+            </a:pPr>
+            <a:endParaRPr lang="zh-CN" altLang="en-US" dirty="0">
+              <a:latin typeface="微软雅黑" panose="020B0503020204020204" pitchFamily="34" charset="-122"/>
+              <a:ea typeface="微软雅黑" panose="020B0503020204020204" pitchFamily="34" charset="-122"/>
+            </a:endParaRPr>
+          </a:p>
+          <a:p>
+            <a:pPr fontAlgn="auto">
+              <a:lnSpc>
+                <a:spcPct val="150000"/>
+              </a:lnSpc>
+            </a:pPr>
+            <a:r>
+              <a:rPr lang="zh-CN" altLang="en-US" dirty="0">
+                <a:latin typeface="微软雅黑" panose="020B0503020204020204" pitchFamily="34" charset="-122"/>
+                <a:ea typeface="微软雅黑" panose="020B0503020204020204" pitchFamily="34" charset="-122"/>
+              </a:rPr>
+              <a:t>2.</a:t>
+            </a:r>
+            <a:r>
+              <a:rPr lang="zh-CN" altLang="en-US" b="1" i="1" dirty="0">
+                <a:latin typeface="微软雅黑" panose="020B0503020204020204" pitchFamily="34" charset="-122"/>
+                <a:ea typeface="微软雅黑" panose="020B0503020204020204" pitchFamily="34" charset="-122"/>
+              </a:rPr>
+              <a:t>几何中值</a:t>
+            </a:r>
+            <a:r>
+              <a:rPr lang="zh-CN" altLang="en-US" i="1" dirty="0">
+                <a:latin typeface="微软雅黑" panose="020B0503020204020204" pitchFamily="34" charset="-122"/>
+                <a:ea typeface="微软雅黑" panose="020B0503020204020204" pitchFamily="34" charset="-122"/>
+              </a:rPr>
+              <a:t>。</a:t>
+            </a:r>
+            <a:r>
+              <a:rPr lang="zh-CN" altLang="en-US" dirty="0">
+                <a:latin typeface="微软雅黑" panose="020B0503020204020204" pitchFamily="34" charset="-122"/>
+                <a:ea typeface="微软雅黑" panose="020B0503020204020204" pitchFamily="34" charset="-122"/>
+              </a:rPr>
+              <a:t>选择矩阵的</a:t>
+            </a:r>
+            <a:r>
+              <a:rPr lang="zh-CN" altLang="en-US" dirty="0">
+                <a:solidFill>
+                  <a:srgbClr val="FF0000"/>
+                </a:solidFill>
+                <a:latin typeface="微软雅黑" panose="020B0503020204020204" pitchFamily="34" charset="-122"/>
+                <a:ea typeface="微软雅黑" panose="020B0503020204020204" pitchFamily="34" charset="-122"/>
+              </a:rPr>
+              <a:t>几何中值</a:t>
+            </a:r>
+            <a:r>
+              <a:rPr lang="zh-CN" altLang="en-US" dirty="0">
+                <a:latin typeface="微软雅黑" panose="020B0503020204020204" pitchFamily="34" charset="-122"/>
+                <a:ea typeface="微软雅黑" panose="020B0503020204020204" pitchFamily="34" charset="-122"/>
+              </a:rPr>
+              <a:t>作为初始状态，将剩余的状态与当前选定元素进行比较，若差值</a:t>
+            </a:r>
+            <a:r>
+              <a:rPr lang="zh-CN" altLang="en-US" dirty="0">
+                <a:solidFill>
+                  <a:srgbClr val="FF0000"/>
+                </a:solidFill>
+                <a:latin typeface="微软雅黑" panose="020B0503020204020204" pitchFamily="34" charset="-122"/>
+                <a:ea typeface="微软雅黑" panose="020B0503020204020204" pitchFamily="34" charset="-122"/>
+              </a:rPr>
+              <a:t>小于阈值</a:t>
+            </a:r>
+            <a:r>
+              <a:rPr lang="zh-CN" altLang="en-US" dirty="0">
+                <a:latin typeface="微软雅黑" panose="020B0503020204020204" pitchFamily="34" charset="-122"/>
+                <a:ea typeface="微软雅黑" panose="020B0503020204020204" pitchFamily="34" charset="-122"/>
+              </a:rPr>
+              <a:t>则选入</a:t>
+            </a:r>
+            <a:r>
+              <a:rPr lang="en-US" altLang="zh-CN" dirty="0">
+                <a:latin typeface="微软雅黑" panose="020B0503020204020204" pitchFamily="34" charset="-122"/>
+                <a:ea typeface="微软雅黑" panose="020B0503020204020204" pitchFamily="34" charset="-122"/>
+              </a:rPr>
+              <a:t>D</a:t>
+            </a:r>
+            <a:r>
+              <a:rPr lang="zh-CN" altLang="en-US" dirty="0">
+                <a:latin typeface="微软雅黑" panose="020B0503020204020204" pitchFamily="34" charset="-122"/>
+                <a:ea typeface="微软雅黑" panose="020B0503020204020204" pitchFamily="34" charset="-122"/>
+              </a:rPr>
+              <a:t>中。</a:t>
+            </a:r>
+            <a:endParaRPr lang="en-US" altLang="zh-CN" dirty="0">
+              <a:latin typeface="微软雅黑" panose="020B0503020204020204" pitchFamily="34" charset="-122"/>
+              <a:ea typeface="微软雅黑" panose="020B0503020204020204" pitchFamily="34" charset="-122"/>
+            </a:endParaRPr>
+          </a:p>
+          <a:p>
+            <a:pPr fontAlgn="auto">
+              <a:lnSpc>
+                <a:spcPct val="150000"/>
+              </a:lnSpc>
+            </a:pPr>
+            <a:endParaRPr lang="zh-CN" altLang="en-US" dirty="0">
+              <a:latin typeface="微软雅黑" panose="020B0503020204020204" pitchFamily="34" charset="-122"/>
+              <a:ea typeface="微软雅黑" panose="020B0503020204020204" pitchFamily="34" charset="-122"/>
+            </a:endParaRPr>
+          </a:p>
+          <a:p>
+            <a:pPr fontAlgn="auto">
+              <a:lnSpc>
+                <a:spcPct val="150000"/>
+              </a:lnSpc>
+            </a:pPr>
+            <a:r>
+              <a:rPr lang="zh-CN" altLang="en-US" dirty="0">
+                <a:latin typeface="微软雅黑" panose="020B0503020204020204" pitchFamily="34" charset="-122"/>
+                <a:ea typeface="微软雅黑" panose="020B0503020204020204" pitchFamily="34" charset="-122"/>
+              </a:rPr>
+              <a:t>3.</a:t>
+            </a:r>
+            <a:r>
+              <a:rPr lang="en-US" altLang="zh-CN" b="1" i="1" dirty="0">
+                <a:latin typeface="微软雅黑" panose="020B0503020204020204" pitchFamily="34" charset="-122"/>
+                <a:ea typeface="微软雅黑" panose="020B0503020204020204" pitchFamily="34" charset="-122"/>
+              </a:rPr>
+              <a:t>K-Means</a:t>
+            </a:r>
+            <a:r>
+              <a:rPr lang="zh-CN" altLang="en-US" b="1" i="1" dirty="0">
+                <a:latin typeface="微软雅黑" panose="020B0503020204020204" pitchFamily="34" charset="-122"/>
+                <a:ea typeface="微软雅黑" panose="020B0503020204020204" pitchFamily="34" charset="-122"/>
+              </a:rPr>
+              <a:t>聚类</a:t>
+            </a:r>
+            <a:r>
+              <a:rPr lang="zh-CN" altLang="en-US" i="1" dirty="0">
+                <a:latin typeface="微软雅黑" panose="020B0503020204020204" pitchFamily="34" charset="-122"/>
+                <a:ea typeface="微软雅黑" panose="020B0503020204020204" pitchFamily="34" charset="-122"/>
+              </a:rPr>
+              <a:t>。</a:t>
+            </a:r>
+            <a:r>
+              <a:rPr lang="zh-CN" altLang="en-US" dirty="0">
+                <a:latin typeface="微软雅黑" panose="020B0503020204020204" pitchFamily="34" charset="-122"/>
+                <a:ea typeface="微软雅黑" panose="020B0503020204020204" pitchFamily="34" charset="-122"/>
+              </a:rPr>
+              <a:t>从数据集中随机选择</a:t>
+            </a:r>
+            <a:r>
+              <a:rPr lang="en-US" altLang="zh-CN" dirty="0">
+                <a:solidFill>
+                  <a:srgbClr val="FF0000"/>
+                </a:solidFill>
+                <a:latin typeface="微软雅黑" panose="020B0503020204020204" pitchFamily="34" charset="-122"/>
+                <a:ea typeface="微软雅黑" panose="020B0503020204020204" pitchFamily="34" charset="-122"/>
+              </a:rPr>
+              <a:t>k</a:t>
+            </a:r>
+            <a:r>
+              <a:rPr lang="zh-CN" altLang="en-US" dirty="0">
+                <a:solidFill>
+                  <a:srgbClr val="FF0000"/>
+                </a:solidFill>
+                <a:latin typeface="微软雅黑" panose="020B0503020204020204" pitchFamily="34" charset="-122"/>
+                <a:ea typeface="微软雅黑" panose="020B0503020204020204" pitchFamily="34" charset="-122"/>
+              </a:rPr>
+              <a:t>个数据点</a:t>
+            </a:r>
+            <a:r>
+              <a:rPr lang="zh-CN" altLang="en-US" dirty="0">
+                <a:latin typeface="微软雅黑" panose="020B0503020204020204" pitchFamily="34" charset="-122"/>
+                <a:ea typeface="微软雅黑" panose="020B0503020204020204" pitchFamily="34" charset="-122"/>
+              </a:rPr>
+              <a:t>作为</a:t>
+            </a:r>
+            <a:r>
+              <a:rPr lang="zh-CN" altLang="en-US" dirty="0">
+                <a:solidFill>
+                  <a:srgbClr val="FF0000"/>
+                </a:solidFill>
+                <a:latin typeface="微软雅黑" panose="020B0503020204020204" pitchFamily="34" charset="-122"/>
+                <a:ea typeface="微软雅黑" panose="020B0503020204020204" pitchFamily="34" charset="-122"/>
+              </a:rPr>
+              <a:t>质心</a:t>
+            </a:r>
+            <a:r>
+              <a:rPr lang="zh-CN" altLang="en-US" dirty="0">
+                <a:latin typeface="微软雅黑" panose="020B0503020204020204" pitchFamily="34" charset="-122"/>
+                <a:ea typeface="微软雅黑" panose="020B0503020204020204" pitchFamily="34" charset="-122"/>
+              </a:rPr>
+              <a:t>，计算每一个点与每一个质心的距离，并划分到最近的质心所属的集合中，然后重新计算每个集合的质心得到矩阵</a:t>
+            </a:r>
+            <a:r>
+              <a:rPr lang="en-US" altLang="zh-CN" dirty="0">
+                <a:latin typeface="微软雅黑" panose="020B0503020204020204" pitchFamily="34" charset="-122"/>
+                <a:ea typeface="微软雅黑" panose="020B0503020204020204" pitchFamily="34" charset="-122"/>
+              </a:rPr>
+              <a:t>D</a:t>
+            </a:r>
+            <a:r>
+              <a:rPr lang="zh-CN" altLang="en-US" dirty="0">
+                <a:latin typeface="微软雅黑" panose="020B0503020204020204" pitchFamily="34" charset="-122"/>
+                <a:ea typeface="微软雅黑" panose="020B0503020204020204" pitchFamily="34" charset="-122"/>
+              </a:rPr>
+              <a:t>。</a:t>
+            </a:r>
+            <a:endParaRPr lang="en-US" altLang="zh-CN" dirty="0">
+              <a:latin typeface="微软雅黑" panose="020B0503020204020204" pitchFamily="34" charset="-122"/>
+              <a:ea typeface="微软雅黑" panose="020B0503020204020204" pitchFamily="34" charset="-122"/>
+            </a:endParaRPr>
+          </a:p>
+          <a:p>
+            <a:pPr fontAlgn="auto">
+              <a:lnSpc>
+                <a:spcPct val="150000"/>
+              </a:lnSpc>
+            </a:pPr>
+            <a:endParaRPr lang="en-US" altLang="zh-CN" dirty="0">
+              <a:latin typeface="微软雅黑" panose="020B0503020204020204" pitchFamily="34" charset="-122"/>
+              <a:ea typeface="微软雅黑" panose="020B0503020204020204" pitchFamily="34" charset="-122"/>
+            </a:endParaRPr>
+          </a:p>
+          <a:p>
+            <a:pPr>
+              <a:lnSpc>
+                <a:spcPct val="150000"/>
+              </a:lnSpc>
+            </a:pPr>
+            <a:r>
+              <a:rPr lang="en-US" altLang="zh-CN" dirty="0">
+                <a:latin typeface="微软雅黑" panose="020B0503020204020204" pitchFamily="34" charset="-122"/>
+                <a:ea typeface="微软雅黑" panose="020B0503020204020204" pitchFamily="34" charset="-122"/>
+              </a:rPr>
+              <a:t>4</a:t>
+            </a:r>
+            <a:r>
+              <a:rPr lang="zh-CN" altLang="en-US" dirty="0">
+                <a:latin typeface="微软雅黑" panose="020B0503020204020204" pitchFamily="34" charset="-122"/>
+                <a:ea typeface="微软雅黑" panose="020B0503020204020204" pitchFamily="34" charset="-122"/>
+              </a:rPr>
+              <a:t>.</a:t>
+            </a:r>
+            <a:r>
+              <a:rPr lang="zh-CN" altLang="en-US" b="1" i="1" dirty="0">
+                <a:latin typeface="微软雅黑" panose="020B0503020204020204" pitchFamily="34" charset="-122"/>
+                <a:ea typeface="微软雅黑" panose="020B0503020204020204" pitchFamily="34" charset="-122"/>
+              </a:rPr>
+              <a:t>相似度最小填充</a:t>
+            </a:r>
+            <a:r>
+              <a:rPr lang="zh-CN" altLang="en-US" i="1" dirty="0">
+                <a:latin typeface="微软雅黑" panose="020B0503020204020204" pitchFamily="34" charset="-122"/>
+                <a:ea typeface="微软雅黑" panose="020B0503020204020204" pitchFamily="34" charset="-122"/>
+              </a:rPr>
+              <a:t>。</a:t>
+            </a:r>
+            <a:r>
+              <a:rPr lang="zh-CN" altLang="en-US" dirty="0">
+                <a:latin typeface="微软雅黑" panose="020B0503020204020204" pitchFamily="34" charset="-122"/>
+                <a:ea typeface="微软雅黑" panose="020B0503020204020204" pitchFamily="34" charset="-122"/>
+              </a:rPr>
+              <a:t>随机选取一个点作为初始状态，将剩余的状态与当前选定元素进行比较，每次选取相似度最小（即</a:t>
+            </a:r>
+            <a:r>
+              <a:rPr lang="en-US" altLang="zh-CN" dirty="0">
+                <a:solidFill>
+                  <a:srgbClr val="FF0000"/>
+                </a:solidFill>
+                <a:latin typeface="微软雅黑" panose="020B0503020204020204" pitchFamily="34" charset="-122"/>
+                <a:ea typeface="微软雅黑" panose="020B0503020204020204" pitchFamily="34" charset="-122"/>
+              </a:rPr>
+              <a:t>res</a:t>
+            </a:r>
+            <a:r>
+              <a:rPr lang="zh-CN" altLang="en-US" dirty="0">
+                <a:solidFill>
+                  <a:srgbClr val="FF0000"/>
+                </a:solidFill>
+                <a:latin typeface="微软雅黑" panose="020B0503020204020204" pitchFamily="34" charset="-122"/>
+                <a:ea typeface="微软雅黑" panose="020B0503020204020204" pitchFamily="34" charset="-122"/>
+              </a:rPr>
+              <a:t>值最大</a:t>
+            </a:r>
+            <a:r>
+              <a:rPr lang="zh-CN" altLang="en-US" dirty="0">
+                <a:latin typeface="微软雅黑" panose="020B0503020204020204" pitchFamily="34" charset="-122"/>
+                <a:ea typeface="微软雅黑" panose="020B0503020204020204" pitchFamily="34" charset="-122"/>
+              </a:rPr>
+              <a:t>）的点。</a:t>
+            </a:r>
+          </a:p>
+          <a:p>
+            <a:pPr fontAlgn="auto">
+              <a:lnSpc>
+                <a:spcPct val="150000"/>
+              </a:lnSpc>
+            </a:pPr>
+            <a:endParaRPr lang="zh-CN" altLang="en-US" sz="2000" dirty="0">
+              <a:latin typeface="微软雅黑" panose="020B0503020204020204" pitchFamily="34" charset="-122"/>
+              <a:ea typeface="微软雅黑" panose="020B0503020204020204" pitchFamily="34" charset="-122"/>
+            </a:endParaRPr>
+          </a:p>
+        </p:txBody>
+      </p:sp>
+    </p:spTree>
+    <p:extLst>
+      <p:ext uri="{BB962C8B-B14F-4D97-AF65-F5344CB8AC3E}">
+        <p14:creationId xmlns:p14="http://schemas.microsoft.com/office/powerpoint/2010/main" val="2254577704"/>
+      </p:ext>
+    </p:extLst>
+  </p:cSld>
+  <p:clrMapOvr>
+    <a:masterClrMapping/>
+  </p:clrMapOvr>
+</p:sld>
+</file>
+
+<file path=ppt/slides/slide7.xml><?xml version="1.0" encoding="utf-8"?>
+<p:sld xmlns:a="http://schemas.openxmlformats.org/drawingml/2006/main" xmlns:r="http://schemas.openxmlformats.org/officeDocument/2006/relationships" xmlns:p="http://schemas.openxmlformats.org/presentationml/2006/main">
+  <p:cSld>
+    <p:spTree>
+      <p:nvGrpSpPr>
+        <p:cNvPr id="1" name=""/>
+        <p:cNvGrpSpPr/>
+        <p:nvPr/>
+      </p:nvGrpSpPr>
+      <p:grpSpPr>
+        <a:xfrm>
+          <a:off x="0" y="0"/>
+          <a:ext cx="0" cy="0"/>
+          <a:chOff x="0" y="0"/>
+          <a:chExt cx="0" cy="0"/>
+        </a:xfrm>
+      </p:grpSpPr>
+      <p:sp>
+        <p:nvSpPr>
+          <p:cNvPr id="6" name="Rectangle 3"/>
+          <p:cNvSpPr/>
+          <p:nvPr/>
+        </p:nvSpPr>
+        <p:spPr>
+          <a:xfrm>
+            <a:off x="5446716" y="239732"/>
+            <a:ext cx="5892960" cy="523220"/>
+          </a:xfrm>
+          <a:prstGeom prst="rect">
+            <a:avLst/>
+          </a:prstGeom>
+        </p:spPr>
+        <p:txBody>
+          <a:bodyPr wrap="none" anchor="t">
+            <a:spAutoFit/>
+          </a:bodyPr>
+          <a:lstStyle>
+            <a:defPPr>
+              <a:defRPr lang="en-US"/>
+            </a:defPPr>
+            <a:lvl1pPr marL="0" algn="l" defTabSz="914400" rtl="0" eaLnBrk="1" latinLnBrk="0" hangingPunct="1">
+              <a:defRPr sz="1800" kern="1200">
+                <a:solidFill>
+                  <a:schemeClr val="tx1"/>
+                </a:solidFill>
+                <a:latin typeface="+mn-lt"/>
+                <a:ea typeface="+mn-ea"/>
+                <a:cs typeface="+mn-cs"/>
+              </a:defRPr>
+            </a:lvl1pPr>
+            <a:lvl2pPr marL="457200" algn="l" defTabSz="914400" rtl="0" eaLnBrk="1" latinLnBrk="0" hangingPunct="1">
+              <a:defRPr sz="1800" kern="1200">
+                <a:solidFill>
+                  <a:schemeClr val="tx1"/>
+                </a:solidFill>
+                <a:latin typeface="+mn-lt"/>
+                <a:ea typeface="+mn-ea"/>
+                <a:cs typeface="+mn-cs"/>
+              </a:defRPr>
+            </a:lvl2pPr>
+            <a:lvl3pPr marL="914400" algn="l" defTabSz="914400" rtl="0" eaLnBrk="1" latinLnBrk="0" hangingPunct="1">
+              <a:defRPr sz="1800" kern="1200">
+                <a:solidFill>
+                  <a:schemeClr val="tx1"/>
+                </a:solidFill>
+                <a:latin typeface="+mn-lt"/>
+                <a:ea typeface="+mn-ea"/>
+                <a:cs typeface="+mn-cs"/>
+              </a:defRPr>
+            </a:lvl3pPr>
+            <a:lvl4pPr marL="1371600" algn="l" defTabSz="914400" rtl="0" eaLnBrk="1" latinLnBrk="0" hangingPunct="1">
+              <a:defRPr sz="1800" kern="1200">
+                <a:solidFill>
+                  <a:schemeClr val="tx1"/>
+                </a:solidFill>
+                <a:latin typeface="+mn-lt"/>
+                <a:ea typeface="+mn-ea"/>
+                <a:cs typeface="+mn-cs"/>
+              </a:defRPr>
+            </a:lvl4pPr>
+            <a:lvl5pPr marL="1828800" algn="l" defTabSz="914400" rtl="0" eaLnBrk="1" latinLnBrk="0" hangingPunct="1">
+              <a:defRPr sz="1800" kern="1200">
+                <a:solidFill>
+                  <a:schemeClr val="tx1"/>
+                </a:solidFill>
+                <a:latin typeface="+mn-lt"/>
+                <a:ea typeface="+mn-ea"/>
+                <a:cs typeface="+mn-cs"/>
+              </a:defRPr>
+            </a:lvl5pPr>
+            <a:lvl6pPr marL="2286000" algn="l" defTabSz="914400" rtl="0" eaLnBrk="1" latinLnBrk="0" hangingPunct="1">
+              <a:defRPr sz="1800" kern="1200">
+                <a:solidFill>
+                  <a:schemeClr val="tx1"/>
+                </a:solidFill>
+                <a:latin typeface="+mn-lt"/>
+                <a:ea typeface="+mn-ea"/>
+                <a:cs typeface="+mn-cs"/>
+              </a:defRPr>
+            </a:lvl6pPr>
+            <a:lvl7pPr marL="2743200" algn="l" defTabSz="914400" rtl="0" eaLnBrk="1" latinLnBrk="0" hangingPunct="1">
+              <a:defRPr sz="1800" kern="1200">
+                <a:solidFill>
+                  <a:schemeClr val="tx1"/>
+                </a:solidFill>
+                <a:latin typeface="+mn-lt"/>
+                <a:ea typeface="+mn-ea"/>
+                <a:cs typeface="+mn-cs"/>
+              </a:defRPr>
+            </a:lvl7pPr>
+            <a:lvl8pPr marL="3200400" algn="l" defTabSz="914400" rtl="0" eaLnBrk="1" latinLnBrk="0" hangingPunct="1">
+              <a:defRPr sz="1800" kern="1200">
+                <a:solidFill>
+                  <a:schemeClr val="tx1"/>
+                </a:solidFill>
+                <a:latin typeface="+mn-lt"/>
+                <a:ea typeface="+mn-ea"/>
+                <a:cs typeface="+mn-cs"/>
+              </a:defRPr>
+            </a:lvl8pPr>
+            <a:lvl9pPr marL="3657600" algn="l" defTabSz="914400" rtl="0" eaLnBrk="1" latinLnBrk="0" hangingPunct="1">
+              <a:defRPr sz="1800" kern="1200">
+                <a:solidFill>
+                  <a:schemeClr val="tx1"/>
+                </a:solidFill>
+                <a:latin typeface="+mn-lt"/>
+                <a:ea typeface="+mn-ea"/>
+                <a:cs typeface="+mn-cs"/>
+              </a:defRPr>
+            </a:lvl9pPr>
+          </a:lstStyle>
+          <a:p>
+            <a:pPr algn="r"/>
+            <a:r>
+              <a:rPr lang="en-US" altLang="zh-CN" sz="2800" dirty="0">
+                <a:solidFill>
+                  <a:srgbClr val="005BBB"/>
+                </a:solidFill>
+                <a:latin typeface="微软雅黑" panose="020B0503020204020204" pitchFamily="34" charset="-122"/>
+                <a:ea typeface="微软雅黑" panose="020B0503020204020204" pitchFamily="34" charset="-122"/>
+                <a:cs typeface="Arial" panose="020B0604020202020204"/>
+              </a:rPr>
+              <a:t>3. </a:t>
+            </a:r>
+            <a:r>
+              <a:rPr lang="zh-CN" altLang="en-US" sz="2800" dirty="0">
+                <a:solidFill>
+                  <a:srgbClr val="005BBB"/>
+                </a:solidFill>
+                <a:latin typeface="微软雅黑" panose="020B0503020204020204" pitchFamily="34" charset="-122"/>
+                <a:ea typeface="微软雅黑" panose="020B0503020204020204" pitchFamily="34" charset="-122"/>
+                <a:cs typeface="Arial" panose="020B0604020202020204"/>
+              </a:rPr>
+              <a:t>状态矩阵</a:t>
+            </a:r>
+            <a:r>
+              <a:rPr lang="en-US" altLang="zh-CN" sz="2800" dirty="0">
+                <a:solidFill>
+                  <a:srgbClr val="005BBB"/>
+                </a:solidFill>
+                <a:latin typeface="微软雅黑" panose="020B0503020204020204" pitchFamily="34" charset="-122"/>
+                <a:ea typeface="微软雅黑" panose="020B0503020204020204" pitchFamily="34" charset="-122"/>
+                <a:cs typeface="Arial" panose="020B0604020202020204"/>
+              </a:rPr>
+              <a:t>D</a:t>
+            </a:r>
+            <a:r>
+              <a:rPr lang="zh-CN" altLang="en-US" sz="2800" dirty="0">
+                <a:solidFill>
+                  <a:srgbClr val="005BBB"/>
+                </a:solidFill>
+                <a:latin typeface="微软雅黑" panose="020B0503020204020204" pitchFamily="34" charset="-122"/>
+                <a:ea typeface="微软雅黑" panose="020B0503020204020204" pitchFamily="34" charset="-122"/>
+                <a:cs typeface="Arial" panose="020B0604020202020204"/>
+              </a:rPr>
+              <a:t>的选取方法及实验结果</a:t>
+            </a:r>
+          </a:p>
+        </p:txBody>
+      </p:sp>
+      <p:sp>
+        <p:nvSpPr>
+          <p:cNvPr id="3" name="文本框 2">
+            <a:extLst>
+              <a:ext uri="{FF2B5EF4-FFF2-40B4-BE49-F238E27FC236}">
                 <a16:creationId xmlns:a16="http://schemas.microsoft.com/office/drawing/2014/main" id="{8E83F885-57BA-491B-9E03-132F39A3227F}"/>
               </a:ext>
             </a:extLst>
@@ -15936,7 +19381,8 @@
                 <a:solidFill>
                   <a:srgbClr val="2B528B"/>
                 </a:solidFill>
-                <a:latin typeface="+mn-ea"/>
+                <a:latin typeface="微软雅黑" panose="020B0503020204020204" pitchFamily="34" charset="-122"/>
+                <a:ea typeface="微软雅黑" panose="020B0503020204020204" pitchFamily="34" charset="-122"/>
               </a:rPr>
               <a:t>（</a:t>
             </a:r>
@@ -15945,7 +19391,8 @@
                 <a:solidFill>
                   <a:srgbClr val="2B528B"/>
                 </a:solidFill>
-                <a:latin typeface="+mn-ea"/>
+                <a:latin typeface="微软雅黑" panose="020B0503020204020204" pitchFamily="34" charset="-122"/>
+                <a:ea typeface="微软雅黑" panose="020B0503020204020204" pitchFamily="34" charset="-122"/>
               </a:rPr>
               <a:t>2</a:t>
             </a:r>
@@ -15954,7 +19401,8 @@
                 <a:solidFill>
                   <a:srgbClr val="2B528B"/>
                 </a:solidFill>
-                <a:latin typeface="+mn-ea"/>
+                <a:latin typeface="微软雅黑" panose="020B0503020204020204" pitchFamily="34" charset="-122"/>
+                <a:ea typeface="微软雅黑" panose="020B0503020204020204" pitchFamily="34" charset="-122"/>
               </a:rPr>
               <a:t>）实验结果</a:t>
             </a:r>
@@ -15991,8 +19439,8 @@
           <a:p>
             <a:r>
               <a:rPr lang="zh-CN" altLang="en-US" b="1" dirty="0">
-                <a:latin typeface="楷体" panose="02010609060101010101" charset="-122"/>
-                <a:ea typeface="楷体" panose="02010609060101010101" charset="-122"/>
+                <a:latin typeface="微软雅黑" panose="020B0503020204020204" pitchFamily="34" charset="-122"/>
+                <a:ea typeface="微软雅黑" panose="020B0503020204020204" pitchFamily="34" charset="-122"/>
               </a:rPr>
               <a:t>①最大最小值</a:t>
             </a:r>
@@ -16014,7 +19462,7 @@
         <p:spPr>
           <a:xfrm>
             <a:off x="1145640" y="2093181"/>
-            <a:ext cx="4465320" cy="773289"/>
+            <a:ext cx="4465320" cy="787523"/>
           </a:xfrm>
           <a:prstGeom prst="rect">
             <a:avLst/>
@@ -16034,29 +19482,38 @@
             </a:pPr>
             <a:r>
               <a:rPr lang="zh-CN" altLang="en-US" sz="1600" dirty="0">
-                <a:latin typeface="宋体" panose="02010600030101010101" pitchFamily="2" charset="-122"/>
-                <a:ea typeface="宋体" panose="02010600030101010101" pitchFamily="2" charset="-122"/>
+                <a:latin typeface="微软雅黑" panose="020B0503020204020204" pitchFamily="34" charset="-122"/>
+                <a:ea typeface="微软雅黑" panose="020B0503020204020204" pitchFamily="34" charset="-122"/>
               </a:rPr>
               <a:t>相对误差绝对值平均数：</a:t>
             </a:r>
             <a:r>
               <a:rPr lang="en-US" altLang="zh-CN" sz="1600" dirty="0">
-                <a:latin typeface="宋体" panose="02010600030101010101" pitchFamily="2" charset="-122"/>
-                <a:ea typeface="宋体" panose="02010600030101010101" pitchFamily="2" charset="-122"/>
+                <a:solidFill>
+                  <a:srgbClr val="FF0000"/>
+                </a:solidFill>
+                <a:latin typeface="微软雅黑" panose="020B0503020204020204" pitchFamily="34" charset="-122"/>
+                <a:ea typeface="微软雅黑" panose="020B0503020204020204" pitchFamily="34" charset="-122"/>
               </a:rPr>
               <a:t>4.19</a:t>
             </a:r>
             <a:r>
               <a:rPr lang="zh-CN" altLang="en-US" sz="1600" dirty="0">
-                <a:latin typeface="宋体" panose="02010600030101010101" pitchFamily="2" charset="-122"/>
-                <a:ea typeface="宋体" panose="02010600030101010101" pitchFamily="2" charset="-122"/>
+                <a:solidFill>
+                  <a:srgbClr val="FF0000"/>
+                </a:solidFill>
+                <a:latin typeface="微软雅黑" panose="020B0503020204020204" pitchFamily="34" charset="-122"/>
+                <a:ea typeface="微软雅黑" panose="020B0503020204020204" pitchFamily="34" charset="-122"/>
               </a:rPr>
               <a:t>％</a:t>
             </a:r>
             <a:r>
               <a:rPr lang="en-US" altLang="zh-CN" sz="1600" dirty="0">
-                <a:latin typeface="宋体" panose="02010600030101010101" pitchFamily="2" charset="-122"/>
-                <a:ea typeface="宋体" panose="02010600030101010101" pitchFamily="2" charset="-122"/>
+                <a:solidFill>
+                  <a:srgbClr val="FF0000"/>
+                </a:solidFill>
+                <a:latin typeface="微软雅黑" panose="020B0503020204020204" pitchFamily="34" charset="-122"/>
+                <a:ea typeface="微软雅黑" panose="020B0503020204020204" pitchFamily="34" charset="-122"/>
               </a:rPr>
               <a:t>~7.40%</a:t>
             </a:r>
@@ -16069,38 +19526,51 @@
             </a:pPr>
             <a:r>
               <a:rPr lang="zh-CN" altLang="en-US" sz="1600" dirty="0">
-                <a:latin typeface="宋体" panose="02010600030101010101" pitchFamily="2" charset="-122"/>
-                <a:ea typeface="宋体" panose="02010600030101010101" pitchFamily="2" charset="-122"/>
+                <a:latin typeface="微软雅黑" panose="020B0503020204020204" pitchFamily="34" charset="-122"/>
+                <a:ea typeface="微软雅黑" panose="020B0503020204020204" pitchFamily="34" charset="-122"/>
               </a:rPr>
               <a:t>在</a:t>
             </a:r>
             <a:r>
               <a:rPr lang="en-US" altLang="zh-CN" sz="1600" dirty="0">
-                <a:latin typeface="宋体" panose="02010600030101010101" pitchFamily="2" charset="-122"/>
-                <a:ea typeface="宋体" panose="02010600030101010101" pitchFamily="2" charset="-122"/>
+                <a:latin typeface="微软雅黑" panose="020B0503020204020204" pitchFamily="34" charset="-122"/>
+                <a:ea typeface="微软雅黑" panose="020B0503020204020204" pitchFamily="34" charset="-122"/>
               </a:rPr>
               <a:t>D</a:t>
             </a:r>
             <a:r>
               <a:rPr lang="zh-CN" altLang="en-US" sz="1600" dirty="0">
-                <a:latin typeface="宋体" panose="02010600030101010101" pitchFamily="2" charset="-122"/>
-                <a:ea typeface="宋体" panose="02010600030101010101" pitchFamily="2" charset="-122"/>
+                <a:latin typeface="微软雅黑" panose="020B0503020204020204" pitchFamily="34" charset="-122"/>
+                <a:ea typeface="微软雅黑" panose="020B0503020204020204" pitchFamily="34" charset="-122"/>
               </a:rPr>
               <a:t>矩阵行数为</a:t>
             </a:r>
             <a:r>
               <a:rPr lang="en-US" altLang="zh-CN" sz="1600" dirty="0">
-                <a:latin typeface="宋体" panose="02010600030101010101" pitchFamily="2" charset="-122"/>
-                <a:ea typeface="宋体" panose="02010600030101010101" pitchFamily="2" charset="-122"/>
+                <a:solidFill>
+                  <a:srgbClr val="FF0000"/>
+                </a:solidFill>
+                <a:latin typeface="微软雅黑" panose="020B0503020204020204" pitchFamily="34" charset="-122"/>
+                <a:ea typeface="微软雅黑" panose="020B0503020204020204" pitchFamily="34" charset="-122"/>
               </a:rPr>
               <a:t>80</a:t>
             </a:r>
             <a:r>
               <a:rPr lang="zh-CN" altLang="en-US" sz="1600" dirty="0">
-                <a:latin typeface="宋体" panose="02010600030101010101" pitchFamily="2" charset="-122"/>
-                <a:ea typeface="宋体" panose="02010600030101010101" pitchFamily="2" charset="-122"/>
-              </a:rPr>
-              <a:t>行时取得最小值</a:t>
+                <a:solidFill>
+                  <a:srgbClr val="FF0000"/>
+                </a:solidFill>
+                <a:latin typeface="微软雅黑" panose="020B0503020204020204" pitchFamily="34" charset="-122"/>
+                <a:ea typeface="微软雅黑" panose="020B0503020204020204" pitchFamily="34" charset="-122"/>
+              </a:rPr>
+              <a:t>行</a:t>
+            </a:r>
+            <a:r>
+              <a:rPr lang="zh-CN" altLang="en-US" sz="1600" dirty="0">
+                <a:latin typeface="微软雅黑" panose="020B0503020204020204" pitchFamily="34" charset="-122"/>
+                <a:ea typeface="微软雅黑" panose="020B0503020204020204" pitchFamily="34" charset="-122"/>
+              </a:rPr>
+              <a:t>时取得最小值</a:t>
             </a:r>
           </a:p>
         </p:txBody>
@@ -16165,8 +19635,8 @@
           <a:p>
             <a:r>
               <a:rPr lang="zh-CN" altLang="en-US" b="1" dirty="0">
-                <a:latin typeface="楷体" panose="02010609060101010101" charset="-122"/>
-                <a:ea typeface="楷体" panose="02010609060101010101" charset="-122"/>
+                <a:latin typeface="微软雅黑" panose="020B0503020204020204" pitchFamily="34" charset="-122"/>
+                <a:ea typeface="微软雅黑" panose="020B0503020204020204" pitchFamily="34" charset="-122"/>
               </a:rPr>
               <a:t>②几何中值</a:t>
             </a:r>
@@ -16188,7 +19658,7 @@
         <p:spPr>
           <a:xfrm>
             <a:off x="6874356" y="5436475"/>
-            <a:ext cx="4465320" cy="773289"/>
+            <a:ext cx="4465320" cy="787523"/>
           </a:xfrm>
           <a:prstGeom prst="rect">
             <a:avLst/>
@@ -16208,15 +19678,18 @@
             </a:pPr>
             <a:r>
               <a:rPr lang="zh-CN" altLang="en-US" sz="1600" dirty="0">
-                <a:latin typeface="宋体" panose="02010600030101010101" pitchFamily="2" charset="-122"/>
-                <a:ea typeface="宋体" panose="02010600030101010101" pitchFamily="2" charset="-122"/>
+                <a:latin typeface="微软雅黑" panose="020B0503020204020204" pitchFamily="34" charset="-122"/>
+                <a:ea typeface="微软雅黑" panose="020B0503020204020204" pitchFamily="34" charset="-122"/>
               </a:rPr>
               <a:t>相对误差绝对值平均数：</a:t>
             </a:r>
             <a:r>
               <a:rPr lang="en-US" altLang="zh-CN" sz="1600" dirty="0">
-                <a:latin typeface="宋体" panose="02010600030101010101" pitchFamily="2" charset="-122"/>
-                <a:ea typeface="宋体" panose="02010600030101010101" pitchFamily="2" charset="-122"/>
+                <a:solidFill>
+                  <a:srgbClr val="FF0000"/>
+                </a:solidFill>
+                <a:latin typeface="微软雅黑" panose="020B0503020204020204" pitchFamily="34" charset="-122"/>
+                <a:ea typeface="微软雅黑" panose="020B0503020204020204" pitchFamily="34" charset="-122"/>
               </a:rPr>
               <a:t>1.81%~2.85%</a:t>
             </a:r>
@@ -16229,36 +19702,36 @@
             </a:pPr>
             <a:r>
               <a:rPr lang="zh-CN" altLang="en-US" sz="1600" dirty="0">
-                <a:latin typeface="宋体" panose="02010600030101010101" pitchFamily="2" charset="-122"/>
-                <a:ea typeface="宋体" panose="02010600030101010101" pitchFamily="2" charset="-122"/>
+                <a:latin typeface="微软雅黑" panose="020B0503020204020204" pitchFamily="34" charset="-122"/>
+                <a:ea typeface="微软雅黑" panose="020B0503020204020204" pitchFamily="34" charset="-122"/>
               </a:rPr>
               <a:t>在</a:t>
             </a:r>
             <a:r>
               <a:rPr lang="en-US" altLang="zh-CN" sz="1600" dirty="0">
-                <a:latin typeface="宋体" panose="02010600030101010101" pitchFamily="2" charset="-122"/>
-                <a:ea typeface="宋体" panose="02010600030101010101" pitchFamily="2" charset="-122"/>
+                <a:latin typeface="微软雅黑" panose="020B0503020204020204" pitchFamily="34" charset="-122"/>
+                <a:ea typeface="微软雅黑" panose="020B0503020204020204" pitchFamily="34" charset="-122"/>
               </a:rPr>
               <a:t>D</a:t>
             </a:r>
             <a:r>
               <a:rPr lang="zh-CN" altLang="en-US" sz="1600" dirty="0">
-                <a:latin typeface="宋体" panose="02010600030101010101" pitchFamily="2" charset="-122"/>
-                <a:ea typeface="宋体" panose="02010600030101010101" pitchFamily="2" charset="-122"/>
+                <a:latin typeface="微软雅黑" panose="020B0503020204020204" pitchFamily="34" charset="-122"/>
+                <a:ea typeface="微软雅黑" panose="020B0503020204020204" pitchFamily="34" charset="-122"/>
               </a:rPr>
               <a:t>矩阵行数为</a:t>
             </a:r>
             <a:r>
               <a:rPr lang="en-US" altLang="zh-CN" sz="1600" dirty="0">
-                <a:latin typeface="宋体" panose="02010600030101010101" pitchFamily="2" charset="-122"/>
-                <a:ea typeface="宋体" panose="02010600030101010101" pitchFamily="2" charset="-122"/>
+                <a:latin typeface="微软雅黑" panose="020B0503020204020204" pitchFamily="34" charset="-122"/>
+                <a:ea typeface="微软雅黑" panose="020B0503020204020204" pitchFamily="34" charset="-122"/>
               </a:rPr>
               <a:t>90</a:t>
             </a:r>
             <a:r>
               <a:rPr lang="zh-CN" altLang="en-US" sz="1600" dirty="0">
-                <a:latin typeface="宋体" panose="02010600030101010101" pitchFamily="2" charset="-122"/>
-                <a:ea typeface="宋体" panose="02010600030101010101" pitchFamily="2" charset="-122"/>
+                <a:latin typeface="微软雅黑" panose="020B0503020204020204" pitchFamily="34" charset="-122"/>
+                <a:ea typeface="微软雅黑" panose="020B0503020204020204" pitchFamily="34" charset="-122"/>
               </a:rPr>
               <a:t>行时取得最小值</a:t>
             </a:r>
@@ -16308,7 +19781,7 @@
 </p:sld>
 </file>
 
-<file path=ppt/slides/slide7.xml><?xml version="1.0" encoding="utf-8"?>
+<file path=ppt/slides/slide8.xml><?xml version="1.0" encoding="utf-8"?>
 <p:sld xmlns:a="http://schemas.openxmlformats.org/drawingml/2006/main" xmlns:r="http://schemas.openxmlformats.org/officeDocument/2006/relationships" xmlns:p="http://schemas.openxmlformats.org/presentationml/2006/main">
   <p:cSld>
     <p:spTree>
@@ -16522,7 +19995,8 @@
                 <a:solidFill>
                   <a:srgbClr val="2B528B"/>
                 </a:solidFill>
-                <a:latin typeface="+mn-ea"/>
+                <a:latin typeface="微软雅黑" panose="020B0503020204020204" pitchFamily="34" charset="-122"/>
+                <a:ea typeface="微软雅黑" panose="020B0503020204020204" pitchFamily="34" charset="-122"/>
               </a:rPr>
               <a:t>（</a:t>
             </a:r>
@@ -16531,16 +20005,18 @@
                 <a:solidFill>
                   <a:srgbClr val="2B528B"/>
                 </a:solidFill>
-                <a:latin typeface="+mn-ea"/>
-              </a:rPr>
-              <a:t>3</a:t>
+                <a:latin typeface="微软雅黑" panose="020B0503020204020204" pitchFamily="34" charset="-122"/>
+                <a:ea typeface="微软雅黑" panose="020B0503020204020204" pitchFamily="34" charset="-122"/>
+              </a:rPr>
+              <a:t>2</a:t>
             </a:r>
             <a:r>
               <a:rPr lang="zh-CN" altLang="en-US" sz="2000" dirty="0">
                 <a:solidFill>
                   <a:srgbClr val="2B528B"/>
                 </a:solidFill>
-                <a:latin typeface="+mn-ea"/>
+                <a:latin typeface="微软雅黑" panose="020B0503020204020204" pitchFamily="34" charset="-122"/>
+                <a:ea typeface="微软雅黑" panose="020B0503020204020204" pitchFamily="34" charset="-122"/>
               </a:rPr>
               <a:t>）实验结果</a:t>
             </a:r>
@@ -16637,22 +20113,22 @@
           <a:p>
             <a:r>
               <a:rPr lang="zh-CN" altLang="en-US" b="1" dirty="0">
-                <a:latin typeface="楷体" panose="02010609060101010101" charset="-122"/>
-                <a:ea typeface="楷体" panose="02010609060101010101" charset="-122"/>
+                <a:latin typeface="微软雅黑" panose="020B0503020204020204" pitchFamily="34" charset="-122"/>
+                <a:ea typeface="微软雅黑" panose="020B0503020204020204" pitchFamily="34" charset="-122"/>
               </a:rPr>
               <a:t>③</a:t>
             </a:r>
             <a:r>
               <a:rPr lang="en-US" altLang="zh-CN" b="1" dirty="0">
-                <a:latin typeface="楷体" panose="02010609060101010101" charset="-122"/>
-                <a:ea typeface="楷体" panose="02010609060101010101" charset="-122"/>
+                <a:latin typeface="微软雅黑" panose="020B0503020204020204" pitchFamily="34" charset="-122"/>
+                <a:ea typeface="微软雅黑" panose="020B0503020204020204" pitchFamily="34" charset="-122"/>
               </a:rPr>
               <a:t>K-Means</a:t>
             </a:r>
             <a:r>
               <a:rPr lang="zh-CN" altLang="en-US" b="1" dirty="0">
-                <a:latin typeface="楷体" panose="02010609060101010101" charset="-122"/>
-                <a:ea typeface="楷体" panose="02010609060101010101" charset="-122"/>
+                <a:latin typeface="微软雅黑" panose="020B0503020204020204" pitchFamily="34" charset="-122"/>
+                <a:ea typeface="微软雅黑" panose="020B0503020204020204" pitchFamily="34" charset="-122"/>
               </a:rPr>
               <a:t>聚类</a:t>
             </a:r>
@@ -16674,7 +20150,7 @@
         <p:spPr>
           <a:xfrm>
             <a:off x="1145640" y="2093181"/>
-            <a:ext cx="4465320" cy="773289"/>
+            <a:ext cx="4465320" cy="787523"/>
           </a:xfrm>
           <a:prstGeom prst="rect">
             <a:avLst/>
@@ -16694,29 +20170,38 @@
             </a:pPr>
             <a:r>
               <a:rPr lang="zh-CN" altLang="en-US" sz="1600" dirty="0">
-                <a:latin typeface="宋体" panose="02010600030101010101" pitchFamily="2" charset="-122"/>
-                <a:ea typeface="宋体" panose="02010600030101010101" pitchFamily="2" charset="-122"/>
+                <a:latin typeface="微软雅黑" panose="020B0503020204020204" pitchFamily="34" charset="-122"/>
+                <a:ea typeface="微软雅黑" panose="020B0503020204020204" pitchFamily="34" charset="-122"/>
               </a:rPr>
               <a:t>相对误差绝对值平均数：</a:t>
             </a:r>
             <a:r>
               <a:rPr lang="en-US" altLang="zh-CN" sz="1600" dirty="0">
-                <a:latin typeface="宋体" panose="02010600030101010101" pitchFamily="2" charset="-122"/>
-                <a:ea typeface="宋体" panose="02010600030101010101" pitchFamily="2" charset="-122"/>
+                <a:solidFill>
+                  <a:srgbClr val="FF0000"/>
+                </a:solidFill>
+                <a:latin typeface="微软雅黑" panose="020B0503020204020204" pitchFamily="34" charset="-122"/>
+                <a:ea typeface="微软雅黑" panose="020B0503020204020204" pitchFamily="34" charset="-122"/>
               </a:rPr>
               <a:t>3.36</a:t>
             </a:r>
             <a:r>
               <a:rPr lang="zh-CN" altLang="en-US" sz="1600" dirty="0">
-                <a:latin typeface="宋体" panose="02010600030101010101" pitchFamily="2" charset="-122"/>
-                <a:ea typeface="宋体" panose="02010600030101010101" pitchFamily="2" charset="-122"/>
+                <a:solidFill>
+                  <a:srgbClr val="FF0000"/>
+                </a:solidFill>
+                <a:latin typeface="微软雅黑" panose="020B0503020204020204" pitchFamily="34" charset="-122"/>
+                <a:ea typeface="微软雅黑" panose="020B0503020204020204" pitchFamily="34" charset="-122"/>
               </a:rPr>
               <a:t>％</a:t>
             </a:r>
             <a:r>
               <a:rPr lang="en-US" altLang="zh-CN" sz="1600" dirty="0">
-                <a:latin typeface="宋体" panose="02010600030101010101" pitchFamily="2" charset="-122"/>
-                <a:ea typeface="宋体" panose="02010600030101010101" pitchFamily="2" charset="-122"/>
+                <a:solidFill>
+                  <a:srgbClr val="FF0000"/>
+                </a:solidFill>
+                <a:latin typeface="微软雅黑" panose="020B0503020204020204" pitchFamily="34" charset="-122"/>
+                <a:ea typeface="微软雅黑" panose="020B0503020204020204" pitchFamily="34" charset="-122"/>
               </a:rPr>
               <a:t>~8.04%</a:t>
             </a:r>
@@ -16729,38 +20214,51 @@
             </a:pPr>
             <a:r>
               <a:rPr lang="zh-CN" altLang="en-US" sz="1600" dirty="0">
-                <a:latin typeface="宋体" panose="02010600030101010101" pitchFamily="2" charset="-122"/>
-                <a:ea typeface="宋体" panose="02010600030101010101" pitchFamily="2" charset="-122"/>
+                <a:latin typeface="微软雅黑" panose="020B0503020204020204" pitchFamily="34" charset="-122"/>
+                <a:ea typeface="微软雅黑" panose="020B0503020204020204" pitchFamily="34" charset="-122"/>
               </a:rPr>
               <a:t>在</a:t>
             </a:r>
             <a:r>
               <a:rPr lang="en-US" altLang="zh-CN" sz="1600" dirty="0">
-                <a:latin typeface="宋体" panose="02010600030101010101" pitchFamily="2" charset="-122"/>
-                <a:ea typeface="宋体" panose="02010600030101010101" pitchFamily="2" charset="-122"/>
+                <a:latin typeface="微软雅黑" panose="020B0503020204020204" pitchFamily="34" charset="-122"/>
+                <a:ea typeface="微软雅黑" panose="020B0503020204020204" pitchFamily="34" charset="-122"/>
               </a:rPr>
               <a:t>D</a:t>
             </a:r>
             <a:r>
               <a:rPr lang="zh-CN" altLang="en-US" sz="1600" dirty="0">
-                <a:latin typeface="宋体" panose="02010600030101010101" pitchFamily="2" charset="-122"/>
-                <a:ea typeface="宋体" panose="02010600030101010101" pitchFamily="2" charset="-122"/>
+                <a:latin typeface="微软雅黑" panose="020B0503020204020204" pitchFamily="34" charset="-122"/>
+                <a:ea typeface="微软雅黑" panose="020B0503020204020204" pitchFamily="34" charset="-122"/>
               </a:rPr>
               <a:t>矩阵行数为</a:t>
             </a:r>
             <a:r>
               <a:rPr lang="en-US" altLang="zh-CN" sz="1600" dirty="0">
-                <a:latin typeface="宋体" panose="02010600030101010101" pitchFamily="2" charset="-122"/>
-                <a:ea typeface="宋体" panose="02010600030101010101" pitchFamily="2" charset="-122"/>
+                <a:solidFill>
+                  <a:srgbClr val="FF0000"/>
+                </a:solidFill>
+                <a:latin typeface="微软雅黑" panose="020B0503020204020204" pitchFamily="34" charset="-122"/>
+                <a:ea typeface="微软雅黑" panose="020B0503020204020204" pitchFamily="34" charset="-122"/>
               </a:rPr>
               <a:t>100</a:t>
             </a:r>
             <a:r>
               <a:rPr lang="zh-CN" altLang="en-US" sz="1600" dirty="0">
-                <a:latin typeface="宋体" panose="02010600030101010101" pitchFamily="2" charset="-122"/>
-                <a:ea typeface="宋体" panose="02010600030101010101" pitchFamily="2" charset="-122"/>
-              </a:rPr>
-              <a:t>行时取得最小值</a:t>
+                <a:solidFill>
+                  <a:srgbClr val="FF0000"/>
+                </a:solidFill>
+                <a:latin typeface="微软雅黑" panose="020B0503020204020204" pitchFamily="34" charset="-122"/>
+                <a:ea typeface="微软雅黑" panose="020B0503020204020204" pitchFamily="34" charset="-122"/>
+              </a:rPr>
+              <a:t>行</a:t>
+            </a:r>
+            <a:r>
+              <a:rPr lang="zh-CN" altLang="en-US" sz="1600" dirty="0">
+                <a:latin typeface="微软雅黑" panose="020B0503020204020204" pitchFamily="34" charset="-122"/>
+                <a:ea typeface="微软雅黑" panose="020B0503020204020204" pitchFamily="34" charset="-122"/>
+              </a:rPr>
+              <a:t>时取得最小值</a:t>
             </a:r>
           </a:p>
         </p:txBody>
@@ -16795,8 +20293,8 @@
           <a:p>
             <a:r>
               <a:rPr lang="zh-CN" altLang="en-US" b="1" dirty="0">
-                <a:latin typeface="楷体" panose="02010609060101010101" charset="-122"/>
-                <a:ea typeface="楷体" panose="02010609060101010101" charset="-122"/>
+                <a:latin typeface="微软雅黑" panose="020B0503020204020204" pitchFamily="34" charset="-122"/>
+                <a:ea typeface="微软雅黑" panose="020B0503020204020204" pitchFamily="34" charset="-122"/>
               </a:rPr>
               <a:t>④相似度最小填充</a:t>
             </a:r>
@@ -16818,7 +20316,7 @@
         <p:spPr>
           <a:xfrm>
             <a:off x="6874356" y="5436475"/>
-            <a:ext cx="4465320" cy="773289"/>
+            <a:ext cx="4465320" cy="787523"/>
           </a:xfrm>
           <a:prstGeom prst="rect">
             <a:avLst/>
@@ -16838,15 +20336,18 @@
             </a:pPr>
             <a:r>
               <a:rPr lang="zh-CN" altLang="en-US" sz="1600" dirty="0">
-                <a:latin typeface="宋体" panose="02010600030101010101" pitchFamily="2" charset="-122"/>
-                <a:ea typeface="宋体" panose="02010600030101010101" pitchFamily="2" charset="-122"/>
+                <a:latin typeface="微软雅黑" panose="020B0503020204020204" pitchFamily="34" charset="-122"/>
+                <a:ea typeface="微软雅黑" panose="020B0503020204020204" pitchFamily="34" charset="-122"/>
               </a:rPr>
               <a:t>相对误差绝对值平均数：</a:t>
             </a:r>
             <a:r>
               <a:rPr lang="en-US" altLang="zh-CN" sz="1600" dirty="0">
-                <a:latin typeface="宋体" panose="02010600030101010101" pitchFamily="2" charset="-122"/>
-                <a:ea typeface="宋体" panose="02010600030101010101" pitchFamily="2" charset="-122"/>
+                <a:solidFill>
+                  <a:srgbClr val="FF0000"/>
+                </a:solidFill>
+                <a:latin typeface="微软雅黑" panose="020B0503020204020204" pitchFamily="34" charset="-122"/>
+                <a:ea typeface="微软雅黑" panose="020B0503020204020204" pitchFamily="34" charset="-122"/>
               </a:rPr>
               <a:t>0.55%~1.31%</a:t>
             </a:r>
@@ -16859,38 +20360,51 @@
             </a:pPr>
             <a:r>
               <a:rPr lang="zh-CN" altLang="en-US" sz="1600" dirty="0">
-                <a:latin typeface="宋体" panose="02010600030101010101" pitchFamily="2" charset="-122"/>
-                <a:ea typeface="宋体" panose="02010600030101010101" pitchFamily="2" charset="-122"/>
+                <a:latin typeface="微软雅黑" panose="020B0503020204020204" pitchFamily="34" charset="-122"/>
+                <a:ea typeface="微软雅黑" panose="020B0503020204020204" pitchFamily="34" charset="-122"/>
               </a:rPr>
               <a:t>在</a:t>
             </a:r>
             <a:r>
               <a:rPr lang="en-US" altLang="zh-CN" sz="1600" dirty="0">
-                <a:latin typeface="宋体" panose="02010600030101010101" pitchFamily="2" charset="-122"/>
-                <a:ea typeface="宋体" panose="02010600030101010101" pitchFamily="2" charset="-122"/>
+                <a:latin typeface="微软雅黑" panose="020B0503020204020204" pitchFamily="34" charset="-122"/>
+                <a:ea typeface="微软雅黑" panose="020B0503020204020204" pitchFamily="34" charset="-122"/>
               </a:rPr>
               <a:t>D</a:t>
             </a:r>
             <a:r>
               <a:rPr lang="zh-CN" altLang="en-US" sz="1600" dirty="0">
-                <a:latin typeface="宋体" panose="02010600030101010101" pitchFamily="2" charset="-122"/>
-                <a:ea typeface="宋体" panose="02010600030101010101" pitchFamily="2" charset="-122"/>
+                <a:latin typeface="微软雅黑" panose="020B0503020204020204" pitchFamily="34" charset="-122"/>
+                <a:ea typeface="微软雅黑" panose="020B0503020204020204" pitchFamily="34" charset="-122"/>
               </a:rPr>
               <a:t>矩阵行数为</a:t>
             </a:r>
             <a:r>
               <a:rPr lang="en-US" altLang="zh-CN" sz="1600" dirty="0">
-                <a:latin typeface="宋体" panose="02010600030101010101" pitchFamily="2" charset="-122"/>
-                <a:ea typeface="宋体" panose="02010600030101010101" pitchFamily="2" charset="-122"/>
+                <a:solidFill>
+                  <a:srgbClr val="FF0000"/>
+                </a:solidFill>
+                <a:latin typeface="微软雅黑" panose="020B0503020204020204" pitchFamily="34" charset="-122"/>
+                <a:ea typeface="微软雅黑" panose="020B0503020204020204" pitchFamily="34" charset="-122"/>
               </a:rPr>
               <a:t>100</a:t>
             </a:r>
             <a:r>
               <a:rPr lang="zh-CN" altLang="en-US" sz="1600" dirty="0">
-                <a:latin typeface="宋体" panose="02010600030101010101" pitchFamily="2" charset="-122"/>
-                <a:ea typeface="宋体" panose="02010600030101010101" pitchFamily="2" charset="-122"/>
-              </a:rPr>
-              <a:t>行时取得最小值</a:t>
+                <a:solidFill>
+                  <a:srgbClr val="FF0000"/>
+                </a:solidFill>
+                <a:latin typeface="微软雅黑" panose="020B0503020204020204" pitchFamily="34" charset="-122"/>
+                <a:ea typeface="微软雅黑" panose="020B0503020204020204" pitchFamily="34" charset="-122"/>
+              </a:rPr>
+              <a:t>行</a:t>
+            </a:r>
+            <a:r>
+              <a:rPr lang="zh-CN" altLang="en-US" sz="1600" dirty="0">
+                <a:latin typeface="微软雅黑" panose="020B0503020204020204" pitchFamily="34" charset="-122"/>
+                <a:ea typeface="微软雅黑" panose="020B0503020204020204" pitchFamily="34" charset="-122"/>
+              </a:rPr>
+              <a:t>时取得最小值</a:t>
             </a:r>
           </a:p>
         </p:txBody>
@@ -16908,7 +20422,7 @@
 </p:sld>
 </file>
 
-<file path=ppt/slides/slide8.xml><?xml version="1.0" encoding="utf-8"?>
+<file path=ppt/slides/slide9.xml><?xml version="1.0" encoding="utf-8"?>
 <p:sld xmlns:a="http://schemas.openxmlformats.org/drawingml/2006/main" xmlns:r="http://schemas.openxmlformats.org/officeDocument/2006/relationships" xmlns:p="http://schemas.openxmlformats.org/presentationml/2006/main">
   <p:cSld>
     <p:spTree>
@@ -17122,7 +20636,8 @@
                 <a:solidFill>
                   <a:srgbClr val="2B528B"/>
                 </a:solidFill>
-                <a:latin typeface="+mn-ea"/>
+                <a:latin typeface="微软雅黑" panose="020B0503020204020204" pitchFamily="34" charset="-122"/>
+                <a:ea typeface="微软雅黑" panose="020B0503020204020204" pitchFamily="34" charset="-122"/>
               </a:rPr>
               <a:t>（</a:t>
             </a:r>
@@ -17131,16 +20646,18 @@
                 <a:solidFill>
                   <a:srgbClr val="2B528B"/>
                 </a:solidFill>
-                <a:latin typeface="+mn-ea"/>
-              </a:rPr>
-              <a:t>4</a:t>
+                <a:latin typeface="微软雅黑" panose="020B0503020204020204" pitchFamily="34" charset="-122"/>
+                <a:ea typeface="微软雅黑" panose="020B0503020204020204" pitchFamily="34" charset="-122"/>
+              </a:rPr>
+              <a:t>3</a:t>
             </a:r>
             <a:r>
               <a:rPr lang="zh-CN" altLang="en-US" sz="2000" dirty="0">
                 <a:solidFill>
                   <a:srgbClr val="2B528B"/>
                 </a:solidFill>
-                <a:latin typeface="+mn-ea"/>
+                <a:latin typeface="微软雅黑" panose="020B0503020204020204" pitchFamily="34" charset="-122"/>
+                <a:ea typeface="微软雅黑" panose="020B0503020204020204" pitchFamily="34" charset="-122"/>
               </a:rPr>
               <a:t>）状态矩阵</a:t>
             </a:r>
@@ -17149,7 +20666,8 @@
                 <a:solidFill>
                   <a:srgbClr val="2B528B"/>
                 </a:solidFill>
-                <a:latin typeface="+mn-ea"/>
+                <a:latin typeface="微软雅黑" panose="020B0503020204020204" pitchFamily="34" charset="-122"/>
+                <a:ea typeface="微软雅黑" panose="020B0503020204020204" pitchFamily="34" charset="-122"/>
               </a:rPr>
               <a:t>D</a:t>
             </a:r>
@@ -17158,7 +20676,8 @@
                 <a:solidFill>
                   <a:srgbClr val="2B528B"/>
                 </a:solidFill>
-                <a:latin typeface="+mn-ea"/>
+                <a:latin typeface="微软雅黑" panose="020B0503020204020204" pitchFamily="34" charset="-122"/>
+                <a:ea typeface="微软雅黑" panose="020B0503020204020204" pitchFamily="34" charset="-122"/>
               </a:rPr>
               <a:t>的最终确定</a:t>
             </a:r>
@@ -17221,7 +20740,24 @@
                     <a:latin typeface="微软雅黑" panose="020B0503020204020204" pitchFamily="34" charset="-122"/>
                     <a:ea typeface="微软雅黑" panose="020B0503020204020204" pitchFamily="34" charset="-122"/>
                   </a:rPr>
-                  <a:t>个点中选出其“几何均值”加入到</a:t>
+                  <a:t>个点中选出其</a:t>
+                </a:r>
+                <a:r>
+                  <a:rPr lang="zh-CN" altLang="en-US" sz="1600" b="1" dirty="0">
+                    <a:solidFill>
+                      <a:srgbClr val="FF0000"/>
+                    </a:solidFill>
+                    <a:latin typeface="微软雅黑" panose="020B0503020204020204" pitchFamily="34" charset="-122"/>
+                    <a:ea typeface="微软雅黑" panose="020B0503020204020204" pitchFamily="34" charset="-122"/>
+                  </a:rPr>
+                  <a:t>“几何中值”</a:t>
+                </a:r>
+                <a:r>
+                  <a:rPr lang="zh-CN" altLang="en-US" sz="1600" dirty="0">
+                    <a:latin typeface="微软雅黑" panose="020B0503020204020204" pitchFamily="34" charset="-122"/>
+                    <a:ea typeface="微软雅黑" panose="020B0503020204020204" pitchFamily="34" charset="-122"/>
+                  </a:rPr>
+                  <a:t>加入到</a:t>
                 </a:r>
                 <a:r>
                   <a:rPr lang="en-US" altLang="zh-CN" sz="1600" dirty="0">
@@ -17255,7 +20791,24 @@
                     <a:latin typeface="微软雅黑" panose="020B0503020204020204" pitchFamily="34" charset="-122"/>
                     <a:ea typeface="微软雅黑" panose="020B0503020204020204" pitchFamily="34" charset="-122"/>
                   </a:rPr>
-                  <a:t>根据数据的误差特征，取出第二个特征中最小的</a:t>
+                  <a:t>根据数据的误差特征，取出</a:t>
+                </a:r>
+                <a:r>
+                  <a:rPr lang="zh-CN" altLang="en-US" sz="1600" dirty="0">
+                    <a:solidFill>
+                      <a:srgbClr val="FF0000"/>
+                    </a:solidFill>
+                    <a:latin typeface="微软雅黑" panose="020B0503020204020204" pitchFamily="34" charset="-122"/>
+                    <a:ea typeface="微软雅黑" panose="020B0503020204020204" pitchFamily="34" charset="-122"/>
+                  </a:rPr>
+                  <a:t>第二个特征</a:t>
+                </a:r>
+                <a:r>
+                  <a:rPr lang="zh-CN" altLang="en-US" sz="1600" dirty="0">
+                    <a:latin typeface="微软雅黑" panose="020B0503020204020204" pitchFamily="34" charset="-122"/>
+                    <a:ea typeface="微软雅黑" panose="020B0503020204020204" pitchFamily="34" charset="-122"/>
+                  </a:rPr>
+                  <a:t>中最小的</a:t>
                 </a:r>
                 <a:r>
                   <a:rPr lang="en-US" altLang="zh-CN" sz="1600" dirty="0">
@@ -17283,7 +20836,24 @@
                     <a:latin typeface="微软雅黑" panose="020B0503020204020204" pitchFamily="34" charset="-122"/>
                     <a:ea typeface="微软雅黑" panose="020B0503020204020204" pitchFamily="34" charset="-122"/>
                   </a:rPr>
-                  <a:t>个数据点，取出第十个特征中最小的</a:t>
+                  <a:t>个数据点，取出</a:t>
+                </a:r>
+                <a:r>
+                  <a:rPr lang="zh-CN" altLang="en-US" sz="1600" dirty="0">
+                    <a:solidFill>
+                      <a:srgbClr val="FF0000"/>
+                    </a:solidFill>
+                    <a:latin typeface="微软雅黑" panose="020B0503020204020204" pitchFamily="34" charset="-122"/>
+                    <a:ea typeface="微软雅黑" panose="020B0503020204020204" pitchFamily="34" charset="-122"/>
+                  </a:rPr>
+                  <a:t>第十个特征</a:t>
+                </a:r>
+                <a:r>
+                  <a:rPr lang="zh-CN" altLang="en-US" sz="1600" dirty="0">
+                    <a:latin typeface="微软雅黑" panose="020B0503020204020204" pitchFamily="34" charset="-122"/>
+                    <a:ea typeface="微软雅黑" panose="020B0503020204020204" pitchFamily="34" charset="-122"/>
+                  </a:rPr>
+                  <a:t>中最小的</a:t>
                 </a:r>
                 <a:r>
                   <a:rPr lang="en-US" altLang="zh-CN" sz="1600" dirty="0">
@@ -17345,7 +20915,24 @@
                     <a:latin typeface="微软雅黑" panose="020B0503020204020204" pitchFamily="34" charset="-122"/>
                     <a:ea typeface="微软雅黑" panose="020B0503020204020204" pitchFamily="34" charset="-122"/>
                   </a:rPr>
-                  <a:t>使用最小偏差方法向矩阵</a:t>
+                  <a:t>使用</a:t>
+                </a:r>
+                <a:r>
+                  <a:rPr lang="zh-CN" altLang="en-US" sz="1600" dirty="0">
+                    <a:solidFill>
+                      <a:srgbClr val="FF0000"/>
+                    </a:solidFill>
+                    <a:latin typeface="微软雅黑" panose="020B0503020204020204" pitchFamily="34" charset="-122"/>
+                    <a:ea typeface="微软雅黑" panose="020B0503020204020204" pitchFamily="34" charset="-122"/>
+                  </a:rPr>
+                  <a:t>最小偏差方法</a:t>
+                </a:r>
+                <a:r>
+                  <a:rPr lang="zh-CN" altLang="en-US" sz="1600" dirty="0">
+                    <a:latin typeface="微软雅黑" panose="020B0503020204020204" pitchFamily="34" charset="-122"/>
+                    <a:ea typeface="微软雅黑" panose="020B0503020204020204" pitchFamily="34" charset="-122"/>
+                  </a:rPr>
+                  <a:t>向矩阵</a:t>
                 </a:r>
                 <a:r>
                   <a:rPr lang="en-US" altLang="zh-CN" sz="1600" dirty="0">
@@ -17446,18 +21033,31 @@
                   <a:t>使用</a:t>
                 </a:r>
                 <a:r>
-                  <a:rPr lang="en-US" altLang="zh-CN" sz="1600" dirty="0" err="1">
+                  <a:rPr lang="en-US" altLang="zh-CN" sz="1600" b="1" dirty="0" err="1">
+                    <a:solidFill>
+                      <a:srgbClr val="FF0000"/>
+                    </a:solidFill>
                     <a:latin typeface="微软雅黑" panose="020B0503020204020204" pitchFamily="34" charset="-122"/>
                     <a:ea typeface="微软雅黑" panose="020B0503020204020204" pitchFamily="34" charset="-122"/>
                   </a:rPr>
                   <a:t>kmeans</a:t>
                 </a:r>
                 <a:r>
+                  <a:rPr lang="zh-CN" altLang="en-US" sz="1600" b="1" dirty="0">
+                    <a:solidFill>
+                      <a:srgbClr val="FF0000"/>
+                    </a:solidFill>
+                    <a:latin typeface="微软雅黑" panose="020B0503020204020204" pitchFamily="34" charset="-122"/>
+                    <a:ea typeface="微软雅黑" panose="020B0503020204020204" pitchFamily="34" charset="-122"/>
+                  </a:rPr>
+                  <a:t>聚类</a:t>
+                </a:r>
+                <a:r>
                   <a:rPr lang="zh-CN" altLang="en-US" sz="1600" dirty="0">
                     <a:latin typeface="微软雅黑" panose="020B0503020204020204" pitchFamily="34" charset="-122"/>
                     <a:ea typeface="微软雅黑" panose="020B0503020204020204" pitchFamily="34" charset="-122"/>
                   </a:rPr>
-                  <a:t>聚类向矩阵中填充</a:t>
+                  <a:t>向矩阵中填充</a:t>
                 </a:r>
                 <a14:m>
                   <m:oMath xmlns:m="http://schemas.openxmlformats.org/officeDocument/2006/math">
@@ -17478,7 +21078,7 @@
                   <a:t>个向量，即将所有的历史数据使用</a:t>
                 </a:r>
                 <a:r>
-                  <a:rPr lang="en-US" altLang="zh-CN" sz="1600" dirty="0" err="1">
+                  <a:rPr lang="en-US" altLang="zh-CN" sz="1600" dirty="0">
                     <a:latin typeface="微软雅黑" panose="020B0503020204020204" pitchFamily="34" charset="-122"/>
                     <a:ea typeface="微软雅黑" panose="020B0503020204020204" pitchFamily="34" charset="-122"/>
                   </a:rPr>
@@ -17494,7 +21094,10 @@
                 <a14:m>
                   <m:oMath xmlns:m="http://schemas.openxmlformats.org/officeDocument/2006/math">
                     <m:r>
-                      <a:rPr lang="en-US" altLang="zh-CN" sz="1600" i="1" dirty="0">
+                      <a:rPr lang="en-US" altLang="zh-CN" sz="1600" i="1" dirty="0" smtClean="0">
+                        <a:solidFill>
+                          <a:srgbClr val="FF0000"/>
+                        </a:solidFill>
                         <a:latin typeface="Cambria Math" panose="02040503050406030204" pitchFamily="18" charset="0"/>
                         <a:ea typeface="微软雅黑" panose="020B0503020204020204" pitchFamily="34" charset="-122"/>
                       </a:rPr>
@@ -17504,10 +21107,37 @@
                 </a14:m>
                 <a:r>
                   <a:rPr lang="zh-CN" altLang="en-US" sz="1600" dirty="0">
+                    <a:solidFill>
+                      <a:srgbClr val="FF0000"/>
+                    </a:solidFill>
                     <a:latin typeface="微软雅黑" panose="020B0503020204020204" pitchFamily="34" charset="-122"/>
                     <a:ea typeface="微软雅黑" panose="020B0503020204020204" pitchFamily="34" charset="-122"/>
                   </a:rPr>
-                  <a:t>类，并将其加入到</a:t>
+                  <a:t>类</a:t>
+                </a:r>
+                <a:r>
+                  <a:rPr lang="zh-CN" altLang="en-US" sz="1600" dirty="0">
+                    <a:latin typeface="微软雅黑" panose="020B0503020204020204" pitchFamily="34" charset="-122"/>
+                    <a:ea typeface="微软雅黑" panose="020B0503020204020204" pitchFamily="34" charset="-122"/>
+                  </a:rPr>
+                  <a:t>，并将</a:t>
+                </a:r>
+                <a:r>
+                  <a:rPr lang="zh-CN" altLang="en-US" sz="1600" dirty="0">
+                    <a:solidFill>
+                      <a:srgbClr val="FF0000"/>
+                    </a:solidFill>
+                    <a:latin typeface="微软雅黑" panose="020B0503020204020204" pitchFamily="34" charset="-122"/>
+                    <a:ea typeface="微软雅黑" panose="020B0503020204020204" pitchFamily="34" charset="-122"/>
+                  </a:rPr>
+                  <a:t>聚类中心</a:t>
+                </a:r>
+                <a:r>
+                  <a:rPr lang="zh-CN" altLang="en-US" sz="1600" dirty="0">
+                    <a:latin typeface="微软雅黑" panose="020B0503020204020204" pitchFamily="34" charset="-122"/>
+                    <a:ea typeface="微软雅黑" panose="020B0503020204020204" pitchFamily="34" charset="-122"/>
+                  </a:rPr>
+                  <a:t>加入到</a:t>
                 </a:r>
                 <a:r>
                   <a:rPr lang="en-US" altLang="zh-CN" sz="1600" dirty="0">
@@ -17645,12 +21275,9 @@
                   <a:t>的维度为</a:t>
                 </a:r>
                 <a:r>
-                  <a:rPr lang="en-US" altLang="zh-CN" sz="1600" dirty="0">
+                  <a:rPr lang="en-US" altLang="zh-CN" sz="1600" b="1" dirty="0">
                     <a:solidFill>
-                      <a:schemeClr val="accent6">
-                        <a:lumMod val="75000"/>
-                        <a:lumOff val="25000"/>
-                      </a:schemeClr>
+                      <a:srgbClr val="FF0000"/>
                     </a:solidFill>
                   </a:rPr>
                   <a:t>50×10</a:t>
@@ -17669,28 +21296,70 @@
                 <a14:m>
                   <m:oMath xmlns:m="http://schemas.openxmlformats.org/officeDocument/2006/math">
                     <m:r>
-                      <a:rPr lang="en-US" altLang="zh-CN" sz="1600" i="1" dirty="0" smtClean="0">
+                      <a:rPr lang="en-US" altLang="zh-CN" sz="1600" b="1" i="1" dirty="0" smtClean="0">
                         <a:solidFill>
-                          <a:schemeClr val="accent6">
-                            <a:lumMod val="75000"/>
-                            <a:lumOff val="25000"/>
-                          </a:schemeClr>
+                          <a:srgbClr val="FF0000"/>
                         </a:solidFill>
                         <a:latin typeface="Cambria Math" panose="02040503050406030204" pitchFamily="18" charset="0"/>
                       </a:rPr>
-                      <m:t>𝑑</m:t>
+                      <m:t>𝒅</m:t>
                     </m:r>
                     <m:r>
-                      <a:rPr lang="en-US" altLang="zh-CN" sz="1600" i="1" dirty="0" smtClean="0">
+                      <a:rPr lang="en-US" altLang="zh-CN" sz="1600" b="1" i="1" dirty="0" smtClean="0">
                         <a:solidFill>
-                          <a:schemeClr val="accent6">
-                            <a:lumMod val="75000"/>
-                            <a:lumOff val="25000"/>
-                          </a:schemeClr>
+                          <a:srgbClr val="FF0000"/>
                         </a:solidFill>
                         <a:latin typeface="Cambria Math" panose="02040503050406030204" pitchFamily="18" charset="0"/>
                       </a:rPr>
-                      <m:t>=18</m:t>
+                      <m:t>=</m:t>
+                    </m:r>
+                    <m:r>
+                      <a:rPr lang="en-US" altLang="zh-CN" sz="1600" b="1" i="1" dirty="0" smtClean="0">
+                        <a:solidFill>
+                          <a:srgbClr val="FF0000"/>
+                        </a:solidFill>
+                        <a:latin typeface="Cambria Math" panose="02040503050406030204" pitchFamily="18" charset="0"/>
+                      </a:rPr>
+                      <m:t>𝟏𝟖</m:t>
+                    </m:r>
+                  </m:oMath>
+                </a14:m>
+                <a:r>
+                  <a:rPr lang="zh-CN" altLang="en-US" sz="1600" b="1" dirty="0">
+                    <a:solidFill>
+                      <a:srgbClr val="FF0000"/>
+                    </a:solidFill>
+                  </a:rPr>
+                  <a:t>，</a:t>
+                </a:r>
+                <a14:m>
+                  <m:oMath xmlns:m="http://schemas.openxmlformats.org/officeDocument/2006/math">
+                    <m:r>
+                      <a:rPr lang="en-US" altLang="zh-CN" sz="1600" b="1" i="1" dirty="0" smtClean="0">
+                        <a:solidFill>
+                          <a:srgbClr val="FF0000"/>
+                        </a:solidFill>
+                        <a:latin typeface="Cambria Math" panose="02040503050406030204" pitchFamily="18" charset="0"/>
+                      </a:rPr>
+                      <m:t>𝒄</m:t>
+                    </m:r>
+                    <m:r>
+                      <a:rPr lang="en-US" altLang="zh-CN" sz="1600" b="1" i="1" dirty="0" smtClean="0">
+                        <a:solidFill>
+                          <a:srgbClr val="FF0000"/>
+                        </a:solidFill>
+                        <a:latin typeface="Cambria Math" panose="02040503050406030204" pitchFamily="18" charset="0"/>
+                      </a:rPr>
+                      <m:t>=</m:t>
+                    </m:r>
+                    <m:r>
+                      <a:rPr lang="en-US" altLang="zh-CN" sz="1600" b="1" i="1" dirty="0" smtClean="0">
+                        <a:solidFill>
+                          <a:srgbClr val="FF0000"/>
+                        </a:solidFill>
+                        <a:latin typeface="Cambria Math" panose="02040503050406030204" pitchFamily="18" charset="0"/>
+                      </a:rPr>
+                      <m:t>𝟐𝟎</m:t>
                     </m:r>
                   </m:oMath>
                 </a14:m>
@@ -17703,47 +21372,24 @@
                       </a:schemeClr>
                     </a:solidFill>
                   </a:rPr>
-                  <a:t>，</a:t>
+                  <a:t>时，偏差值的</a:t>
                 </a:r>
-                <a14:m>
-                  <m:oMath xmlns:m="http://schemas.openxmlformats.org/officeDocument/2006/math">
-                    <m:r>
-                      <a:rPr lang="en-US" altLang="zh-CN" sz="1600" i="1" dirty="0" smtClean="0">
-                        <a:solidFill>
-                          <a:schemeClr val="accent6">
-                            <a:lumMod val="75000"/>
-                            <a:lumOff val="25000"/>
-                          </a:schemeClr>
-                        </a:solidFill>
-                        <a:latin typeface="Cambria Math" panose="02040503050406030204" pitchFamily="18" charset="0"/>
-                      </a:rPr>
-                      <m:t>𝑐</m:t>
-                    </m:r>
-                    <m:r>
-                      <a:rPr lang="en-US" altLang="zh-CN" sz="1600" i="1" dirty="0" smtClean="0">
-                        <a:solidFill>
-                          <a:schemeClr val="accent6">
-                            <a:lumMod val="75000"/>
-                            <a:lumOff val="25000"/>
-                          </a:schemeClr>
-                        </a:solidFill>
-                        <a:latin typeface="Cambria Math" panose="02040503050406030204" pitchFamily="18" charset="0"/>
-                      </a:rPr>
-                      <m:t>=20</m:t>
-                    </m:r>
-                  </m:oMath>
-                </a14:m>
                 <a:r>
                   <a:rPr lang="zh-CN" altLang="en-US" sz="1600" dirty="0">
                     <a:solidFill>
-                      <a:schemeClr val="accent6">
-                        <a:lumMod val="75000"/>
-                        <a:lumOff val="25000"/>
-                      </a:schemeClr>
+                      <a:srgbClr val="FF0000"/>
                     </a:solidFill>
                   </a:rPr>
-                  <a:t>时，偏差值的平均值最小。</a:t>
+                  <a:t>平均值最小</a:t>
                 </a:r>
+                <a:endParaRPr lang="zh-CN" altLang="en-US" sz="1600" dirty="0">
+                  <a:solidFill>
+                    <a:schemeClr val="accent6">
+                      <a:lumMod val="75000"/>
+                      <a:lumOff val="25000"/>
+                    </a:schemeClr>
+                  </a:solidFill>
+                </a:endParaRPr>
               </a:p>
             </p:txBody>
           </p:sp>
@@ -17877,258 +21523,6 @@
     <p:extLst>
       <p:ext uri="{BB962C8B-B14F-4D97-AF65-F5344CB8AC3E}">
         <p14:creationId xmlns:p14="http://schemas.microsoft.com/office/powerpoint/2010/main" val="1662496317"/>
-      </p:ext>
-    </p:extLst>
-  </p:cSld>
-  <p:clrMapOvr>
-    <a:masterClrMapping/>
-  </p:clrMapOvr>
-</p:sld>
-</file>
-
-<file path=ppt/slides/slide9.xml><?xml version="1.0" encoding="utf-8"?>
-<p:sld xmlns:a="http://schemas.openxmlformats.org/drawingml/2006/main" xmlns:r="http://schemas.openxmlformats.org/officeDocument/2006/relationships" xmlns:p="http://schemas.openxmlformats.org/presentationml/2006/main">
-  <p:cSld>
-    <p:spTree>
-      <p:nvGrpSpPr>
-        <p:cNvPr id="1" name=""/>
-        <p:cNvGrpSpPr/>
-        <p:nvPr/>
-      </p:nvGrpSpPr>
-      <p:grpSpPr>
-        <a:xfrm>
-          <a:off x="0" y="0"/>
-          <a:ext cx="0" cy="0"/>
-          <a:chOff x="0" y="0"/>
-          <a:chExt cx="0" cy="0"/>
-        </a:xfrm>
-      </p:grpSpPr>
-      <p:sp>
-        <p:nvSpPr>
-          <p:cNvPr id="6" name="Rectangle 3"/>
-          <p:cNvSpPr/>
-          <p:nvPr/>
-        </p:nvSpPr>
-        <p:spPr>
-          <a:xfrm>
-            <a:off x="5446716" y="239732"/>
-            <a:ext cx="5892960" cy="523220"/>
-          </a:xfrm>
-          <a:prstGeom prst="rect">
-            <a:avLst/>
-          </a:prstGeom>
-        </p:spPr>
-        <p:txBody>
-          <a:bodyPr wrap="none" anchor="t">
-            <a:spAutoFit/>
-          </a:bodyPr>
-          <a:lstStyle>
-            <a:defPPr>
-              <a:defRPr lang="en-US"/>
-            </a:defPPr>
-            <a:lvl1pPr marL="0" algn="l" defTabSz="914400" rtl="0" eaLnBrk="1" latinLnBrk="0" hangingPunct="1">
-              <a:defRPr sz="1800" kern="1200">
-                <a:solidFill>
-                  <a:schemeClr val="tx1"/>
-                </a:solidFill>
-                <a:latin typeface="+mn-lt"/>
-                <a:ea typeface="+mn-ea"/>
-                <a:cs typeface="+mn-cs"/>
-              </a:defRPr>
-            </a:lvl1pPr>
-            <a:lvl2pPr marL="457200" algn="l" defTabSz="914400" rtl="0" eaLnBrk="1" latinLnBrk="0" hangingPunct="1">
-              <a:defRPr sz="1800" kern="1200">
-                <a:solidFill>
-                  <a:schemeClr val="tx1"/>
-                </a:solidFill>
-                <a:latin typeface="+mn-lt"/>
-                <a:ea typeface="+mn-ea"/>
-                <a:cs typeface="+mn-cs"/>
-              </a:defRPr>
-            </a:lvl2pPr>
-            <a:lvl3pPr marL="914400" algn="l" defTabSz="914400" rtl="0" eaLnBrk="1" latinLnBrk="0" hangingPunct="1">
-              <a:defRPr sz="1800" kern="1200">
-                <a:solidFill>
-                  <a:schemeClr val="tx1"/>
-                </a:solidFill>
-                <a:latin typeface="+mn-lt"/>
-                <a:ea typeface="+mn-ea"/>
-                <a:cs typeface="+mn-cs"/>
-              </a:defRPr>
-            </a:lvl3pPr>
-            <a:lvl4pPr marL="1371600" algn="l" defTabSz="914400" rtl="0" eaLnBrk="1" latinLnBrk="0" hangingPunct="1">
-              <a:defRPr sz="1800" kern="1200">
-                <a:solidFill>
-                  <a:schemeClr val="tx1"/>
-                </a:solidFill>
-                <a:latin typeface="+mn-lt"/>
-                <a:ea typeface="+mn-ea"/>
-                <a:cs typeface="+mn-cs"/>
-              </a:defRPr>
-            </a:lvl4pPr>
-            <a:lvl5pPr marL="1828800" algn="l" defTabSz="914400" rtl="0" eaLnBrk="1" latinLnBrk="0" hangingPunct="1">
-              <a:defRPr sz="1800" kern="1200">
-                <a:solidFill>
-                  <a:schemeClr val="tx1"/>
-                </a:solidFill>
-                <a:latin typeface="+mn-lt"/>
-                <a:ea typeface="+mn-ea"/>
-                <a:cs typeface="+mn-cs"/>
-              </a:defRPr>
-            </a:lvl5pPr>
-            <a:lvl6pPr marL="2286000" algn="l" defTabSz="914400" rtl="0" eaLnBrk="1" latinLnBrk="0" hangingPunct="1">
-              <a:defRPr sz="1800" kern="1200">
-                <a:solidFill>
-                  <a:schemeClr val="tx1"/>
-                </a:solidFill>
-                <a:latin typeface="+mn-lt"/>
-                <a:ea typeface="+mn-ea"/>
-                <a:cs typeface="+mn-cs"/>
-              </a:defRPr>
-            </a:lvl6pPr>
-            <a:lvl7pPr marL="2743200" algn="l" defTabSz="914400" rtl="0" eaLnBrk="1" latinLnBrk="0" hangingPunct="1">
-              <a:defRPr sz="1800" kern="1200">
-                <a:solidFill>
-                  <a:schemeClr val="tx1"/>
-                </a:solidFill>
-                <a:latin typeface="+mn-lt"/>
-                <a:ea typeface="+mn-ea"/>
-                <a:cs typeface="+mn-cs"/>
-              </a:defRPr>
-            </a:lvl7pPr>
-            <a:lvl8pPr marL="3200400" algn="l" defTabSz="914400" rtl="0" eaLnBrk="1" latinLnBrk="0" hangingPunct="1">
-              <a:defRPr sz="1800" kern="1200">
-                <a:solidFill>
-                  <a:schemeClr val="tx1"/>
-                </a:solidFill>
-                <a:latin typeface="+mn-lt"/>
-                <a:ea typeface="+mn-ea"/>
-                <a:cs typeface="+mn-cs"/>
-              </a:defRPr>
-            </a:lvl8pPr>
-            <a:lvl9pPr marL="3657600" algn="l" defTabSz="914400" rtl="0" eaLnBrk="1" latinLnBrk="0" hangingPunct="1">
-              <a:defRPr sz="1800" kern="1200">
-                <a:solidFill>
-                  <a:schemeClr val="tx1"/>
-                </a:solidFill>
-                <a:latin typeface="+mn-lt"/>
-                <a:ea typeface="+mn-ea"/>
-                <a:cs typeface="+mn-cs"/>
-              </a:defRPr>
-            </a:lvl9pPr>
-          </a:lstStyle>
-          <a:p>
-            <a:pPr algn="r"/>
-            <a:r>
-              <a:rPr lang="en-US" altLang="zh-CN" sz="2800" dirty="0">
-                <a:solidFill>
-                  <a:srgbClr val="005BBB"/>
-                </a:solidFill>
-                <a:latin typeface="微软雅黑" panose="020B0503020204020204" pitchFamily="34" charset="-122"/>
-                <a:ea typeface="微软雅黑" panose="020B0503020204020204" pitchFamily="34" charset="-122"/>
-                <a:cs typeface="Arial" panose="020B0604020202020204"/>
-              </a:rPr>
-              <a:t>3. </a:t>
-            </a:r>
-            <a:r>
-              <a:rPr lang="zh-CN" altLang="en-US" sz="2800" dirty="0">
-                <a:solidFill>
-                  <a:srgbClr val="005BBB"/>
-                </a:solidFill>
-                <a:latin typeface="微软雅黑" panose="020B0503020204020204" pitchFamily="34" charset="-122"/>
-                <a:ea typeface="微软雅黑" panose="020B0503020204020204" pitchFamily="34" charset="-122"/>
-                <a:cs typeface="Arial" panose="020B0604020202020204"/>
-              </a:rPr>
-              <a:t>状态矩阵</a:t>
-            </a:r>
-            <a:r>
-              <a:rPr lang="en-US" altLang="zh-CN" sz="2800" dirty="0">
-                <a:solidFill>
-                  <a:srgbClr val="005BBB"/>
-                </a:solidFill>
-                <a:latin typeface="微软雅黑" panose="020B0503020204020204" pitchFamily="34" charset="-122"/>
-                <a:ea typeface="微软雅黑" panose="020B0503020204020204" pitchFamily="34" charset="-122"/>
-                <a:cs typeface="Arial" panose="020B0604020202020204"/>
-              </a:rPr>
-              <a:t>D</a:t>
-            </a:r>
-            <a:r>
-              <a:rPr lang="zh-CN" altLang="en-US" sz="2800" dirty="0">
-                <a:solidFill>
-                  <a:srgbClr val="005BBB"/>
-                </a:solidFill>
-                <a:latin typeface="微软雅黑" panose="020B0503020204020204" pitchFamily="34" charset="-122"/>
-                <a:ea typeface="微软雅黑" panose="020B0503020204020204" pitchFamily="34" charset="-122"/>
-                <a:cs typeface="Arial" panose="020B0604020202020204"/>
-              </a:rPr>
-              <a:t>的选取方法及实验结果</a:t>
-            </a:r>
-          </a:p>
-        </p:txBody>
-      </p:sp>
-      <p:sp>
-        <p:nvSpPr>
-          <p:cNvPr id="3" name="文本框 2">
-            <a:extLst>
-              <a:ext uri="{FF2B5EF4-FFF2-40B4-BE49-F238E27FC236}">
-                <a16:creationId xmlns:a16="http://schemas.microsoft.com/office/drawing/2014/main" id="{8E83F885-57BA-491B-9E03-132F39A3227F}"/>
-              </a:ext>
-            </a:extLst>
-          </p:cNvPr>
-          <p:cNvSpPr txBox="1"/>
-          <p:nvPr/>
-        </p:nvSpPr>
-        <p:spPr>
-          <a:xfrm>
-            <a:off x="791210" y="1284446"/>
-            <a:ext cx="4003674" cy="400110"/>
-          </a:xfrm>
-          <a:prstGeom prst="rect">
-            <a:avLst/>
-          </a:prstGeom>
-          <a:noFill/>
-        </p:spPr>
-        <p:txBody>
-          <a:bodyPr wrap="square" rtlCol="0">
-            <a:spAutoFit/>
-          </a:bodyPr>
-          <a:lstStyle/>
-          <a:p>
-            <a:pPr algn="l"/>
-            <a:r>
-              <a:rPr lang="zh-CN" altLang="en-US" sz="2000" dirty="0">
-                <a:solidFill>
-                  <a:srgbClr val="2B528B"/>
-                </a:solidFill>
-                <a:latin typeface="+mn-ea"/>
-              </a:rPr>
-              <a:t>（</a:t>
-            </a:r>
-            <a:r>
-              <a:rPr lang="en-US" altLang="zh-CN" sz="2000" dirty="0">
-                <a:solidFill>
-                  <a:srgbClr val="2B528B"/>
-                </a:solidFill>
-                <a:latin typeface="+mn-ea"/>
-              </a:rPr>
-              <a:t>4</a:t>
-            </a:r>
-            <a:r>
-              <a:rPr lang="zh-CN" altLang="en-US" sz="2000" dirty="0">
-                <a:solidFill>
-                  <a:srgbClr val="2B528B"/>
-                </a:solidFill>
-                <a:latin typeface="+mn-ea"/>
-              </a:rPr>
-              <a:t>）</a:t>
-            </a:r>
-          </a:p>
-        </p:txBody>
-      </p:sp>
-    </p:spTree>
-    <p:extLst>
-      <p:ext uri="{BB962C8B-B14F-4D97-AF65-F5344CB8AC3E}">
-        <p14:creationId xmlns:p14="http://schemas.microsoft.com/office/powerpoint/2010/main" val="839798591"/>
       </p:ext>
     </p:extLst>
   </p:cSld>

--- a/SBM大作业汇报.pptx
+++ b/SBM大作业汇报.pptx
@@ -5,10 +5,10 @@
     <p:sldMasterId id="2147483648" r:id="rId1"/>
   </p:sldMasterIdLst>
   <p:notesMasterIdLst>
-    <p:notesMasterId r:id="rId15"/>
+    <p:notesMasterId r:id="rId18"/>
   </p:notesMasterIdLst>
   <p:handoutMasterIdLst>
-    <p:handoutMasterId r:id="rId16"/>
+    <p:handoutMasterId r:id="rId19"/>
   </p:handoutMasterIdLst>
   <p:sldIdLst>
     <p:sldId id="602" r:id="rId2"/>
@@ -20,10 +20,13 @@
     <p:sldId id="611" r:id="rId8"/>
     <p:sldId id="612" r:id="rId9"/>
     <p:sldId id="609" r:id="rId10"/>
-    <p:sldId id="615" r:id="rId11"/>
-    <p:sldId id="613" r:id="rId12"/>
-    <p:sldId id="588" r:id="rId13"/>
-    <p:sldId id="263" r:id="rId14"/>
+    <p:sldId id="618" r:id="rId11"/>
+    <p:sldId id="615" r:id="rId12"/>
+    <p:sldId id="613" r:id="rId13"/>
+    <p:sldId id="588" r:id="rId14"/>
+    <p:sldId id="617" r:id="rId15"/>
+    <p:sldId id="616" r:id="rId16"/>
+    <p:sldId id="263" r:id="rId17"/>
   </p:sldIdLst>
   <p:sldSz cx="12192000" cy="6858000"/>
   <p:notesSz cx="6858000" cy="9144000"/>
@@ -3089,7 +3092,7 @@
           <a:p>
             <a:fld id="{6C1A38E5-3C97-4458-90F2-DD728A4B81D0}" type="slidenum">
               <a:rPr lang="zh-CN" altLang="en-US" smtClean="0"/>
-              <a:t>13</a:t>
+              <a:t>16</a:t>
             </a:fld>
             <a:endParaRPr lang="zh-CN" altLang="en-US"/>
           </a:p>
@@ -6547,12 +6550,14 @@
           </a:bodyPr>
           <a:lstStyle/>
           <a:p>
+            <a:pPr algn="l"/>
             <a:r>
               <a:rPr lang="zh-CN" altLang="en-US" sz="2000" dirty="0">
                 <a:solidFill>
                   <a:srgbClr val="2B528B"/>
                 </a:solidFill>
-                <a:latin typeface="+mn-ea"/>
+                <a:latin typeface="微软雅黑" panose="020B0503020204020204" pitchFamily="34" charset="-122"/>
+                <a:ea typeface="微软雅黑" panose="020B0503020204020204" pitchFamily="34" charset="-122"/>
               </a:rPr>
               <a:t>（</a:t>
             </a:r>
@@ -6561,7 +6566,8 @@
                 <a:solidFill>
                   <a:srgbClr val="2B528B"/>
                 </a:solidFill>
-                <a:latin typeface="+mn-ea"/>
+                <a:latin typeface="微软雅黑" panose="020B0503020204020204" pitchFamily="34" charset="-122"/>
+                <a:ea typeface="微软雅黑" panose="020B0503020204020204" pitchFamily="34" charset="-122"/>
               </a:rPr>
               <a:t>4</a:t>
             </a:r>
@@ -6570,17 +6576,11 @@
                 <a:solidFill>
                   <a:srgbClr val="2B528B"/>
                 </a:solidFill>
-                <a:latin typeface="+mn-ea"/>
-              </a:rPr>
-              <a:t>）结果展示</a:t>
-            </a:r>
-            <a:endParaRPr lang="zh-CN" altLang="en-US" sz="2000" dirty="0">
-              <a:solidFill>
-                <a:srgbClr val="2B528B"/>
-              </a:solidFill>
-              <a:latin typeface="微软雅黑" panose="020B0503020204020204" pitchFamily="34" charset="-122"/>
-              <a:ea typeface="微软雅黑" panose="020B0503020204020204" pitchFamily="34" charset="-122"/>
-            </a:endParaRPr>
+                <a:latin typeface="微软雅黑" panose="020B0503020204020204" pitchFamily="34" charset="-122"/>
+                <a:ea typeface="微软雅黑" panose="020B0503020204020204" pitchFamily="34" charset="-122"/>
+              </a:rPr>
+              <a:t>）异常检测</a:t>
+            </a:r>
           </a:p>
         </p:txBody>
       </p:sp>
@@ -6589,7 +6589,7 @@
           <p:cNvPr id="2" name="文本框 1">
             <a:extLst>
               <a:ext uri="{FF2B5EF4-FFF2-40B4-BE49-F238E27FC236}">
-                <a16:creationId xmlns:a16="http://schemas.microsoft.com/office/drawing/2014/main" id="{CC61AF9B-24A4-48D0-883B-2A0EA2EB0614}"/>
+                <a16:creationId xmlns:a16="http://schemas.microsoft.com/office/drawing/2014/main" id="{342457EE-7E3E-4426-8C70-F52009608CC5}"/>
               </a:ext>
             </a:extLst>
           </p:cNvPr>
@@ -6598,8 +6598,8 @@
         </p:nvSpPr>
         <p:spPr>
           <a:xfrm>
-            <a:off x="5324238" y="1371997"/>
-            <a:ext cx="2693038" cy="369332"/>
+            <a:off x="1091882" y="1928208"/>
+            <a:ext cx="6695440" cy="369332"/>
           </a:xfrm>
           <a:prstGeom prst="rect">
             <a:avLst/>
@@ -6617,45 +6617,601 @@
                 <a:latin typeface="微软雅黑" panose="020B0503020204020204" pitchFamily="34" charset="-122"/>
                 <a:ea typeface="微软雅黑" panose="020B0503020204020204" pitchFamily="34" charset="-122"/>
               </a:rPr>
-              <a:t>测试集结果</a:t>
+              <a:t>对于相对误差使用</a:t>
+            </a:r>
+            <a:r>
+              <a:rPr lang="zh-CN" altLang="en-US" dirty="0">
+                <a:solidFill>
+                  <a:srgbClr val="FF0000"/>
+                </a:solidFill>
+                <a:latin typeface="微软雅黑" panose="020B0503020204020204" pitchFamily="34" charset="-122"/>
+                <a:ea typeface="微软雅黑" panose="020B0503020204020204" pitchFamily="34" charset="-122"/>
+              </a:rPr>
+              <a:t>滑动窗口</a:t>
+            </a:r>
+            <a:r>
+              <a:rPr lang="zh-CN" altLang="en-US" dirty="0">
+                <a:latin typeface="微软雅黑" panose="020B0503020204020204" pitchFamily="34" charset="-122"/>
+                <a:ea typeface="微软雅黑" panose="020B0503020204020204" pitchFamily="34" charset="-122"/>
+              </a:rPr>
+              <a:t>检测（窗口大小设置为</a:t>
+            </a:r>
+            <a:r>
+              <a:rPr lang="en-US" altLang="zh-CN" dirty="0">
+                <a:solidFill>
+                  <a:srgbClr val="FF0000"/>
+                </a:solidFill>
+                <a:latin typeface="微软雅黑" panose="020B0503020204020204" pitchFamily="34" charset="-122"/>
+                <a:ea typeface="微软雅黑" panose="020B0503020204020204" pitchFamily="34" charset="-122"/>
+              </a:rPr>
+              <a:t>50</a:t>
+            </a:r>
+            <a:r>
+              <a:rPr lang="zh-CN" altLang="en-US" dirty="0">
+                <a:latin typeface="微软雅黑" panose="020B0503020204020204" pitchFamily="34" charset="-122"/>
+                <a:ea typeface="微软雅黑" panose="020B0503020204020204" pitchFamily="34" charset="-122"/>
+              </a:rPr>
+              <a:t>）</a:t>
             </a:r>
           </a:p>
         </p:txBody>
       </p:sp>
-      <p:pic>
-        <p:nvPicPr>
-          <p:cNvPr id="8" name="图片 7">
+      <p:sp>
+        <p:nvSpPr>
+          <p:cNvPr id="9" name="文本框 8">
             <a:extLst>
               <a:ext uri="{FF2B5EF4-FFF2-40B4-BE49-F238E27FC236}">
-                <a16:creationId xmlns:a16="http://schemas.microsoft.com/office/drawing/2014/main" id="{8191132E-A5F0-46D0-A72F-63C2C99EFAB3}"/>
+                <a16:creationId xmlns:a16="http://schemas.microsoft.com/office/drawing/2014/main" id="{DD6A48F7-A8DB-4734-82A9-36C18462EC71}"/>
               </a:ext>
             </a:extLst>
           </p:cNvPr>
-          <p:cNvPicPr>
-            <a:picLocks noChangeAspect="1"/>
-          </p:cNvPicPr>
+          <p:cNvSpPr txBox="1"/>
           <p:nvPr/>
-        </p:nvPicPr>
-        <p:blipFill>
-          <a:blip r:embed="rId2"/>
-          <a:stretch>
-            <a:fillRect/>
-          </a:stretch>
-        </p:blipFill>
+        </p:nvSpPr>
         <p:spPr>
           <a:xfrm>
-            <a:off x="2161237" y="1804407"/>
-            <a:ext cx="7869526" cy="5053593"/>
+            <a:off x="3332480" y="2874050"/>
+            <a:ext cx="3352164" cy="369332"/>
           </a:xfrm>
           <a:prstGeom prst="rect">
             <a:avLst/>
           </a:prstGeom>
+          <a:noFill/>
         </p:spPr>
-      </p:pic>
+        <p:txBody>
+          <a:bodyPr wrap="square" rtlCol="0">
+            <a:spAutoFit/>
+          </a:bodyPr>
+          <a:lstStyle/>
+          <a:p>
+            <a:r>
+              <a:rPr lang="zh-CN" altLang="en-US" dirty="0">
+                <a:latin typeface="微软雅黑" panose="020B0503020204020204" pitchFamily="34" charset="-122"/>
+                <a:ea typeface="微软雅黑" panose="020B0503020204020204" pitchFamily="34" charset="-122"/>
+              </a:rPr>
+              <a:t>十列数据分别滑窗</a:t>
+            </a:r>
+          </a:p>
+        </p:txBody>
+      </p:sp>
+      <p:sp>
+        <p:nvSpPr>
+          <p:cNvPr id="10" name="文本框 9">
+            <a:extLst>
+              <a:ext uri="{FF2B5EF4-FFF2-40B4-BE49-F238E27FC236}">
+                <a16:creationId xmlns:a16="http://schemas.microsoft.com/office/drawing/2014/main" id="{13DA3628-2338-45C8-A66D-51D5810415D0}"/>
+              </a:ext>
+            </a:extLst>
+          </p:cNvPr>
+          <p:cNvSpPr txBox="1"/>
+          <p:nvPr/>
+        </p:nvSpPr>
+        <p:spPr>
+          <a:xfrm>
+            <a:off x="6040120" y="2874050"/>
+            <a:ext cx="3352164" cy="369332"/>
+          </a:xfrm>
+          <a:prstGeom prst="rect">
+            <a:avLst/>
+          </a:prstGeom>
+          <a:noFill/>
+        </p:spPr>
+        <p:txBody>
+          <a:bodyPr wrap="square" rtlCol="0">
+            <a:spAutoFit/>
+          </a:bodyPr>
+          <a:lstStyle/>
+          <a:p>
+            <a:r>
+              <a:rPr lang="zh-CN" altLang="en-US" dirty="0">
+                <a:latin typeface="微软雅黑" panose="020B0503020204020204" pitchFamily="34" charset="-122"/>
+                <a:ea typeface="微软雅黑" panose="020B0503020204020204" pitchFamily="34" charset="-122"/>
+              </a:rPr>
+              <a:t>十列数据综合一起滑窗</a:t>
+            </a:r>
+          </a:p>
+        </p:txBody>
+      </p:sp>
+      <p:sp>
+        <p:nvSpPr>
+          <p:cNvPr id="11" name="文本框 10">
+            <a:extLst>
+              <a:ext uri="{FF2B5EF4-FFF2-40B4-BE49-F238E27FC236}">
+                <a16:creationId xmlns:a16="http://schemas.microsoft.com/office/drawing/2014/main" id="{EB8BB6DA-5F61-497D-87BD-4C26D096C0F8}"/>
+              </a:ext>
+            </a:extLst>
+          </p:cNvPr>
+          <p:cNvSpPr txBox="1"/>
+          <p:nvPr/>
+        </p:nvSpPr>
+        <p:spPr>
+          <a:xfrm>
+            <a:off x="5481320" y="2781678"/>
+            <a:ext cx="411480" cy="523220"/>
+          </a:xfrm>
+          <a:prstGeom prst="rect">
+            <a:avLst/>
+          </a:prstGeom>
+          <a:noFill/>
+        </p:spPr>
+        <p:txBody>
+          <a:bodyPr wrap="square" rtlCol="0">
+            <a:spAutoFit/>
+          </a:bodyPr>
+          <a:lstStyle/>
+          <a:p>
+            <a:r>
+              <a:rPr lang="en-US" altLang="zh-CN" sz="2800" dirty="0">
+                <a:latin typeface="微软雅黑" panose="020B0503020204020204" pitchFamily="34" charset="-122"/>
+                <a:ea typeface="微软雅黑" panose="020B0503020204020204" pitchFamily="34" charset="-122"/>
+              </a:rPr>
+              <a:t>+</a:t>
+            </a:r>
+            <a:endParaRPr lang="zh-CN" altLang="en-US" sz="2800" dirty="0">
+              <a:latin typeface="微软雅黑" panose="020B0503020204020204" pitchFamily="34" charset="-122"/>
+              <a:ea typeface="微软雅黑" panose="020B0503020204020204" pitchFamily="34" charset="-122"/>
+            </a:endParaRPr>
+          </a:p>
+        </p:txBody>
+      </p:sp>
+      <p:sp>
+        <p:nvSpPr>
+          <p:cNvPr id="12" name="矩形 11">
+            <a:extLst>
+              <a:ext uri="{FF2B5EF4-FFF2-40B4-BE49-F238E27FC236}">
+                <a16:creationId xmlns:a16="http://schemas.microsoft.com/office/drawing/2014/main" id="{E5ACECA3-BB7D-4DDA-BF24-2E4F7CC8D769}"/>
+              </a:ext>
+            </a:extLst>
+          </p:cNvPr>
+          <p:cNvSpPr/>
+          <p:nvPr/>
+        </p:nvSpPr>
+        <p:spPr>
+          <a:xfrm>
+            <a:off x="3332480" y="2781678"/>
+            <a:ext cx="5273040" cy="601602"/>
+          </a:xfrm>
+          <a:prstGeom prst="rect">
+            <a:avLst/>
+          </a:prstGeom>
+          <a:noFill/>
+          <a:ln w="19050">
+            <a:solidFill>
+              <a:schemeClr val="tx1"/>
+            </a:solidFill>
+          </a:ln>
+        </p:spPr>
+        <p:style>
+          <a:lnRef idx="2">
+            <a:schemeClr val="accent1">
+              <a:shade val="50000"/>
+            </a:schemeClr>
+          </a:lnRef>
+          <a:fillRef idx="1">
+            <a:schemeClr val="accent1"/>
+          </a:fillRef>
+          <a:effectRef idx="0">
+            <a:schemeClr val="accent1"/>
+          </a:effectRef>
+          <a:fontRef idx="minor">
+            <a:schemeClr val="lt1"/>
+          </a:fontRef>
+        </p:style>
+        <p:txBody>
+          <a:bodyPr rtlCol="0" anchor="ctr"/>
+          <a:lstStyle/>
+          <a:p>
+            <a:pPr algn="ctr"/>
+            <a:endParaRPr lang="zh-CN" altLang="en-US"/>
+          </a:p>
+        </p:txBody>
+      </p:sp>
+      <p:sp>
+        <p:nvSpPr>
+          <p:cNvPr id="14" name="矩形 13">
+            <a:extLst>
+              <a:ext uri="{FF2B5EF4-FFF2-40B4-BE49-F238E27FC236}">
+                <a16:creationId xmlns:a16="http://schemas.microsoft.com/office/drawing/2014/main" id="{B6612979-54CA-4DFD-959A-D80D256ADBC2}"/>
+              </a:ext>
+            </a:extLst>
+          </p:cNvPr>
+          <p:cNvSpPr/>
+          <p:nvPr/>
+        </p:nvSpPr>
+        <p:spPr>
+          <a:xfrm>
+            <a:off x="3332480" y="3761465"/>
+            <a:ext cx="5273040" cy="601602"/>
+          </a:xfrm>
+          <a:prstGeom prst="rect">
+            <a:avLst/>
+          </a:prstGeom>
+          <a:noFill/>
+          <a:ln w="19050">
+            <a:solidFill>
+              <a:schemeClr val="tx1"/>
+            </a:solidFill>
+          </a:ln>
+        </p:spPr>
+        <p:style>
+          <a:lnRef idx="2">
+            <a:schemeClr val="accent1">
+              <a:shade val="50000"/>
+            </a:schemeClr>
+          </a:lnRef>
+          <a:fillRef idx="1">
+            <a:schemeClr val="accent1"/>
+          </a:fillRef>
+          <a:effectRef idx="0">
+            <a:schemeClr val="accent1"/>
+          </a:effectRef>
+          <a:fontRef idx="minor">
+            <a:schemeClr val="lt1"/>
+          </a:fontRef>
+        </p:style>
+        <p:txBody>
+          <a:bodyPr rtlCol="0" anchor="ctr"/>
+          <a:lstStyle/>
+          <a:p>
+            <a:pPr algn="ctr"/>
+            <a:endParaRPr lang="zh-CN" altLang="en-US"/>
+          </a:p>
+        </p:txBody>
+      </p:sp>
+      <p:sp>
+        <p:nvSpPr>
+          <p:cNvPr id="15" name="文本框 14">
+            <a:extLst>
+              <a:ext uri="{FF2B5EF4-FFF2-40B4-BE49-F238E27FC236}">
+                <a16:creationId xmlns:a16="http://schemas.microsoft.com/office/drawing/2014/main" id="{60BF4302-2369-4014-9835-481F7B54C708}"/>
+              </a:ext>
+            </a:extLst>
+          </p:cNvPr>
+          <p:cNvSpPr txBox="1"/>
+          <p:nvPr/>
+        </p:nvSpPr>
+        <p:spPr>
+          <a:xfrm>
+            <a:off x="4439602" y="3876040"/>
+            <a:ext cx="3352164" cy="369332"/>
+          </a:xfrm>
+          <a:prstGeom prst="rect">
+            <a:avLst/>
+          </a:prstGeom>
+          <a:noFill/>
+        </p:spPr>
+        <p:txBody>
+          <a:bodyPr wrap="square" rtlCol="0">
+            <a:spAutoFit/>
+          </a:bodyPr>
+          <a:lstStyle/>
+          <a:p>
+            <a:r>
+              <a:rPr lang="zh-CN" altLang="en-US" dirty="0">
+                <a:latin typeface="微软雅黑" panose="020B0503020204020204" pitchFamily="34" charset="-122"/>
+                <a:ea typeface="微软雅黑" panose="020B0503020204020204" pitchFamily="34" charset="-122"/>
+              </a:rPr>
+              <a:t>对于每个窗口对误差求和</a:t>
+            </a:r>
+          </a:p>
+        </p:txBody>
+      </p:sp>
+      <p:sp>
+        <p:nvSpPr>
+          <p:cNvPr id="16" name="矩形 15">
+            <a:extLst>
+              <a:ext uri="{FF2B5EF4-FFF2-40B4-BE49-F238E27FC236}">
+                <a16:creationId xmlns:a16="http://schemas.microsoft.com/office/drawing/2014/main" id="{A826C9D5-7F8E-4493-ADCB-A3090455CE45}"/>
+              </a:ext>
+            </a:extLst>
+          </p:cNvPr>
+          <p:cNvSpPr/>
+          <p:nvPr/>
+        </p:nvSpPr>
+        <p:spPr>
+          <a:xfrm>
+            <a:off x="3332480" y="4741252"/>
+            <a:ext cx="5273040" cy="601602"/>
+          </a:xfrm>
+          <a:prstGeom prst="rect">
+            <a:avLst/>
+          </a:prstGeom>
+          <a:noFill/>
+          <a:ln w="19050">
+            <a:solidFill>
+              <a:schemeClr val="tx1"/>
+            </a:solidFill>
+          </a:ln>
+        </p:spPr>
+        <p:style>
+          <a:lnRef idx="2">
+            <a:schemeClr val="accent1">
+              <a:shade val="50000"/>
+            </a:schemeClr>
+          </a:lnRef>
+          <a:fillRef idx="1">
+            <a:schemeClr val="accent1"/>
+          </a:fillRef>
+          <a:effectRef idx="0">
+            <a:schemeClr val="accent1"/>
+          </a:effectRef>
+          <a:fontRef idx="minor">
+            <a:schemeClr val="lt1"/>
+          </a:fontRef>
+        </p:style>
+        <p:txBody>
+          <a:bodyPr rtlCol="0" anchor="ctr"/>
+          <a:lstStyle/>
+          <a:p>
+            <a:pPr algn="ctr"/>
+            <a:endParaRPr lang="zh-CN" altLang="en-US"/>
+          </a:p>
+        </p:txBody>
+      </p:sp>
+      <p:cxnSp>
+        <p:nvCxnSpPr>
+          <p:cNvPr id="19" name="直接箭头连接符 18">
+            <a:extLst>
+              <a:ext uri="{FF2B5EF4-FFF2-40B4-BE49-F238E27FC236}">
+                <a16:creationId xmlns:a16="http://schemas.microsoft.com/office/drawing/2014/main" id="{C30F8550-91E1-4C59-86F4-7445BC04EDB0}"/>
+              </a:ext>
+            </a:extLst>
+          </p:cNvPr>
+          <p:cNvCxnSpPr>
+            <a:stCxn id="12" idx="2"/>
+            <a:endCxn id="14" idx="0"/>
+          </p:cNvCxnSpPr>
+          <p:nvPr/>
+        </p:nvCxnSpPr>
+        <p:spPr>
+          <a:xfrm>
+            <a:off x="5969000" y="3383280"/>
+            <a:ext cx="0" cy="378185"/>
+          </a:xfrm>
+          <a:prstGeom prst="straightConnector1">
+            <a:avLst/>
+          </a:prstGeom>
+          <a:ln w="19050">
+            <a:solidFill>
+              <a:schemeClr val="tx1"/>
+            </a:solidFill>
+            <a:tailEnd type="triangle"/>
+          </a:ln>
+        </p:spPr>
+        <p:style>
+          <a:lnRef idx="1">
+            <a:schemeClr val="accent1"/>
+          </a:lnRef>
+          <a:fillRef idx="0">
+            <a:schemeClr val="accent1"/>
+          </a:fillRef>
+          <a:effectRef idx="0">
+            <a:schemeClr val="accent1"/>
+          </a:effectRef>
+          <a:fontRef idx="minor">
+            <a:schemeClr val="tx1"/>
+          </a:fontRef>
+        </p:style>
+      </p:cxnSp>
+      <p:cxnSp>
+        <p:nvCxnSpPr>
+          <p:cNvPr id="20" name="直接箭头连接符 19">
+            <a:extLst>
+              <a:ext uri="{FF2B5EF4-FFF2-40B4-BE49-F238E27FC236}">
+                <a16:creationId xmlns:a16="http://schemas.microsoft.com/office/drawing/2014/main" id="{50CDB24E-DC24-43BE-87A5-20ADFB4F13C4}"/>
+              </a:ext>
+            </a:extLst>
+          </p:cNvPr>
+          <p:cNvCxnSpPr/>
+          <p:nvPr/>
+        </p:nvCxnSpPr>
+        <p:spPr>
+          <a:xfrm>
+            <a:off x="5969000" y="4363067"/>
+            <a:ext cx="0" cy="378185"/>
+          </a:xfrm>
+          <a:prstGeom prst="straightConnector1">
+            <a:avLst/>
+          </a:prstGeom>
+          <a:ln w="19050">
+            <a:solidFill>
+              <a:schemeClr val="tx1"/>
+            </a:solidFill>
+            <a:tailEnd type="triangle"/>
+          </a:ln>
+        </p:spPr>
+        <p:style>
+          <a:lnRef idx="1">
+            <a:schemeClr val="accent1"/>
+          </a:lnRef>
+          <a:fillRef idx="0">
+            <a:schemeClr val="accent1"/>
+          </a:fillRef>
+          <a:effectRef idx="0">
+            <a:schemeClr val="accent1"/>
+          </a:effectRef>
+          <a:fontRef idx="minor">
+            <a:schemeClr val="tx1"/>
+          </a:fontRef>
+        </p:style>
+      </p:cxnSp>
+      <p:sp>
+        <p:nvSpPr>
+          <p:cNvPr id="21" name="文本框 20">
+            <a:extLst>
+              <a:ext uri="{FF2B5EF4-FFF2-40B4-BE49-F238E27FC236}">
+                <a16:creationId xmlns:a16="http://schemas.microsoft.com/office/drawing/2014/main" id="{70C053C0-D60D-4BEC-88A3-68218ECDA877}"/>
+              </a:ext>
+            </a:extLst>
+          </p:cNvPr>
+          <p:cNvSpPr txBox="1"/>
+          <p:nvPr/>
+        </p:nvSpPr>
+        <p:spPr>
+          <a:xfrm>
+            <a:off x="4501518" y="4857387"/>
+            <a:ext cx="1706239" cy="369332"/>
+          </a:xfrm>
+          <a:prstGeom prst="rect">
+            <a:avLst/>
+          </a:prstGeom>
+          <a:noFill/>
+        </p:spPr>
+        <p:txBody>
+          <a:bodyPr wrap="square" rtlCol="0">
+            <a:spAutoFit/>
+          </a:bodyPr>
+          <a:lstStyle/>
+          <a:p>
+            <a:r>
+              <a:rPr lang="zh-CN" altLang="en-US" dirty="0">
+                <a:latin typeface="微软雅黑" panose="020B0503020204020204" pitchFamily="34" charset="-122"/>
+                <a:ea typeface="微软雅黑" panose="020B0503020204020204" pitchFamily="34" charset="-122"/>
+              </a:rPr>
+              <a:t>若误差</a:t>
+            </a:r>
+            <a:r>
+              <a:rPr lang="en-US" altLang="zh-CN" dirty="0">
+                <a:latin typeface="微软雅黑" panose="020B0503020204020204" pitchFamily="34" charset="-122"/>
+                <a:ea typeface="微软雅黑" panose="020B0503020204020204" pitchFamily="34" charset="-122"/>
+              </a:rPr>
+              <a:t>&gt;</a:t>
+            </a:r>
+            <a:r>
+              <a:rPr lang="zh-CN" altLang="en-US" dirty="0">
+                <a:latin typeface="微软雅黑" panose="020B0503020204020204" pitchFamily="34" charset="-122"/>
+                <a:ea typeface="微软雅黑" panose="020B0503020204020204" pitchFamily="34" charset="-122"/>
+              </a:rPr>
+              <a:t>阈值</a:t>
+            </a:r>
+          </a:p>
+        </p:txBody>
+      </p:sp>
+      <p:graphicFrame>
+        <p:nvGraphicFramePr>
+          <p:cNvPr id="22" name="对象 21">
+            <a:extLst>
+              <a:ext uri="{FF2B5EF4-FFF2-40B4-BE49-F238E27FC236}">
+                <a16:creationId xmlns:a16="http://schemas.microsoft.com/office/drawing/2014/main" id="{F6658F11-7659-4365-AD5A-4CD82716DFC4}"/>
+              </a:ext>
+            </a:extLst>
+          </p:cNvPr>
+          <p:cNvGraphicFramePr>
+            <a:graphicFrameLocks noChangeAspect="1"/>
+          </p:cNvGraphicFramePr>
+          <p:nvPr>
+            <p:extLst>
+              <p:ext uri="{D42A27DB-BD31-4B8C-83A1-F6EECF244321}">
+                <p14:modId xmlns:p14="http://schemas.microsoft.com/office/powerpoint/2010/main" val="2091894412"/>
+              </p:ext>
+            </p:extLst>
+          </p:nvPr>
+        </p:nvGraphicFramePr>
+        <p:xfrm>
+          <a:off x="5947805" y="4860080"/>
+          <a:ext cx="335757" cy="369333"/>
+        </p:xfrm>
+        <a:graphic>
+          <a:graphicData uri="http://schemas.openxmlformats.org/presentationml/2006/ole">
+            <mc:AlternateContent xmlns:mc="http://schemas.openxmlformats.org/markup-compatibility/2006">
+              <mc:Choice xmlns:v="urn:schemas-microsoft-com:vml" Requires="v">
+                <p:oleObj spid="_x0000_s3079" name="Equation" r:id="rId3" imgW="126720" imgH="139680" progId="Equation.DSMT4">
+                  <p:embed/>
+                </p:oleObj>
+              </mc:Choice>
+              <mc:Fallback>
+                <p:oleObj name="Equation" r:id="rId3" imgW="126720" imgH="139680" progId="Equation.DSMT4">
+                  <p:embed/>
+                  <p:pic>
+                    <p:nvPicPr>
+                      <p:cNvPr id="0" name=""/>
+                      <p:cNvPicPr/>
+                      <p:nvPr/>
+                    </p:nvPicPr>
+                    <p:blipFill>
+                      <a:blip r:embed="rId4"/>
+                      <a:stretch>
+                        <a:fillRect/>
+                      </a:stretch>
+                    </p:blipFill>
+                    <p:spPr>
+                      <a:xfrm>
+                        <a:off x="5947805" y="4860080"/>
+                        <a:ext cx="335757" cy="369333"/>
+                      </a:xfrm>
+                      <a:prstGeom prst="rect">
+                        <a:avLst/>
+                      </a:prstGeom>
+                    </p:spPr>
+                  </p:pic>
+                </p:oleObj>
+              </mc:Fallback>
+            </mc:AlternateContent>
+          </a:graphicData>
+        </a:graphic>
+      </p:graphicFrame>
+      <p:sp>
+        <p:nvSpPr>
+          <p:cNvPr id="23" name="文本框 22">
+            <a:extLst>
+              <a:ext uri="{FF2B5EF4-FFF2-40B4-BE49-F238E27FC236}">
+                <a16:creationId xmlns:a16="http://schemas.microsoft.com/office/drawing/2014/main" id="{803D9844-A241-41E5-8845-AC1749D6856D}"/>
+              </a:ext>
+            </a:extLst>
+          </p:cNvPr>
+          <p:cNvSpPr txBox="1"/>
+          <p:nvPr/>
+        </p:nvSpPr>
+        <p:spPr>
+          <a:xfrm>
+            <a:off x="6207757" y="4857387"/>
+            <a:ext cx="2220358" cy="369332"/>
+          </a:xfrm>
+          <a:prstGeom prst="rect">
+            <a:avLst/>
+          </a:prstGeom>
+          <a:noFill/>
+        </p:spPr>
+        <p:txBody>
+          <a:bodyPr wrap="square" rtlCol="0">
+            <a:spAutoFit/>
+          </a:bodyPr>
+          <a:lstStyle/>
+          <a:p>
+            <a:r>
+              <a:rPr lang="zh-CN" altLang="en-US" dirty="0">
+                <a:latin typeface="微软雅黑" panose="020B0503020204020204" pitchFamily="34" charset="-122"/>
+                <a:ea typeface="微软雅黑" panose="020B0503020204020204" pitchFamily="34" charset="-122"/>
+              </a:rPr>
+              <a:t>则判定出现异常</a:t>
+            </a:r>
+          </a:p>
+        </p:txBody>
+      </p:sp>
     </p:spTree>
     <p:extLst>
       <p:ext uri="{BB962C8B-B14F-4D97-AF65-F5344CB8AC3E}">
-        <p14:creationId xmlns:p14="http://schemas.microsoft.com/office/powerpoint/2010/main" val="3326026489"/>
+        <p14:creationId xmlns:p14="http://schemas.microsoft.com/office/powerpoint/2010/main" val="3187103043"/>
       </p:ext>
     </p:extLst>
   </p:cSld>
@@ -6889,7 +7445,333 @@
                 </a:solidFill>
                 <a:latin typeface="+mn-ea"/>
               </a:rPr>
-              <a:t>4</a:t>
+              <a:t>5</a:t>
+            </a:r>
+            <a:r>
+              <a:rPr lang="zh-CN" altLang="en-US" sz="2000" dirty="0">
+                <a:solidFill>
+                  <a:srgbClr val="2B528B"/>
+                </a:solidFill>
+                <a:latin typeface="+mn-ea"/>
+              </a:rPr>
+              <a:t>）结果展示</a:t>
+            </a:r>
+            <a:endParaRPr lang="zh-CN" altLang="en-US" sz="2000" dirty="0">
+              <a:solidFill>
+                <a:srgbClr val="2B528B"/>
+              </a:solidFill>
+              <a:latin typeface="微软雅黑" panose="020B0503020204020204" pitchFamily="34" charset="-122"/>
+              <a:ea typeface="微软雅黑" panose="020B0503020204020204" pitchFamily="34" charset="-122"/>
+            </a:endParaRPr>
+          </a:p>
+        </p:txBody>
+      </p:sp>
+      <p:sp>
+        <p:nvSpPr>
+          <p:cNvPr id="2" name="文本框 1">
+            <a:extLst>
+              <a:ext uri="{FF2B5EF4-FFF2-40B4-BE49-F238E27FC236}">
+                <a16:creationId xmlns:a16="http://schemas.microsoft.com/office/drawing/2014/main" id="{CC61AF9B-24A4-48D0-883B-2A0EA2EB0614}"/>
+              </a:ext>
+            </a:extLst>
+          </p:cNvPr>
+          <p:cNvSpPr txBox="1"/>
+          <p:nvPr/>
+        </p:nvSpPr>
+        <p:spPr>
+          <a:xfrm>
+            <a:off x="5324238" y="1371997"/>
+            <a:ext cx="2693038" cy="369332"/>
+          </a:xfrm>
+          <a:prstGeom prst="rect">
+            <a:avLst/>
+          </a:prstGeom>
+          <a:noFill/>
+        </p:spPr>
+        <p:txBody>
+          <a:bodyPr wrap="square" rtlCol="0">
+            <a:spAutoFit/>
+          </a:bodyPr>
+          <a:lstStyle/>
+          <a:p>
+            <a:r>
+              <a:rPr lang="zh-CN" altLang="en-US" dirty="0">
+                <a:latin typeface="微软雅黑" panose="020B0503020204020204" pitchFamily="34" charset="-122"/>
+                <a:ea typeface="微软雅黑" panose="020B0503020204020204" pitchFamily="34" charset="-122"/>
+              </a:rPr>
+              <a:t>测试集结果</a:t>
+            </a:r>
+          </a:p>
+        </p:txBody>
+      </p:sp>
+      <p:pic>
+        <p:nvPicPr>
+          <p:cNvPr id="8" name="图片 7">
+            <a:extLst>
+              <a:ext uri="{FF2B5EF4-FFF2-40B4-BE49-F238E27FC236}">
+                <a16:creationId xmlns:a16="http://schemas.microsoft.com/office/drawing/2014/main" id="{8191132E-A5F0-46D0-A72F-63C2C99EFAB3}"/>
+              </a:ext>
+            </a:extLst>
+          </p:cNvPr>
+          <p:cNvPicPr>
+            <a:picLocks noChangeAspect="1"/>
+          </p:cNvPicPr>
+          <p:nvPr/>
+        </p:nvPicPr>
+        <p:blipFill>
+          <a:blip r:embed="rId2"/>
+          <a:stretch>
+            <a:fillRect/>
+          </a:stretch>
+        </p:blipFill>
+        <p:spPr>
+          <a:xfrm>
+            <a:off x="2161237" y="1804407"/>
+            <a:ext cx="7869526" cy="5053593"/>
+          </a:xfrm>
+          <a:prstGeom prst="rect">
+            <a:avLst/>
+          </a:prstGeom>
+        </p:spPr>
+      </p:pic>
+    </p:spTree>
+    <p:extLst>
+      <p:ext uri="{BB962C8B-B14F-4D97-AF65-F5344CB8AC3E}">
+        <p14:creationId xmlns:p14="http://schemas.microsoft.com/office/powerpoint/2010/main" val="3326026489"/>
+      </p:ext>
+    </p:extLst>
+  </p:cSld>
+  <p:clrMapOvr>
+    <a:masterClrMapping/>
+  </p:clrMapOvr>
+</p:sld>
+</file>
+
+<file path=ppt/slides/slide12.xml><?xml version="1.0" encoding="utf-8"?>
+<p:sld xmlns:a="http://schemas.openxmlformats.org/drawingml/2006/main" xmlns:r="http://schemas.openxmlformats.org/officeDocument/2006/relationships" xmlns:p="http://schemas.openxmlformats.org/presentationml/2006/main">
+  <p:cSld>
+    <p:spTree>
+      <p:nvGrpSpPr>
+        <p:cNvPr id="1" name=""/>
+        <p:cNvGrpSpPr/>
+        <p:nvPr/>
+      </p:nvGrpSpPr>
+      <p:grpSpPr>
+        <a:xfrm>
+          <a:off x="0" y="0"/>
+          <a:ext cx="0" cy="0"/>
+          <a:chOff x="0" y="0"/>
+          <a:chExt cx="0" cy="0"/>
+        </a:xfrm>
+      </p:grpSpPr>
+      <p:sp>
+        <p:nvSpPr>
+          <p:cNvPr id="6" name="Rectangle 3"/>
+          <p:cNvSpPr/>
+          <p:nvPr/>
+        </p:nvSpPr>
+        <p:spPr>
+          <a:xfrm>
+            <a:off x="5446716" y="239732"/>
+            <a:ext cx="5892960" cy="523220"/>
+          </a:xfrm>
+          <a:prstGeom prst="rect">
+            <a:avLst/>
+          </a:prstGeom>
+        </p:spPr>
+        <p:txBody>
+          <a:bodyPr wrap="none" anchor="t">
+            <a:spAutoFit/>
+          </a:bodyPr>
+          <a:lstStyle>
+            <a:defPPr>
+              <a:defRPr lang="en-US"/>
+            </a:defPPr>
+            <a:lvl1pPr marL="0" algn="l" defTabSz="914400" rtl="0" eaLnBrk="1" latinLnBrk="0" hangingPunct="1">
+              <a:defRPr sz="1800" kern="1200">
+                <a:solidFill>
+                  <a:schemeClr val="tx1"/>
+                </a:solidFill>
+                <a:latin typeface="+mn-lt"/>
+                <a:ea typeface="+mn-ea"/>
+                <a:cs typeface="+mn-cs"/>
+              </a:defRPr>
+            </a:lvl1pPr>
+            <a:lvl2pPr marL="457200" algn="l" defTabSz="914400" rtl="0" eaLnBrk="1" latinLnBrk="0" hangingPunct="1">
+              <a:defRPr sz="1800" kern="1200">
+                <a:solidFill>
+                  <a:schemeClr val="tx1"/>
+                </a:solidFill>
+                <a:latin typeface="+mn-lt"/>
+                <a:ea typeface="+mn-ea"/>
+                <a:cs typeface="+mn-cs"/>
+              </a:defRPr>
+            </a:lvl2pPr>
+            <a:lvl3pPr marL="914400" algn="l" defTabSz="914400" rtl="0" eaLnBrk="1" latinLnBrk="0" hangingPunct="1">
+              <a:defRPr sz="1800" kern="1200">
+                <a:solidFill>
+                  <a:schemeClr val="tx1"/>
+                </a:solidFill>
+                <a:latin typeface="+mn-lt"/>
+                <a:ea typeface="+mn-ea"/>
+                <a:cs typeface="+mn-cs"/>
+              </a:defRPr>
+            </a:lvl3pPr>
+            <a:lvl4pPr marL="1371600" algn="l" defTabSz="914400" rtl="0" eaLnBrk="1" latinLnBrk="0" hangingPunct="1">
+              <a:defRPr sz="1800" kern="1200">
+                <a:solidFill>
+                  <a:schemeClr val="tx1"/>
+                </a:solidFill>
+                <a:latin typeface="+mn-lt"/>
+                <a:ea typeface="+mn-ea"/>
+                <a:cs typeface="+mn-cs"/>
+              </a:defRPr>
+            </a:lvl4pPr>
+            <a:lvl5pPr marL="1828800" algn="l" defTabSz="914400" rtl="0" eaLnBrk="1" latinLnBrk="0" hangingPunct="1">
+              <a:defRPr sz="1800" kern="1200">
+                <a:solidFill>
+                  <a:schemeClr val="tx1"/>
+                </a:solidFill>
+                <a:latin typeface="+mn-lt"/>
+                <a:ea typeface="+mn-ea"/>
+                <a:cs typeface="+mn-cs"/>
+              </a:defRPr>
+            </a:lvl5pPr>
+            <a:lvl6pPr marL="2286000" algn="l" defTabSz="914400" rtl="0" eaLnBrk="1" latinLnBrk="0" hangingPunct="1">
+              <a:defRPr sz="1800" kern="1200">
+                <a:solidFill>
+                  <a:schemeClr val="tx1"/>
+                </a:solidFill>
+                <a:latin typeface="+mn-lt"/>
+                <a:ea typeface="+mn-ea"/>
+                <a:cs typeface="+mn-cs"/>
+              </a:defRPr>
+            </a:lvl6pPr>
+            <a:lvl7pPr marL="2743200" algn="l" defTabSz="914400" rtl="0" eaLnBrk="1" latinLnBrk="0" hangingPunct="1">
+              <a:defRPr sz="1800" kern="1200">
+                <a:solidFill>
+                  <a:schemeClr val="tx1"/>
+                </a:solidFill>
+                <a:latin typeface="+mn-lt"/>
+                <a:ea typeface="+mn-ea"/>
+                <a:cs typeface="+mn-cs"/>
+              </a:defRPr>
+            </a:lvl7pPr>
+            <a:lvl8pPr marL="3200400" algn="l" defTabSz="914400" rtl="0" eaLnBrk="1" latinLnBrk="0" hangingPunct="1">
+              <a:defRPr sz="1800" kern="1200">
+                <a:solidFill>
+                  <a:schemeClr val="tx1"/>
+                </a:solidFill>
+                <a:latin typeface="+mn-lt"/>
+                <a:ea typeface="+mn-ea"/>
+                <a:cs typeface="+mn-cs"/>
+              </a:defRPr>
+            </a:lvl8pPr>
+            <a:lvl9pPr marL="3657600" algn="l" defTabSz="914400" rtl="0" eaLnBrk="1" latinLnBrk="0" hangingPunct="1">
+              <a:defRPr sz="1800" kern="1200">
+                <a:solidFill>
+                  <a:schemeClr val="tx1"/>
+                </a:solidFill>
+                <a:latin typeface="+mn-lt"/>
+                <a:ea typeface="+mn-ea"/>
+                <a:cs typeface="+mn-cs"/>
+              </a:defRPr>
+            </a:lvl9pPr>
+          </a:lstStyle>
+          <a:p>
+            <a:pPr algn="r"/>
+            <a:r>
+              <a:rPr lang="en-US" altLang="zh-CN" sz="2800" dirty="0">
+                <a:solidFill>
+                  <a:srgbClr val="005BBB"/>
+                </a:solidFill>
+                <a:latin typeface="微软雅黑" panose="020B0503020204020204" pitchFamily="34" charset="-122"/>
+                <a:ea typeface="微软雅黑" panose="020B0503020204020204" pitchFamily="34" charset="-122"/>
+                <a:cs typeface="Arial" panose="020B0604020202020204"/>
+              </a:rPr>
+              <a:t>3. </a:t>
+            </a:r>
+            <a:r>
+              <a:rPr lang="zh-CN" altLang="en-US" sz="2800" dirty="0">
+                <a:solidFill>
+                  <a:srgbClr val="005BBB"/>
+                </a:solidFill>
+                <a:latin typeface="微软雅黑" panose="020B0503020204020204" pitchFamily="34" charset="-122"/>
+                <a:ea typeface="微软雅黑" panose="020B0503020204020204" pitchFamily="34" charset="-122"/>
+                <a:cs typeface="Arial" panose="020B0604020202020204"/>
+              </a:rPr>
+              <a:t>状态矩阵</a:t>
+            </a:r>
+            <a:r>
+              <a:rPr lang="en-US" altLang="zh-CN" sz="2800" dirty="0">
+                <a:solidFill>
+                  <a:srgbClr val="005BBB"/>
+                </a:solidFill>
+                <a:latin typeface="微软雅黑" panose="020B0503020204020204" pitchFamily="34" charset="-122"/>
+                <a:ea typeface="微软雅黑" panose="020B0503020204020204" pitchFamily="34" charset="-122"/>
+                <a:cs typeface="Arial" panose="020B0604020202020204"/>
+              </a:rPr>
+              <a:t>D</a:t>
+            </a:r>
+            <a:r>
+              <a:rPr lang="zh-CN" altLang="en-US" sz="2800" dirty="0">
+                <a:solidFill>
+                  <a:srgbClr val="005BBB"/>
+                </a:solidFill>
+                <a:latin typeface="微软雅黑" panose="020B0503020204020204" pitchFamily="34" charset="-122"/>
+                <a:ea typeface="微软雅黑" panose="020B0503020204020204" pitchFamily="34" charset="-122"/>
+                <a:cs typeface="Arial" panose="020B0604020202020204"/>
+              </a:rPr>
+              <a:t>的选取方法及实验结果</a:t>
+            </a:r>
+          </a:p>
+        </p:txBody>
+      </p:sp>
+      <p:sp>
+        <p:nvSpPr>
+          <p:cNvPr id="3" name="文本框 2">
+            <a:extLst>
+              <a:ext uri="{FF2B5EF4-FFF2-40B4-BE49-F238E27FC236}">
+                <a16:creationId xmlns:a16="http://schemas.microsoft.com/office/drawing/2014/main" id="{8E83F885-57BA-491B-9E03-132F39A3227F}"/>
+              </a:ext>
+            </a:extLst>
+          </p:cNvPr>
+          <p:cNvSpPr txBox="1"/>
+          <p:nvPr/>
+        </p:nvSpPr>
+        <p:spPr>
+          <a:xfrm>
+            <a:off x="791210" y="1284446"/>
+            <a:ext cx="4003674" cy="400110"/>
+          </a:xfrm>
+          <a:prstGeom prst="rect">
+            <a:avLst/>
+          </a:prstGeom>
+          <a:noFill/>
+        </p:spPr>
+        <p:txBody>
+          <a:bodyPr wrap="square" rtlCol="0">
+            <a:spAutoFit/>
+          </a:bodyPr>
+          <a:lstStyle/>
+          <a:p>
+            <a:r>
+              <a:rPr lang="zh-CN" altLang="en-US" sz="2000" dirty="0">
+                <a:solidFill>
+                  <a:srgbClr val="2B528B"/>
+                </a:solidFill>
+                <a:latin typeface="+mn-ea"/>
+              </a:rPr>
+              <a:t>（</a:t>
+            </a:r>
+            <a:r>
+              <a:rPr lang="en-US" altLang="zh-CN" sz="2000" dirty="0">
+                <a:solidFill>
+                  <a:srgbClr val="2B528B"/>
+                </a:solidFill>
+                <a:latin typeface="+mn-ea"/>
+              </a:rPr>
+              <a:t>5</a:t>
             </a:r>
             <a:r>
               <a:rPr lang="zh-CN" altLang="en-US" sz="2000" dirty="0">
@@ -7801,7 +8683,7 @@
 </p:sld>
 </file>
 
-<file path=ppt/slides/slide12.xml><?xml version="1.0" encoding="utf-8"?>
+<file path=ppt/slides/slide13.xml><?xml version="1.0" encoding="utf-8"?>
 <p:sld xmlns:a="http://schemas.openxmlformats.org/drawingml/2006/main" xmlns:r="http://schemas.openxmlformats.org/officeDocument/2006/relationships" xmlns:p="http://schemas.openxmlformats.org/presentationml/2006/main">
   <p:cSld>
     <p:spTree>
@@ -12000,7 +12882,1054 @@
 </p:sld>
 </file>
 
-<file path=ppt/slides/slide13.xml><?xml version="1.0" encoding="utf-8"?>
+<file path=ppt/slides/slide14.xml><?xml version="1.0" encoding="utf-8"?>
+<p:sld xmlns:a="http://schemas.openxmlformats.org/drawingml/2006/main" xmlns:r="http://schemas.openxmlformats.org/officeDocument/2006/relationships" xmlns:p="http://schemas.openxmlformats.org/presentationml/2006/main">
+  <p:cSld>
+    <p:spTree>
+      <p:nvGrpSpPr>
+        <p:cNvPr id="1" name=""/>
+        <p:cNvGrpSpPr/>
+        <p:nvPr/>
+      </p:nvGrpSpPr>
+      <p:grpSpPr>
+        <a:xfrm>
+          <a:off x="0" y="0"/>
+          <a:ext cx="0" cy="0"/>
+          <a:chOff x="0" y="0"/>
+          <a:chExt cx="0" cy="0"/>
+        </a:xfrm>
+      </p:grpSpPr>
+      <p:sp>
+        <p:nvSpPr>
+          <p:cNvPr id="7" name="Rectangle 3">
+            <a:extLst>
+              <a:ext uri="{FF2B5EF4-FFF2-40B4-BE49-F238E27FC236}">
+                <a16:creationId xmlns:a16="http://schemas.microsoft.com/office/drawing/2014/main" id="{85055157-43D1-45C8-AB49-7052CEE5458F}"/>
+              </a:ext>
+            </a:extLst>
+          </p:cNvPr>
+          <p:cNvSpPr/>
+          <p:nvPr/>
+        </p:nvSpPr>
+        <p:spPr>
+          <a:xfrm>
+            <a:off x="9718719" y="239732"/>
+            <a:ext cx="1620957" cy="523220"/>
+          </a:xfrm>
+          <a:prstGeom prst="rect">
+            <a:avLst/>
+          </a:prstGeom>
+        </p:spPr>
+        <p:txBody>
+          <a:bodyPr wrap="none" anchor="t">
+            <a:spAutoFit/>
+          </a:bodyPr>
+          <a:lstStyle>
+            <a:defPPr>
+              <a:defRPr lang="en-US"/>
+            </a:defPPr>
+            <a:lvl1pPr marL="0" algn="l" defTabSz="914400" rtl="0" eaLnBrk="1" latinLnBrk="0" hangingPunct="1">
+              <a:defRPr sz="1800" kern="1200">
+                <a:solidFill>
+                  <a:schemeClr val="tx1"/>
+                </a:solidFill>
+                <a:latin typeface="+mn-lt"/>
+                <a:ea typeface="+mn-ea"/>
+                <a:cs typeface="+mn-cs"/>
+              </a:defRPr>
+            </a:lvl1pPr>
+            <a:lvl2pPr marL="457200" algn="l" defTabSz="914400" rtl="0" eaLnBrk="1" latinLnBrk="0" hangingPunct="1">
+              <a:defRPr sz="1800" kern="1200">
+                <a:solidFill>
+                  <a:schemeClr val="tx1"/>
+                </a:solidFill>
+                <a:latin typeface="+mn-lt"/>
+                <a:ea typeface="+mn-ea"/>
+                <a:cs typeface="+mn-cs"/>
+              </a:defRPr>
+            </a:lvl2pPr>
+            <a:lvl3pPr marL="914400" algn="l" defTabSz="914400" rtl="0" eaLnBrk="1" latinLnBrk="0" hangingPunct="1">
+              <a:defRPr sz="1800" kern="1200">
+                <a:solidFill>
+                  <a:schemeClr val="tx1"/>
+                </a:solidFill>
+                <a:latin typeface="+mn-lt"/>
+                <a:ea typeface="+mn-ea"/>
+                <a:cs typeface="+mn-cs"/>
+              </a:defRPr>
+            </a:lvl3pPr>
+            <a:lvl4pPr marL="1371600" algn="l" defTabSz="914400" rtl="0" eaLnBrk="1" latinLnBrk="0" hangingPunct="1">
+              <a:defRPr sz="1800" kern="1200">
+                <a:solidFill>
+                  <a:schemeClr val="tx1"/>
+                </a:solidFill>
+                <a:latin typeface="+mn-lt"/>
+                <a:ea typeface="+mn-ea"/>
+                <a:cs typeface="+mn-cs"/>
+              </a:defRPr>
+            </a:lvl4pPr>
+            <a:lvl5pPr marL="1828800" algn="l" defTabSz="914400" rtl="0" eaLnBrk="1" latinLnBrk="0" hangingPunct="1">
+              <a:defRPr sz="1800" kern="1200">
+                <a:solidFill>
+                  <a:schemeClr val="tx1"/>
+                </a:solidFill>
+                <a:latin typeface="+mn-lt"/>
+                <a:ea typeface="+mn-ea"/>
+                <a:cs typeface="+mn-cs"/>
+              </a:defRPr>
+            </a:lvl5pPr>
+            <a:lvl6pPr marL="2286000" algn="l" defTabSz="914400" rtl="0" eaLnBrk="1" latinLnBrk="0" hangingPunct="1">
+              <a:defRPr sz="1800" kern="1200">
+                <a:solidFill>
+                  <a:schemeClr val="tx1"/>
+                </a:solidFill>
+                <a:latin typeface="+mn-lt"/>
+                <a:ea typeface="+mn-ea"/>
+                <a:cs typeface="+mn-cs"/>
+              </a:defRPr>
+            </a:lvl6pPr>
+            <a:lvl7pPr marL="2743200" algn="l" defTabSz="914400" rtl="0" eaLnBrk="1" latinLnBrk="0" hangingPunct="1">
+              <a:defRPr sz="1800" kern="1200">
+                <a:solidFill>
+                  <a:schemeClr val="tx1"/>
+                </a:solidFill>
+                <a:latin typeface="+mn-lt"/>
+                <a:ea typeface="+mn-ea"/>
+                <a:cs typeface="+mn-cs"/>
+              </a:defRPr>
+            </a:lvl7pPr>
+            <a:lvl8pPr marL="3200400" algn="l" defTabSz="914400" rtl="0" eaLnBrk="1" latinLnBrk="0" hangingPunct="1">
+              <a:defRPr sz="1800" kern="1200">
+                <a:solidFill>
+                  <a:schemeClr val="tx1"/>
+                </a:solidFill>
+                <a:latin typeface="+mn-lt"/>
+                <a:ea typeface="+mn-ea"/>
+                <a:cs typeface="+mn-cs"/>
+              </a:defRPr>
+            </a:lvl8pPr>
+            <a:lvl9pPr marL="3657600" algn="l" defTabSz="914400" rtl="0" eaLnBrk="1" latinLnBrk="0" hangingPunct="1">
+              <a:defRPr sz="1800" kern="1200">
+                <a:solidFill>
+                  <a:schemeClr val="tx1"/>
+                </a:solidFill>
+                <a:latin typeface="+mn-lt"/>
+                <a:ea typeface="+mn-ea"/>
+                <a:cs typeface="+mn-cs"/>
+              </a:defRPr>
+            </a:lvl9pPr>
+          </a:lstStyle>
+          <a:p>
+            <a:pPr algn="r"/>
+            <a:r>
+              <a:rPr lang="zh-CN" altLang="en-US" sz="2800" dirty="0">
+                <a:solidFill>
+                  <a:srgbClr val="005BBB"/>
+                </a:solidFill>
+                <a:latin typeface="微软雅黑" panose="020B0503020204020204" pitchFamily="34" charset="-122"/>
+                <a:ea typeface="微软雅黑" panose="020B0503020204020204" pitchFamily="34" charset="-122"/>
+                <a:cs typeface="Arial" panose="020B0604020202020204"/>
+              </a:rPr>
+              <a:t>参考文献</a:t>
+            </a:r>
+            <a:endParaRPr lang="en-US" altLang="zh-CN" sz="2800" dirty="0">
+              <a:solidFill>
+                <a:srgbClr val="005BBB"/>
+              </a:solidFill>
+              <a:latin typeface="微软雅黑" panose="020B0503020204020204" pitchFamily="34" charset="-122"/>
+              <a:ea typeface="微软雅黑" panose="020B0503020204020204" pitchFamily="34" charset="-122"/>
+              <a:cs typeface="Arial" panose="020B0604020202020204"/>
+            </a:endParaRPr>
+          </a:p>
+        </p:txBody>
+      </p:sp>
+      <p:sp>
+        <p:nvSpPr>
+          <p:cNvPr id="2" name="文本框 1">
+            <a:extLst>
+              <a:ext uri="{FF2B5EF4-FFF2-40B4-BE49-F238E27FC236}">
+                <a16:creationId xmlns:a16="http://schemas.microsoft.com/office/drawing/2014/main" id="{8F3F87E7-0E1D-48EA-83AC-4FF036F85DAF}"/>
+              </a:ext>
+            </a:extLst>
+          </p:cNvPr>
+          <p:cNvSpPr txBox="1"/>
+          <p:nvPr/>
+        </p:nvSpPr>
+        <p:spPr>
+          <a:xfrm>
+            <a:off x="0" y="1265795"/>
+            <a:ext cx="12224232" cy="5028556"/>
+          </a:xfrm>
+          <a:prstGeom prst="rect">
+            <a:avLst/>
+          </a:prstGeom>
+          <a:noFill/>
+        </p:spPr>
+        <p:txBody>
+          <a:bodyPr wrap="square" rtlCol="0">
+            <a:spAutoFit/>
+          </a:bodyPr>
+          <a:lstStyle/>
+          <a:p>
+            <a:pPr marL="285750" indent="-285750">
+              <a:lnSpc>
+                <a:spcPct val="150000"/>
+              </a:lnSpc>
+              <a:buFont typeface="Arial" panose="020B0604020202020204" pitchFamily="34" charset="0"/>
+              <a:buChar char="•"/>
+            </a:pPr>
+            <a:r>
+              <a:rPr lang="zh-CN" altLang="en-US" dirty="0">
+                <a:latin typeface="微软雅黑" panose="020B0503020204020204" pitchFamily="34" charset="-122"/>
+                <a:ea typeface="微软雅黑" panose="020B0503020204020204" pitchFamily="34" charset="-122"/>
+                <a:cs typeface="Times New Roman" panose="02020603050405020304" pitchFamily="18" charset="0"/>
+              </a:rPr>
+              <a:t>陈统钱</a:t>
+            </a:r>
+            <a:r>
+              <a:rPr lang="en-US" altLang="zh-CN" dirty="0">
+                <a:latin typeface="微软雅黑" panose="020B0503020204020204" pitchFamily="34" charset="-122"/>
+                <a:ea typeface="微软雅黑" panose="020B0503020204020204" pitchFamily="34" charset="-122"/>
+                <a:cs typeface="Times New Roman" panose="02020603050405020304" pitchFamily="18" charset="0"/>
+              </a:rPr>
+              <a:t>, et al. "</a:t>
+            </a:r>
+            <a:r>
+              <a:rPr lang="zh-CN" altLang="en-US" dirty="0">
+                <a:latin typeface="微软雅黑" panose="020B0503020204020204" pitchFamily="34" charset="-122"/>
+                <a:ea typeface="微软雅黑" panose="020B0503020204020204" pitchFamily="34" charset="-122"/>
+                <a:cs typeface="Times New Roman" panose="02020603050405020304" pitchFamily="18" charset="0"/>
+              </a:rPr>
+              <a:t>基于相似性原理的电厂设备故障预警系统研究</a:t>
+            </a:r>
+            <a:r>
+              <a:rPr lang="en-US" altLang="zh-CN" dirty="0">
+                <a:latin typeface="微软雅黑" panose="020B0503020204020204" pitchFamily="34" charset="-122"/>
+                <a:ea typeface="微软雅黑" panose="020B0503020204020204" pitchFamily="34" charset="-122"/>
+                <a:cs typeface="Times New Roman" panose="02020603050405020304" pitchFamily="18" charset="0"/>
+              </a:rPr>
+              <a:t>." </a:t>
+            </a:r>
+            <a:r>
+              <a:rPr lang="zh-CN" altLang="en-US" i="1" dirty="0">
+                <a:latin typeface="微软雅黑" panose="020B0503020204020204" pitchFamily="34" charset="-122"/>
+                <a:ea typeface="微软雅黑" panose="020B0503020204020204" pitchFamily="34" charset="-122"/>
+                <a:cs typeface="Times New Roman" panose="02020603050405020304" pitchFamily="18" charset="0"/>
+              </a:rPr>
+              <a:t>电工技术</a:t>
+            </a:r>
+            <a:r>
+              <a:rPr lang="zh-CN" altLang="en-US" dirty="0">
+                <a:latin typeface="微软雅黑" panose="020B0503020204020204" pitchFamily="34" charset="-122"/>
+                <a:ea typeface="微软雅黑" panose="020B0503020204020204" pitchFamily="34" charset="-122"/>
+                <a:cs typeface="Times New Roman" panose="02020603050405020304" pitchFamily="18" charset="0"/>
+              </a:rPr>
+              <a:t> </a:t>
+            </a:r>
+            <a:r>
+              <a:rPr lang="en-US" altLang="zh-CN" dirty="0">
+                <a:latin typeface="微软雅黑" panose="020B0503020204020204" pitchFamily="34" charset="-122"/>
+                <a:ea typeface="微软雅黑" panose="020B0503020204020204" pitchFamily="34" charset="-122"/>
+                <a:cs typeface="Times New Roman" panose="02020603050405020304" pitchFamily="18" charset="0"/>
+              </a:rPr>
+              <a:t>3 (2017): 22-24.</a:t>
+            </a:r>
+          </a:p>
+          <a:p>
+            <a:pPr marL="285750" indent="-285750">
+              <a:lnSpc>
+                <a:spcPct val="150000"/>
+              </a:lnSpc>
+              <a:buFont typeface="Arial" panose="020B0604020202020204" pitchFamily="34" charset="0"/>
+              <a:buChar char="•"/>
+            </a:pPr>
+            <a:r>
+              <a:rPr lang="zh-CN" altLang="en-US" dirty="0">
+                <a:latin typeface="微软雅黑" panose="020B0503020204020204" pitchFamily="34" charset="-122"/>
+                <a:ea typeface="微软雅黑" panose="020B0503020204020204" pitchFamily="34" charset="-122"/>
+                <a:cs typeface="Times New Roman" panose="02020603050405020304" pitchFamily="18" charset="0"/>
+              </a:rPr>
+              <a:t>滕卫明</a:t>
+            </a:r>
+            <a:r>
+              <a:rPr lang="en-US" altLang="zh-CN" dirty="0">
+                <a:latin typeface="微软雅黑" panose="020B0503020204020204" pitchFamily="34" charset="-122"/>
+                <a:ea typeface="微软雅黑" panose="020B0503020204020204" pitchFamily="34" charset="-122"/>
+                <a:cs typeface="Times New Roman" panose="02020603050405020304" pitchFamily="18" charset="0"/>
+              </a:rPr>
+              <a:t>, et al. "</a:t>
+            </a:r>
+            <a:r>
+              <a:rPr lang="zh-CN" altLang="en-US" dirty="0">
+                <a:latin typeface="微软雅黑" panose="020B0503020204020204" pitchFamily="34" charset="-122"/>
+                <a:ea typeface="微软雅黑" panose="020B0503020204020204" pitchFamily="34" charset="-122"/>
+                <a:cs typeface="Times New Roman" panose="02020603050405020304" pitchFamily="18" charset="0"/>
+              </a:rPr>
+              <a:t>基于 </a:t>
+            </a:r>
+            <a:r>
+              <a:rPr lang="en-US" altLang="zh-CN" dirty="0">
+                <a:latin typeface="微软雅黑" panose="020B0503020204020204" pitchFamily="34" charset="-122"/>
+                <a:ea typeface="微软雅黑" panose="020B0503020204020204" pitchFamily="34" charset="-122"/>
+                <a:cs typeface="Times New Roman" panose="02020603050405020304" pitchFamily="18" charset="0"/>
+              </a:rPr>
+              <a:t>SBM </a:t>
+            </a:r>
+            <a:r>
+              <a:rPr lang="zh-CN" altLang="en-US" dirty="0">
+                <a:latin typeface="微软雅黑" panose="020B0503020204020204" pitchFamily="34" charset="-122"/>
+                <a:ea typeface="微软雅黑" panose="020B0503020204020204" pitchFamily="34" charset="-122"/>
+                <a:cs typeface="Times New Roman" panose="02020603050405020304" pitchFamily="18" charset="0"/>
+              </a:rPr>
+              <a:t>技术的发电设备故障预警系统研究</a:t>
+            </a:r>
+            <a:r>
+              <a:rPr lang="en-US" altLang="zh-CN" dirty="0">
+                <a:latin typeface="微软雅黑" panose="020B0503020204020204" pitchFamily="34" charset="-122"/>
+                <a:ea typeface="微软雅黑" panose="020B0503020204020204" pitchFamily="34" charset="-122"/>
+                <a:cs typeface="Times New Roman" panose="02020603050405020304" pitchFamily="18" charset="0"/>
+              </a:rPr>
+              <a:t>." </a:t>
+            </a:r>
+            <a:r>
+              <a:rPr lang="zh-CN" altLang="en-US" i="1" dirty="0">
+                <a:latin typeface="微软雅黑" panose="020B0503020204020204" pitchFamily="34" charset="-122"/>
+                <a:ea typeface="微软雅黑" panose="020B0503020204020204" pitchFamily="34" charset="-122"/>
+                <a:cs typeface="Times New Roman" panose="02020603050405020304" pitchFamily="18" charset="0"/>
+              </a:rPr>
+              <a:t>中国电力</a:t>
+            </a:r>
+            <a:r>
+              <a:rPr lang="zh-CN" altLang="en-US" dirty="0">
+                <a:latin typeface="微软雅黑" panose="020B0503020204020204" pitchFamily="34" charset="-122"/>
+                <a:ea typeface="微软雅黑" panose="020B0503020204020204" pitchFamily="34" charset="-122"/>
+                <a:cs typeface="Times New Roman" panose="02020603050405020304" pitchFamily="18" charset="0"/>
+              </a:rPr>
+              <a:t> </a:t>
+            </a:r>
+            <a:r>
+              <a:rPr lang="en-US" altLang="zh-CN" dirty="0">
+                <a:latin typeface="微软雅黑" panose="020B0503020204020204" pitchFamily="34" charset="-122"/>
+                <a:ea typeface="微软雅黑" panose="020B0503020204020204" pitchFamily="34" charset="-122"/>
+                <a:cs typeface="Times New Roman" panose="02020603050405020304" pitchFamily="18" charset="0"/>
+              </a:rPr>
+              <a:t>1 (2015): 40-46.</a:t>
+            </a:r>
+          </a:p>
+          <a:p>
+            <a:pPr marL="285750" indent="-285750">
+              <a:lnSpc>
+                <a:spcPct val="150000"/>
+              </a:lnSpc>
+              <a:buFont typeface="Arial" panose="020B0604020202020204" pitchFamily="34" charset="0"/>
+              <a:buChar char="•"/>
+            </a:pPr>
+            <a:r>
+              <a:rPr lang="en-US" altLang="zh-CN" dirty="0" err="1">
+                <a:latin typeface="Times New Roman" panose="02020603050405020304" pitchFamily="18" charset="0"/>
+                <a:cs typeface="Times New Roman" panose="02020603050405020304" pitchFamily="18" charset="0"/>
+              </a:rPr>
+              <a:t>Tobar</a:t>
+            </a:r>
+            <a:r>
+              <a:rPr lang="en-US" altLang="zh-CN" dirty="0">
+                <a:latin typeface="Times New Roman" panose="02020603050405020304" pitchFamily="18" charset="0"/>
+                <a:cs typeface="Times New Roman" panose="02020603050405020304" pitchFamily="18" charset="0"/>
+              </a:rPr>
+              <a:t>, Felipe A., et al. "Anomaly detection in power generation plants using similarity-based modeling and multivariate analysis." </a:t>
+            </a:r>
+            <a:r>
+              <a:rPr lang="en-US" altLang="zh-CN" i="1" dirty="0">
+                <a:latin typeface="Times New Roman" panose="02020603050405020304" pitchFamily="18" charset="0"/>
+                <a:cs typeface="Times New Roman" panose="02020603050405020304" pitchFamily="18" charset="0"/>
+              </a:rPr>
+              <a:t>Proceedings of the 2011 American Control Conference</a:t>
+            </a:r>
+            <a:r>
+              <a:rPr lang="en-US" altLang="zh-CN" dirty="0">
+                <a:latin typeface="Times New Roman" panose="02020603050405020304" pitchFamily="18" charset="0"/>
+                <a:cs typeface="Times New Roman" panose="02020603050405020304" pitchFamily="18" charset="0"/>
+              </a:rPr>
+              <a:t>. IEEE, 2011.</a:t>
+            </a:r>
+          </a:p>
+          <a:p>
+            <a:pPr marL="285750" indent="-285750">
+              <a:lnSpc>
+                <a:spcPct val="150000"/>
+              </a:lnSpc>
+              <a:buFont typeface="Arial" panose="020B0604020202020204" pitchFamily="34" charset="0"/>
+              <a:buChar char="•"/>
+            </a:pPr>
+            <a:r>
+              <a:rPr lang="en-US" altLang="zh-CN" dirty="0">
+                <a:latin typeface="Times New Roman" panose="02020603050405020304" pitchFamily="18" charset="0"/>
+                <a:cs typeface="Times New Roman" panose="02020603050405020304" pitchFamily="18" charset="0"/>
+              </a:rPr>
+              <a:t>L Quintero, Vanessa, et al. "Characterizing the degradation process of lithium-ion batteries using a similarity-based-modeling approach." Fourth European Conference of the Prognostics and Health Management Society 2018, 2018.</a:t>
+            </a:r>
+          </a:p>
+          <a:p>
+            <a:pPr marL="285750" indent="-285750">
+              <a:lnSpc>
+                <a:spcPct val="150000"/>
+              </a:lnSpc>
+              <a:buFont typeface="Arial" panose="020B0604020202020204" pitchFamily="34" charset="0"/>
+              <a:buChar char="•"/>
+            </a:pPr>
+            <a:r>
+              <a:rPr lang="en-US" altLang="zh-CN" dirty="0" err="1">
+                <a:latin typeface="Times New Roman" panose="02020603050405020304" pitchFamily="18" charset="0"/>
+                <a:cs typeface="Times New Roman" panose="02020603050405020304" pitchFamily="18" charset="0"/>
+              </a:rPr>
+              <a:t>Rauber</a:t>
+            </a:r>
+            <a:r>
+              <a:rPr lang="en-US" altLang="zh-CN" dirty="0">
+                <a:latin typeface="Times New Roman" panose="02020603050405020304" pitchFamily="18" charset="0"/>
+                <a:cs typeface="Times New Roman" panose="02020603050405020304" pitchFamily="18" charset="0"/>
+              </a:rPr>
+              <a:t>, Thomas W., Francisco de Assis Boldt, and </a:t>
+            </a:r>
+            <a:r>
+              <a:rPr lang="en-US" altLang="zh-CN" dirty="0" err="1">
+                <a:latin typeface="Times New Roman" panose="02020603050405020304" pitchFamily="18" charset="0"/>
+                <a:cs typeface="Times New Roman" panose="02020603050405020304" pitchFamily="18" charset="0"/>
+              </a:rPr>
+              <a:t>Flávio</a:t>
+            </a:r>
+            <a:r>
+              <a:rPr lang="en-US" altLang="zh-CN" dirty="0">
+                <a:latin typeface="Times New Roman" panose="02020603050405020304" pitchFamily="18" charset="0"/>
+                <a:cs typeface="Times New Roman" panose="02020603050405020304" pitchFamily="18" charset="0"/>
+              </a:rPr>
+              <a:t> Miguel </a:t>
+            </a:r>
+            <a:r>
+              <a:rPr lang="en-US" altLang="zh-CN" dirty="0" err="1">
+                <a:latin typeface="Times New Roman" panose="02020603050405020304" pitchFamily="18" charset="0"/>
+                <a:cs typeface="Times New Roman" panose="02020603050405020304" pitchFamily="18" charset="0"/>
+              </a:rPr>
+              <a:t>Varejão</a:t>
+            </a:r>
+            <a:r>
+              <a:rPr lang="en-US" altLang="zh-CN" dirty="0">
+                <a:latin typeface="Times New Roman" panose="02020603050405020304" pitchFamily="18" charset="0"/>
+                <a:cs typeface="Times New Roman" panose="02020603050405020304" pitchFamily="18" charset="0"/>
+              </a:rPr>
+              <a:t>. "Heterogeneous feature models and feature selection applied to bearing fault diagnosis." </a:t>
+            </a:r>
+            <a:r>
+              <a:rPr lang="en-US" altLang="zh-CN" i="1" dirty="0">
+                <a:latin typeface="Times New Roman" panose="02020603050405020304" pitchFamily="18" charset="0"/>
+                <a:cs typeface="Times New Roman" panose="02020603050405020304" pitchFamily="18" charset="0"/>
+              </a:rPr>
+              <a:t>IEEE Transactions on Industrial Electronics</a:t>
+            </a:r>
+            <a:r>
+              <a:rPr lang="en-US" altLang="zh-CN" dirty="0">
+                <a:latin typeface="Times New Roman" panose="02020603050405020304" pitchFamily="18" charset="0"/>
+                <a:cs typeface="Times New Roman" panose="02020603050405020304" pitchFamily="18" charset="0"/>
+              </a:rPr>
+              <a:t> 62.1 (2014): 637-646.</a:t>
+            </a:r>
+          </a:p>
+          <a:p>
+            <a:pPr marL="285750" indent="-285750">
+              <a:lnSpc>
+                <a:spcPct val="150000"/>
+              </a:lnSpc>
+              <a:buFont typeface="Arial" panose="020B0604020202020204" pitchFamily="34" charset="0"/>
+              <a:buChar char="•"/>
+            </a:pPr>
+            <a:r>
+              <a:rPr lang="en-US" altLang="zh-CN" dirty="0" err="1">
+                <a:latin typeface="Times New Roman" panose="02020603050405020304" pitchFamily="18" charset="0"/>
+                <a:cs typeface="Times New Roman" panose="02020603050405020304" pitchFamily="18" charset="0"/>
+              </a:rPr>
+              <a:t>Marins</a:t>
+            </a:r>
+            <a:r>
+              <a:rPr lang="en-US" altLang="zh-CN" dirty="0">
+                <a:latin typeface="Times New Roman" panose="02020603050405020304" pitchFamily="18" charset="0"/>
+                <a:cs typeface="Times New Roman" panose="02020603050405020304" pitchFamily="18" charset="0"/>
+              </a:rPr>
+              <a:t>, Matheus A., et al. "Improved similarity-based modeling for the classification of rotating-machine failures." </a:t>
+            </a:r>
+            <a:r>
+              <a:rPr lang="en-US" altLang="zh-CN" i="1" dirty="0">
+                <a:latin typeface="Times New Roman" panose="02020603050405020304" pitchFamily="18" charset="0"/>
+                <a:cs typeface="Times New Roman" panose="02020603050405020304" pitchFamily="18" charset="0"/>
+              </a:rPr>
+              <a:t>Journal of the Franklin Institute</a:t>
+            </a:r>
+            <a:r>
+              <a:rPr lang="en-US" altLang="zh-CN" dirty="0">
+                <a:latin typeface="Times New Roman" panose="02020603050405020304" pitchFamily="18" charset="0"/>
+                <a:cs typeface="Times New Roman" panose="02020603050405020304" pitchFamily="18" charset="0"/>
+              </a:rPr>
+              <a:t> 355.4 (2018): 1913-1930.</a:t>
+            </a:r>
+          </a:p>
+          <a:p>
+            <a:pPr marL="285750" indent="-285750">
+              <a:lnSpc>
+                <a:spcPct val="150000"/>
+              </a:lnSpc>
+              <a:buFont typeface="Arial" panose="020B0604020202020204" pitchFamily="34" charset="0"/>
+              <a:buChar char="•"/>
+            </a:pPr>
+            <a:r>
+              <a:rPr lang="en-US" altLang="zh-CN" dirty="0" err="1">
+                <a:latin typeface="Times New Roman" panose="02020603050405020304" pitchFamily="18" charset="0"/>
+                <a:cs typeface="Times New Roman" panose="02020603050405020304" pitchFamily="18" charset="0"/>
+              </a:rPr>
+              <a:t>Rauber</a:t>
+            </a:r>
+            <a:r>
+              <a:rPr lang="en-US" altLang="zh-CN" dirty="0">
+                <a:latin typeface="Times New Roman" panose="02020603050405020304" pitchFamily="18" charset="0"/>
+                <a:cs typeface="Times New Roman" panose="02020603050405020304" pitchFamily="18" charset="0"/>
+              </a:rPr>
+              <a:t>, Thomas W., Francisco de Assis Boldt, and </a:t>
+            </a:r>
+            <a:r>
+              <a:rPr lang="en-US" altLang="zh-CN" dirty="0" err="1">
+                <a:latin typeface="Times New Roman" panose="02020603050405020304" pitchFamily="18" charset="0"/>
+                <a:cs typeface="Times New Roman" panose="02020603050405020304" pitchFamily="18" charset="0"/>
+              </a:rPr>
+              <a:t>Flávio</a:t>
+            </a:r>
+            <a:r>
+              <a:rPr lang="en-US" altLang="zh-CN" dirty="0">
+                <a:latin typeface="Times New Roman" panose="02020603050405020304" pitchFamily="18" charset="0"/>
+                <a:cs typeface="Times New Roman" panose="02020603050405020304" pitchFamily="18" charset="0"/>
+              </a:rPr>
+              <a:t> Miguel </a:t>
+            </a:r>
+            <a:r>
+              <a:rPr lang="en-US" altLang="zh-CN" dirty="0" err="1">
+                <a:latin typeface="Times New Roman" panose="02020603050405020304" pitchFamily="18" charset="0"/>
+                <a:cs typeface="Times New Roman" panose="02020603050405020304" pitchFamily="18" charset="0"/>
+              </a:rPr>
+              <a:t>Varejão</a:t>
+            </a:r>
+            <a:r>
+              <a:rPr lang="en-US" altLang="zh-CN" dirty="0">
+                <a:latin typeface="Times New Roman" panose="02020603050405020304" pitchFamily="18" charset="0"/>
+                <a:cs typeface="Times New Roman" panose="02020603050405020304" pitchFamily="18" charset="0"/>
+              </a:rPr>
+              <a:t>. "Heterogeneous feature models and feature selection applied to bearing fault diagnosis." </a:t>
+            </a:r>
+            <a:r>
+              <a:rPr lang="en-US" altLang="zh-CN" i="1" dirty="0">
+                <a:latin typeface="Times New Roman" panose="02020603050405020304" pitchFamily="18" charset="0"/>
+                <a:cs typeface="Times New Roman" panose="02020603050405020304" pitchFamily="18" charset="0"/>
+              </a:rPr>
+              <a:t>IEEE Transactions on Industrial Electronics</a:t>
+            </a:r>
+            <a:r>
+              <a:rPr lang="en-US" altLang="zh-CN" dirty="0">
+                <a:latin typeface="Times New Roman" panose="02020603050405020304" pitchFamily="18" charset="0"/>
+                <a:cs typeface="Times New Roman" panose="02020603050405020304" pitchFamily="18" charset="0"/>
+              </a:rPr>
+              <a:t> 62.1 (2014): 637-646.</a:t>
+            </a:r>
+          </a:p>
+        </p:txBody>
+      </p:sp>
+    </p:spTree>
+    <p:extLst>
+      <p:ext uri="{BB962C8B-B14F-4D97-AF65-F5344CB8AC3E}">
+        <p14:creationId xmlns:p14="http://schemas.microsoft.com/office/powerpoint/2010/main" val="2575727809"/>
+      </p:ext>
+    </p:extLst>
+  </p:cSld>
+  <p:clrMapOvr>
+    <a:masterClrMapping/>
+  </p:clrMapOvr>
+</p:sld>
+</file>
+
+<file path=ppt/slides/slide15.xml><?xml version="1.0" encoding="utf-8"?>
+<p:sld xmlns:a="http://schemas.openxmlformats.org/drawingml/2006/main" xmlns:r="http://schemas.openxmlformats.org/officeDocument/2006/relationships" xmlns:p="http://schemas.openxmlformats.org/presentationml/2006/main">
+  <p:cSld>
+    <p:spTree>
+      <p:nvGrpSpPr>
+        <p:cNvPr id="1" name=""/>
+        <p:cNvGrpSpPr/>
+        <p:nvPr/>
+      </p:nvGrpSpPr>
+      <p:grpSpPr>
+        <a:xfrm>
+          <a:off x="0" y="0"/>
+          <a:ext cx="0" cy="0"/>
+          <a:chOff x="0" y="0"/>
+          <a:chExt cx="0" cy="0"/>
+        </a:xfrm>
+      </p:grpSpPr>
+      <p:sp>
+        <p:nvSpPr>
+          <p:cNvPr id="7" name="Rectangle 3">
+            <a:extLst>
+              <a:ext uri="{FF2B5EF4-FFF2-40B4-BE49-F238E27FC236}">
+                <a16:creationId xmlns:a16="http://schemas.microsoft.com/office/drawing/2014/main" id="{85055157-43D1-45C8-AB49-7052CEE5458F}"/>
+              </a:ext>
+            </a:extLst>
+          </p:cNvPr>
+          <p:cNvSpPr/>
+          <p:nvPr/>
+        </p:nvSpPr>
+        <p:spPr>
+          <a:xfrm>
+            <a:off x="9718719" y="239732"/>
+            <a:ext cx="1620957" cy="523220"/>
+          </a:xfrm>
+          <a:prstGeom prst="rect">
+            <a:avLst/>
+          </a:prstGeom>
+        </p:spPr>
+        <p:txBody>
+          <a:bodyPr wrap="none" anchor="t">
+            <a:spAutoFit/>
+          </a:bodyPr>
+          <a:lstStyle>
+            <a:defPPr>
+              <a:defRPr lang="en-US"/>
+            </a:defPPr>
+            <a:lvl1pPr marL="0" algn="l" defTabSz="914400" rtl="0" eaLnBrk="1" latinLnBrk="0" hangingPunct="1">
+              <a:defRPr sz="1800" kern="1200">
+                <a:solidFill>
+                  <a:schemeClr val="tx1"/>
+                </a:solidFill>
+                <a:latin typeface="+mn-lt"/>
+                <a:ea typeface="+mn-ea"/>
+                <a:cs typeface="+mn-cs"/>
+              </a:defRPr>
+            </a:lvl1pPr>
+            <a:lvl2pPr marL="457200" algn="l" defTabSz="914400" rtl="0" eaLnBrk="1" latinLnBrk="0" hangingPunct="1">
+              <a:defRPr sz="1800" kern="1200">
+                <a:solidFill>
+                  <a:schemeClr val="tx1"/>
+                </a:solidFill>
+                <a:latin typeface="+mn-lt"/>
+                <a:ea typeface="+mn-ea"/>
+                <a:cs typeface="+mn-cs"/>
+              </a:defRPr>
+            </a:lvl2pPr>
+            <a:lvl3pPr marL="914400" algn="l" defTabSz="914400" rtl="0" eaLnBrk="1" latinLnBrk="0" hangingPunct="1">
+              <a:defRPr sz="1800" kern="1200">
+                <a:solidFill>
+                  <a:schemeClr val="tx1"/>
+                </a:solidFill>
+                <a:latin typeface="+mn-lt"/>
+                <a:ea typeface="+mn-ea"/>
+                <a:cs typeface="+mn-cs"/>
+              </a:defRPr>
+            </a:lvl3pPr>
+            <a:lvl4pPr marL="1371600" algn="l" defTabSz="914400" rtl="0" eaLnBrk="1" latinLnBrk="0" hangingPunct="1">
+              <a:defRPr sz="1800" kern="1200">
+                <a:solidFill>
+                  <a:schemeClr val="tx1"/>
+                </a:solidFill>
+                <a:latin typeface="+mn-lt"/>
+                <a:ea typeface="+mn-ea"/>
+                <a:cs typeface="+mn-cs"/>
+              </a:defRPr>
+            </a:lvl4pPr>
+            <a:lvl5pPr marL="1828800" algn="l" defTabSz="914400" rtl="0" eaLnBrk="1" latinLnBrk="0" hangingPunct="1">
+              <a:defRPr sz="1800" kern="1200">
+                <a:solidFill>
+                  <a:schemeClr val="tx1"/>
+                </a:solidFill>
+                <a:latin typeface="+mn-lt"/>
+                <a:ea typeface="+mn-ea"/>
+                <a:cs typeface="+mn-cs"/>
+              </a:defRPr>
+            </a:lvl5pPr>
+            <a:lvl6pPr marL="2286000" algn="l" defTabSz="914400" rtl="0" eaLnBrk="1" latinLnBrk="0" hangingPunct="1">
+              <a:defRPr sz="1800" kern="1200">
+                <a:solidFill>
+                  <a:schemeClr val="tx1"/>
+                </a:solidFill>
+                <a:latin typeface="+mn-lt"/>
+                <a:ea typeface="+mn-ea"/>
+                <a:cs typeface="+mn-cs"/>
+              </a:defRPr>
+            </a:lvl6pPr>
+            <a:lvl7pPr marL="2743200" algn="l" defTabSz="914400" rtl="0" eaLnBrk="1" latinLnBrk="0" hangingPunct="1">
+              <a:defRPr sz="1800" kern="1200">
+                <a:solidFill>
+                  <a:schemeClr val="tx1"/>
+                </a:solidFill>
+                <a:latin typeface="+mn-lt"/>
+                <a:ea typeface="+mn-ea"/>
+                <a:cs typeface="+mn-cs"/>
+              </a:defRPr>
+            </a:lvl7pPr>
+            <a:lvl8pPr marL="3200400" algn="l" defTabSz="914400" rtl="0" eaLnBrk="1" latinLnBrk="0" hangingPunct="1">
+              <a:defRPr sz="1800" kern="1200">
+                <a:solidFill>
+                  <a:schemeClr val="tx1"/>
+                </a:solidFill>
+                <a:latin typeface="+mn-lt"/>
+                <a:ea typeface="+mn-ea"/>
+                <a:cs typeface="+mn-cs"/>
+              </a:defRPr>
+            </a:lvl8pPr>
+            <a:lvl9pPr marL="3657600" algn="l" defTabSz="914400" rtl="0" eaLnBrk="1" latinLnBrk="0" hangingPunct="1">
+              <a:defRPr sz="1800" kern="1200">
+                <a:solidFill>
+                  <a:schemeClr val="tx1"/>
+                </a:solidFill>
+                <a:latin typeface="+mn-lt"/>
+                <a:ea typeface="+mn-ea"/>
+                <a:cs typeface="+mn-cs"/>
+              </a:defRPr>
+            </a:lvl9pPr>
+          </a:lstStyle>
+          <a:p>
+            <a:pPr algn="r"/>
+            <a:r>
+              <a:rPr lang="zh-CN" altLang="en-US" sz="2800" dirty="0">
+                <a:solidFill>
+                  <a:srgbClr val="005BBB"/>
+                </a:solidFill>
+                <a:latin typeface="微软雅黑" panose="020B0503020204020204" pitchFamily="34" charset="-122"/>
+                <a:ea typeface="微软雅黑" panose="020B0503020204020204" pitchFamily="34" charset="-122"/>
+                <a:cs typeface="Arial" panose="020B0604020202020204"/>
+              </a:rPr>
+              <a:t>参考文献</a:t>
+            </a:r>
+            <a:endParaRPr lang="en-US" altLang="zh-CN" sz="2800" dirty="0">
+              <a:solidFill>
+                <a:srgbClr val="005BBB"/>
+              </a:solidFill>
+              <a:latin typeface="微软雅黑" panose="020B0503020204020204" pitchFamily="34" charset="-122"/>
+              <a:ea typeface="微软雅黑" panose="020B0503020204020204" pitchFamily="34" charset="-122"/>
+              <a:cs typeface="Arial" panose="020B0604020202020204"/>
+            </a:endParaRPr>
+          </a:p>
+        </p:txBody>
+      </p:sp>
+      <p:sp>
+        <p:nvSpPr>
+          <p:cNvPr id="2" name="文本框 1">
+            <a:extLst>
+              <a:ext uri="{FF2B5EF4-FFF2-40B4-BE49-F238E27FC236}">
+                <a16:creationId xmlns:a16="http://schemas.microsoft.com/office/drawing/2014/main" id="{8F3F87E7-0E1D-48EA-83AC-4FF036F85DAF}"/>
+              </a:ext>
+            </a:extLst>
+          </p:cNvPr>
+          <p:cNvSpPr txBox="1"/>
+          <p:nvPr/>
+        </p:nvSpPr>
+        <p:spPr>
+          <a:xfrm>
+            <a:off x="94243" y="1223755"/>
+            <a:ext cx="11519688" cy="5028236"/>
+          </a:xfrm>
+          <a:prstGeom prst="rect">
+            <a:avLst/>
+          </a:prstGeom>
+          <a:noFill/>
+        </p:spPr>
+        <p:txBody>
+          <a:bodyPr wrap="square" rtlCol="0">
+            <a:spAutoFit/>
+          </a:bodyPr>
+          <a:lstStyle/>
+          <a:p>
+            <a:pPr marL="285750" indent="-285750">
+              <a:lnSpc>
+                <a:spcPct val="150000"/>
+              </a:lnSpc>
+              <a:buFont typeface="Arial" panose="020B0604020202020204" pitchFamily="34" charset="0"/>
+              <a:buChar char="•"/>
+            </a:pPr>
+            <a:r>
+              <a:rPr lang="en-US" altLang="zh-CN" dirty="0" err="1">
+                <a:latin typeface="Times New Roman" panose="02020603050405020304" pitchFamily="18" charset="0"/>
+                <a:cs typeface="Times New Roman" panose="02020603050405020304" pitchFamily="18" charset="0"/>
+              </a:rPr>
+              <a:t>Wegerich</a:t>
+            </a:r>
+            <a:r>
+              <a:rPr lang="en-US" altLang="zh-CN" dirty="0">
+                <a:latin typeface="Times New Roman" panose="02020603050405020304" pitchFamily="18" charset="0"/>
+                <a:cs typeface="Times New Roman" panose="02020603050405020304" pitchFamily="18" charset="0"/>
+              </a:rPr>
+              <a:t>, Stephan W. "Similarity based modeling of time synchronous averaged vibration signals for machinery health monitoring." </a:t>
+            </a:r>
+            <a:r>
+              <a:rPr lang="en-US" altLang="zh-CN" i="1" dirty="0">
+                <a:latin typeface="Times New Roman" panose="02020603050405020304" pitchFamily="18" charset="0"/>
+                <a:cs typeface="Times New Roman" panose="02020603050405020304" pitchFamily="18" charset="0"/>
+              </a:rPr>
+              <a:t>2004 IEEE Aerospace Conference Proceedings (IEEE Cat. No. 04TH8720)</a:t>
+            </a:r>
+            <a:r>
+              <a:rPr lang="en-US" altLang="zh-CN" dirty="0">
+                <a:latin typeface="Times New Roman" panose="02020603050405020304" pitchFamily="18" charset="0"/>
+                <a:cs typeface="Times New Roman" panose="02020603050405020304" pitchFamily="18" charset="0"/>
+              </a:rPr>
+              <a:t>. Vol. 6. IEEE, 2004.</a:t>
+            </a:r>
+          </a:p>
+          <a:p>
+            <a:pPr marL="285750" indent="-285750">
+              <a:lnSpc>
+                <a:spcPct val="150000"/>
+              </a:lnSpc>
+              <a:buFont typeface="Arial" panose="020B0604020202020204" pitchFamily="34" charset="0"/>
+              <a:buChar char="•"/>
+            </a:pPr>
+            <a:r>
+              <a:rPr lang="en-US" altLang="zh-CN" dirty="0" err="1">
+                <a:latin typeface="Times New Roman" panose="02020603050405020304" pitchFamily="18" charset="0"/>
+                <a:cs typeface="Times New Roman" panose="02020603050405020304" pitchFamily="18" charset="0"/>
+              </a:rPr>
+              <a:t>Bicego</a:t>
+            </a:r>
+            <a:r>
+              <a:rPr lang="en-US" altLang="zh-CN" dirty="0">
+                <a:latin typeface="Times New Roman" panose="02020603050405020304" pitchFamily="18" charset="0"/>
+                <a:cs typeface="Times New Roman" panose="02020603050405020304" pitchFamily="18" charset="0"/>
+              </a:rPr>
+              <a:t>, </a:t>
+            </a:r>
+            <a:r>
+              <a:rPr lang="en-US" altLang="zh-CN" dirty="0" err="1">
+                <a:latin typeface="Times New Roman" panose="02020603050405020304" pitchFamily="18" charset="0"/>
+                <a:cs typeface="Times New Roman" panose="02020603050405020304" pitchFamily="18" charset="0"/>
+              </a:rPr>
+              <a:t>Manuele</a:t>
+            </a:r>
+            <a:r>
+              <a:rPr lang="en-US" altLang="zh-CN" dirty="0">
+                <a:latin typeface="Times New Roman" panose="02020603050405020304" pitchFamily="18" charset="0"/>
+                <a:cs typeface="Times New Roman" panose="02020603050405020304" pitchFamily="18" charset="0"/>
+              </a:rPr>
+              <a:t>, Vittorio </a:t>
+            </a:r>
+            <a:r>
+              <a:rPr lang="en-US" altLang="zh-CN" dirty="0" err="1">
+                <a:latin typeface="Times New Roman" panose="02020603050405020304" pitchFamily="18" charset="0"/>
+                <a:cs typeface="Times New Roman" panose="02020603050405020304" pitchFamily="18" charset="0"/>
+              </a:rPr>
+              <a:t>Murino</a:t>
+            </a:r>
+            <a:r>
+              <a:rPr lang="en-US" altLang="zh-CN" dirty="0">
+                <a:latin typeface="Times New Roman" panose="02020603050405020304" pitchFamily="18" charset="0"/>
+                <a:cs typeface="Times New Roman" panose="02020603050405020304" pitchFamily="18" charset="0"/>
+              </a:rPr>
+              <a:t>, and Mário AT </a:t>
+            </a:r>
+            <a:r>
+              <a:rPr lang="en-US" altLang="zh-CN" dirty="0" err="1">
+                <a:latin typeface="Times New Roman" panose="02020603050405020304" pitchFamily="18" charset="0"/>
+                <a:cs typeface="Times New Roman" panose="02020603050405020304" pitchFamily="18" charset="0"/>
+              </a:rPr>
+              <a:t>Figueiredo</a:t>
+            </a:r>
+            <a:r>
+              <a:rPr lang="en-US" altLang="zh-CN" dirty="0">
+                <a:latin typeface="Times New Roman" panose="02020603050405020304" pitchFamily="18" charset="0"/>
+                <a:cs typeface="Times New Roman" panose="02020603050405020304" pitchFamily="18" charset="0"/>
+              </a:rPr>
+              <a:t>. “Similarity-based classification of sequences using hidden Markov models.” </a:t>
+            </a:r>
+            <a:r>
+              <a:rPr lang="en-US" altLang="zh-CN" i="1" dirty="0">
+                <a:latin typeface="Times New Roman" panose="02020603050405020304" pitchFamily="18" charset="0"/>
+                <a:cs typeface="Times New Roman" panose="02020603050405020304" pitchFamily="18" charset="0"/>
+              </a:rPr>
+              <a:t>Pattern Recognition</a:t>
+            </a:r>
+            <a:r>
+              <a:rPr lang="en-US" altLang="zh-CN" dirty="0">
+                <a:latin typeface="Times New Roman" panose="02020603050405020304" pitchFamily="18" charset="0"/>
+                <a:cs typeface="Times New Roman" panose="02020603050405020304" pitchFamily="18" charset="0"/>
+              </a:rPr>
+              <a:t> 37.12 (2004): 2281-2291.</a:t>
+            </a:r>
+          </a:p>
+          <a:p>
+            <a:pPr marL="285750" indent="-285750">
+              <a:lnSpc>
+                <a:spcPct val="150000"/>
+              </a:lnSpc>
+              <a:buFont typeface="Arial" panose="020B0604020202020204" pitchFamily="34" charset="0"/>
+              <a:buChar char="•"/>
+            </a:pPr>
+            <a:r>
+              <a:rPr lang="en-US" altLang="zh-CN" dirty="0" err="1">
+                <a:latin typeface="Times New Roman" panose="02020603050405020304" pitchFamily="18" charset="0"/>
+                <a:cs typeface="Times New Roman" panose="02020603050405020304" pitchFamily="18" charset="0"/>
+              </a:rPr>
+              <a:t>Duch</a:t>
+            </a:r>
+            <a:r>
+              <a:rPr lang="en-US" altLang="zh-CN" dirty="0">
+                <a:latin typeface="Times New Roman" panose="02020603050405020304" pitchFamily="18" charset="0"/>
+                <a:cs typeface="Times New Roman" panose="02020603050405020304" pitchFamily="18" charset="0"/>
+              </a:rPr>
+              <a:t>, </a:t>
+            </a:r>
+            <a:r>
+              <a:rPr lang="en-US" altLang="zh-CN" dirty="0" err="1">
+                <a:latin typeface="Times New Roman" panose="02020603050405020304" pitchFamily="18" charset="0"/>
+                <a:cs typeface="Times New Roman" panose="02020603050405020304" pitchFamily="18" charset="0"/>
+              </a:rPr>
+              <a:t>Włodzisław</a:t>
+            </a:r>
+            <a:r>
+              <a:rPr lang="en-US" altLang="zh-CN" dirty="0">
+                <a:latin typeface="Times New Roman" panose="02020603050405020304" pitchFamily="18" charset="0"/>
+                <a:cs typeface="Times New Roman" panose="02020603050405020304" pitchFamily="18" charset="0"/>
+              </a:rPr>
+              <a:t>. "Similarity-based methods: a general framework for classification, approximation and association." (2000).</a:t>
+            </a:r>
+          </a:p>
+          <a:p>
+            <a:pPr marL="285750" indent="-285750">
+              <a:lnSpc>
+                <a:spcPct val="150000"/>
+              </a:lnSpc>
+              <a:buFont typeface="Arial" panose="020B0604020202020204" pitchFamily="34" charset="0"/>
+              <a:buChar char="•"/>
+            </a:pPr>
+            <a:r>
+              <a:rPr lang="en-US" altLang="zh-CN" dirty="0" err="1">
+                <a:latin typeface="Times New Roman" panose="02020603050405020304" pitchFamily="18" charset="0"/>
+                <a:cs typeface="Times New Roman" panose="02020603050405020304" pitchFamily="18" charset="0"/>
+              </a:rPr>
+              <a:t>Vilar</a:t>
+            </a:r>
+            <a:r>
+              <a:rPr lang="en-US" altLang="zh-CN" dirty="0">
+                <a:latin typeface="Times New Roman" panose="02020603050405020304" pitchFamily="18" charset="0"/>
+                <a:cs typeface="Times New Roman" panose="02020603050405020304" pitchFamily="18" charset="0"/>
+              </a:rPr>
+              <a:t>, Santiago, et al. "Similarity-based modeling in large-scale prediction of drug-drug interactions." </a:t>
+            </a:r>
+            <a:r>
+              <a:rPr lang="en-US" altLang="zh-CN" i="1" dirty="0">
+                <a:latin typeface="Times New Roman" panose="02020603050405020304" pitchFamily="18" charset="0"/>
+                <a:cs typeface="Times New Roman" panose="02020603050405020304" pitchFamily="18" charset="0"/>
+              </a:rPr>
+              <a:t>Nature protocols</a:t>
+            </a:r>
+            <a:r>
+              <a:rPr lang="en-US" altLang="zh-CN" dirty="0">
+                <a:latin typeface="Times New Roman" panose="02020603050405020304" pitchFamily="18" charset="0"/>
+                <a:cs typeface="Times New Roman" panose="02020603050405020304" pitchFamily="18" charset="0"/>
+              </a:rPr>
+              <a:t> 9.9 (2014): 2147-2163.</a:t>
+            </a:r>
+          </a:p>
+          <a:p>
+            <a:pPr marL="285750" indent="-285750">
+              <a:lnSpc>
+                <a:spcPct val="150000"/>
+              </a:lnSpc>
+              <a:buFont typeface="Arial" panose="020B0604020202020204" pitchFamily="34" charset="0"/>
+              <a:buChar char="•"/>
+            </a:pPr>
+            <a:r>
+              <a:rPr lang="en-US" altLang="zh-CN" dirty="0">
+                <a:latin typeface="Times New Roman" panose="02020603050405020304" pitchFamily="18" charset="0"/>
+                <a:cs typeface="Times New Roman" panose="02020603050405020304" pitchFamily="18" charset="0"/>
+              </a:rPr>
+              <a:t>Mott, Jack, and Matt </a:t>
+            </a:r>
+            <a:r>
+              <a:rPr lang="en-US" altLang="zh-CN" dirty="0" err="1">
+                <a:latin typeface="Times New Roman" panose="02020603050405020304" pitchFamily="18" charset="0"/>
+                <a:cs typeface="Times New Roman" panose="02020603050405020304" pitchFamily="18" charset="0"/>
+              </a:rPr>
+              <a:t>Pipke</a:t>
+            </a:r>
+            <a:r>
+              <a:rPr lang="en-US" altLang="zh-CN" dirty="0">
+                <a:latin typeface="Times New Roman" panose="02020603050405020304" pitchFamily="18" charset="0"/>
+                <a:cs typeface="Times New Roman" panose="02020603050405020304" pitchFamily="18" charset="0"/>
+              </a:rPr>
+              <a:t>. "Similarity-based modeling of aircraft flight paths." </a:t>
+            </a:r>
+            <a:r>
+              <a:rPr lang="en-US" altLang="zh-CN" i="1" dirty="0">
+                <a:latin typeface="Times New Roman" panose="02020603050405020304" pitchFamily="18" charset="0"/>
+                <a:cs typeface="Times New Roman" panose="02020603050405020304" pitchFamily="18" charset="0"/>
+              </a:rPr>
+              <a:t>2004 IEEE Aerospace Conference Proceedings (IEEE Cat. No. 04TH8720)</a:t>
+            </a:r>
+            <a:r>
+              <a:rPr lang="en-US" altLang="zh-CN" dirty="0">
+                <a:latin typeface="Times New Roman" panose="02020603050405020304" pitchFamily="18" charset="0"/>
+                <a:cs typeface="Times New Roman" panose="02020603050405020304" pitchFamily="18" charset="0"/>
+              </a:rPr>
+              <a:t>. Vol. 3. IEEE, 2004.</a:t>
+            </a:r>
+          </a:p>
+          <a:p>
+            <a:pPr marL="285750" indent="-285750">
+              <a:lnSpc>
+                <a:spcPct val="150000"/>
+              </a:lnSpc>
+              <a:buFont typeface="Arial" panose="020B0604020202020204" pitchFamily="34" charset="0"/>
+              <a:buChar char="•"/>
+            </a:pPr>
+            <a:r>
+              <a:rPr lang="en-US" altLang="zh-CN" dirty="0" err="1">
+                <a:latin typeface="Times New Roman" panose="02020603050405020304" pitchFamily="18" charset="0"/>
+                <a:cs typeface="Times New Roman" panose="02020603050405020304" pitchFamily="18" charset="0"/>
+              </a:rPr>
+              <a:t>Wegerich</a:t>
+            </a:r>
+            <a:r>
+              <a:rPr lang="en-US" altLang="zh-CN" dirty="0">
+                <a:latin typeface="Times New Roman" panose="02020603050405020304" pitchFamily="18" charset="0"/>
+                <a:cs typeface="Times New Roman" panose="02020603050405020304" pitchFamily="18" charset="0"/>
+              </a:rPr>
+              <a:t>, Stephan. "Similarity‐based modeling of vibration features for fault detection and identification." </a:t>
+            </a:r>
+            <a:r>
+              <a:rPr lang="en-US" altLang="zh-CN" i="1" dirty="0">
+                <a:latin typeface="Times New Roman" panose="02020603050405020304" pitchFamily="18" charset="0"/>
+                <a:cs typeface="Times New Roman" panose="02020603050405020304" pitchFamily="18" charset="0"/>
+              </a:rPr>
+              <a:t>Sensor Review</a:t>
+            </a:r>
+            <a:r>
+              <a:rPr lang="en-US" altLang="zh-CN" dirty="0">
+                <a:latin typeface="Times New Roman" panose="02020603050405020304" pitchFamily="18" charset="0"/>
+                <a:cs typeface="Times New Roman" panose="02020603050405020304" pitchFamily="18" charset="0"/>
+              </a:rPr>
+              <a:t> (2005).</a:t>
+            </a:r>
+            <a:endParaRPr lang="zh-CN" altLang="en-US" dirty="0">
+              <a:latin typeface="Times New Roman" panose="02020603050405020304" pitchFamily="18" charset="0"/>
+              <a:cs typeface="Times New Roman" panose="02020603050405020304" pitchFamily="18" charset="0"/>
+            </a:endParaRPr>
+          </a:p>
+        </p:txBody>
+      </p:sp>
+    </p:spTree>
+    <p:extLst>
+      <p:ext uri="{BB962C8B-B14F-4D97-AF65-F5344CB8AC3E}">
+        <p14:creationId xmlns:p14="http://schemas.microsoft.com/office/powerpoint/2010/main" val="155038809"/>
+      </p:ext>
+    </p:extLst>
+  </p:cSld>
+  <p:clrMapOvr>
+    <a:masterClrMapping/>
+  </p:clrMapOvr>
+</p:sld>
+</file>
+
+<file path=ppt/slides/slide16.xml><?xml version="1.0" encoding="utf-8"?>
 <p:sld xmlns:a="http://schemas.openxmlformats.org/drawingml/2006/main" xmlns:r="http://schemas.openxmlformats.org/officeDocument/2006/relationships" xmlns:p="http://schemas.openxmlformats.org/presentationml/2006/main" showMasterSp="0">
   <p:cSld>
     <p:spTree>
@@ -14442,6 +16371,102 @@
           </a:p>
         </p:txBody>
       </p:sp>
+      <p:sp>
+        <p:nvSpPr>
+          <p:cNvPr id="16" name="文本框 15">
+            <a:extLst>
+              <a:ext uri="{FF2B5EF4-FFF2-40B4-BE49-F238E27FC236}">
+                <a16:creationId xmlns:a16="http://schemas.microsoft.com/office/drawing/2014/main" id="{B98FC2B2-B22E-4196-84DB-4276A18209B7}"/>
+              </a:ext>
+            </a:extLst>
+          </p:cNvPr>
+          <p:cNvSpPr txBox="1"/>
+          <p:nvPr/>
+        </p:nvSpPr>
+        <p:spPr>
+          <a:xfrm>
+            <a:off x="7435849" y="5749737"/>
+            <a:ext cx="4003675" cy="400110"/>
+          </a:xfrm>
+          <a:prstGeom prst="rect">
+            <a:avLst/>
+          </a:prstGeom>
+          <a:noFill/>
+        </p:spPr>
+        <p:txBody>
+          <a:bodyPr wrap="square" rtlCol="0">
+            <a:spAutoFit/>
+          </a:bodyPr>
+          <a:lstStyle/>
+          <a:p>
+            <a:r>
+              <a:rPr lang="zh-CN" altLang="en-US" sz="2000" dirty="0">
+                <a:solidFill>
+                  <a:srgbClr val="2B528B"/>
+                </a:solidFill>
+                <a:latin typeface="微软雅黑" panose="020B0503020204020204" charset="-122"/>
+                <a:ea typeface="微软雅黑" panose="020B0503020204020204" charset="-122"/>
+              </a:rPr>
+              <a:t>参考文献</a:t>
+            </a:r>
+          </a:p>
+        </p:txBody>
+      </p:sp>
+      <p:sp>
+        <p:nvSpPr>
+          <p:cNvPr id="17" name="椭圆 16">
+            <a:extLst>
+              <a:ext uri="{FF2B5EF4-FFF2-40B4-BE49-F238E27FC236}">
+                <a16:creationId xmlns:a16="http://schemas.microsoft.com/office/drawing/2014/main" id="{E27B95BE-8C49-4906-8123-85C6536527E7}"/>
+              </a:ext>
+            </a:extLst>
+          </p:cNvPr>
+          <p:cNvSpPr/>
+          <p:nvPr/>
+        </p:nvSpPr>
+        <p:spPr>
+          <a:xfrm>
+            <a:off x="6745605" y="5665312"/>
+            <a:ext cx="568960" cy="568960"/>
+          </a:xfrm>
+          <a:prstGeom prst="ellipse">
+            <a:avLst/>
+          </a:prstGeom>
+          <a:solidFill>
+            <a:srgbClr val="2B528B"/>
+          </a:solidFill>
+          <a:ln>
+            <a:noFill/>
+          </a:ln>
+        </p:spPr>
+        <p:style>
+          <a:lnRef idx="2">
+            <a:schemeClr val="accent1">
+              <a:shade val="50000"/>
+            </a:schemeClr>
+          </a:lnRef>
+          <a:fillRef idx="1">
+            <a:schemeClr val="accent1"/>
+          </a:fillRef>
+          <a:effectRef idx="0">
+            <a:schemeClr val="accent1"/>
+          </a:effectRef>
+          <a:fontRef idx="minor">
+            <a:schemeClr val="lt1"/>
+          </a:fontRef>
+        </p:style>
+        <p:txBody>
+          <a:bodyPr rtlCol="0" anchor="ctr"/>
+          <a:lstStyle/>
+          <a:p>
+            <a:pPr algn="ctr"/>
+            <a:r>
+              <a:rPr lang="en-US" altLang="zh-CN" sz="1400" dirty="0"/>
+              <a:t>06</a:t>
+            </a:r>
+          </a:p>
+        </p:txBody>
+      </p:sp>
     </p:spTree>
     <p:custDataLst>
       <p:tags r:id="rId1"/>
@@ -14640,7 +16665,7 @@
         <p:spPr>
           <a:xfrm>
             <a:off x="1347640" y="1622980"/>
-            <a:ext cx="9496715" cy="1289905"/>
+            <a:ext cx="9828360" cy="1289905"/>
           </a:xfrm>
           <a:prstGeom prst="rect">
             <a:avLst/>
@@ -14669,10 +16694,40 @@
                 <a:latin typeface="微软雅黑" panose="020B0503020204020204" pitchFamily="34" charset="-122"/>
                 <a:ea typeface="微软雅黑" panose="020B0503020204020204" pitchFamily="34" charset="-122"/>
               </a:rPr>
-              <a:t>是一种非参数建模方法，其原理为由给定的历史状态向量集合中组成矩阵</a:t>
+              <a:t>是一种</a:t>
+            </a:r>
+            <a:r>
+              <a:rPr lang="zh-CN" altLang="en-US" dirty="0">
+                <a:solidFill>
+                  <a:srgbClr val="FF0000"/>
+                </a:solidFill>
+                <a:latin typeface="微软雅黑" panose="020B0503020204020204" pitchFamily="34" charset="-122"/>
+                <a:ea typeface="微软雅黑" panose="020B0503020204020204" pitchFamily="34" charset="-122"/>
+              </a:rPr>
+              <a:t>非参数建模</a:t>
+            </a:r>
+            <a:r>
+              <a:rPr lang="zh-CN" altLang="en-US" dirty="0">
+                <a:latin typeface="微软雅黑" panose="020B0503020204020204" pitchFamily="34" charset="-122"/>
+                <a:ea typeface="微软雅黑" panose="020B0503020204020204" pitchFamily="34" charset="-122"/>
+              </a:rPr>
+              <a:t>方法，其原理为由给定的历史状态向量集合中组成</a:t>
+            </a:r>
+            <a:r>
+              <a:rPr lang="zh-CN" altLang="en-US" dirty="0">
+                <a:solidFill>
+                  <a:srgbClr val="FF0000"/>
+                </a:solidFill>
+                <a:latin typeface="微软雅黑" panose="020B0503020204020204" pitchFamily="34" charset="-122"/>
+                <a:ea typeface="微软雅黑" panose="020B0503020204020204" pitchFamily="34" charset="-122"/>
+              </a:rPr>
+              <a:t>矩阵</a:t>
             </a:r>
             <a:r>
               <a:rPr lang="en-US" altLang="zh-CN" dirty="0">
+                <a:solidFill>
+                  <a:srgbClr val="FF0000"/>
+                </a:solidFill>
                 <a:latin typeface="微软雅黑" panose="020B0503020204020204" pitchFamily="34" charset="-122"/>
                 <a:ea typeface="微软雅黑" panose="020B0503020204020204" pitchFamily="34" charset="-122"/>
               </a:rPr>
@@ -14683,7 +16738,41 @@
                 <a:latin typeface="微软雅黑" panose="020B0503020204020204" pitchFamily="34" charset="-122"/>
                 <a:ea typeface="微软雅黑" panose="020B0503020204020204" pitchFamily="34" charset="-122"/>
               </a:rPr>
-              <a:t>，来表征系统正常运行时的状态；然后</a:t>
+              <a:t>，来</a:t>
+            </a:r>
+            <a:r>
+              <a:rPr lang="zh-CN" altLang="en-US" dirty="0">
+                <a:solidFill>
+                  <a:srgbClr val="FF0000"/>
+                </a:solidFill>
+                <a:latin typeface="微软雅黑" panose="020B0503020204020204" pitchFamily="34" charset="-122"/>
+                <a:ea typeface="微软雅黑" panose="020B0503020204020204" pitchFamily="34" charset="-122"/>
+              </a:rPr>
+              <a:t>表征</a:t>
+            </a:r>
+            <a:r>
+              <a:rPr lang="zh-CN" altLang="en-US" dirty="0">
+                <a:latin typeface="微软雅黑" panose="020B0503020204020204" pitchFamily="34" charset="-122"/>
+                <a:ea typeface="微软雅黑" panose="020B0503020204020204" pitchFamily="34" charset="-122"/>
+              </a:rPr>
+              <a:t>系统</a:t>
+            </a:r>
+            <a:r>
+              <a:rPr lang="zh-CN" altLang="en-US" dirty="0">
+                <a:solidFill>
+                  <a:srgbClr val="FF0000"/>
+                </a:solidFill>
+                <a:latin typeface="微软雅黑" panose="020B0503020204020204" pitchFamily="34" charset="-122"/>
+                <a:ea typeface="微软雅黑" panose="020B0503020204020204" pitchFamily="34" charset="-122"/>
+              </a:rPr>
+              <a:t>正常运行</a:t>
+            </a:r>
+            <a:r>
+              <a:rPr lang="zh-CN" altLang="en-US" dirty="0">
+                <a:latin typeface="微软雅黑" panose="020B0503020204020204" pitchFamily="34" charset="-122"/>
+                <a:ea typeface="微软雅黑" panose="020B0503020204020204" pitchFamily="34" charset="-122"/>
+              </a:rPr>
+              <a:t>时的状态；然后</a:t>
             </a:r>
             <a:r>
               <a:rPr lang="en-US" altLang="zh-CN" dirty="0">
@@ -14694,10 +16783,20 @@
             </a:r>
             <a:r>
               <a:rPr lang="zh-CN" altLang="en-US" dirty="0">
-                <a:latin typeface="微软雅黑" panose="020B0503020204020204" pitchFamily="34" charset="-122"/>
-                <a:ea typeface="微软雅黑" panose="020B0503020204020204" pitchFamily="34" charset="-122"/>
-              </a:rPr>
-              <a:t>评估当前状态向量与</a:t>
+                <a:solidFill>
+                  <a:srgbClr val="FF0000"/>
+                </a:solidFill>
+                <a:latin typeface="微软雅黑" panose="020B0503020204020204" pitchFamily="34" charset="-122"/>
+                <a:ea typeface="微软雅黑" panose="020B0503020204020204" pitchFamily="34" charset="-122"/>
+              </a:rPr>
+              <a:t>评估</a:t>
+            </a:r>
+            <a:r>
+              <a:rPr lang="zh-CN" altLang="en-US" dirty="0">
+                <a:latin typeface="微软雅黑" panose="020B0503020204020204" pitchFamily="34" charset="-122"/>
+                <a:ea typeface="微软雅黑" panose="020B0503020204020204" pitchFamily="34" charset="-122"/>
+              </a:rPr>
+              <a:t>当前状态向量与</a:t>
             </a:r>
             <a:r>
               <a:rPr lang="en-US" altLang="zh-CN" dirty="0">
@@ -14711,7 +16810,58 @@
                 <a:latin typeface="微软雅黑" panose="020B0503020204020204" pitchFamily="34" charset="-122"/>
                 <a:ea typeface="微软雅黑" panose="020B0503020204020204" pitchFamily="34" charset="-122"/>
               </a:rPr>
-              <a:t>内所有向量的相似性，来评估当前系统是否正常运行。核心理念在于把训练数据当作没有错误的数据。</a:t>
+              <a:t>内所有向量的</a:t>
+            </a:r>
+            <a:r>
+              <a:rPr lang="zh-CN" altLang="en-US" dirty="0">
+                <a:solidFill>
+                  <a:srgbClr val="FF0000"/>
+                </a:solidFill>
+                <a:latin typeface="微软雅黑" panose="020B0503020204020204" pitchFamily="34" charset="-122"/>
+                <a:ea typeface="微软雅黑" panose="020B0503020204020204" pitchFamily="34" charset="-122"/>
+              </a:rPr>
+              <a:t>相似性</a:t>
+            </a:r>
+            <a:r>
+              <a:rPr lang="zh-CN" altLang="en-US" dirty="0">
+                <a:latin typeface="微软雅黑" panose="020B0503020204020204" pitchFamily="34" charset="-122"/>
+                <a:ea typeface="微软雅黑" panose="020B0503020204020204" pitchFamily="34" charset="-122"/>
+              </a:rPr>
+              <a:t>，来评估当前系统是否正常运行。核心理念在于把</a:t>
+            </a:r>
+            <a:r>
+              <a:rPr lang="zh-CN" altLang="en-US" dirty="0">
+                <a:solidFill>
+                  <a:srgbClr val="FF0000"/>
+                </a:solidFill>
+                <a:latin typeface="微软雅黑" panose="020B0503020204020204" pitchFamily="34" charset="-122"/>
+                <a:ea typeface="微软雅黑" panose="020B0503020204020204" pitchFamily="34" charset="-122"/>
+              </a:rPr>
+              <a:t>训练数据</a:t>
+            </a:r>
+            <a:r>
+              <a:rPr lang="zh-CN" altLang="en-US" dirty="0">
+                <a:latin typeface="微软雅黑" panose="020B0503020204020204" pitchFamily="34" charset="-122"/>
+                <a:ea typeface="微软雅黑" panose="020B0503020204020204" pitchFamily="34" charset="-122"/>
+              </a:rPr>
+              <a:t>当作</a:t>
+            </a:r>
+            <a:r>
+              <a:rPr lang="zh-CN" altLang="en-US" dirty="0">
+                <a:solidFill>
+                  <a:srgbClr val="FF0000"/>
+                </a:solidFill>
+                <a:latin typeface="微软雅黑" panose="020B0503020204020204" pitchFamily="34" charset="-122"/>
+                <a:ea typeface="微软雅黑" panose="020B0503020204020204" pitchFamily="34" charset="-122"/>
+              </a:rPr>
+              <a:t>没有错误</a:t>
+            </a:r>
+            <a:r>
+              <a:rPr lang="zh-CN" altLang="en-US" dirty="0">
+                <a:latin typeface="微软雅黑" panose="020B0503020204020204" pitchFamily="34" charset="-122"/>
+                <a:ea typeface="微软雅黑" panose="020B0503020204020204" pitchFamily="34" charset="-122"/>
+              </a:rPr>
+              <a:t>的数据。</a:t>
             </a:r>
           </a:p>
         </p:txBody>
@@ -17269,6 +19419,110 @@
           </a:p>
         </p:txBody>
       </p:sp>
+      <p:sp>
+        <p:nvSpPr>
+          <p:cNvPr id="2" name="椭圆 1">
+            <a:extLst>
+              <a:ext uri="{FF2B5EF4-FFF2-40B4-BE49-F238E27FC236}">
+                <a16:creationId xmlns:a16="http://schemas.microsoft.com/office/drawing/2014/main" id="{F7F8B819-01ED-4896-A038-8F42D54A1622}"/>
+              </a:ext>
+            </a:extLst>
+          </p:cNvPr>
+          <p:cNvSpPr/>
+          <p:nvPr/>
+        </p:nvSpPr>
+        <p:spPr>
+          <a:xfrm>
+            <a:off x="1550867" y="4427148"/>
+            <a:ext cx="294640" cy="203200"/>
+          </a:xfrm>
+          <a:prstGeom prst="ellipse">
+            <a:avLst/>
+          </a:prstGeom>
+          <a:noFill/>
+          <a:ln w="19050">
+            <a:solidFill>
+              <a:srgbClr val="FF0000"/>
+            </a:solidFill>
+          </a:ln>
+        </p:spPr>
+        <p:style>
+          <a:lnRef idx="2">
+            <a:schemeClr val="accent1">
+              <a:shade val="50000"/>
+            </a:schemeClr>
+          </a:lnRef>
+          <a:fillRef idx="1">
+            <a:schemeClr val="accent1"/>
+          </a:fillRef>
+          <a:effectRef idx="0">
+            <a:schemeClr val="accent1"/>
+          </a:effectRef>
+          <a:fontRef idx="minor">
+            <a:schemeClr val="lt1"/>
+          </a:fontRef>
+        </p:style>
+        <p:txBody>
+          <a:bodyPr rtlCol="0" anchor="ctr"/>
+          <a:lstStyle/>
+          <a:p>
+            <a:pPr algn="ctr"/>
+            <a:endParaRPr lang="zh-CN" altLang="en-US" dirty="0"/>
+          </a:p>
+        </p:txBody>
+      </p:sp>
+      <p:sp>
+        <p:nvSpPr>
+          <p:cNvPr id="20" name="椭圆 19">
+            <a:extLst>
+              <a:ext uri="{FF2B5EF4-FFF2-40B4-BE49-F238E27FC236}">
+                <a16:creationId xmlns:a16="http://schemas.microsoft.com/office/drawing/2014/main" id="{DDDEB1D6-B540-4789-8B2E-268EA40EBBC8}"/>
+              </a:ext>
+            </a:extLst>
+          </p:cNvPr>
+          <p:cNvSpPr/>
+          <p:nvPr/>
+        </p:nvSpPr>
+        <p:spPr>
+          <a:xfrm>
+            <a:off x="4101027" y="4458783"/>
+            <a:ext cx="294640" cy="203200"/>
+          </a:xfrm>
+          <a:prstGeom prst="ellipse">
+            <a:avLst/>
+          </a:prstGeom>
+          <a:noFill/>
+          <a:ln w="19050">
+            <a:solidFill>
+              <a:srgbClr val="FF0000"/>
+            </a:solidFill>
+          </a:ln>
+        </p:spPr>
+        <p:style>
+          <a:lnRef idx="2">
+            <a:schemeClr val="accent1">
+              <a:shade val="50000"/>
+            </a:schemeClr>
+          </a:lnRef>
+          <a:fillRef idx="1">
+            <a:schemeClr val="accent1"/>
+          </a:fillRef>
+          <a:effectRef idx="0">
+            <a:schemeClr val="accent1"/>
+          </a:effectRef>
+          <a:fontRef idx="minor">
+            <a:schemeClr val="lt1"/>
+          </a:fontRef>
+        </p:style>
+        <p:txBody>
+          <a:bodyPr rtlCol="0" anchor="ctr"/>
+          <a:lstStyle/>
+          <a:p>
+            <a:pPr algn="ctr"/>
+            <a:endParaRPr lang="zh-CN" altLang="en-US" dirty="0"/>
+          </a:p>
+        </p:txBody>
+      </p:sp>
     </p:spTree>
     <p:extLst>
       <p:ext uri="{BB962C8B-B14F-4D97-AF65-F5344CB8AC3E}">
@@ -20684,8 +22938,8 @@
           </a:p>
         </p:txBody>
       </p:sp>
-      <mc:AlternateContent xmlns:mc="http://schemas.openxmlformats.org/markup-compatibility/2006">
-        <mc:Choice xmlns:a14="http://schemas.microsoft.com/office/drawing/2010/main" Requires="a14">
+      <mc:AlternateContent xmlns:mc="http://schemas.openxmlformats.org/markup-compatibility/2006" xmlns:a14="http://schemas.microsoft.com/office/drawing/2010/main">
+        <mc:Choice Requires="a14">
           <p:sp>
             <p:nvSpPr>
               <p:cNvPr id="4" name="文本框 3">
@@ -21161,7 +23415,7 @@
             </p:txBody>
           </p:sp>
         </mc:Choice>
-        <mc:Fallback>
+        <mc:Fallback xmlns="">
           <p:sp>
             <p:nvSpPr>
               <p:cNvPr id="4" name="文本框 3">
@@ -21223,7 +23477,7 @@
             <p:spPr>
               <a:xfrm>
                 <a:off x="6314426" y="5895199"/>
-                <a:ext cx="4157540" cy="783163"/>
+                <a:ext cx="4678694" cy="783163"/>
               </a:xfrm>
               <a:prstGeom prst="rect">
                 <a:avLst/>
@@ -21412,7 +23666,7 @@
             <p:spPr>
               <a:xfrm>
                 <a:off x="6314426" y="5895199"/>
-                <a:ext cx="4157540" cy="783163"/>
+                <a:ext cx="4678694" cy="783163"/>
               </a:xfrm>
               <a:prstGeom prst="rect">
                 <a:avLst/>
@@ -21420,7 +23674,7 @@
               <a:blipFill>
                 <a:blip r:embed="rId3"/>
                 <a:stretch>
-                  <a:fillRect l="-880" b="-7752"/>
+                  <a:fillRect l="-782" b="-7752"/>
                 </a:stretch>
               </a:blipFill>
             </p:spPr>
